--- a/figures/figure.pptx
+++ b/figures/figure.pptx
@@ -2,22 +2,25 @@
 <file path=ppt/presentation.xml><?xml version="1.0" encoding="utf-8"?>
 <p:presentation xmlns:a="http://schemas.openxmlformats.org/drawingml/2006/main" xmlns:r="http://schemas.openxmlformats.org/officeDocument/2006/relationships" xmlns:p="http://schemas.openxmlformats.org/presentationml/2006/main" saveSubsetFonts="1">
   <p:sldMasterIdLst>
-    <p:sldMasterId id="2147483648" r:id="rId1"/>
+    <p:sldMasterId id="2147483684" r:id="rId1"/>
   </p:sldMasterIdLst>
   <p:sldIdLst>
     <p:sldId id="256" r:id="rId2"/>
     <p:sldId id="257" r:id="rId3"/>
     <p:sldId id="259" r:id="rId4"/>
-    <p:sldId id="258" r:id="rId5"/>
+    <p:sldId id="261" r:id="rId5"/>
+    <p:sldId id="262" r:id="rId6"/>
+    <p:sldId id="260" r:id="rId7"/>
+    <p:sldId id="263" r:id="rId8"/>
   </p:sldIdLst>
-  <p:sldSz cx="12192000" cy="6858000"/>
-  <p:notesSz cx="6858000" cy="9144000"/>
+  <p:sldSz cx="10799763" cy="10799763"/>
+  <p:notesSz cx="6797675" cy="9926638"/>
   <p:defaultTextStyle>
     <a:defPPr>
-      <a:defRPr lang="ja-JP"/>
+      <a:defRPr lang="en-US"/>
     </a:defPPr>
-    <a:lvl1pPr marL="0" algn="l" defTabSz="914400" rtl="0" eaLnBrk="1" latinLnBrk="0" hangingPunct="1">
-      <a:defRPr kumimoji="1" sz="1800" kern="1200">
+    <a:lvl1pPr marL="0" algn="l" defTabSz="457200" rtl="0" eaLnBrk="1" latinLnBrk="0" hangingPunct="1">
+      <a:defRPr sz="1800" kern="1200">
         <a:solidFill>
           <a:schemeClr val="tx1"/>
         </a:solidFill>
@@ -26,8 +29,8 @@
         <a:cs typeface="+mn-cs"/>
       </a:defRPr>
     </a:lvl1pPr>
-    <a:lvl2pPr marL="457200" algn="l" defTabSz="914400" rtl="0" eaLnBrk="1" latinLnBrk="0" hangingPunct="1">
-      <a:defRPr kumimoji="1" sz="1800" kern="1200">
+    <a:lvl2pPr marL="457200" algn="l" defTabSz="457200" rtl="0" eaLnBrk="1" latinLnBrk="0" hangingPunct="1">
+      <a:defRPr sz="1800" kern="1200">
         <a:solidFill>
           <a:schemeClr val="tx1"/>
         </a:solidFill>
@@ -36,8 +39,8 @@
         <a:cs typeface="+mn-cs"/>
       </a:defRPr>
     </a:lvl2pPr>
-    <a:lvl3pPr marL="914400" algn="l" defTabSz="914400" rtl="0" eaLnBrk="1" latinLnBrk="0" hangingPunct="1">
-      <a:defRPr kumimoji="1" sz="1800" kern="1200">
+    <a:lvl3pPr marL="914400" algn="l" defTabSz="457200" rtl="0" eaLnBrk="1" latinLnBrk="0" hangingPunct="1">
+      <a:defRPr sz="1800" kern="1200">
         <a:solidFill>
           <a:schemeClr val="tx1"/>
         </a:solidFill>
@@ -46,8 +49,8 @@
         <a:cs typeface="+mn-cs"/>
       </a:defRPr>
     </a:lvl3pPr>
-    <a:lvl4pPr marL="1371600" algn="l" defTabSz="914400" rtl="0" eaLnBrk="1" latinLnBrk="0" hangingPunct="1">
-      <a:defRPr kumimoji="1" sz="1800" kern="1200">
+    <a:lvl4pPr marL="1371600" algn="l" defTabSz="457200" rtl="0" eaLnBrk="1" latinLnBrk="0" hangingPunct="1">
+      <a:defRPr sz="1800" kern="1200">
         <a:solidFill>
           <a:schemeClr val="tx1"/>
         </a:solidFill>
@@ -56,8 +59,8 @@
         <a:cs typeface="+mn-cs"/>
       </a:defRPr>
     </a:lvl4pPr>
-    <a:lvl5pPr marL="1828800" algn="l" defTabSz="914400" rtl="0" eaLnBrk="1" latinLnBrk="0" hangingPunct="1">
-      <a:defRPr kumimoji="1" sz="1800" kern="1200">
+    <a:lvl5pPr marL="1828800" algn="l" defTabSz="457200" rtl="0" eaLnBrk="1" latinLnBrk="0" hangingPunct="1">
+      <a:defRPr sz="1800" kern="1200">
         <a:solidFill>
           <a:schemeClr val="tx1"/>
         </a:solidFill>
@@ -66,8 +69,8 @@
         <a:cs typeface="+mn-cs"/>
       </a:defRPr>
     </a:lvl5pPr>
-    <a:lvl6pPr marL="2286000" algn="l" defTabSz="914400" rtl="0" eaLnBrk="1" latinLnBrk="0" hangingPunct="1">
-      <a:defRPr kumimoji="1" sz="1800" kern="1200">
+    <a:lvl6pPr marL="2286000" algn="l" defTabSz="457200" rtl="0" eaLnBrk="1" latinLnBrk="0" hangingPunct="1">
+      <a:defRPr sz="1800" kern="1200">
         <a:solidFill>
           <a:schemeClr val="tx1"/>
         </a:solidFill>
@@ -76,8 +79,8 @@
         <a:cs typeface="+mn-cs"/>
       </a:defRPr>
     </a:lvl6pPr>
-    <a:lvl7pPr marL="2743200" algn="l" defTabSz="914400" rtl="0" eaLnBrk="1" latinLnBrk="0" hangingPunct="1">
-      <a:defRPr kumimoji="1" sz="1800" kern="1200">
+    <a:lvl7pPr marL="2743200" algn="l" defTabSz="457200" rtl="0" eaLnBrk="1" latinLnBrk="0" hangingPunct="1">
+      <a:defRPr sz="1800" kern="1200">
         <a:solidFill>
           <a:schemeClr val="tx1"/>
         </a:solidFill>
@@ -86,8 +89,8 @@
         <a:cs typeface="+mn-cs"/>
       </a:defRPr>
     </a:lvl7pPr>
-    <a:lvl8pPr marL="3200400" algn="l" defTabSz="914400" rtl="0" eaLnBrk="1" latinLnBrk="0" hangingPunct="1">
-      <a:defRPr kumimoji="1" sz="1800" kern="1200">
+    <a:lvl8pPr marL="3200400" algn="l" defTabSz="457200" rtl="0" eaLnBrk="1" latinLnBrk="0" hangingPunct="1">
+      <a:defRPr sz="1800" kern="1200">
         <a:solidFill>
           <a:schemeClr val="tx1"/>
         </a:solidFill>
@@ -96,8 +99,8 @@
         <a:cs typeface="+mn-cs"/>
       </a:defRPr>
     </a:lvl8pPr>
-    <a:lvl9pPr marL="3657600" algn="l" defTabSz="914400" rtl="0" eaLnBrk="1" latinLnBrk="0" hangingPunct="1">
-      <a:defRPr kumimoji="1" sz="1800" kern="1200">
+    <a:lvl9pPr marL="3657600" algn="l" defTabSz="457200" rtl="0" eaLnBrk="1" latinLnBrk="0" hangingPunct="1">
+      <a:defRPr sz="1800" kern="1200">
         <a:solidFill>
           <a:schemeClr val="tx1"/>
         </a:solidFill>
@@ -110,12 +113,12 @@
   <p:extLst>
     <p:ext uri="{EFAFB233-063F-42B5-8137-9DF3F51BA10A}">
       <p15:sldGuideLst xmlns:p15="http://schemas.microsoft.com/office/powerpoint/2012/main">
-        <p15:guide id="1" orient="horz" pos="2160" userDrawn="1">
+        <p15:guide id="1" orient="horz" pos="3402" userDrawn="1">
           <p15:clr>
             <a:srgbClr val="A4A3A4"/>
           </p15:clr>
         </p15:guide>
-        <p15:guide id="2" pos="3840" userDrawn="1">
+        <p15:guide id="2" pos="3402" userDrawn="1">
           <p15:clr>
             <a:srgbClr val="A4A3A4"/>
           </p15:clr>
@@ -145,13 +148,7 @@
       </p:grpSpPr>
       <p:sp>
         <p:nvSpPr>
-          <p:cNvPr id="2" name="タイトル 1">
-            <a:extLst>
-              <a:ext uri="{FF2B5EF4-FFF2-40B4-BE49-F238E27FC236}">
-                <a16:creationId xmlns:a16="http://schemas.microsoft.com/office/drawing/2014/main" id="{32BA3FE2-357B-473B-9C09-97D9393335C4}"/>
-              </a:ext>
-            </a:extLst>
-          </p:cNvPr>
+          <p:cNvPr id="2" name="Title 1"/>
           <p:cNvSpPr>
             <a:spLocks noGrp="1"/>
           </p:cNvSpPr>
@@ -161,34 +158,29 @@
         </p:nvSpPr>
         <p:spPr>
           <a:xfrm>
-            <a:off x="1524000" y="1122363"/>
-            <a:ext cx="9144000" cy="2387600"/>
+            <a:off x="809982" y="1767462"/>
+            <a:ext cx="9179799" cy="3759917"/>
           </a:xfrm>
         </p:spPr>
         <p:txBody>
           <a:bodyPr anchor="b"/>
           <a:lstStyle>
             <a:lvl1pPr algn="ctr">
-              <a:defRPr sz="6000"/>
+              <a:defRPr sz="7087"/>
             </a:lvl1pPr>
           </a:lstStyle>
           <a:p>
             <a:r>
-              <a:rPr kumimoji="1" lang="ja-JP" altLang="en-US"/>
+              <a:rPr lang="ja-JP" altLang="en-US"/>
               <a:t>マスター タイトルの書式設定</a:t>
             </a:r>
+            <a:endParaRPr lang="en-US" dirty="0"/>
           </a:p>
         </p:txBody>
       </p:sp>
       <p:sp>
         <p:nvSpPr>
-          <p:cNvPr id="3" name="字幕 2">
-            <a:extLst>
-              <a:ext uri="{FF2B5EF4-FFF2-40B4-BE49-F238E27FC236}">
-                <a16:creationId xmlns:a16="http://schemas.microsoft.com/office/drawing/2014/main" id="{5242A010-E702-4CB6-8772-246CE643C36C}"/>
-              </a:ext>
-            </a:extLst>
-          </p:cNvPr>
+          <p:cNvPr id="3" name="Subtitle 2"/>
           <p:cNvSpPr>
             <a:spLocks noGrp="1"/>
           </p:cNvSpPr>
@@ -198,8 +190,8 @@
         </p:nvSpPr>
         <p:spPr>
           <a:xfrm>
-            <a:off x="1524000" y="3602038"/>
-            <a:ext cx="9144000" cy="1655762"/>
+            <a:off x="1349971" y="5672376"/>
+            <a:ext cx="8099822" cy="2607442"/>
           </a:xfrm>
         </p:spPr>
         <p:txBody>
@@ -207,58 +199,53 @@
           <a:lstStyle>
             <a:lvl1pPr marL="0" indent="0" algn="ctr">
               <a:buNone/>
-              <a:defRPr sz="2400"/>
+              <a:defRPr sz="2835"/>
             </a:lvl1pPr>
-            <a:lvl2pPr marL="457200" indent="0" algn="ctr">
+            <a:lvl2pPr marL="539999" indent="0" algn="ctr">
               <a:buNone/>
-              <a:defRPr sz="2000"/>
+              <a:defRPr sz="2362"/>
             </a:lvl2pPr>
-            <a:lvl3pPr marL="914400" indent="0" algn="ctr">
+            <a:lvl3pPr marL="1079998" indent="0" algn="ctr">
               <a:buNone/>
-              <a:defRPr sz="1800"/>
+              <a:defRPr sz="2126"/>
             </a:lvl3pPr>
-            <a:lvl4pPr marL="1371600" indent="0" algn="ctr">
+            <a:lvl4pPr marL="1619997" indent="0" algn="ctr">
               <a:buNone/>
-              <a:defRPr sz="1600"/>
+              <a:defRPr sz="1890"/>
             </a:lvl4pPr>
-            <a:lvl5pPr marL="1828800" indent="0" algn="ctr">
+            <a:lvl5pPr marL="2159996" indent="0" algn="ctr">
               <a:buNone/>
-              <a:defRPr sz="1600"/>
+              <a:defRPr sz="1890"/>
             </a:lvl5pPr>
-            <a:lvl6pPr marL="2286000" indent="0" algn="ctr">
+            <a:lvl6pPr marL="2699995" indent="0" algn="ctr">
               <a:buNone/>
-              <a:defRPr sz="1600"/>
+              <a:defRPr sz="1890"/>
             </a:lvl6pPr>
-            <a:lvl7pPr marL="2743200" indent="0" algn="ctr">
+            <a:lvl7pPr marL="3239994" indent="0" algn="ctr">
               <a:buNone/>
-              <a:defRPr sz="1600"/>
+              <a:defRPr sz="1890"/>
             </a:lvl7pPr>
-            <a:lvl8pPr marL="3200400" indent="0" algn="ctr">
+            <a:lvl8pPr marL="3779992" indent="0" algn="ctr">
               <a:buNone/>
-              <a:defRPr sz="1600"/>
+              <a:defRPr sz="1890"/>
             </a:lvl8pPr>
-            <a:lvl9pPr marL="3657600" indent="0" algn="ctr">
+            <a:lvl9pPr marL="4319991" indent="0" algn="ctr">
               <a:buNone/>
-              <a:defRPr sz="1600"/>
+              <a:defRPr sz="1890"/>
             </a:lvl9pPr>
           </a:lstStyle>
           <a:p>
             <a:r>
-              <a:rPr kumimoji="1" lang="ja-JP" altLang="en-US"/>
+              <a:rPr lang="ja-JP" altLang="en-US"/>
               <a:t>マスター サブタイトルの書式設定</a:t>
             </a:r>
+            <a:endParaRPr lang="en-US" dirty="0"/>
           </a:p>
         </p:txBody>
       </p:sp>
       <p:sp>
         <p:nvSpPr>
-          <p:cNvPr id="4" name="日付プレースホルダー 3">
-            <a:extLst>
-              <a:ext uri="{FF2B5EF4-FFF2-40B4-BE49-F238E27FC236}">
-                <a16:creationId xmlns:a16="http://schemas.microsoft.com/office/drawing/2014/main" id="{912D681E-CDF3-48A4-B454-721D0134D1CA}"/>
-              </a:ext>
-            </a:extLst>
-          </p:cNvPr>
+          <p:cNvPr id="4" name="Date Placeholder 3"/>
           <p:cNvSpPr>
             <a:spLocks noGrp="1"/>
           </p:cNvSpPr>
@@ -273,7 +260,7 @@
           <a:p>
             <a:fld id="{D9812761-E0F9-498D-A86D-14F66CBFAB0E}" type="datetimeFigureOut">
               <a:rPr kumimoji="1" lang="ja-JP" altLang="en-US" smtClean="0"/>
-              <a:t>2021/6/26</a:t>
+              <a:t>2021/7/3</a:t>
             </a:fld>
             <a:endParaRPr kumimoji="1" lang="ja-JP" altLang="en-US"/>
           </a:p>
@@ -281,13 +268,7 @@
       </p:sp>
       <p:sp>
         <p:nvSpPr>
-          <p:cNvPr id="5" name="フッター プレースホルダー 4">
-            <a:extLst>
-              <a:ext uri="{FF2B5EF4-FFF2-40B4-BE49-F238E27FC236}">
-                <a16:creationId xmlns:a16="http://schemas.microsoft.com/office/drawing/2014/main" id="{7C9F5FFB-1233-400F-B70E-3CBC45A8A34B}"/>
-              </a:ext>
-            </a:extLst>
-          </p:cNvPr>
+          <p:cNvPr id="5" name="Footer Placeholder 4"/>
           <p:cNvSpPr>
             <a:spLocks noGrp="1"/>
           </p:cNvSpPr>
@@ -306,13 +287,7 @@
       </p:sp>
       <p:sp>
         <p:nvSpPr>
-          <p:cNvPr id="6" name="スライド番号プレースホルダー 5">
-            <a:extLst>
-              <a:ext uri="{FF2B5EF4-FFF2-40B4-BE49-F238E27FC236}">
-                <a16:creationId xmlns:a16="http://schemas.microsoft.com/office/drawing/2014/main" id="{0845E4FE-063D-4ACC-BE66-B3AF7BDD0590}"/>
-              </a:ext>
-            </a:extLst>
-          </p:cNvPr>
+          <p:cNvPr id="6" name="Slide Number Placeholder 5"/>
           <p:cNvSpPr>
             <a:spLocks noGrp="1"/>
           </p:cNvSpPr>
@@ -336,7 +311,7 @@
     </p:spTree>
     <p:extLst>
       <p:ext uri="{BB962C8B-B14F-4D97-AF65-F5344CB8AC3E}">
-        <p14:creationId xmlns:p14="http://schemas.microsoft.com/office/powerpoint/2010/main" val="338937474"/>
+        <p14:creationId xmlns:p14="http://schemas.microsoft.com/office/powerpoint/2010/main" val="4230902212"/>
       </p:ext>
     </p:extLst>
   </p:cSld>
@@ -365,13 +340,7 @@
       </p:grpSpPr>
       <p:sp>
         <p:nvSpPr>
-          <p:cNvPr id="2" name="タイトル 1">
-            <a:extLst>
-              <a:ext uri="{FF2B5EF4-FFF2-40B4-BE49-F238E27FC236}">
-                <a16:creationId xmlns:a16="http://schemas.microsoft.com/office/drawing/2014/main" id="{80B81C3F-01C8-4588-8631-D7A608739097}"/>
-              </a:ext>
-            </a:extLst>
-          </p:cNvPr>
+          <p:cNvPr id="2" name="Title 1"/>
           <p:cNvSpPr>
             <a:spLocks noGrp="1"/>
           </p:cNvSpPr>
@@ -385,21 +354,16 @@
           <a:lstStyle/>
           <a:p>
             <a:r>
-              <a:rPr kumimoji="1" lang="ja-JP" altLang="en-US"/>
+              <a:rPr lang="ja-JP" altLang="en-US"/>
               <a:t>マスター タイトルの書式設定</a:t>
             </a:r>
+            <a:endParaRPr lang="en-US" dirty="0"/>
           </a:p>
         </p:txBody>
       </p:sp>
       <p:sp>
         <p:nvSpPr>
-          <p:cNvPr id="3" name="縦書きテキスト プレースホルダー 2">
-            <a:extLst>
-              <a:ext uri="{FF2B5EF4-FFF2-40B4-BE49-F238E27FC236}">
-                <a16:creationId xmlns:a16="http://schemas.microsoft.com/office/drawing/2014/main" id="{145CE935-8CED-4168-BB62-6FFE6D9C660D}"/>
-              </a:ext>
-            </a:extLst>
-          </p:cNvPr>
+          <p:cNvPr id="3" name="Vertical Text Placeholder 2"/>
           <p:cNvSpPr>
             <a:spLocks noGrp="1"/>
           </p:cNvSpPr>
@@ -414,81 +378,76 @@
           <a:p>
             <a:pPr lvl="0"/>
             <a:r>
-              <a:rPr kumimoji="1" lang="ja-JP" altLang="en-US"/>
+              <a:rPr lang="ja-JP" altLang="en-US"/>
               <a:t>マスター テキストの書式設定</a:t>
             </a:r>
           </a:p>
           <a:p>
             <a:pPr lvl="1"/>
             <a:r>
-              <a:rPr kumimoji="1" lang="ja-JP" altLang="en-US"/>
+              <a:rPr lang="ja-JP" altLang="en-US"/>
               <a:t>第 </a:t>
             </a:r>
             <a:r>
-              <a:rPr kumimoji="1" lang="en-US" altLang="ja-JP"/>
+              <a:rPr lang="en-US" altLang="ja-JP"/>
               <a:t>2 </a:t>
             </a:r>
             <a:r>
-              <a:rPr kumimoji="1" lang="ja-JP" altLang="en-US"/>
+              <a:rPr lang="ja-JP" altLang="en-US"/>
               <a:t>レベル</a:t>
             </a:r>
           </a:p>
           <a:p>
             <a:pPr lvl="2"/>
             <a:r>
-              <a:rPr kumimoji="1" lang="ja-JP" altLang="en-US"/>
+              <a:rPr lang="ja-JP" altLang="en-US"/>
               <a:t>第 </a:t>
             </a:r>
             <a:r>
-              <a:rPr kumimoji="1" lang="en-US" altLang="ja-JP"/>
+              <a:rPr lang="en-US" altLang="ja-JP"/>
               <a:t>3 </a:t>
             </a:r>
             <a:r>
-              <a:rPr kumimoji="1" lang="ja-JP" altLang="en-US"/>
+              <a:rPr lang="ja-JP" altLang="en-US"/>
               <a:t>レベル</a:t>
             </a:r>
           </a:p>
           <a:p>
             <a:pPr lvl="3"/>
             <a:r>
-              <a:rPr kumimoji="1" lang="ja-JP" altLang="en-US"/>
+              <a:rPr lang="ja-JP" altLang="en-US"/>
               <a:t>第 </a:t>
             </a:r>
             <a:r>
-              <a:rPr kumimoji="1" lang="en-US" altLang="ja-JP"/>
+              <a:rPr lang="en-US" altLang="ja-JP"/>
               <a:t>4 </a:t>
             </a:r>
             <a:r>
-              <a:rPr kumimoji="1" lang="ja-JP" altLang="en-US"/>
+              <a:rPr lang="ja-JP" altLang="en-US"/>
               <a:t>レベル</a:t>
             </a:r>
           </a:p>
           <a:p>
             <a:pPr lvl="4"/>
             <a:r>
-              <a:rPr kumimoji="1" lang="ja-JP" altLang="en-US"/>
+              <a:rPr lang="ja-JP" altLang="en-US"/>
               <a:t>第 </a:t>
             </a:r>
             <a:r>
-              <a:rPr kumimoji="1" lang="en-US" altLang="ja-JP"/>
+              <a:rPr lang="en-US" altLang="ja-JP"/>
               <a:t>5 </a:t>
             </a:r>
             <a:r>
-              <a:rPr kumimoji="1" lang="ja-JP" altLang="en-US"/>
+              <a:rPr lang="ja-JP" altLang="en-US"/>
               <a:t>レベル</a:t>
             </a:r>
+            <a:endParaRPr lang="en-US" dirty="0"/>
           </a:p>
         </p:txBody>
       </p:sp>
       <p:sp>
         <p:nvSpPr>
-          <p:cNvPr id="4" name="日付プレースホルダー 3">
-            <a:extLst>
-              <a:ext uri="{FF2B5EF4-FFF2-40B4-BE49-F238E27FC236}">
-                <a16:creationId xmlns:a16="http://schemas.microsoft.com/office/drawing/2014/main" id="{7F064299-EB15-4CDA-86A3-982BD66657CF}"/>
-              </a:ext>
-            </a:extLst>
-          </p:cNvPr>
+          <p:cNvPr id="4" name="Date Placeholder 3"/>
           <p:cNvSpPr>
             <a:spLocks noGrp="1"/>
           </p:cNvSpPr>
@@ -503,7 +462,7 @@
           <a:p>
             <a:fld id="{D9812761-E0F9-498D-A86D-14F66CBFAB0E}" type="datetimeFigureOut">
               <a:rPr kumimoji="1" lang="ja-JP" altLang="en-US" smtClean="0"/>
-              <a:t>2021/6/26</a:t>
+              <a:t>2021/7/3</a:t>
             </a:fld>
             <a:endParaRPr kumimoji="1" lang="ja-JP" altLang="en-US"/>
           </a:p>
@@ -511,13 +470,7 @@
       </p:sp>
       <p:sp>
         <p:nvSpPr>
-          <p:cNvPr id="5" name="フッター プレースホルダー 4">
-            <a:extLst>
-              <a:ext uri="{FF2B5EF4-FFF2-40B4-BE49-F238E27FC236}">
-                <a16:creationId xmlns:a16="http://schemas.microsoft.com/office/drawing/2014/main" id="{D418FAA1-7E00-4FF8-8398-A15720CA16E1}"/>
-              </a:ext>
-            </a:extLst>
-          </p:cNvPr>
+          <p:cNvPr id="5" name="Footer Placeholder 4"/>
           <p:cNvSpPr>
             <a:spLocks noGrp="1"/>
           </p:cNvSpPr>
@@ -536,13 +489,7 @@
       </p:sp>
       <p:sp>
         <p:nvSpPr>
-          <p:cNvPr id="6" name="スライド番号プレースホルダー 5">
-            <a:extLst>
-              <a:ext uri="{FF2B5EF4-FFF2-40B4-BE49-F238E27FC236}">
-                <a16:creationId xmlns:a16="http://schemas.microsoft.com/office/drawing/2014/main" id="{4E5B1E36-FAC1-4886-8DAD-E0191CB4CB56}"/>
-              </a:ext>
-            </a:extLst>
-          </p:cNvPr>
+          <p:cNvPr id="6" name="Slide Number Placeholder 5"/>
           <p:cNvSpPr>
             <a:spLocks noGrp="1"/>
           </p:cNvSpPr>
@@ -566,7 +513,7 @@
     </p:spTree>
     <p:extLst>
       <p:ext uri="{BB962C8B-B14F-4D97-AF65-F5344CB8AC3E}">
-        <p14:creationId xmlns:p14="http://schemas.microsoft.com/office/powerpoint/2010/main" val="2001610308"/>
+        <p14:creationId xmlns:p14="http://schemas.microsoft.com/office/powerpoint/2010/main" val="2059321234"/>
       </p:ext>
     </p:extLst>
   </p:cSld>
@@ -595,13 +542,7 @@
       </p:grpSpPr>
       <p:sp>
         <p:nvSpPr>
-          <p:cNvPr id="2" name="縦書きタイトル 1">
-            <a:extLst>
-              <a:ext uri="{FF2B5EF4-FFF2-40B4-BE49-F238E27FC236}">
-                <a16:creationId xmlns:a16="http://schemas.microsoft.com/office/drawing/2014/main" id="{0D6A1004-EDBA-4EEB-A25A-9B88355805B2}"/>
-              </a:ext>
-            </a:extLst>
-          </p:cNvPr>
+          <p:cNvPr id="2" name="Vertical Title 1"/>
           <p:cNvSpPr>
             <a:spLocks noGrp="1"/>
           </p:cNvSpPr>
@@ -611,8 +552,8 @@
         </p:nvSpPr>
         <p:spPr>
           <a:xfrm>
-            <a:off x="8724900" y="365125"/>
-            <a:ext cx="2628900" cy="5811838"/>
+            <a:off x="7728581" y="574987"/>
+            <a:ext cx="2328699" cy="9152300"/>
           </a:xfrm>
         </p:spPr>
         <p:txBody>
@@ -620,21 +561,16 @@
           <a:lstStyle/>
           <a:p>
             <a:r>
-              <a:rPr kumimoji="1" lang="ja-JP" altLang="en-US"/>
+              <a:rPr lang="ja-JP" altLang="en-US"/>
               <a:t>マスター タイトルの書式設定</a:t>
             </a:r>
+            <a:endParaRPr lang="en-US" dirty="0"/>
           </a:p>
         </p:txBody>
       </p:sp>
       <p:sp>
         <p:nvSpPr>
-          <p:cNvPr id="3" name="縦書きテキスト プレースホルダー 2">
-            <a:extLst>
-              <a:ext uri="{FF2B5EF4-FFF2-40B4-BE49-F238E27FC236}">
-                <a16:creationId xmlns:a16="http://schemas.microsoft.com/office/drawing/2014/main" id="{4C737E28-A838-4EA1-9EAB-9447096BBB06}"/>
-              </a:ext>
-            </a:extLst>
-          </p:cNvPr>
+          <p:cNvPr id="3" name="Vertical Text Placeholder 2"/>
           <p:cNvSpPr>
             <a:spLocks noGrp="1"/>
           </p:cNvSpPr>
@@ -644,8 +580,8 @@
         </p:nvSpPr>
         <p:spPr>
           <a:xfrm>
-            <a:off x="838200" y="365125"/>
-            <a:ext cx="7734300" cy="5811838"/>
+            <a:off x="742484" y="574987"/>
+            <a:ext cx="6851100" cy="9152300"/>
           </a:xfrm>
         </p:spPr>
         <p:txBody>
@@ -654,81 +590,76 @@
           <a:p>
             <a:pPr lvl="0"/>
             <a:r>
-              <a:rPr kumimoji="1" lang="ja-JP" altLang="en-US"/>
+              <a:rPr lang="ja-JP" altLang="en-US"/>
               <a:t>マスター テキストの書式設定</a:t>
             </a:r>
           </a:p>
           <a:p>
             <a:pPr lvl="1"/>
             <a:r>
-              <a:rPr kumimoji="1" lang="ja-JP" altLang="en-US"/>
+              <a:rPr lang="ja-JP" altLang="en-US"/>
               <a:t>第 </a:t>
             </a:r>
             <a:r>
-              <a:rPr kumimoji="1" lang="en-US" altLang="ja-JP"/>
+              <a:rPr lang="en-US" altLang="ja-JP"/>
               <a:t>2 </a:t>
             </a:r>
             <a:r>
-              <a:rPr kumimoji="1" lang="ja-JP" altLang="en-US"/>
+              <a:rPr lang="ja-JP" altLang="en-US"/>
               <a:t>レベル</a:t>
             </a:r>
           </a:p>
           <a:p>
             <a:pPr lvl="2"/>
             <a:r>
-              <a:rPr kumimoji="1" lang="ja-JP" altLang="en-US"/>
+              <a:rPr lang="ja-JP" altLang="en-US"/>
               <a:t>第 </a:t>
             </a:r>
             <a:r>
-              <a:rPr kumimoji="1" lang="en-US" altLang="ja-JP"/>
+              <a:rPr lang="en-US" altLang="ja-JP"/>
               <a:t>3 </a:t>
             </a:r>
             <a:r>
-              <a:rPr kumimoji="1" lang="ja-JP" altLang="en-US"/>
+              <a:rPr lang="ja-JP" altLang="en-US"/>
               <a:t>レベル</a:t>
             </a:r>
           </a:p>
           <a:p>
             <a:pPr lvl="3"/>
             <a:r>
-              <a:rPr kumimoji="1" lang="ja-JP" altLang="en-US"/>
+              <a:rPr lang="ja-JP" altLang="en-US"/>
               <a:t>第 </a:t>
             </a:r>
             <a:r>
-              <a:rPr kumimoji="1" lang="en-US" altLang="ja-JP"/>
+              <a:rPr lang="en-US" altLang="ja-JP"/>
               <a:t>4 </a:t>
             </a:r>
             <a:r>
-              <a:rPr kumimoji="1" lang="ja-JP" altLang="en-US"/>
+              <a:rPr lang="ja-JP" altLang="en-US"/>
               <a:t>レベル</a:t>
             </a:r>
           </a:p>
           <a:p>
             <a:pPr lvl="4"/>
             <a:r>
-              <a:rPr kumimoji="1" lang="ja-JP" altLang="en-US"/>
+              <a:rPr lang="ja-JP" altLang="en-US"/>
               <a:t>第 </a:t>
             </a:r>
             <a:r>
-              <a:rPr kumimoji="1" lang="en-US" altLang="ja-JP"/>
+              <a:rPr lang="en-US" altLang="ja-JP"/>
               <a:t>5 </a:t>
             </a:r>
             <a:r>
-              <a:rPr kumimoji="1" lang="ja-JP" altLang="en-US"/>
+              <a:rPr lang="ja-JP" altLang="en-US"/>
               <a:t>レベル</a:t>
             </a:r>
+            <a:endParaRPr lang="en-US" dirty="0"/>
           </a:p>
         </p:txBody>
       </p:sp>
       <p:sp>
         <p:nvSpPr>
-          <p:cNvPr id="4" name="日付プレースホルダー 3">
-            <a:extLst>
-              <a:ext uri="{FF2B5EF4-FFF2-40B4-BE49-F238E27FC236}">
-                <a16:creationId xmlns:a16="http://schemas.microsoft.com/office/drawing/2014/main" id="{1EF8B1C6-4A49-4F8C-90A4-50086FF17F2B}"/>
-              </a:ext>
-            </a:extLst>
-          </p:cNvPr>
+          <p:cNvPr id="4" name="Date Placeholder 3"/>
           <p:cNvSpPr>
             <a:spLocks noGrp="1"/>
           </p:cNvSpPr>
@@ -743,7 +674,7 @@
           <a:p>
             <a:fld id="{D9812761-E0F9-498D-A86D-14F66CBFAB0E}" type="datetimeFigureOut">
               <a:rPr kumimoji="1" lang="ja-JP" altLang="en-US" smtClean="0"/>
-              <a:t>2021/6/26</a:t>
+              <a:t>2021/7/3</a:t>
             </a:fld>
             <a:endParaRPr kumimoji="1" lang="ja-JP" altLang="en-US"/>
           </a:p>
@@ -751,13 +682,7 @@
       </p:sp>
       <p:sp>
         <p:nvSpPr>
-          <p:cNvPr id="5" name="フッター プレースホルダー 4">
-            <a:extLst>
-              <a:ext uri="{FF2B5EF4-FFF2-40B4-BE49-F238E27FC236}">
-                <a16:creationId xmlns:a16="http://schemas.microsoft.com/office/drawing/2014/main" id="{43D45D0D-5140-4042-B755-5D7C5AB8704C}"/>
-              </a:ext>
-            </a:extLst>
-          </p:cNvPr>
+          <p:cNvPr id="5" name="Footer Placeholder 4"/>
           <p:cNvSpPr>
             <a:spLocks noGrp="1"/>
           </p:cNvSpPr>
@@ -776,13 +701,7 @@
       </p:sp>
       <p:sp>
         <p:nvSpPr>
-          <p:cNvPr id="6" name="スライド番号プレースホルダー 5">
-            <a:extLst>
-              <a:ext uri="{FF2B5EF4-FFF2-40B4-BE49-F238E27FC236}">
-                <a16:creationId xmlns:a16="http://schemas.microsoft.com/office/drawing/2014/main" id="{825DA563-DF67-4045-9436-ACD3055C7425}"/>
-              </a:ext>
-            </a:extLst>
-          </p:cNvPr>
+          <p:cNvPr id="6" name="Slide Number Placeholder 5"/>
           <p:cNvSpPr>
             <a:spLocks noGrp="1"/>
           </p:cNvSpPr>
@@ -806,7 +725,7 @@
     </p:spTree>
     <p:extLst>
       <p:ext uri="{BB962C8B-B14F-4D97-AF65-F5344CB8AC3E}">
-        <p14:creationId xmlns:p14="http://schemas.microsoft.com/office/powerpoint/2010/main" val="696839271"/>
+        <p14:creationId xmlns:p14="http://schemas.microsoft.com/office/powerpoint/2010/main" val="4215071007"/>
       </p:ext>
     </p:extLst>
   </p:cSld>
@@ -835,13 +754,7 @@
       </p:grpSpPr>
       <p:sp>
         <p:nvSpPr>
-          <p:cNvPr id="2" name="タイトル 1">
-            <a:extLst>
-              <a:ext uri="{FF2B5EF4-FFF2-40B4-BE49-F238E27FC236}">
-                <a16:creationId xmlns:a16="http://schemas.microsoft.com/office/drawing/2014/main" id="{E43D83ED-456C-4013-93A4-4A9584763E9D}"/>
-              </a:ext>
-            </a:extLst>
-          </p:cNvPr>
+          <p:cNvPr id="2" name="Title 1"/>
           <p:cNvSpPr>
             <a:spLocks noGrp="1"/>
           </p:cNvSpPr>
@@ -855,21 +768,16 @@
           <a:lstStyle/>
           <a:p>
             <a:r>
-              <a:rPr kumimoji="1" lang="ja-JP" altLang="en-US"/>
+              <a:rPr lang="ja-JP" altLang="en-US"/>
               <a:t>マスター タイトルの書式設定</a:t>
             </a:r>
+            <a:endParaRPr lang="en-US" dirty="0"/>
           </a:p>
         </p:txBody>
       </p:sp>
       <p:sp>
         <p:nvSpPr>
-          <p:cNvPr id="3" name="コンテンツ プレースホルダー 2">
-            <a:extLst>
-              <a:ext uri="{FF2B5EF4-FFF2-40B4-BE49-F238E27FC236}">
-                <a16:creationId xmlns:a16="http://schemas.microsoft.com/office/drawing/2014/main" id="{E3BCCD79-EB30-46AC-8D18-DB0576A479E5}"/>
-              </a:ext>
-            </a:extLst>
-          </p:cNvPr>
+          <p:cNvPr id="3" name="Content Placeholder 2"/>
           <p:cNvSpPr>
             <a:spLocks noGrp="1"/>
           </p:cNvSpPr>
@@ -884,81 +792,76 @@
           <a:p>
             <a:pPr lvl="0"/>
             <a:r>
-              <a:rPr kumimoji="1" lang="ja-JP" altLang="en-US"/>
+              <a:rPr lang="ja-JP" altLang="en-US"/>
               <a:t>マスター テキストの書式設定</a:t>
             </a:r>
           </a:p>
           <a:p>
             <a:pPr lvl="1"/>
             <a:r>
-              <a:rPr kumimoji="1" lang="ja-JP" altLang="en-US"/>
+              <a:rPr lang="ja-JP" altLang="en-US"/>
               <a:t>第 </a:t>
             </a:r>
             <a:r>
-              <a:rPr kumimoji="1" lang="en-US" altLang="ja-JP"/>
+              <a:rPr lang="en-US" altLang="ja-JP"/>
               <a:t>2 </a:t>
             </a:r>
             <a:r>
-              <a:rPr kumimoji="1" lang="ja-JP" altLang="en-US"/>
+              <a:rPr lang="ja-JP" altLang="en-US"/>
               <a:t>レベル</a:t>
             </a:r>
           </a:p>
           <a:p>
             <a:pPr lvl="2"/>
             <a:r>
-              <a:rPr kumimoji="1" lang="ja-JP" altLang="en-US"/>
+              <a:rPr lang="ja-JP" altLang="en-US"/>
               <a:t>第 </a:t>
             </a:r>
             <a:r>
-              <a:rPr kumimoji="1" lang="en-US" altLang="ja-JP"/>
+              <a:rPr lang="en-US" altLang="ja-JP"/>
               <a:t>3 </a:t>
             </a:r>
             <a:r>
-              <a:rPr kumimoji="1" lang="ja-JP" altLang="en-US"/>
+              <a:rPr lang="ja-JP" altLang="en-US"/>
               <a:t>レベル</a:t>
             </a:r>
           </a:p>
           <a:p>
             <a:pPr lvl="3"/>
             <a:r>
-              <a:rPr kumimoji="1" lang="ja-JP" altLang="en-US"/>
+              <a:rPr lang="ja-JP" altLang="en-US"/>
               <a:t>第 </a:t>
             </a:r>
             <a:r>
-              <a:rPr kumimoji="1" lang="en-US" altLang="ja-JP"/>
+              <a:rPr lang="en-US" altLang="ja-JP"/>
               <a:t>4 </a:t>
             </a:r>
             <a:r>
-              <a:rPr kumimoji="1" lang="ja-JP" altLang="en-US"/>
+              <a:rPr lang="ja-JP" altLang="en-US"/>
               <a:t>レベル</a:t>
             </a:r>
           </a:p>
           <a:p>
             <a:pPr lvl="4"/>
             <a:r>
-              <a:rPr kumimoji="1" lang="ja-JP" altLang="en-US"/>
+              <a:rPr lang="ja-JP" altLang="en-US"/>
               <a:t>第 </a:t>
             </a:r>
             <a:r>
-              <a:rPr kumimoji="1" lang="en-US" altLang="ja-JP"/>
+              <a:rPr lang="en-US" altLang="ja-JP"/>
               <a:t>5 </a:t>
             </a:r>
             <a:r>
-              <a:rPr kumimoji="1" lang="ja-JP" altLang="en-US"/>
+              <a:rPr lang="ja-JP" altLang="en-US"/>
               <a:t>レベル</a:t>
             </a:r>
+            <a:endParaRPr lang="en-US" dirty="0"/>
           </a:p>
         </p:txBody>
       </p:sp>
       <p:sp>
         <p:nvSpPr>
-          <p:cNvPr id="4" name="日付プレースホルダー 3">
-            <a:extLst>
-              <a:ext uri="{FF2B5EF4-FFF2-40B4-BE49-F238E27FC236}">
-                <a16:creationId xmlns:a16="http://schemas.microsoft.com/office/drawing/2014/main" id="{5C586B84-F692-452F-9529-519C892C69BB}"/>
-              </a:ext>
-            </a:extLst>
-          </p:cNvPr>
+          <p:cNvPr id="4" name="Date Placeholder 3"/>
           <p:cNvSpPr>
             <a:spLocks noGrp="1"/>
           </p:cNvSpPr>
@@ -973,7 +876,7 @@
           <a:p>
             <a:fld id="{D9812761-E0F9-498D-A86D-14F66CBFAB0E}" type="datetimeFigureOut">
               <a:rPr kumimoji="1" lang="ja-JP" altLang="en-US" smtClean="0"/>
-              <a:t>2021/6/26</a:t>
+              <a:t>2021/7/3</a:t>
             </a:fld>
             <a:endParaRPr kumimoji="1" lang="ja-JP" altLang="en-US"/>
           </a:p>
@@ -981,13 +884,7 @@
       </p:sp>
       <p:sp>
         <p:nvSpPr>
-          <p:cNvPr id="5" name="フッター プレースホルダー 4">
-            <a:extLst>
-              <a:ext uri="{FF2B5EF4-FFF2-40B4-BE49-F238E27FC236}">
-                <a16:creationId xmlns:a16="http://schemas.microsoft.com/office/drawing/2014/main" id="{FD3A27AA-F50C-47C4-B3F2-002216359095}"/>
-              </a:ext>
-            </a:extLst>
-          </p:cNvPr>
+          <p:cNvPr id="5" name="Footer Placeholder 4"/>
           <p:cNvSpPr>
             <a:spLocks noGrp="1"/>
           </p:cNvSpPr>
@@ -1006,13 +903,7 @@
       </p:sp>
       <p:sp>
         <p:nvSpPr>
-          <p:cNvPr id="6" name="スライド番号プレースホルダー 5">
-            <a:extLst>
-              <a:ext uri="{FF2B5EF4-FFF2-40B4-BE49-F238E27FC236}">
-                <a16:creationId xmlns:a16="http://schemas.microsoft.com/office/drawing/2014/main" id="{F928AB61-70BA-4F99-8338-3608CC23D1B0}"/>
-              </a:ext>
-            </a:extLst>
-          </p:cNvPr>
+          <p:cNvPr id="6" name="Slide Number Placeholder 5"/>
           <p:cNvSpPr>
             <a:spLocks noGrp="1"/>
           </p:cNvSpPr>
@@ -1036,7 +927,7 @@
     </p:spTree>
     <p:extLst>
       <p:ext uri="{BB962C8B-B14F-4D97-AF65-F5344CB8AC3E}">
-        <p14:creationId xmlns:p14="http://schemas.microsoft.com/office/powerpoint/2010/main" val="2138358218"/>
+        <p14:creationId xmlns:p14="http://schemas.microsoft.com/office/powerpoint/2010/main" val="3378496465"/>
       </p:ext>
     </p:extLst>
   </p:cSld>
@@ -1065,13 +956,7 @@
       </p:grpSpPr>
       <p:sp>
         <p:nvSpPr>
-          <p:cNvPr id="2" name="タイトル 1">
-            <a:extLst>
-              <a:ext uri="{FF2B5EF4-FFF2-40B4-BE49-F238E27FC236}">
-                <a16:creationId xmlns:a16="http://schemas.microsoft.com/office/drawing/2014/main" id="{87FA20B4-BB00-45A7-A0AB-24DAC09FD73C}"/>
-              </a:ext>
-            </a:extLst>
-          </p:cNvPr>
+          <p:cNvPr id="2" name="Title 1"/>
           <p:cNvSpPr>
             <a:spLocks noGrp="1"/>
           </p:cNvSpPr>
@@ -1081,34 +966,29 @@
         </p:nvSpPr>
         <p:spPr>
           <a:xfrm>
-            <a:off x="831850" y="1709738"/>
-            <a:ext cx="10515600" cy="2852737"/>
+            <a:off x="736859" y="2692444"/>
+            <a:ext cx="9314796" cy="4492401"/>
           </a:xfrm>
         </p:spPr>
         <p:txBody>
           <a:bodyPr anchor="b"/>
           <a:lstStyle>
             <a:lvl1pPr>
-              <a:defRPr sz="6000"/>
+              <a:defRPr sz="7087"/>
             </a:lvl1pPr>
           </a:lstStyle>
           <a:p>
             <a:r>
-              <a:rPr kumimoji="1" lang="ja-JP" altLang="en-US"/>
+              <a:rPr lang="ja-JP" altLang="en-US"/>
               <a:t>マスター タイトルの書式設定</a:t>
             </a:r>
+            <a:endParaRPr lang="en-US" dirty="0"/>
           </a:p>
         </p:txBody>
       </p:sp>
       <p:sp>
         <p:nvSpPr>
-          <p:cNvPr id="3" name="テキスト プレースホルダー 2">
-            <a:extLst>
-              <a:ext uri="{FF2B5EF4-FFF2-40B4-BE49-F238E27FC236}">
-                <a16:creationId xmlns:a16="http://schemas.microsoft.com/office/drawing/2014/main" id="{F836DD90-2623-4F81-B2CD-CDE66334A0DC}"/>
-              </a:ext>
-            </a:extLst>
-          </p:cNvPr>
+          <p:cNvPr id="3" name="Text Placeholder 2"/>
           <p:cNvSpPr>
             <a:spLocks noGrp="1"/>
           </p:cNvSpPr>
@@ -1118,8 +998,8 @@
         </p:nvSpPr>
         <p:spPr>
           <a:xfrm>
-            <a:off x="831850" y="4589463"/>
-            <a:ext cx="10515600" cy="1500187"/>
+            <a:off x="736859" y="7227345"/>
+            <a:ext cx="9314796" cy="2362447"/>
           </a:xfrm>
         </p:spPr>
         <p:txBody>
@@ -1127,17 +1007,15 @@
           <a:lstStyle>
             <a:lvl1pPr marL="0" indent="0">
               <a:buNone/>
-              <a:defRPr sz="2400">
+              <a:defRPr sz="2835">
                 <a:solidFill>
-                  <a:schemeClr val="tx1">
-                    <a:tint val="75000"/>
-                  </a:schemeClr>
+                  <a:schemeClr val="tx1"/>
                 </a:solidFill>
               </a:defRPr>
             </a:lvl1pPr>
-            <a:lvl2pPr marL="457200" indent="0">
+            <a:lvl2pPr marL="539999" indent="0">
               <a:buNone/>
-              <a:defRPr sz="2000">
+              <a:defRPr sz="2362">
                 <a:solidFill>
                   <a:schemeClr val="tx1">
                     <a:tint val="75000"/>
@@ -1145,9 +1023,9 @@
                 </a:solidFill>
               </a:defRPr>
             </a:lvl2pPr>
-            <a:lvl3pPr marL="914400" indent="0">
+            <a:lvl3pPr marL="1079998" indent="0">
               <a:buNone/>
-              <a:defRPr sz="1800">
+              <a:defRPr sz="2126">
                 <a:solidFill>
                   <a:schemeClr val="tx1">
                     <a:tint val="75000"/>
@@ -1155,9 +1033,9 @@
                 </a:solidFill>
               </a:defRPr>
             </a:lvl3pPr>
-            <a:lvl4pPr marL="1371600" indent="0">
+            <a:lvl4pPr marL="1619997" indent="0">
               <a:buNone/>
-              <a:defRPr sz="1600">
+              <a:defRPr sz="1890">
                 <a:solidFill>
                   <a:schemeClr val="tx1">
                     <a:tint val="75000"/>
@@ -1165,9 +1043,9 @@
                 </a:solidFill>
               </a:defRPr>
             </a:lvl4pPr>
-            <a:lvl5pPr marL="1828800" indent="0">
+            <a:lvl5pPr marL="2159996" indent="0">
               <a:buNone/>
-              <a:defRPr sz="1600">
+              <a:defRPr sz="1890">
                 <a:solidFill>
                   <a:schemeClr val="tx1">
                     <a:tint val="75000"/>
@@ -1175,9 +1053,9 @@
                 </a:solidFill>
               </a:defRPr>
             </a:lvl5pPr>
-            <a:lvl6pPr marL="2286000" indent="0">
+            <a:lvl6pPr marL="2699995" indent="0">
               <a:buNone/>
-              <a:defRPr sz="1600">
+              <a:defRPr sz="1890">
                 <a:solidFill>
                   <a:schemeClr val="tx1">
                     <a:tint val="75000"/>
@@ -1185,9 +1063,9 @@
                 </a:solidFill>
               </a:defRPr>
             </a:lvl6pPr>
-            <a:lvl7pPr marL="2743200" indent="0">
+            <a:lvl7pPr marL="3239994" indent="0">
               <a:buNone/>
-              <a:defRPr sz="1600">
+              <a:defRPr sz="1890">
                 <a:solidFill>
                   <a:schemeClr val="tx1">
                     <a:tint val="75000"/>
@@ -1195,9 +1073,9 @@
                 </a:solidFill>
               </a:defRPr>
             </a:lvl7pPr>
-            <a:lvl8pPr marL="3200400" indent="0">
+            <a:lvl8pPr marL="3779992" indent="0">
               <a:buNone/>
-              <a:defRPr sz="1600">
+              <a:defRPr sz="1890">
                 <a:solidFill>
                   <a:schemeClr val="tx1">
                     <a:tint val="75000"/>
@@ -1205,9 +1083,9 @@
                 </a:solidFill>
               </a:defRPr>
             </a:lvl8pPr>
-            <a:lvl9pPr marL="3657600" indent="0">
+            <a:lvl9pPr marL="4319991" indent="0">
               <a:buNone/>
-              <a:defRPr sz="1600">
+              <a:defRPr sz="1890">
                 <a:solidFill>
                   <a:schemeClr val="tx1">
                     <a:tint val="75000"/>
@@ -1219,7 +1097,7 @@
           <a:p>
             <a:pPr lvl="0"/>
             <a:r>
-              <a:rPr kumimoji="1" lang="ja-JP" altLang="en-US"/>
+              <a:rPr lang="ja-JP" altLang="en-US"/>
               <a:t>マスター テキストの書式設定</a:t>
             </a:r>
           </a:p>
@@ -1227,13 +1105,7 @@
       </p:sp>
       <p:sp>
         <p:nvSpPr>
-          <p:cNvPr id="4" name="日付プレースホルダー 3">
-            <a:extLst>
-              <a:ext uri="{FF2B5EF4-FFF2-40B4-BE49-F238E27FC236}">
-                <a16:creationId xmlns:a16="http://schemas.microsoft.com/office/drawing/2014/main" id="{51C9FE31-3109-4A8A-A2C4-E7F89F7470DD}"/>
-              </a:ext>
-            </a:extLst>
-          </p:cNvPr>
+          <p:cNvPr id="4" name="Date Placeholder 3"/>
           <p:cNvSpPr>
             <a:spLocks noGrp="1"/>
           </p:cNvSpPr>
@@ -1248,7 +1120,7 @@
           <a:p>
             <a:fld id="{D9812761-E0F9-498D-A86D-14F66CBFAB0E}" type="datetimeFigureOut">
               <a:rPr kumimoji="1" lang="ja-JP" altLang="en-US" smtClean="0"/>
-              <a:t>2021/6/26</a:t>
+              <a:t>2021/7/3</a:t>
             </a:fld>
             <a:endParaRPr kumimoji="1" lang="ja-JP" altLang="en-US"/>
           </a:p>
@@ -1256,13 +1128,7 @@
       </p:sp>
       <p:sp>
         <p:nvSpPr>
-          <p:cNvPr id="5" name="フッター プレースホルダー 4">
-            <a:extLst>
-              <a:ext uri="{FF2B5EF4-FFF2-40B4-BE49-F238E27FC236}">
-                <a16:creationId xmlns:a16="http://schemas.microsoft.com/office/drawing/2014/main" id="{0D06C65F-A03A-4220-8058-3178C5171EB5}"/>
-              </a:ext>
-            </a:extLst>
-          </p:cNvPr>
+          <p:cNvPr id="5" name="Footer Placeholder 4"/>
           <p:cNvSpPr>
             <a:spLocks noGrp="1"/>
           </p:cNvSpPr>
@@ -1281,13 +1147,7 @@
       </p:sp>
       <p:sp>
         <p:nvSpPr>
-          <p:cNvPr id="6" name="スライド番号プレースホルダー 5">
-            <a:extLst>
-              <a:ext uri="{FF2B5EF4-FFF2-40B4-BE49-F238E27FC236}">
-                <a16:creationId xmlns:a16="http://schemas.microsoft.com/office/drawing/2014/main" id="{A746E1C5-22C6-4B89-AC6C-7905CD7E9158}"/>
-              </a:ext>
-            </a:extLst>
-          </p:cNvPr>
+          <p:cNvPr id="6" name="Slide Number Placeholder 5"/>
           <p:cNvSpPr>
             <a:spLocks noGrp="1"/>
           </p:cNvSpPr>
@@ -1311,7 +1171,7 @@
     </p:spTree>
     <p:extLst>
       <p:ext uri="{BB962C8B-B14F-4D97-AF65-F5344CB8AC3E}">
-        <p14:creationId xmlns:p14="http://schemas.microsoft.com/office/powerpoint/2010/main" val="2254908720"/>
+        <p14:creationId xmlns:p14="http://schemas.microsoft.com/office/powerpoint/2010/main" val="4202369567"/>
       </p:ext>
     </p:extLst>
   </p:cSld>
@@ -1340,13 +1200,7 @@
       </p:grpSpPr>
       <p:sp>
         <p:nvSpPr>
-          <p:cNvPr id="2" name="タイトル 1">
-            <a:extLst>
-              <a:ext uri="{FF2B5EF4-FFF2-40B4-BE49-F238E27FC236}">
-                <a16:creationId xmlns:a16="http://schemas.microsoft.com/office/drawing/2014/main" id="{90534B21-C5DC-4C15-B909-AD9CB577A463}"/>
-              </a:ext>
-            </a:extLst>
-          </p:cNvPr>
+          <p:cNvPr id="2" name="Title 1"/>
           <p:cNvSpPr>
             <a:spLocks noGrp="1"/>
           </p:cNvSpPr>
@@ -1360,21 +1214,16 @@
           <a:lstStyle/>
           <a:p>
             <a:r>
-              <a:rPr kumimoji="1" lang="ja-JP" altLang="en-US"/>
+              <a:rPr lang="ja-JP" altLang="en-US"/>
               <a:t>マスター タイトルの書式設定</a:t>
             </a:r>
+            <a:endParaRPr lang="en-US" dirty="0"/>
           </a:p>
         </p:txBody>
       </p:sp>
       <p:sp>
         <p:nvSpPr>
-          <p:cNvPr id="3" name="コンテンツ プレースホルダー 2">
-            <a:extLst>
-              <a:ext uri="{FF2B5EF4-FFF2-40B4-BE49-F238E27FC236}">
-                <a16:creationId xmlns:a16="http://schemas.microsoft.com/office/drawing/2014/main" id="{4DCD3326-CCA9-42F9-9FE2-14644426CDFD}"/>
-              </a:ext>
-            </a:extLst>
-          </p:cNvPr>
+          <p:cNvPr id="3" name="Content Placeholder 2"/>
           <p:cNvSpPr>
             <a:spLocks noGrp="1"/>
           </p:cNvSpPr>
@@ -1384,8 +1233,8 @@
         </p:nvSpPr>
         <p:spPr>
           <a:xfrm>
-            <a:off x="838200" y="1825625"/>
-            <a:ext cx="5181600" cy="4351338"/>
+            <a:off x="742484" y="2874937"/>
+            <a:ext cx="4589899" cy="6852350"/>
           </a:xfrm>
         </p:spPr>
         <p:txBody>
@@ -1394,81 +1243,76 @@
           <a:p>
             <a:pPr lvl="0"/>
             <a:r>
-              <a:rPr kumimoji="1" lang="ja-JP" altLang="en-US"/>
+              <a:rPr lang="ja-JP" altLang="en-US"/>
               <a:t>マスター テキストの書式設定</a:t>
             </a:r>
           </a:p>
           <a:p>
             <a:pPr lvl="1"/>
             <a:r>
-              <a:rPr kumimoji="1" lang="ja-JP" altLang="en-US"/>
+              <a:rPr lang="ja-JP" altLang="en-US"/>
               <a:t>第 </a:t>
             </a:r>
             <a:r>
-              <a:rPr kumimoji="1" lang="en-US" altLang="ja-JP"/>
+              <a:rPr lang="en-US" altLang="ja-JP"/>
               <a:t>2 </a:t>
             </a:r>
             <a:r>
-              <a:rPr kumimoji="1" lang="ja-JP" altLang="en-US"/>
+              <a:rPr lang="ja-JP" altLang="en-US"/>
               <a:t>レベル</a:t>
             </a:r>
           </a:p>
           <a:p>
             <a:pPr lvl="2"/>
             <a:r>
-              <a:rPr kumimoji="1" lang="ja-JP" altLang="en-US"/>
+              <a:rPr lang="ja-JP" altLang="en-US"/>
               <a:t>第 </a:t>
             </a:r>
             <a:r>
-              <a:rPr kumimoji="1" lang="en-US" altLang="ja-JP"/>
+              <a:rPr lang="en-US" altLang="ja-JP"/>
               <a:t>3 </a:t>
             </a:r>
             <a:r>
-              <a:rPr kumimoji="1" lang="ja-JP" altLang="en-US"/>
+              <a:rPr lang="ja-JP" altLang="en-US"/>
               <a:t>レベル</a:t>
             </a:r>
           </a:p>
           <a:p>
             <a:pPr lvl="3"/>
             <a:r>
-              <a:rPr kumimoji="1" lang="ja-JP" altLang="en-US"/>
+              <a:rPr lang="ja-JP" altLang="en-US"/>
               <a:t>第 </a:t>
             </a:r>
             <a:r>
-              <a:rPr kumimoji="1" lang="en-US" altLang="ja-JP"/>
+              <a:rPr lang="en-US" altLang="ja-JP"/>
               <a:t>4 </a:t>
             </a:r>
             <a:r>
-              <a:rPr kumimoji="1" lang="ja-JP" altLang="en-US"/>
+              <a:rPr lang="ja-JP" altLang="en-US"/>
               <a:t>レベル</a:t>
             </a:r>
           </a:p>
           <a:p>
             <a:pPr lvl="4"/>
             <a:r>
-              <a:rPr kumimoji="1" lang="ja-JP" altLang="en-US"/>
+              <a:rPr lang="ja-JP" altLang="en-US"/>
               <a:t>第 </a:t>
             </a:r>
             <a:r>
-              <a:rPr kumimoji="1" lang="en-US" altLang="ja-JP"/>
+              <a:rPr lang="en-US" altLang="ja-JP"/>
               <a:t>5 </a:t>
             </a:r>
             <a:r>
-              <a:rPr kumimoji="1" lang="ja-JP" altLang="en-US"/>
+              <a:rPr lang="ja-JP" altLang="en-US"/>
               <a:t>レベル</a:t>
             </a:r>
+            <a:endParaRPr lang="en-US" dirty="0"/>
           </a:p>
         </p:txBody>
       </p:sp>
       <p:sp>
         <p:nvSpPr>
-          <p:cNvPr id="4" name="コンテンツ プレースホルダー 3">
-            <a:extLst>
-              <a:ext uri="{FF2B5EF4-FFF2-40B4-BE49-F238E27FC236}">
-                <a16:creationId xmlns:a16="http://schemas.microsoft.com/office/drawing/2014/main" id="{82C3B72E-55D2-4765-A301-0493E5E06832}"/>
-              </a:ext>
-            </a:extLst>
-          </p:cNvPr>
+          <p:cNvPr id="4" name="Content Placeholder 3"/>
           <p:cNvSpPr>
             <a:spLocks noGrp="1"/>
           </p:cNvSpPr>
@@ -1478,8 +1322,8 @@
         </p:nvSpPr>
         <p:spPr>
           <a:xfrm>
-            <a:off x="6172200" y="1825625"/>
-            <a:ext cx="5181600" cy="4351338"/>
+            <a:off x="5467380" y="2874937"/>
+            <a:ext cx="4589899" cy="6852350"/>
           </a:xfrm>
         </p:spPr>
         <p:txBody>
@@ -1488,81 +1332,76 @@
           <a:p>
             <a:pPr lvl="0"/>
             <a:r>
-              <a:rPr kumimoji="1" lang="ja-JP" altLang="en-US"/>
+              <a:rPr lang="ja-JP" altLang="en-US"/>
               <a:t>マスター テキストの書式設定</a:t>
             </a:r>
           </a:p>
           <a:p>
             <a:pPr lvl="1"/>
             <a:r>
-              <a:rPr kumimoji="1" lang="ja-JP" altLang="en-US"/>
+              <a:rPr lang="ja-JP" altLang="en-US"/>
               <a:t>第 </a:t>
             </a:r>
             <a:r>
-              <a:rPr kumimoji="1" lang="en-US" altLang="ja-JP"/>
+              <a:rPr lang="en-US" altLang="ja-JP"/>
               <a:t>2 </a:t>
             </a:r>
             <a:r>
-              <a:rPr kumimoji="1" lang="ja-JP" altLang="en-US"/>
+              <a:rPr lang="ja-JP" altLang="en-US"/>
               <a:t>レベル</a:t>
             </a:r>
           </a:p>
           <a:p>
             <a:pPr lvl="2"/>
             <a:r>
-              <a:rPr kumimoji="1" lang="ja-JP" altLang="en-US"/>
+              <a:rPr lang="ja-JP" altLang="en-US"/>
               <a:t>第 </a:t>
             </a:r>
             <a:r>
-              <a:rPr kumimoji="1" lang="en-US" altLang="ja-JP"/>
+              <a:rPr lang="en-US" altLang="ja-JP"/>
               <a:t>3 </a:t>
             </a:r>
             <a:r>
-              <a:rPr kumimoji="1" lang="ja-JP" altLang="en-US"/>
+              <a:rPr lang="ja-JP" altLang="en-US"/>
               <a:t>レベル</a:t>
             </a:r>
           </a:p>
           <a:p>
             <a:pPr lvl="3"/>
             <a:r>
-              <a:rPr kumimoji="1" lang="ja-JP" altLang="en-US"/>
+              <a:rPr lang="ja-JP" altLang="en-US"/>
               <a:t>第 </a:t>
             </a:r>
             <a:r>
-              <a:rPr kumimoji="1" lang="en-US" altLang="ja-JP"/>
+              <a:rPr lang="en-US" altLang="ja-JP"/>
               <a:t>4 </a:t>
             </a:r>
             <a:r>
-              <a:rPr kumimoji="1" lang="ja-JP" altLang="en-US"/>
+              <a:rPr lang="ja-JP" altLang="en-US"/>
               <a:t>レベル</a:t>
             </a:r>
           </a:p>
           <a:p>
             <a:pPr lvl="4"/>
             <a:r>
-              <a:rPr kumimoji="1" lang="ja-JP" altLang="en-US"/>
+              <a:rPr lang="ja-JP" altLang="en-US"/>
               <a:t>第 </a:t>
             </a:r>
             <a:r>
-              <a:rPr kumimoji="1" lang="en-US" altLang="ja-JP"/>
+              <a:rPr lang="en-US" altLang="ja-JP"/>
               <a:t>5 </a:t>
             </a:r>
             <a:r>
-              <a:rPr kumimoji="1" lang="ja-JP" altLang="en-US"/>
+              <a:rPr lang="ja-JP" altLang="en-US"/>
               <a:t>レベル</a:t>
             </a:r>
+            <a:endParaRPr lang="en-US" dirty="0"/>
           </a:p>
         </p:txBody>
       </p:sp>
       <p:sp>
         <p:nvSpPr>
-          <p:cNvPr id="5" name="日付プレースホルダー 4">
-            <a:extLst>
-              <a:ext uri="{FF2B5EF4-FFF2-40B4-BE49-F238E27FC236}">
-                <a16:creationId xmlns:a16="http://schemas.microsoft.com/office/drawing/2014/main" id="{331319C1-88F3-4CBC-84CC-605918FF394B}"/>
-              </a:ext>
-            </a:extLst>
-          </p:cNvPr>
+          <p:cNvPr id="5" name="Date Placeholder 4"/>
           <p:cNvSpPr>
             <a:spLocks noGrp="1"/>
           </p:cNvSpPr>
@@ -1577,7 +1416,7 @@
           <a:p>
             <a:fld id="{D9812761-E0F9-498D-A86D-14F66CBFAB0E}" type="datetimeFigureOut">
               <a:rPr kumimoji="1" lang="ja-JP" altLang="en-US" smtClean="0"/>
-              <a:t>2021/6/26</a:t>
+              <a:t>2021/7/3</a:t>
             </a:fld>
             <a:endParaRPr kumimoji="1" lang="ja-JP" altLang="en-US"/>
           </a:p>
@@ -1585,13 +1424,7 @@
       </p:sp>
       <p:sp>
         <p:nvSpPr>
-          <p:cNvPr id="6" name="フッター プレースホルダー 5">
-            <a:extLst>
-              <a:ext uri="{FF2B5EF4-FFF2-40B4-BE49-F238E27FC236}">
-                <a16:creationId xmlns:a16="http://schemas.microsoft.com/office/drawing/2014/main" id="{F6C78095-A745-463B-89D0-24BC6FAF11F5}"/>
-              </a:ext>
-            </a:extLst>
-          </p:cNvPr>
+          <p:cNvPr id="6" name="Footer Placeholder 5"/>
           <p:cNvSpPr>
             <a:spLocks noGrp="1"/>
           </p:cNvSpPr>
@@ -1610,13 +1443,7 @@
       </p:sp>
       <p:sp>
         <p:nvSpPr>
-          <p:cNvPr id="7" name="スライド番号プレースホルダー 6">
-            <a:extLst>
-              <a:ext uri="{FF2B5EF4-FFF2-40B4-BE49-F238E27FC236}">
-                <a16:creationId xmlns:a16="http://schemas.microsoft.com/office/drawing/2014/main" id="{BE528205-553A-4090-865D-439AFA9E9CA9}"/>
-              </a:ext>
-            </a:extLst>
-          </p:cNvPr>
+          <p:cNvPr id="7" name="Slide Number Placeholder 6"/>
           <p:cNvSpPr>
             <a:spLocks noGrp="1"/>
           </p:cNvSpPr>
@@ -1640,7 +1467,7 @@
     </p:spTree>
     <p:extLst>
       <p:ext uri="{BB962C8B-B14F-4D97-AF65-F5344CB8AC3E}">
-        <p14:creationId xmlns:p14="http://schemas.microsoft.com/office/powerpoint/2010/main" val="630642863"/>
+        <p14:creationId xmlns:p14="http://schemas.microsoft.com/office/powerpoint/2010/main" val="1479473170"/>
       </p:ext>
     </p:extLst>
   </p:cSld>
@@ -1669,13 +1496,7 @@
       </p:grpSpPr>
       <p:sp>
         <p:nvSpPr>
-          <p:cNvPr id="2" name="タイトル 1">
-            <a:extLst>
-              <a:ext uri="{FF2B5EF4-FFF2-40B4-BE49-F238E27FC236}">
-                <a16:creationId xmlns:a16="http://schemas.microsoft.com/office/drawing/2014/main" id="{83F0DA10-44D4-4DBB-9B18-3B28ED132FDD}"/>
-              </a:ext>
-            </a:extLst>
-          </p:cNvPr>
+          <p:cNvPr id="2" name="Title 1"/>
           <p:cNvSpPr>
             <a:spLocks noGrp="1"/>
           </p:cNvSpPr>
@@ -1685,8 +1506,8 @@
         </p:nvSpPr>
         <p:spPr>
           <a:xfrm>
-            <a:off x="839788" y="365125"/>
-            <a:ext cx="10515600" cy="1325563"/>
+            <a:off x="743890" y="574990"/>
+            <a:ext cx="9314796" cy="2087455"/>
           </a:xfrm>
         </p:spPr>
         <p:txBody>
@@ -1694,21 +1515,16 @@
           <a:lstStyle/>
           <a:p>
             <a:r>
-              <a:rPr kumimoji="1" lang="ja-JP" altLang="en-US"/>
+              <a:rPr lang="ja-JP" altLang="en-US"/>
               <a:t>マスター タイトルの書式設定</a:t>
             </a:r>
+            <a:endParaRPr lang="en-US" dirty="0"/>
           </a:p>
         </p:txBody>
       </p:sp>
       <p:sp>
         <p:nvSpPr>
-          <p:cNvPr id="3" name="テキスト プレースホルダー 2">
-            <a:extLst>
-              <a:ext uri="{FF2B5EF4-FFF2-40B4-BE49-F238E27FC236}">
-                <a16:creationId xmlns:a16="http://schemas.microsoft.com/office/drawing/2014/main" id="{47471458-FC32-42ED-A96D-D024753E076C}"/>
-              </a:ext>
-            </a:extLst>
-          </p:cNvPr>
+          <p:cNvPr id="3" name="Text Placeholder 2"/>
           <p:cNvSpPr>
             <a:spLocks noGrp="1"/>
           </p:cNvSpPr>
@@ -1718,8 +1534,8 @@
         </p:nvSpPr>
         <p:spPr>
           <a:xfrm>
-            <a:off x="839788" y="1681163"/>
-            <a:ext cx="5157787" cy="823912"/>
+            <a:off x="743892" y="2647443"/>
+            <a:ext cx="4568805" cy="1297471"/>
           </a:xfrm>
         </p:spPr>
         <p:txBody>
@@ -1727,45 +1543,45 @@
           <a:lstStyle>
             <a:lvl1pPr marL="0" indent="0">
               <a:buNone/>
-              <a:defRPr sz="2400" b="1"/>
+              <a:defRPr sz="2835" b="1"/>
             </a:lvl1pPr>
-            <a:lvl2pPr marL="457200" indent="0">
+            <a:lvl2pPr marL="539999" indent="0">
               <a:buNone/>
-              <a:defRPr sz="2000" b="1"/>
+              <a:defRPr sz="2362" b="1"/>
             </a:lvl2pPr>
-            <a:lvl3pPr marL="914400" indent="0">
+            <a:lvl3pPr marL="1079998" indent="0">
               <a:buNone/>
-              <a:defRPr sz="1800" b="1"/>
+              <a:defRPr sz="2126" b="1"/>
             </a:lvl3pPr>
-            <a:lvl4pPr marL="1371600" indent="0">
+            <a:lvl4pPr marL="1619997" indent="0">
               <a:buNone/>
-              <a:defRPr sz="1600" b="1"/>
+              <a:defRPr sz="1890" b="1"/>
             </a:lvl4pPr>
-            <a:lvl5pPr marL="1828800" indent="0">
+            <a:lvl5pPr marL="2159996" indent="0">
               <a:buNone/>
-              <a:defRPr sz="1600" b="1"/>
+              <a:defRPr sz="1890" b="1"/>
             </a:lvl5pPr>
-            <a:lvl6pPr marL="2286000" indent="0">
+            <a:lvl6pPr marL="2699995" indent="0">
               <a:buNone/>
-              <a:defRPr sz="1600" b="1"/>
+              <a:defRPr sz="1890" b="1"/>
             </a:lvl6pPr>
-            <a:lvl7pPr marL="2743200" indent="0">
+            <a:lvl7pPr marL="3239994" indent="0">
               <a:buNone/>
-              <a:defRPr sz="1600" b="1"/>
+              <a:defRPr sz="1890" b="1"/>
             </a:lvl7pPr>
-            <a:lvl8pPr marL="3200400" indent="0">
+            <a:lvl8pPr marL="3779992" indent="0">
               <a:buNone/>
-              <a:defRPr sz="1600" b="1"/>
+              <a:defRPr sz="1890" b="1"/>
             </a:lvl8pPr>
-            <a:lvl9pPr marL="3657600" indent="0">
+            <a:lvl9pPr marL="4319991" indent="0">
               <a:buNone/>
-              <a:defRPr sz="1600" b="1"/>
+              <a:defRPr sz="1890" b="1"/>
             </a:lvl9pPr>
           </a:lstStyle>
           <a:p>
             <a:pPr lvl="0"/>
             <a:r>
-              <a:rPr kumimoji="1" lang="ja-JP" altLang="en-US"/>
+              <a:rPr lang="ja-JP" altLang="en-US"/>
               <a:t>マスター テキストの書式設定</a:t>
             </a:r>
           </a:p>
@@ -1773,13 +1589,7 @@
       </p:sp>
       <p:sp>
         <p:nvSpPr>
-          <p:cNvPr id="4" name="コンテンツ プレースホルダー 3">
-            <a:extLst>
-              <a:ext uri="{FF2B5EF4-FFF2-40B4-BE49-F238E27FC236}">
-                <a16:creationId xmlns:a16="http://schemas.microsoft.com/office/drawing/2014/main" id="{50261D3F-9DFC-4E8C-A0C8-0EB11BF6B4FF}"/>
-              </a:ext>
-            </a:extLst>
-          </p:cNvPr>
+          <p:cNvPr id="4" name="Content Placeholder 3"/>
           <p:cNvSpPr>
             <a:spLocks noGrp="1"/>
           </p:cNvSpPr>
@@ -1789,8 +1599,8 @@
         </p:nvSpPr>
         <p:spPr>
           <a:xfrm>
-            <a:off x="839788" y="2505075"/>
-            <a:ext cx="5157787" cy="3684588"/>
+            <a:off x="743892" y="3944914"/>
+            <a:ext cx="4568805" cy="5802373"/>
           </a:xfrm>
         </p:spPr>
         <p:txBody>
@@ -1799,81 +1609,76 @@
           <a:p>
             <a:pPr lvl="0"/>
             <a:r>
-              <a:rPr kumimoji="1" lang="ja-JP" altLang="en-US"/>
+              <a:rPr lang="ja-JP" altLang="en-US"/>
               <a:t>マスター テキストの書式設定</a:t>
             </a:r>
           </a:p>
           <a:p>
             <a:pPr lvl="1"/>
             <a:r>
-              <a:rPr kumimoji="1" lang="ja-JP" altLang="en-US"/>
+              <a:rPr lang="ja-JP" altLang="en-US"/>
               <a:t>第 </a:t>
             </a:r>
             <a:r>
-              <a:rPr kumimoji="1" lang="en-US" altLang="ja-JP"/>
+              <a:rPr lang="en-US" altLang="ja-JP"/>
               <a:t>2 </a:t>
             </a:r>
             <a:r>
-              <a:rPr kumimoji="1" lang="ja-JP" altLang="en-US"/>
+              <a:rPr lang="ja-JP" altLang="en-US"/>
               <a:t>レベル</a:t>
             </a:r>
           </a:p>
           <a:p>
             <a:pPr lvl="2"/>
             <a:r>
-              <a:rPr kumimoji="1" lang="ja-JP" altLang="en-US"/>
+              <a:rPr lang="ja-JP" altLang="en-US"/>
               <a:t>第 </a:t>
             </a:r>
             <a:r>
-              <a:rPr kumimoji="1" lang="en-US" altLang="ja-JP"/>
+              <a:rPr lang="en-US" altLang="ja-JP"/>
               <a:t>3 </a:t>
             </a:r>
             <a:r>
-              <a:rPr kumimoji="1" lang="ja-JP" altLang="en-US"/>
+              <a:rPr lang="ja-JP" altLang="en-US"/>
               <a:t>レベル</a:t>
             </a:r>
           </a:p>
           <a:p>
             <a:pPr lvl="3"/>
             <a:r>
-              <a:rPr kumimoji="1" lang="ja-JP" altLang="en-US"/>
+              <a:rPr lang="ja-JP" altLang="en-US"/>
               <a:t>第 </a:t>
             </a:r>
             <a:r>
-              <a:rPr kumimoji="1" lang="en-US" altLang="ja-JP"/>
+              <a:rPr lang="en-US" altLang="ja-JP"/>
               <a:t>4 </a:t>
             </a:r>
             <a:r>
-              <a:rPr kumimoji="1" lang="ja-JP" altLang="en-US"/>
+              <a:rPr lang="ja-JP" altLang="en-US"/>
               <a:t>レベル</a:t>
             </a:r>
           </a:p>
           <a:p>
             <a:pPr lvl="4"/>
             <a:r>
-              <a:rPr kumimoji="1" lang="ja-JP" altLang="en-US"/>
+              <a:rPr lang="ja-JP" altLang="en-US"/>
               <a:t>第 </a:t>
             </a:r>
             <a:r>
-              <a:rPr kumimoji="1" lang="en-US" altLang="ja-JP"/>
+              <a:rPr lang="en-US" altLang="ja-JP"/>
               <a:t>5 </a:t>
             </a:r>
             <a:r>
-              <a:rPr kumimoji="1" lang="ja-JP" altLang="en-US"/>
+              <a:rPr lang="ja-JP" altLang="en-US"/>
               <a:t>レベル</a:t>
             </a:r>
+            <a:endParaRPr lang="en-US" dirty="0"/>
           </a:p>
         </p:txBody>
       </p:sp>
       <p:sp>
         <p:nvSpPr>
-          <p:cNvPr id="5" name="テキスト プレースホルダー 4">
-            <a:extLst>
-              <a:ext uri="{FF2B5EF4-FFF2-40B4-BE49-F238E27FC236}">
-                <a16:creationId xmlns:a16="http://schemas.microsoft.com/office/drawing/2014/main" id="{0AFBB05A-D9FF-4563-AA99-F9B7A7E3C68F}"/>
-              </a:ext>
-            </a:extLst>
-          </p:cNvPr>
+          <p:cNvPr id="5" name="Text Placeholder 4"/>
           <p:cNvSpPr>
             <a:spLocks noGrp="1"/>
           </p:cNvSpPr>
@@ -1883,8 +1688,8 @@
         </p:nvSpPr>
         <p:spPr>
           <a:xfrm>
-            <a:off x="6172200" y="1681163"/>
-            <a:ext cx="5183188" cy="823912"/>
+            <a:off x="5467381" y="2647443"/>
+            <a:ext cx="4591306" cy="1297471"/>
           </a:xfrm>
         </p:spPr>
         <p:txBody>
@@ -1892,45 +1697,45 @@
           <a:lstStyle>
             <a:lvl1pPr marL="0" indent="0">
               <a:buNone/>
-              <a:defRPr sz="2400" b="1"/>
+              <a:defRPr sz="2835" b="1"/>
             </a:lvl1pPr>
-            <a:lvl2pPr marL="457200" indent="0">
+            <a:lvl2pPr marL="539999" indent="0">
               <a:buNone/>
-              <a:defRPr sz="2000" b="1"/>
+              <a:defRPr sz="2362" b="1"/>
             </a:lvl2pPr>
-            <a:lvl3pPr marL="914400" indent="0">
+            <a:lvl3pPr marL="1079998" indent="0">
               <a:buNone/>
-              <a:defRPr sz="1800" b="1"/>
+              <a:defRPr sz="2126" b="1"/>
             </a:lvl3pPr>
-            <a:lvl4pPr marL="1371600" indent="0">
+            <a:lvl4pPr marL="1619997" indent="0">
               <a:buNone/>
-              <a:defRPr sz="1600" b="1"/>
+              <a:defRPr sz="1890" b="1"/>
             </a:lvl4pPr>
-            <a:lvl5pPr marL="1828800" indent="0">
+            <a:lvl5pPr marL="2159996" indent="0">
               <a:buNone/>
-              <a:defRPr sz="1600" b="1"/>
+              <a:defRPr sz="1890" b="1"/>
             </a:lvl5pPr>
-            <a:lvl6pPr marL="2286000" indent="0">
+            <a:lvl6pPr marL="2699995" indent="0">
               <a:buNone/>
-              <a:defRPr sz="1600" b="1"/>
+              <a:defRPr sz="1890" b="1"/>
             </a:lvl6pPr>
-            <a:lvl7pPr marL="2743200" indent="0">
+            <a:lvl7pPr marL="3239994" indent="0">
               <a:buNone/>
-              <a:defRPr sz="1600" b="1"/>
+              <a:defRPr sz="1890" b="1"/>
             </a:lvl7pPr>
-            <a:lvl8pPr marL="3200400" indent="0">
+            <a:lvl8pPr marL="3779992" indent="0">
               <a:buNone/>
-              <a:defRPr sz="1600" b="1"/>
+              <a:defRPr sz="1890" b="1"/>
             </a:lvl8pPr>
-            <a:lvl9pPr marL="3657600" indent="0">
+            <a:lvl9pPr marL="4319991" indent="0">
               <a:buNone/>
-              <a:defRPr sz="1600" b="1"/>
+              <a:defRPr sz="1890" b="1"/>
             </a:lvl9pPr>
           </a:lstStyle>
           <a:p>
             <a:pPr lvl="0"/>
             <a:r>
-              <a:rPr kumimoji="1" lang="ja-JP" altLang="en-US"/>
+              <a:rPr lang="ja-JP" altLang="en-US"/>
               <a:t>マスター テキストの書式設定</a:t>
             </a:r>
           </a:p>
@@ -1938,13 +1743,7 @@
       </p:sp>
       <p:sp>
         <p:nvSpPr>
-          <p:cNvPr id="6" name="コンテンツ プレースホルダー 5">
-            <a:extLst>
-              <a:ext uri="{FF2B5EF4-FFF2-40B4-BE49-F238E27FC236}">
-                <a16:creationId xmlns:a16="http://schemas.microsoft.com/office/drawing/2014/main" id="{190337AA-8B3E-410D-9C2B-ED73713300A5}"/>
-              </a:ext>
-            </a:extLst>
-          </p:cNvPr>
+          <p:cNvPr id="6" name="Content Placeholder 5"/>
           <p:cNvSpPr>
             <a:spLocks noGrp="1"/>
           </p:cNvSpPr>
@@ -1954,8 +1753,8 @@
         </p:nvSpPr>
         <p:spPr>
           <a:xfrm>
-            <a:off x="6172200" y="2505075"/>
-            <a:ext cx="5183188" cy="3684588"/>
+            <a:off x="5467381" y="3944914"/>
+            <a:ext cx="4591306" cy="5802373"/>
           </a:xfrm>
         </p:spPr>
         <p:txBody>
@@ -1964,81 +1763,76 @@
           <a:p>
             <a:pPr lvl="0"/>
             <a:r>
-              <a:rPr kumimoji="1" lang="ja-JP" altLang="en-US"/>
+              <a:rPr lang="ja-JP" altLang="en-US"/>
               <a:t>マスター テキストの書式設定</a:t>
             </a:r>
           </a:p>
           <a:p>
             <a:pPr lvl="1"/>
             <a:r>
-              <a:rPr kumimoji="1" lang="ja-JP" altLang="en-US"/>
+              <a:rPr lang="ja-JP" altLang="en-US"/>
               <a:t>第 </a:t>
             </a:r>
             <a:r>
-              <a:rPr kumimoji="1" lang="en-US" altLang="ja-JP"/>
+              <a:rPr lang="en-US" altLang="ja-JP"/>
               <a:t>2 </a:t>
             </a:r>
             <a:r>
-              <a:rPr kumimoji="1" lang="ja-JP" altLang="en-US"/>
+              <a:rPr lang="ja-JP" altLang="en-US"/>
               <a:t>レベル</a:t>
             </a:r>
           </a:p>
           <a:p>
             <a:pPr lvl="2"/>
             <a:r>
-              <a:rPr kumimoji="1" lang="ja-JP" altLang="en-US"/>
+              <a:rPr lang="ja-JP" altLang="en-US"/>
               <a:t>第 </a:t>
             </a:r>
             <a:r>
-              <a:rPr kumimoji="1" lang="en-US" altLang="ja-JP"/>
+              <a:rPr lang="en-US" altLang="ja-JP"/>
               <a:t>3 </a:t>
             </a:r>
             <a:r>
-              <a:rPr kumimoji="1" lang="ja-JP" altLang="en-US"/>
+              <a:rPr lang="ja-JP" altLang="en-US"/>
               <a:t>レベル</a:t>
             </a:r>
           </a:p>
           <a:p>
             <a:pPr lvl="3"/>
             <a:r>
-              <a:rPr kumimoji="1" lang="ja-JP" altLang="en-US"/>
+              <a:rPr lang="ja-JP" altLang="en-US"/>
               <a:t>第 </a:t>
             </a:r>
             <a:r>
-              <a:rPr kumimoji="1" lang="en-US" altLang="ja-JP"/>
+              <a:rPr lang="en-US" altLang="ja-JP"/>
               <a:t>4 </a:t>
             </a:r>
             <a:r>
-              <a:rPr kumimoji="1" lang="ja-JP" altLang="en-US"/>
+              <a:rPr lang="ja-JP" altLang="en-US"/>
               <a:t>レベル</a:t>
             </a:r>
           </a:p>
           <a:p>
             <a:pPr lvl="4"/>
             <a:r>
-              <a:rPr kumimoji="1" lang="ja-JP" altLang="en-US"/>
+              <a:rPr lang="ja-JP" altLang="en-US"/>
               <a:t>第 </a:t>
             </a:r>
             <a:r>
-              <a:rPr kumimoji="1" lang="en-US" altLang="ja-JP"/>
+              <a:rPr lang="en-US" altLang="ja-JP"/>
               <a:t>5 </a:t>
             </a:r>
             <a:r>
-              <a:rPr kumimoji="1" lang="ja-JP" altLang="en-US"/>
+              <a:rPr lang="ja-JP" altLang="en-US"/>
               <a:t>レベル</a:t>
             </a:r>
+            <a:endParaRPr lang="en-US" dirty="0"/>
           </a:p>
         </p:txBody>
       </p:sp>
       <p:sp>
         <p:nvSpPr>
-          <p:cNvPr id="7" name="日付プレースホルダー 6">
-            <a:extLst>
-              <a:ext uri="{FF2B5EF4-FFF2-40B4-BE49-F238E27FC236}">
-                <a16:creationId xmlns:a16="http://schemas.microsoft.com/office/drawing/2014/main" id="{4CE8A787-6EF6-49E9-AD91-22D32D7A1A7D}"/>
-              </a:ext>
-            </a:extLst>
-          </p:cNvPr>
+          <p:cNvPr id="7" name="Date Placeholder 6"/>
           <p:cNvSpPr>
             <a:spLocks noGrp="1"/>
           </p:cNvSpPr>
@@ -2053,7 +1847,7 @@
           <a:p>
             <a:fld id="{D9812761-E0F9-498D-A86D-14F66CBFAB0E}" type="datetimeFigureOut">
               <a:rPr kumimoji="1" lang="ja-JP" altLang="en-US" smtClean="0"/>
-              <a:t>2021/6/26</a:t>
+              <a:t>2021/7/3</a:t>
             </a:fld>
             <a:endParaRPr kumimoji="1" lang="ja-JP" altLang="en-US"/>
           </a:p>
@@ -2061,13 +1855,7 @@
       </p:sp>
       <p:sp>
         <p:nvSpPr>
-          <p:cNvPr id="8" name="フッター プレースホルダー 7">
-            <a:extLst>
-              <a:ext uri="{FF2B5EF4-FFF2-40B4-BE49-F238E27FC236}">
-                <a16:creationId xmlns:a16="http://schemas.microsoft.com/office/drawing/2014/main" id="{A333ED7C-BBA7-4F48-AFC1-AF760E280F0A}"/>
-              </a:ext>
-            </a:extLst>
-          </p:cNvPr>
+          <p:cNvPr id="8" name="Footer Placeholder 7"/>
           <p:cNvSpPr>
             <a:spLocks noGrp="1"/>
           </p:cNvSpPr>
@@ -2086,13 +1874,7 @@
       </p:sp>
       <p:sp>
         <p:nvSpPr>
-          <p:cNvPr id="9" name="スライド番号プレースホルダー 8">
-            <a:extLst>
-              <a:ext uri="{FF2B5EF4-FFF2-40B4-BE49-F238E27FC236}">
-                <a16:creationId xmlns:a16="http://schemas.microsoft.com/office/drawing/2014/main" id="{77D31A3E-BC5E-466D-B576-C06A4A17E804}"/>
-              </a:ext>
-            </a:extLst>
-          </p:cNvPr>
+          <p:cNvPr id="9" name="Slide Number Placeholder 8"/>
           <p:cNvSpPr>
             <a:spLocks noGrp="1"/>
           </p:cNvSpPr>
@@ -2116,7 +1898,7 @@
     </p:spTree>
     <p:extLst>
       <p:ext uri="{BB962C8B-B14F-4D97-AF65-F5344CB8AC3E}">
-        <p14:creationId xmlns:p14="http://schemas.microsoft.com/office/powerpoint/2010/main" val="42186102"/>
+        <p14:creationId xmlns:p14="http://schemas.microsoft.com/office/powerpoint/2010/main" val="1043418822"/>
       </p:ext>
     </p:extLst>
   </p:cSld>
@@ -2145,13 +1927,7 @@
       </p:grpSpPr>
       <p:sp>
         <p:nvSpPr>
-          <p:cNvPr id="2" name="タイトル 1">
-            <a:extLst>
-              <a:ext uri="{FF2B5EF4-FFF2-40B4-BE49-F238E27FC236}">
-                <a16:creationId xmlns:a16="http://schemas.microsoft.com/office/drawing/2014/main" id="{5C3D0E7C-44E5-4FAA-AC8F-9570FE55EF78}"/>
-              </a:ext>
-            </a:extLst>
-          </p:cNvPr>
+          <p:cNvPr id="2" name="Title 1"/>
           <p:cNvSpPr>
             <a:spLocks noGrp="1"/>
           </p:cNvSpPr>
@@ -2165,21 +1941,16 @@
           <a:lstStyle/>
           <a:p>
             <a:r>
-              <a:rPr kumimoji="1" lang="ja-JP" altLang="en-US"/>
+              <a:rPr lang="ja-JP" altLang="en-US"/>
               <a:t>マスター タイトルの書式設定</a:t>
             </a:r>
+            <a:endParaRPr lang="en-US" dirty="0"/>
           </a:p>
         </p:txBody>
       </p:sp>
       <p:sp>
         <p:nvSpPr>
-          <p:cNvPr id="3" name="日付プレースホルダー 2">
-            <a:extLst>
-              <a:ext uri="{FF2B5EF4-FFF2-40B4-BE49-F238E27FC236}">
-                <a16:creationId xmlns:a16="http://schemas.microsoft.com/office/drawing/2014/main" id="{1E251F66-0CAB-4181-91AF-9B8EECDEAE4E}"/>
-              </a:ext>
-            </a:extLst>
-          </p:cNvPr>
+          <p:cNvPr id="3" name="Date Placeholder 2"/>
           <p:cNvSpPr>
             <a:spLocks noGrp="1"/>
           </p:cNvSpPr>
@@ -2194,7 +1965,7 @@
           <a:p>
             <a:fld id="{D9812761-E0F9-498D-A86D-14F66CBFAB0E}" type="datetimeFigureOut">
               <a:rPr kumimoji="1" lang="ja-JP" altLang="en-US" smtClean="0"/>
-              <a:t>2021/6/26</a:t>
+              <a:t>2021/7/3</a:t>
             </a:fld>
             <a:endParaRPr kumimoji="1" lang="ja-JP" altLang="en-US"/>
           </a:p>
@@ -2202,13 +1973,7 @@
       </p:sp>
       <p:sp>
         <p:nvSpPr>
-          <p:cNvPr id="4" name="フッター プレースホルダー 3">
-            <a:extLst>
-              <a:ext uri="{FF2B5EF4-FFF2-40B4-BE49-F238E27FC236}">
-                <a16:creationId xmlns:a16="http://schemas.microsoft.com/office/drawing/2014/main" id="{E376DF77-2D7E-49E0-A276-3FBA55A92A36}"/>
-              </a:ext>
-            </a:extLst>
-          </p:cNvPr>
+          <p:cNvPr id="4" name="Footer Placeholder 3"/>
           <p:cNvSpPr>
             <a:spLocks noGrp="1"/>
           </p:cNvSpPr>
@@ -2227,13 +1992,7 @@
       </p:sp>
       <p:sp>
         <p:nvSpPr>
-          <p:cNvPr id="5" name="スライド番号プレースホルダー 4">
-            <a:extLst>
-              <a:ext uri="{FF2B5EF4-FFF2-40B4-BE49-F238E27FC236}">
-                <a16:creationId xmlns:a16="http://schemas.microsoft.com/office/drawing/2014/main" id="{F00DAD52-4D68-40A4-B64D-2E89F6A7FAA1}"/>
-              </a:ext>
-            </a:extLst>
-          </p:cNvPr>
+          <p:cNvPr id="5" name="Slide Number Placeholder 4"/>
           <p:cNvSpPr>
             <a:spLocks noGrp="1"/>
           </p:cNvSpPr>
@@ -2257,7 +2016,7 @@
     </p:spTree>
     <p:extLst>
       <p:ext uri="{BB962C8B-B14F-4D97-AF65-F5344CB8AC3E}">
-        <p14:creationId xmlns:p14="http://schemas.microsoft.com/office/powerpoint/2010/main" val="1538356526"/>
+        <p14:creationId xmlns:p14="http://schemas.microsoft.com/office/powerpoint/2010/main" val="2986802035"/>
       </p:ext>
     </p:extLst>
   </p:cSld>
@@ -2286,13 +2045,7 @@
       </p:grpSpPr>
       <p:sp>
         <p:nvSpPr>
-          <p:cNvPr id="2" name="日付プレースホルダー 1">
-            <a:extLst>
-              <a:ext uri="{FF2B5EF4-FFF2-40B4-BE49-F238E27FC236}">
-                <a16:creationId xmlns:a16="http://schemas.microsoft.com/office/drawing/2014/main" id="{18B055E0-B43C-4F04-B11D-523DA2351018}"/>
-              </a:ext>
-            </a:extLst>
-          </p:cNvPr>
+          <p:cNvPr id="2" name="Date Placeholder 1"/>
           <p:cNvSpPr>
             <a:spLocks noGrp="1"/>
           </p:cNvSpPr>
@@ -2307,7 +2060,7 @@
           <a:p>
             <a:fld id="{D9812761-E0F9-498D-A86D-14F66CBFAB0E}" type="datetimeFigureOut">
               <a:rPr kumimoji="1" lang="ja-JP" altLang="en-US" smtClean="0"/>
-              <a:t>2021/6/26</a:t>
+              <a:t>2021/7/3</a:t>
             </a:fld>
             <a:endParaRPr kumimoji="1" lang="ja-JP" altLang="en-US"/>
           </a:p>
@@ -2315,13 +2068,7 @@
       </p:sp>
       <p:sp>
         <p:nvSpPr>
-          <p:cNvPr id="3" name="フッター プレースホルダー 2">
-            <a:extLst>
-              <a:ext uri="{FF2B5EF4-FFF2-40B4-BE49-F238E27FC236}">
-                <a16:creationId xmlns:a16="http://schemas.microsoft.com/office/drawing/2014/main" id="{F6CBC149-20DB-4A83-BD0C-F63B5D5746F1}"/>
-              </a:ext>
-            </a:extLst>
-          </p:cNvPr>
+          <p:cNvPr id="3" name="Footer Placeholder 2"/>
           <p:cNvSpPr>
             <a:spLocks noGrp="1"/>
           </p:cNvSpPr>
@@ -2340,13 +2087,7 @@
       </p:sp>
       <p:sp>
         <p:nvSpPr>
-          <p:cNvPr id="4" name="スライド番号プレースホルダー 3">
-            <a:extLst>
-              <a:ext uri="{FF2B5EF4-FFF2-40B4-BE49-F238E27FC236}">
-                <a16:creationId xmlns:a16="http://schemas.microsoft.com/office/drawing/2014/main" id="{AB3DEB32-0F53-4F80-841F-1BFB4CA41E50}"/>
-              </a:ext>
-            </a:extLst>
-          </p:cNvPr>
+          <p:cNvPr id="4" name="Slide Number Placeholder 3"/>
           <p:cNvSpPr>
             <a:spLocks noGrp="1"/>
           </p:cNvSpPr>
@@ -2370,7 +2111,7 @@
     </p:spTree>
     <p:extLst>
       <p:ext uri="{BB962C8B-B14F-4D97-AF65-F5344CB8AC3E}">
-        <p14:creationId xmlns:p14="http://schemas.microsoft.com/office/powerpoint/2010/main" val="699438595"/>
+        <p14:creationId xmlns:p14="http://schemas.microsoft.com/office/powerpoint/2010/main" val="3464584594"/>
       </p:ext>
     </p:extLst>
   </p:cSld>
@@ -2399,13 +2140,7 @@
       </p:grpSpPr>
       <p:sp>
         <p:nvSpPr>
-          <p:cNvPr id="2" name="タイトル 1">
-            <a:extLst>
-              <a:ext uri="{FF2B5EF4-FFF2-40B4-BE49-F238E27FC236}">
-                <a16:creationId xmlns:a16="http://schemas.microsoft.com/office/drawing/2014/main" id="{9CFCDEEE-E052-4703-A73F-5107B6460E5C}"/>
-              </a:ext>
-            </a:extLst>
-          </p:cNvPr>
+          <p:cNvPr id="2" name="Title 1"/>
           <p:cNvSpPr>
             <a:spLocks noGrp="1"/>
           </p:cNvSpPr>
@@ -2415,34 +2150,29 @@
         </p:nvSpPr>
         <p:spPr>
           <a:xfrm>
-            <a:off x="839788" y="457200"/>
-            <a:ext cx="3932237" cy="1600200"/>
+            <a:off x="743890" y="719984"/>
+            <a:ext cx="3483205" cy="2519945"/>
           </a:xfrm>
         </p:spPr>
         <p:txBody>
           <a:bodyPr anchor="b"/>
           <a:lstStyle>
             <a:lvl1pPr>
-              <a:defRPr sz="3200"/>
+              <a:defRPr sz="3780"/>
             </a:lvl1pPr>
           </a:lstStyle>
           <a:p>
             <a:r>
-              <a:rPr kumimoji="1" lang="ja-JP" altLang="en-US"/>
+              <a:rPr lang="ja-JP" altLang="en-US"/>
               <a:t>マスター タイトルの書式設定</a:t>
             </a:r>
+            <a:endParaRPr lang="en-US" dirty="0"/>
           </a:p>
         </p:txBody>
       </p:sp>
       <p:sp>
         <p:nvSpPr>
-          <p:cNvPr id="3" name="コンテンツ プレースホルダー 2">
-            <a:extLst>
-              <a:ext uri="{FF2B5EF4-FFF2-40B4-BE49-F238E27FC236}">
-                <a16:creationId xmlns:a16="http://schemas.microsoft.com/office/drawing/2014/main" id="{0D49671E-3D44-4D1A-8DD5-35F375603C89}"/>
-              </a:ext>
-            </a:extLst>
-          </p:cNvPr>
+          <p:cNvPr id="3" name="Content Placeholder 2"/>
           <p:cNvSpPr>
             <a:spLocks noGrp="1"/>
           </p:cNvSpPr>
@@ -2452,119 +2182,114 @@
         </p:nvSpPr>
         <p:spPr>
           <a:xfrm>
-            <a:off x="5183188" y="987425"/>
-            <a:ext cx="6172200" cy="4873625"/>
+            <a:off x="4591306" y="1554968"/>
+            <a:ext cx="5467380" cy="7674832"/>
           </a:xfrm>
         </p:spPr>
         <p:txBody>
           <a:bodyPr/>
           <a:lstStyle>
             <a:lvl1pPr>
-              <a:defRPr sz="3200"/>
+              <a:defRPr sz="3780"/>
             </a:lvl1pPr>
             <a:lvl2pPr>
-              <a:defRPr sz="2800"/>
+              <a:defRPr sz="3307"/>
             </a:lvl2pPr>
             <a:lvl3pPr>
-              <a:defRPr sz="2400"/>
+              <a:defRPr sz="2835"/>
             </a:lvl3pPr>
             <a:lvl4pPr>
-              <a:defRPr sz="2000"/>
+              <a:defRPr sz="2362"/>
             </a:lvl4pPr>
             <a:lvl5pPr>
-              <a:defRPr sz="2000"/>
+              <a:defRPr sz="2362"/>
             </a:lvl5pPr>
             <a:lvl6pPr>
-              <a:defRPr sz="2000"/>
+              <a:defRPr sz="2362"/>
             </a:lvl6pPr>
             <a:lvl7pPr>
-              <a:defRPr sz="2000"/>
+              <a:defRPr sz="2362"/>
             </a:lvl7pPr>
             <a:lvl8pPr>
-              <a:defRPr sz="2000"/>
+              <a:defRPr sz="2362"/>
             </a:lvl8pPr>
             <a:lvl9pPr>
-              <a:defRPr sz="2000"/>
+              <a:defRPr sz="2362"/>
             </a:lvl9pPr>
           </a:lstStyle>
           <a:p>
             <a:pPr lvl="0"/>
             <a:r>
-              <a:rPr kumimoji="1" lang="ja-JP" altLang="en-US"/>
+              <a:rPr lang="ja-JP" altLang="en-US"/>
               <a:t>マスター テキストの書式設定</a:t>
             </a:r>
           </a:p>
           <a:p>
             <a:pPr lvl="1"/>
             <a:r>
-              <a:rPr kumimoji="1" lang="ja-JP" altLang="en-US"/>
+              <a:rPr lang="ja-JP" altLang="en-US"/>
               <a:t>第 </a:t>
             </a:r>
             <a:r>
-              <a:rPr kumimoji="1" lang="en-US" altLang="ja-JP"/>
+              <a:rPr lang="en-US" altLang="ja-JP"/>
               <a:t>2 </a:t>
             </a:r>
             <a:r>
-              <a:rPr kumimoji="1" lang="ja-JP" altLang="en-US"/>
+              <a:rPr lang="ja-JP" altLang="en-US"/>
               <a:t>レベル</a:t>
             </a:r>
           </a:p>
           <a:p>
             <a:pPr lvl="2"/>
             <a:r>
-              <a:rPr kumimoji="1" lang="ja-JP" altLang="en-US"/>
+              <a:rPr lang="ja-JP" altLang="en-US"/>
               <a:t>第 </a:t>
             </a:r>
             <a:r>
-              <a:rPr kumimoji="1" lang="en-US" altLang="ja-JP"/>
+              <a:rPr lang="en-US" altLang="ja-JP"/>
               <a:t>3 </a:t>
             </a:r>
             <a:r>
-              <a:rPr kumimoji="1" lang="ja-JP" altLang="en-US"/>
+              <a:rPr lang="ja-JP" altLang="en-US"/>
               <a:t>レベル</a:t>
             </a:r>
           </a:p>
           <a:p>
             <a:pPr lvl="3"/>
             <a:r>
-              <a:rPr kumimoji="1" lang="ja-JP" altLang="en-US"/>
+              <a:rPr lang="ja-JP" altLang="en-US"/>
               <a:t>第 </a:t>
             </a:r>
             <a:r>
-              <a:rPr kumimoji="1" lang="en-US" altLang="ja-JP"/>
+              <a:rPr lang="en-US" altLang="ja-JP"/>
               <a:t>4 </a:t>
             </a:r>
             <a:r>
-              <a:rPr kumimoji="1" lang="ja-JP" altLang="en-US"/>
+              <a:rPr lang="ja-JP" altLang="en-US"/>
               <a:t>レベル</a:t>
             </a:r>
           </a:p>
           <a:p>
             <a:pPr lvl="4"/>
             <a:r>
-              <a:rPr kumimoji="1" lang="ja-JP" altLang="en-US"/>
+              <a:rPr lang="ja-JP" altLang="en-US"/>
               <a:t>第 </a:t>
             </a:r>
             <a:r>
-              <a:rPr kumimoji="1" lang="en-US" altLang="ja-JP"/>
+              <a:rPr lang="en-US" altLang="ja-JP"/>
               <a:t>5 </a:t>
             </a:r>
             <a:r>
-              <a:rPr kumimoji="1" lang="ja-JP" altLang="en-US"/>
+              <a:rPr lang="ja-JP" altLang="en-US"/>
               <a:t>レベル</a:t>
             </a:r>
+            <a:endParaRPr lang="en-US" dirty="0"/>
           </a:p>
         </p:txBody>
       </p:sp>
       <p:sp>
         <p:nvSpPr>
-          <p:cNvPr id="4" name="テキスト プレースホルダー 3">
-            <a:extLst>
-              <a:ext uri="{FF2B5EF4-FFF2-40B4-BE49-F238E27FC236}">
-                <a16:creationId xmlns:a16="http://schemas.microsoft.com/office/drawing/2014/main" id="{BD376866-5AD0-4BA3-A9B2-53DA09D5D4D2}"/>
-              </a:ext>
-            </a:extLst>
-          </p:cNvPr>
+          <p:cNvPr id="4" name="Text Placeholder 3"/>
           <p:cNvSpPr>
             <a:spLocks noGrp="1"/>
           </p:cNvSpPr>
@@ -2574,8 +2299,8 @@
         </p:nvSpPr>
         <p:spPr>
           <a:xfrm>
-            <a:off x="839788" y="2057400"/>
-            <a:ext cx="3932237" cy="3811588"/>
+            <a:off x="743890" y="3239929"/>
+            <a:ext cx="3483205" cy="6002369"/>
           </a:xfrm>
         </p:spPr>
         <p:txBody>
@@ -2583,45 +2308,45 @@
           <a:lstStyle>
             <a:lvl1pPr marL="0" indent="0">
               <a:buNone/>
-              <a:defRPr sz="1600"/>
+              <a:defRPr sz="1890"/>
             </a:lvl1pPr>
-            <a:lvl2pPr marL="457200" indent="0">
+            <a:lvl2pPr marL="539999" indent="0">
               <a:buNone/>
-              <a:defRPr sz="1400"/>
+              <a:defRPr sz="1654"/>
             </a:lvl2pPr>
-            <a:lvl3pPr marL="914400" indent="0">
+            <a:lvl3pPr marL="1079998" indent="0">
               <a:buNone/>
-              <a:defRPr sz="1200"/>
+              <a:defRPr sz="1417"/>
             </a:lvl3pPr>
-            <a:lvl4pPr marL="1371600" indent="0">
+            <a:lvl4pPr marL="1619997" indent="0">
               <a:buNone/>
-              <a:defRPr sz="1000"/>
+              <a:defRPr sz="1181"/>
             </a:lvl4pPr>
-            <a:lvl5pPr marL="1828800" indent="0">
+            <a:lvl5pPr marL="2159996" indent="0">
               <a:buNone/>
-              <a:defRPr sz="1000"/>
+              <a:defRPr sz="1181"/>
             </a:lvl5pPr>
-            <a:lvl6pPr marL="2286000" indent="0">
+            <a:lvl6pPr marL="2699995" indent="0">
               <a:buNone/>
-              <a:defRPr sz="1000"/>
+              <a:defRPr sz="1181"/>
             </a:lvl6pPr>
-            <a:lvl7pPr marL="2743200" indent="0">
+            <a:lvl7pPr marL="3239994" indent="0">
               <a:buNone/>
-              <a:defRPr sz="1000"/>
+              <a:defRPr sz="1181"/>
             </a:lvl7pPr>
-            <a:lvl8pPr marL="3200400" indent="0">
+            <a:lvl8pPr marL="3779992" indent="0">
               <a:buNone/>
-              <a:defRPr sz="1000"/>
+              <a:defRPr sz="1181"/>
             </a:lvl8pPr>
-            <a:lvl9pPr marL="3657600" indent="0">
+            <a:lvl9pPr marL="4319991" indent="0">
               <a:buNone/>
-              <a:defRPr sz="1000"/>
+              <a:defRPr sz="1181"/>
             </a:lvl9pPr>
           </a:lstStyle>
           <a:p>
             <a:pPr lvl="0"/>
             <a:r>
-              <a:rPr kumimoji="1" lang="ja-JP" altLang="en-US"/>
+              <a:rPr lang="ja-JP" altLang="en-US"/>
               <a:t>マスター テキストの書式設定</a:t>
             </a:r>
           </a:p>
@@ -2629,13 +2354,7 @@
       </p:sp>
       <p:sp>
         <p:nvSpPr>
-          <p:cNvPr id="5" name="日付プレースホルダー 4">
-            <a:extLst>
-              <a:ext uri="{FF2B5EF4-FFF2-40B4-BE49-F238E27FC236}">
-                <a16:creationId xmlns:a16="http://schemas.microsoft.com/office/drawing/2014/main" id="{8CFD350F-BAF8-4E8D-A91E-F41759207BE1}"/>
-              </a:ext>
-            </a:extLst>
-          </p:cNvPr>
+          <p:cNvPr id="5" name="Date Placeholder 4"/>
           <p:cNvSpPr>
             <a:spLocks noGrp="1"/>
           </p:cNvSpPr>
@@ -2650,7 +2369,7 @@
           <a:p>
             <a:fld id="{D9812761-E0F9-498D-A86D-14F66CBFAB0E}" type="datetimeFigureOut">
               <a:rPr kumimoji="1" lang="ja-JP" altLang="en-US" smtClean="0"/>
-              <a:t>2021/6/26</a:t>
+              <a:t>2021/7/3</a:t>
             </a:fld>
             <a:endParaRPr kumimoji="1" lang="ja-JP" altLang="en-US"/>
           </a:p>
@@ -2658,13 +2377,7 @@
       </p:sp>
       <p:sp>
         <p:nvSpPr>
-          <p:cNvPr id="6" name="フッター プレースホルダー 5">
-            <a:extLst>
-              <a:ext uri="{FF2B5EF4-FFF2-40B4-BE49-F238E27FC236}">
-                <a16:creationId xmlns:a16="http://schemas.microsoft.com/office/drawing/2014/main" id="{E0892B54-FF7C-49A7-BE14-9B84601621B1}"/>
-              </a:ext>
-            </a:extLst>
-          </p:cNvPr>
+          <p:cNvPr id="6" name="Footer Placeholder 5"/>
           <p:cNvSpPr>
             <a:spLocks noGrp="1"/>
           </p:cNvSpPr>
@@ -2683,13 +2396,7 @@
       </p:sp>
       <p:sp>
         <p:nvSpPr>
-          <p:cNvPr id="7" name="スライド番号プレースホルダー 6">
-            <a:extLst>
-              <a:ext uri="{FF2B5EF4-FFF2-40B4-BE49-F238E27FC236}">
-                <a16:creationId xmlns:a16="http://schemas.microsoft.com/office/drawing/2014/main" id="{F8EC4868-D264-4AAB-96C3-9152FDFC9FE0}"/>
-              </a:ext>
-            </a:extLst>
-          </p:cNvPr>
+          <p:cNvPr id="7" name="Slide Number Placeholder 6"/>
           <p:cNvSpPr>
             <a:spLocks noGrp="1"/>
           </p:cNvSpPr>
@@ -2713,7 +2420,7 @@
     </p:spTree>
     <p:extLst>
       <p:ext uri="{BB962C8B-B14F-4D97-AF65-F5344CB8AC3E}">
-        <p14:creationId xmlns:p14="http://schemas.microsoft.com/office/powerpoint/2010/main" val="3742400519"/>
+        <p14:creationId xmlns:p14="http://schemas.microsoft.com/office/powerpoint/2010/main" val="2857615219"/>
       </p:ext>
     </p:extLst>
   </p:cSld>
@@ -2742,13 +2449,7 @@
       </p:grpSpPr>
       <p:sp>
         <p:nvSpPr>
-          <p:cNvPr id="2" name="タイトル 1">
-            <a:extLst>
-              <a:ext uri="{FF2B5EF4-FFF2-40B4-BE49-F238E27FC236}">
-                <a16:creationId xmlns:a16="http://schemas.microsoft.com/office/drawing/2014/main" id="{61C1DDDD-3BAC-4858-BB98-36DB81608406}"/>
-              </a:ext>
-            </a:extLst>
-          </p:cNvPr>
+          <p:cNvPr id="2" name="Title 1"/>
           <p:cNvSpPr>
             <a:spLocks noGrp="1"/>
           </p:cNvSpPr>
@@ -2758,36 +2459,31 @@
         </p:nvSpPr>
         <p:spPr>
           <a:xfrm>
-            <a:off x="839788" y="457200"/>
-            <a:ext cx="3932237" cy="1600200"/>
+            <a:off x="743890" y="719984"/>
+            <a:ext cx="3483205" cy="2519945"/>
           </a:xfrm>
         </p:spPr>
         <p:txBody>
           <a:bodyPr anchor="b"/>
           <a:lstStyle>
             <a:lvl1pPr>
-              <a:defRPr sz="3200"/>
+              <a:defRPr sz="3780"/>
             </a:lvl1pPr>
           </a:lstStyle>
           <a:p>
             <a:r>
-              <a:rPr kumimoji="1" lang="ja-JP" altLang="en-US"/>
+              <a:rPr lang="ja-JP" altLang="en-US"/>
               <a:t>マスター タイトルの書式設定</a:t>
             </a:r>
+            <a:endParaRPr lang="en-US" dirty="0"/>
           </a:p>
         </p:txBody>
       </p:sp>
       <p:sp>
         <p:nvSpPr>
-          <p:cNvPr id="3" name="図プレースホルダー 2">
-            <a:extLst>
-              <a:ext uri="{FF2B5EF4-FFF2-40B4-BE49-F238E27FC236}">
-                <a16:creationId xmlns:a16="http://schemas.microsoft.com/office/drawing/2014/main" id="{DAD24EDC-4282-4108-8FD2-3362955E0AEC}"/>
-              </a:ext>
-            </a:extLst>
-          </p:cNvPr>
+          <p:cNvPr id="3" name="Picture Placeholder 2"/>
           <p:cNvSpPr>
-            <a:spLocks noGrp="1"/>
+            <a:spLocks noGrp="1" noChangeAspect="1"/>
           </p:cNvSpPr>
           <p:nvPr>
             <p:ph type="pic" idx="1"/>
@@ -2795,64 +2491,62 @@
         </p:nvSpPr>
         <p:spPr>
           <a:xfrm>
-            <a:off x="5183188" y="987425"/>
-            <a:ext cx="6172200" cy="4873625"/>
+            <a:off x="4591306" y="1554968"/>
+            <a:ext cx="5467380" cy="7674832"/>
           </a:xfrm>
         </p:spPr>
         <p:txBody>
-          <a:bodyPr/>
+          <a:bodyPr anchor="t"/>
           <a:lstStyle>
             <a:lvl1pPr marL="0" indent="0">
               <a:buNone/>
-              <a:defRPr sz="3200"/>
+              <a:defRPr sz="3780"/>
             </a:lvl1pPr>
-            <a:lvl2pPr marL="457200" indent="0">
+            <a:lvl2pPr marL="539999" indent="0">
               <a:buNone/>
-              <a:defRPr sz="2800"/>
+              <a:defRPr sz="3307"/>
             </a:lvl2pPr>
-            <a:lvl3pPr marL="914400" indent="0">
+            <a:lvl3pPr marL="1079998" indent="0">
               <a:buNone/>
-              <a:defRPr sz="2400"/>
+              <a:defRPr sz="2835"/>
             </a:lvl3pPr>
-            <a:lvl4pPr marL="1371600" indent="0">
+            <a:lvl4pPr marL="1619997" indent="0">
               <a:buNone/>
-              <a:defRPr sz="2000"/>
+              <a:defRPr sz="2362"/>
             </a:lvl4pPr>
-            <a:lvl5pPr marL="1828800" indent="0">
+            <a:lvl5pPr marL="2159996" indent="0">
               <a:buNone/>
-              <a:defRPr sz="2000"/>
+              <a:defRPr sz="2362"/>
             </a:lvl5pPr>
-            <a:lvl6pPr marL="2286000" indent="0">
+            <a:lvl6pPr marL="2699995" indent="0">
               <a:buNone/>
-              <a:defRPr sz="2000"/>
+              <a:defRPr sz="2362"/>
             </a:lvl6pPr>
-            <a:lvl7pPr marL="2743200" indent="0">
+            <a:lvl7pPr marL="3239994" indent="0">
               <a:buNone/>
-              <a:defRPr sz="2000"/>
+              <a:defRPr sz="2362"/>
             </a:lvl7pPr>
-            <a:lvl8pPr marL="3200400" indent="0">
+            <a:lvl8pPr marL="3779992" indent="0">
               <a:buNone/>
-              <a:defRPr sz="2000"/>
+              <a:defRPr sz="2362"/>
             </a:lvl8pPr>
-            <a:lvl9pPr marL="3657600" indent="0">
+            <a:lvl9pPr marL="4319991" indent="0">
               <a:buNone/>
-              <a:defRPr sz="2000"/>
+              <a:defRPr sz="2362"/>
             </a:lvl9pPr>
           </a:lstStyle>
           <a:p>
-            <a:endParaRPr kumimoji="1" lang="ja-JP" altLang="en-US"/>
+            <a:r>
+              <a:rPr lang="ja-JP" altLang="en-US"/>
+              <a:t>アイコンをクリックして図を追加</a:t>
+            </a:r>
+            <a:endParaRPr lang="en-US" dirty="0"/>
           </a:p>
         </p:txBody>
       </p:sp>
       <p:sp>
         <p:nvSpPr>
-          <p:cNvPr id="4" name="テキスト プレースホルダー 3">
-            <a:extLst>
-              <a:ext uri="{FF2B5EF4-FFF2-40B4-BE49-F238E27FC236}">
-                <a16:creationId xmlns:a16="http://schemas.microsoft.com/office/drawing/2014/main" id="{D1FCC118-0B60-4D63-A649-1AD5FE2ED180}"/>
-              </a:ext>
-            </a:extLst>
-          </p:cNvPr>
+          <p:cNvPr id="4" name="Text Placeholder 3"/>
           <p:cNvSpPr>
             <a:spLocks noGrp="1"/>
           </p:cNvSpPr>
@@ -2862,8 +2556,8 @@
         </p:nvSpPr>
         <p:spPr>
           <a:xfrm>
-            <a:off x="839788" y="2057400"/>
-            <a:ext cx="3932237" cy="3811588"/>
+            <a:off x="743890" y="3239929"/>
+            <a:ext cx="3483205" cy="6002369"/>
           </a:xfrm>
         </p:spPr>
         <p:txBody>
@@ -2871,45 +2565,45 @@
           <a:lstStyle>
             <a:lvl1pPr marL="0" indent="0">
               <a:buNone/>
-              <a:defRPr sz="1600"/>
+              <a:defRPr sz="1890"/>
             </a:lvl1pPr>
-            <a:lvl2pPr marL="457200" indent="0">
+            <a:lvl2pPr marL="539999" indent="0">
               <a:buNone/>
-              <a:defRPr sz="1400"/>
+              <a:defRPr sz="1654"/>
             </a:lvl2pPr>
-            <a:lvl3pPr marL="914400" indent="0">
+            <a:lvl3pPr marL="1079998" indent="0">
               <a:buNone/>
-              <a:defRPr sz="1200"/>
+              <a:defRPr sz="1417"/>
             </a:lvl3pPr>
-            <a:lvl4pPr marL="1371600" indent="0">
+            <a:lvl4pPr marL="1619997" indent="0">
               <a:buNone/>
-              <a:defRPr sz="1000"/>
+              <a:defRPr sz="1181"/>
             </a:lvl4pPr>
-            <a:lvl5pPr marL="1828800" indent="0">
+            <a:lvl5pPr marL="2159996" indent="0">
               <a:buNone/>
-              <a:defRPr sz="1000"/>
+              <a:defRPr sz="1181"/>
             </a:lvl5pPr>
-            <a:lvl6pPr marL="2286000" indent="0">
+            <a:lvl6pPr marL="2699995" indent="0">
               <a:buNone/>
-              <a:defRPr sz="1000"/>
+              <a:defRPr sz="1181"/>
             </a:lvl6pPr>
-            <a:lvl7pPr marL="2743200" indent="0">
+            <a:lvl7pPr marL="3239994" indent="0">
               <a:buNone/>
-              <a:defRPr sz="1000"/>
+              <a:defRPr sz="1181"/>
             </a:lvl7pPr>
-            <a:lvl8pPr marL="3200400" indent="0">
+            <a:lvl8pPr marL="3779992" indent="0">
               <a:buNone/>
-              <a:defRPr sz="1000"/>
+              <a:defRPr sz="1181"/>
             </a:lvl8pPr>
-            <a:lvl9pPr marL="3657600" indent="0">
+            <a:lvl9pPr marL="4319991" indent="0">
               <a:buNone/>
-              <a:defRPr sz="1000"/>
+              <a:defRPr sz="1181"/>
             </a:lvl9pPr>
           </a:lstStyle>
           <a:p>
             <a:pPr lvl="0"/>
             <a:r>
-              <a:rPr kumimoji="1" lang="ja-JP" altLang="en-US"/>
+              <a:rPr lang="ja-JP" altLang="en-US"/>
               <a:t>マスター テキストの書式設定</a:t>
             </a:r>
           </a:p>
@@ -2917,13 +2611,7 @@
       </p:sp>
       <p:sp>
         <p:nvSpPr>
-          <p:cNvPr id="5" name="日付プレースホルダー 4">
-            <a:extLst>
-              <a:ext uri="{FF2B5EF4-FFF2-40B4-BE49-F238E27FC236}">
-                <a16:creationId xmlns:a16="http://schemas.microsoft.com/office/drawing/2014/main" id="{FE019AA5-D595-41AA-A213-0D33FFDFE59A}"/>
-              </a:ext>
-            </a:extLst>
-          </p:cNvPr>
+          <p:cNvPr id="5" name="Date Placeholder 4"/>
           <p:cNvSpPr>
             <a:spLocks noGrp="1"/>
           </p:cNvSpPr>
@@ -2938,7 +2626,7 @@
           <a:p>
             <a:fld id="{D9812761-E0F9-498D-A86D-14F66CBFAB0E}" type="datetimeFigureOut">
               <a:rPr kumimoji="1" lang="ja-JP" altLang="en-US" smtClean="0"/>
-              <a:t>2021/6/26</a:t>
+              <a:t>2021/7/3</a:t>
             </a:fld>
             <a:endParaRPr kumimoji="1" lang="ja-JP" altLang="en-US"/>
           </a:p>
@@ -2946,13 +2634,7 @@
       </p:sp>
       <p:sp>
         <p:nvSpPr>
-          <p:cNvPr id="6" name="フッター プレースホルダー 5">
-            <a:extLst>
-              <a:ext uri="{FF2B5EF4-FFF2-40B4-BE49-F238E27FC236}">
-                <a16:creationId xmlns:a16="http://schemas.microsoft.com/office/drawing/2014/main" id="{67F960D4-163A-43AD-900B-95D8093F6E25}"/>
-              </a:ext>
-            </a:extLst>
-          </p:cNvPr>
+          <p:cNvPr id="6" name="Footer Placeholder 5"/>
           <p:cNvSpPr>
             <a:spLocks noGrp="1"/>
           </p:cNvSpPr>
@@ -2971,13 +2653,7 @@
       </p:sp>
       <p:sp>
         <p:nvSpPr>
-          <p:cNvPr id="7" name="スライド番号プレースホルダー 6">
-            <a:extLst>
-              <a:ext uri="{FF2B5EF4-FFF2-40B4-BE49-F238E27FC236}">
-                <a16:creationId xmlns:a16="http://schemas.microsoft.com/office/drawing/2014/main" id="{4E1A0438-BB35-4C6E-A81A-BA95C9DE6C4F}"/>
-              </a:ext>
-            </a:extLst>
-          </p:cNvPr>
+          <p:cNvPr id="7" name="Slide Number Placeholder 6"/>
           <p:cNvSpPr>
             <a:spLocks noGrp="1"/>
           </p:cNvSpPr>
@@ -3001,7 +2677,7 @@
     </p:spTree>
     <p:extLst>
       <p:ext uri="{BB962C8B-B14F-4D97-AF65-F5344CB8AC3E}">
-        <p14:creationId xmlns:p14="http://schemas.microsoft.com/office/powerpoint/2010/main" val="1769524427"/>
+        <p14:creationId xmlns:p14="http://schemas.microsoft.com/office/powerpoint/2010/main" val="3155472277"/>
       </p:ext>
     </p:extLst>
   </p:cSld>
@@ -3035,13 +2711,7 @@
       </p:grpSpPr>
       <p:sp>
         <p:nvSpPr>
-          <p:cNvPr id="2" name="タイトル プレースホルダー 1">
-            <a:extLst>
-              <a:ext uri="{FF2B5EF4-FFF2-40B4-BE49-F238E27FC236}">
-                <a16:creationId xmlns:a16="http://schemas.microsoft.com/office/drawing/2014/main" id="{58668273-9085-4A59-995B-F2181FE6607E}"/>
-              </a:ext>
-            </a:extLst>
-          </p:cNvPr>
+          <p:cNvPr id="2" name="Title Placeholder 1"/>
           <p:cNvSpPr>
             <a:spLocks noGrp="1"/>
           </p:cNvSpPr>
@@ -3051,8 +2721,8 @@
         </p:nvSpPr>
         <p:spPr>
           <a:xfrm>
-            <a:off x="838200" y="365125"/>
-            <a:ext cx="10515600" cy="1325563"/>
+            <a:off x="742484" y="574990"/>
+            <a:ext cx="9314796" cy="2087455"/>
           </a:xfrm>
           <a:prstGeom prst="rect">
             <a:avLst/>
@@ -3065,21 +2735,16 @@
           <a:lstStyle/>
           <a:p>
             <a:r>
-              <a:rPr kumimoji="1" lang="ja-JP" altLang="en-US"/>
+              <a:rPr lang="ja-JP" altLang="en-US"/>
               <a:t>マスター タイトルの書式設定</a:t>
             </a:r>
+            <a:endParaRPr lang="en-US" dirty="0"/>
           </a:p>
         </p:txBody>
       </p:sp>
       <p:sp>
         <p:nvSpPr>
-          <p:cNvPr id="3" name="テキスト プレースホルダー 2">
-            <a:extLst>
-              <a:ext uri="{FF2B5EF4-FFF2-40B4-BE49-F238E27FC236}">
-                <a16:creationId xmlns:a16="http://schemas.microsoft.com/office/drawing/2014/main" id="{B5B76326-0F2C-4E10-8B91-F5DF23CFD197}"/>
-              </a:ext>
-            </a:extLst>
-          </p:cNvPr>
+          <p:cNvPr id="3" name="Text Placeholder 2"/>
           <p:cNvSpPr>
             <a:spLocks noGrp="1"/>
           </p:cNvSpPr>
@@ -3089,8 +2754,8 @@
         </p:nvSpPr>
         <p:spPr>
           <a:xfrm>
-            <a:off x="838200" y="1825625"/>
-            <a:ext cx="10515600" cy="4351338"/>
+            <a:off x="742484" y="2874937"/>
+            <a:ext cx="9314796" cy="6852350"/>
           </a:xfrm>
           <a:prstGeom prst="rect">
             <a:avLst/>
@@ -3104,81 +2769,76 @@
           <a:p>
             <a:pPr lvl="0"/>
             <a:r>
-              <a:rPr kumimoji="1" lang="ja-JP" altLang="en-US"/>
+              <a:rPr lang="ja-JP" altLang="en-US"/>
               <a:t>マスター テキストの書式設定</a:t>
             </a:r>
           </a:p>
           <a:p>
             <a:pPr lvl="1"/>
             <a:r>
-              <a:rPr kumimoji="1" lang="ja-JP" altLang="en-US"/>
+              <a:rPr lang="ja-JP" altLang="en-US"/>
               <a:t>第 </a:t>
             </a:r>
             <a:r>
-              <a:rPr kumimoji="1" lang="en-US" altLang="ja-JP"/>
+              <a:rPr lang="en-US" altLang="ja-JP"/>
               <a:t>2 </a:t>
             </a:r>
             <a:r>
-              <a:rPr kumimoji="1" lang="ja-JP" altLang="en-US"/>
+              <a:rPr lang="ja-JP" altLang="en-US"/>
               <a:t>レベル</a:t>
             </a:r>
           </a:p>
           <a:p>
             <a:pPr lvl="2"/>
             <a:r>
-              <a:rPr kumimoji="1" lang="ja-JP" altLang="en-US"/>
+              <a:rPr lang="ja-JP" altLang="en-US"/>
               <a:t>第 </a:t>
             </a:r>
             <a:r>
-              <a:rPr kumimoji="1" lang="en-US" altLang="ja-JP"/>
+              <a:rPr lang="en-US" altLang="ja-JP"/>
               <a:t>3 </a:t>
             </a:r>
             <a:r>
-              <a:rPr kumimoji="1" lang="ja-JP" altLang="en-US"/>
+              <a:rPr lang="ja-JP" altLang="en-US"/>
               <a:t>レベル</a:t>
             </a:r>
           </a:p>
           <a:p>
             <a:pPr lvl="3"/>
             <a:r>
-              <a:rPr kumimoji="1" lang="ja-JP" altLang="en-US"/>
+              <a:rPr lang="ja-JP" altLang="en-US"/>
               <a:t>第 </a:t>
             </a:r>
             <a:r>
-              <a:rPr kumimoji="1" lang="en-US" altLang="ja-JP"/>
+              <a:rPr lang="en-US" altLang="ja-JP"/>
               <a:t>4 </a:t>
             </a:r>
             <a:r>
-              <a:rPr kumimoji="1" lang="ja-JP" altLang="en-US"/>
+              <a:rPr lang="ja-JP" altLang="en-US"/>
               <a:t>レベル</a:t>
             </a:r>
           </a:p>
           <a:p>
             <a:pPr lvl="4"/>
             <a:r>
-              <a:rPr kumimoji="1" lang="ja-JP" altLang="en-US"/>
+              <a:rPr lang="ja-JP" altLang="en-US"/>
               <a:t>第 </a:t>
             </a:r>
             <a:r>
-              <a:rPr kumimoji="1" lang="en-US" altLang="ja-JP"/>
+              <a:rPr lang="en-US" altLang="ja-JP"/>
               <a:t>5 </a:t>
             </a:r>
             <a:r>
-              <a:rPr kumimoji="1" lang="ja-JP" altLang="en-US"/>
+              <a:rPr lang="ja-JP" altLang="en-US"/>
               <a:t>レベル</a:t>
             </a:r>
+            <a:endParaRPr lang="en-US" dirty="0"/>
           </a:p>
         </p:txBody>
       </p:sp>
       <p:sp>
         <p:nvSpPr>
-          <p:cNvPr id="4" name="日付プレースホルダー 3">
-            <a:extLst>
-              <a:ext uri="{FF2B5EF4-FFF2-40B4-BE49-F238E27FC236}">
-                <a16:creationId xmlns:a16="http://schemas.microsoft.com/office/drawing/2014/main" id="{5F1F5A53-C0D8-4157-ADD1-E328B3E1442D}"/>
-              </a:ext>
-            </a:extLst>
-          </p:cNvPr>
+          <p:cNvPr id="4" name="Date Placeholder 3"/>
           <p:cNvSpPr>
             <a:spLocks noGrp="1"/>
           </p:cNvSpPr>
@@ -3188,8 +2848,8 @@
         </p:nvSpPr>
         <p:spPr>
           <a:xfrm>
-            <a:off x="838200" y="6356350"/>
-            <a:ext cx="2743200" cy="365125"/>
+            <a:off x="742484" y="10009783"/>
+            <a:ext cx="2429947" cy="574987"/>
           </a:xfrm>
           <a:prstGeom prst="rect">
             <a:avLst/>
@@ -3199,7 +2859,7 @@
           <a:bodyPr vert="horz" lIns="91440" tIns="45720" rIns="91440" bIns="45720" rtlCol="0" anchor="ctr"/>
           <a:lstStyle>
             <a:lvl1pPr algn="l">
-              <a:defRPr sz="1200">
+              <a:defRPr sz="1417">
                 <a:solidFill>
                   <a:schemeClr val="tx1">
                     <a:tint val="75000"/>
@@ -3211,7 +2871,7 @@
           <a:p>
             <a:fld id="{D9812761-E0F9-498D-A86D-14F66CBFAB0E}" type="datetimeFigureOut">
               <a:rPr kumimoji="1" lang="ja-JP" altLang="en-US" smtClean="0"/>
-              <a:t>2021/6/26</a:t>
+              <a:t>2021/7/3</a:t>
             </a:fld>
             <a:endParaRPr kumimoji="1" lang="ja-JP" altLang="en-US"/>
           </a:p>
@@ -3219,13 +2879,7 @@
       </p:sp>
       <p:sp>
         <p:nvSpPr>
-          <p:cNvPr id="5" name="フッター プレースホルダー 4">
-            <a:extLst>
-              <a:ext uri="{FF2B5EF4-FFF2-40B4-BE49-F238E27FC236}">
-                <a16:creationId xmlns:a16="http://schemas.microsoft.com/office/drawing/2014/main" id="{53A922EE-7F15-4253-AB5F-D7C80DC95B3B}"/>
-              </a:ext>
-            </a:extLst>
-          </p:cNvPr>
+          <p:cNvPr id="5" name="Footer Placeholder 4"/>
           <p:cNvSpPr>
             <a:spLocks noGrp="1"/>
           </p:cNvSpPr>
@@ -3235,8 +2889,8 @@
         </p:nvSpPr>
         <p:spPr>
           <a:xfrm>
-            <a:off x="4038600" y="6356350"/>
-            <a:ext cx="4114800" cy="365125"/>
+            <a:off x="3577422" y="10009783"/>
+            <a:ext cx="3644920" cy="574987"/>
           </a:xfrm>
           <a:prstGeom prst="rect">
             <a:avLst/>
@@ -3246,7 +2900,7 @@
           <a:bodyPr vert="horz" lIns="91440" tIns="45720" rIns="91440" bIns="45720" rtlCol="0" anchor="ctr"/>
           <a:lstStyle>
             <a:lvl1pPr algn="ctr">
-              <a:defRPr sz="1200">
+              <a:defRPr sz="1417">
                 <a:solidFill>
                   <a:schemeClr val="tx1">
                     <a:tint val="75000"/>
@@ -3262,13 +2916,7 @@
       </p:sp>
       <p:sp>
         <p:nvSpPr>
-          <p:cNvPr id="6" name="スライド番号プレースホルダー 5">
-            <a:extLst>
-              <a:ext uri="{FF2B5EF4-FFF2-40B4-BE49-F238E27FC236}">
-                <a16:creationId xmlns:a16="http://schemas.microsoft.com/office/drawing/2014/main" id="{DFCDBA92-39CE-4D5B-9148-CC61BEB207E3}"/>
-              </a:ext>
-            </a:extLst>
-          </p:cNvPr>
+          <p:cNvPr id="6" name="Slide Number Placeholder 5"/>
           <p:cNvSpPr>
             <a:spLocks noGrp="1"/>
           </p:cNvSpPr>
@@ -3278,8 +2926,8 @@
         </p:nvSpPr>
         <p:spPr>
           <a:xfrm>
-            <a:off x="8610600" y="6356350"/>
-            <a:ext cx="2743200" cy="365125"/>
+            <a:off x="7627332" y="10009783"/>
+            <a:ext cx="2429947" cy="574987"/>
           </a:xfrm>
           <a:prstGeom prst="rect">
             <a:avLst/>
@@ -3289,7 +2937,7 @@
           <a:bodyPr vert="horz" lIns="91440" tIns="45720" rIns="91440" bIns="45720" rtlCol="0" anchor="ctr"/>
           <a:lstStyle>
             <a:lvl1pPr algn="r">
-              <a:defRPr sz="1200">
+              <a:defRPr sz="1417">
                 <a:solidFill>
                   <a:schemeClr val="tx1">
                     <a:tint val="75000"/>
@@ -3310,27 +2958,27 @@
     </p:spTree>
     <p:extLst>
       <p:ext uri="{BB962C8B-B14F-4D97-AF65-F5344CB8AC3E}">
-        <p14:creationId xmlns:p14="http://schemas.microsoft.com/office/powerpoint/2010/main" val="2562827602"/>
+        <p14:creationId xmlns:p14="http://schemas.microsoft.com/office/powerpoint/2010/main" val="4069561543"/>
       </p:ext>
     </p:extLst>
   </p:cSld>
   <p:clrMap bg1="lt1" tx1="dk1" bg2="lt2" tx2="dk2" accent1="accent1" accent2="accent2" accent3="accent3" accent4="accent4" accent5="accent5" accent6="accent6" hlink="hlink" folHlink="folHlink"/>
   <p:sldLayoutIdLst>
-    <p:sldLayoutId id="2147483649" r:id="rId1"/>
-    <p:sldLayoutId id="2147483650" r:id="rId2"/>
-    <p:sldLayoutId id="2147483651" r:id="rId3"/>
-    <p:sldLayoutId id="2147483652" r:id="rId4"/>
-    <p:sldLayoutId id="2147483653" r:id="rId5"/>
-    <p:sldLayoutId id="2147483654" r:id="rId6"/>
-    <p:sldLayoutId id="2147483655" r:id="rId7"/>
-    <p:sldLayoutId id="2147483656" r:id="rId8"/>
-    <p:sldLayoutId id="2147483657" r:id="rId9"/>
-    <p:sldLayoutId id="2147483658" r:id="rId10"/>
-    <p:sldLayoutId id="2147483659" r:id="rId11"/>
+    <p:sldLayoutId id="2147483685" r:id="rId1"/>
+    <p:sldLayoutId id="2147483686" r:id="rId2"/>
+    <p:sldLayoutId id="2147483687" r:id="rId3"/>
+    <p:sldLayoutId id="2147483688" r:id="rId4"/>
+    <p:sldLayoutId id="2147483689" r:id="rId5"/>
+    <p:sldLayoutId id="2147483690" r:id="rId6"/>
+    <p:sldLayoutId id="2147483691" r:id="rId7"/>
+    <p:sldLayoutId id="2147483692" r:id="rId8"/>
+    <p:sldLayoutId id="2147483693" r:id="rId9"/>
+    <p:sldLayoutId id="2147483694" r:id="rId10"/>
+    <p:sldLayoutId id="2147483695" r:id="rId11"/>
   </p:sldLayoutIdLst>
   <p:txStyles>
     <p:titleStyle>
-      <a:lvl1pPr algn="l" defTabSz="914400" rtl="0" eaLnBrk="1" latinLnBrk="0" hangingPunct="1">
+      <a:lvl1pPr algn="l" defTabSz="1079998" rtl="0" eaLnBrk="1" latinLnBrk="0" hangingPunct="1">
         <a:lnSpc>
           <a:spcPct val="90000"/>
         </a:lnSpc>
@@ -3338,7 +2986,7 @@
           <a:spcPct val="0"/>
         </a:spcBef>
         <a:buNone/>
-        <a:defRPr kumimoji="1" sz="4400" kern="1200">
+        <a:defRPr kumimoji="1" sz="5197" kern="1200">
           <a:solidFill>
             <a:schemeClr val="tx1"/>
           </a:solidFill>
@@ -3349,16 +2997,16 @@
       </a:lvl1pPr>
     </p:titleStyle>
     <p:bodyStyle>
-      <a:lvl1pPr marL="228600" indent="-228600" algn="l" defTabSz="914400" rtl="0" eaLnBrk="1" latinLnBrk="0" hangingPunct="1">
+      <a:lvl1pPr marL="269999" indent="-269999" algn="l" defTabSz="1079998" rtl="0" eaLnBrk="1" latinLnBrk="0" hangingPunct="1">
         <a:lnSpc>
           <a:spcPct val="90000"/>
         </a:lnSpc>
         <a:spcBef>
-          <a:spcPts val="1000"/>
+          <a:spcPts val="1181"/>
         </a:spcBef>
         <a:buFont typeface="Arial" panose="020B0604020202020204" pitchFamily="34" charset="0"/>
         <a:buChar char="•"/>
-        <a:defRPr kumimoji="1" sz="2800" kern="1200">
+        <a:defRPr kumimoji="1" sz="3307" kern="1200">
           <a:solidFill>
             <a:schemeClr val="tx1"/>
           </a:solidFill>
@@ -3367,16 +3015,16 @@
           <a:cs typeface="+mn-cs"/>
         </a:defRPr>
       </a:lvl1pPr>
-      <a:lvl2pPr marL="685800" indent="-228600" algn="l" defTabSz="914400" rtl="0" eaLnBrk="1" latinLnBrk="0" hangingPunct="1">
+      <a:lvl2pPr marL="809998" indent="-269999" algn="l" defTabSz="1079998" rtl="0" eaLnBrk="1" latinLnBrk="0" hangingPunct="1">
         <a:lnSpc>
           <a:spcPct val="90000"/>
         </a:lnSpc>
         <a:spcBef>
-          <a:spcPts val="500"/>
+          <a:spcPts val="591"/>
         </a:spcBef>
         <a:buFont typeface="Arial" panose="020B0604020202020204" pitchFamily="34" charset="0"/>
         <a:buChar char="•"/>
-        <a:defRPr kumimoji="1" sz="2400" kern="1200">
+        <a:defRPr kumimoji="1" sz="2835" kern="1200">
           <a:solidFill>
             <a:schemeClr val="tx1"/>
           </a:solidFill>
@@ -3385,16 +3033,16 @@
           <a:cs typeface="+mn-cs"/>
         </a:defRPr>
       </a:lvl2pPr>
-      <a:lvl3pPr marL="1143000" indent="-228600" algn="l" defTabSz="914400" rtl="0" eaLnBrk="1" latinLnBrk="0" hangingPunct="1">
+      <a:lvl3pPr marL="1349997" indent="-269999" algn="l" defTabSz="1079998" rtl="0" eaLnBrk="1" latinLnBrk="0" hangingPunct="1">
         <a:lnSpc>
           <a:spcPct val="90000"/>
         </a:lnSpc>
         <a:spcBef>
-          <a:spcPts val="500"/>
+          <a:spcPts val="591"/>
         </a:spcBef>
         <a:buFont typeface="Arial" panose="020B0604020202020204" pitchFamily="34" charset="0"/>
         <a:buChar char="•"/>
-        <a:defRPr kumimoji="1" sz="2000" kern="1200">
+        <a:defRPr kumimoji="1" sz="2362" kern="1200">
           <a:solidFill>
             <a:schemeClr val="tx1"/>
           </a:solidFill>
@@ -3403,16 +3051,16 @@
           <a:cs typeface="+mn-cs"/>
         </a:defRPr>
       </a:lvl3pPr>
-      <a:lvl4pPr marL="1600200" indent="-228600" algn="l" defTabSz="914400" rtl="0" eaLnBrk="1" latinLnBrk="0" hangingPunct="1">
+      <a:lvl4pPr marL="1889996" indent="-269999" algn="l" defTabSz="1079998" rtl="0" eaLnBrk="1" latinLnBrk="0" hangingPunct="1">
         <a:lnSpc>
           <a:spcPct val="90000"/>
         </a:lnSpc>
         <a:spcBef>
-          <a:spcPts val="500"/>
+          <a:spcPts val="591"/>
         </a:spcBef>
         <a:buFont typeface="Arial" panose="020B0604020202020204" pitchFamily="34" charset="0"/>
         <a:buChar char="•"/>
-        <a:defRPr kumimoji="1" sz="1800" kern="1200">
+        <a:defRPr kumimoji="1" sz="2126" kern="1200">
           <a:solidFill>
             <a:schemeClr val="tx1"/>
           </a:solidFill>
@@ -3421,16 +3069,16 @@
           <a:cs typeface="+mn-cs"/>
         </a:defRPr>
       </a:lvl4pPr>
-      <a:lvl5pPr marL="2057400" indent="-228600" algn="l" defTabSz="914400" rtl="0" eaLnBrk="1" latinLnBrk="0" hangingPunct="1">
+      <a:lvl5pPr marL="2429995" indent="-269999" algn="l" defTabSz="1079998" rtl="0" eaLnBrk="1" latinLnBrk="0" hangingPunct="1">
         <a:lnSpc>
           <a:spcPct val="90000"/>
         </a:lnSpc>
         <a:spcBef>
-          <a:spcPts val="500"/>
+          <a:spcPts val="591"/>
         </a:spcBef>
         <a:buFont typeface="Arial" panose="020B0604020202020204" pitchFamily="34" charset="0"/>
         <a:buChar char="•"/>
-        <a:defRPr kumimoji="1" sz="1800" kern="1200">
+        <a:defRPr kumimoji="1" sz="2126" kern="1200">
           <a:solidFill>
             <a:schemeClr val="tx1"/>
           </a:solidFill>
@@ -3439,16 +3087,16 @@
           <a:cs typeface="+mn-cs"/>
         </a:defRPr>
       </a:lvl5pPr>
-      <a:lvl6pPr marL="2514600" indent="-228600" algn="l" defTabSz="914400" rtl="0" eaLnBrk="1" latinLnBrk="0" hangingPunct="1">
+      <a:lvl6pPr marL="2969994" indent="-269999" algn="l" defTabSz="1079998" rtl="0" eaLnBrk="1" latinLnBrk="0" hangingPunct="1">
         <a:lnSpc>
           <a:spcPct val="90000"/>
         </a:lnSpc>
         <a:spcBef>
-          <a:spcPts val="500"/>
+          <a:spcPts val="591"/>
         </a:spcBef>
         <a:buFont typeface="Arial" panose="020B0604020202020204" pitchFamily="34" charset="0"/>
         <a:buChar char="•"/>
-        <a:defRPr kumimoji="1" sz="1800" kern="1200">
+        <a:defRPr kumimoji="1" sz="2126" kern="1200">
           <a:solidFill>
             <a:schemeClr val="tx1"/>
           </a:solidFill>
@@ -3457,16 +3105,16 @@
           <a:cs typeface="+mn-cs"/>
         </a:defRPr>
       </a:lvl6pPr>
-      <a:lvl7pPr marL="2971800" indent="-228600" algn="l" defTabSz="914400" rtl="0" eaLnBrk="1" latinLnBrk="0" hangingPunct="1">
+      <a:lvl7pPr marL="3509993" indent="-269999" algn="l" defTabSz="1079998" rtl="0" eaLnBrk="1" latinLnBrk="0" hangingPunct="1">
         <a:lnSpc>
           <a:spcPct val="90000"/>
         </a:lnSpc>
         <a:spcBef>
-          <a:spcPts val="500"/>
+          <a:spcPts val="591"/>
         </a:spcBef>
         <a:buFont typeface="Arial" panose="020B0604020202020204" pitchFamily="34" charset="0"/>
         <a:buChar char="•"/>
-        <a:defRPr kumimoji="1" sz="1800" kern="1200">
+        <a:defRPr kumimoji="1" sz="2126" kern="1200">
           <a:solidFill>
             <a:schemeClr val="tx1"/>
           </a:solidFill>
@@ -3475,16 +3123,16 @@
           <a:cs typeface="+mn-cs"/>
         </a:defRPr>
       </a:lvl7pPr>
-      <a:lvl8pPr marL="3429000" indent="-228600" algn="l" defTabSz="914400" rtl="0" eaLnBrk="1" latinLnBrk="0" hangingPunct="1">
+      <a:lvl8pPr marL="4049992" indent="-269999" algn="l" defTabSz="1079998" rtl="0" eaLnBrk="1" latinLnBrk="0" hangingPunct="1">
         <a:lnSpc>
           <a:spcPct val="90000"/>
         </a:lnSpc>
         <a:spcBef>
-          <a:spcPts val="500"/>
+          <a:spcPts val="591"/>
         </a:spcBef>
         <a:buFont typeface="Arial" panose="020B0604020202020204" pitchFamily="34" charset="0"/>
         <a:buChar char="•"/>
-        <a:defRPr kumimoji="1" sz="1800" kern="1200">
+        <a:defRPr kumimoji="1" sz="2126" kern="1200">
           <a:solidFill>
             <a:schemeClr val="tx1"/>
           </a:solidFill>
@@ -3493,16 +3141,16 @@
           <a:cs typeface="+mn-cs"/>
         </a:defRPr>
       </a:lvl8pPr>
-      <a:lvl9pPr marL="3886200" indent="-228600" algn="l" defTabSz="914400" rtl="0" eaLnBrk="1" latinLnBrk="0" hangingPunct="1">
+      <a:lvl9pPr marL="4589991" indent="-269999" algn="l" defTabSz="1079998" rtl="0" eaLnBrk="1" latinLnBrk="0" hangingPunct="1">
         <a:lnSpc>
           <a:spcPct val="90000"/>
         </a:lnSpc>
         <a:spcBef>
-          <a:spcPts val="500"/>
+          <a:spcPts val="591"/>
         </a:spcBef>
         <a:buFont typeface="Arial" panose="020B0604020202020204" pitchFamily="34" charset="0"/>
         <a:buChar char="•"/>
-        <a:defRPr kumimoji="1" sz="1800" kern="1200">
+        <a:defRPr kumimoji="1" sz="2126" kern="1200">
           <a:solidFill>
             <a:schemeClr val="tx1"/>
           </a:solidFill>
@@ -3514,10 +3162,10 @@
     </p:bodyStyle>
     <p:otherStyle>
       <a:defPPr>
-        <a:defRPr lang="ja-JP"/>
+        <a:defRPr lang="en-US"/>
       </a:defPPr>
-      <a:lvl1pPr marL="0" algn="l" defTabSz="914400" rtl="0" eaLnBrk="1" latinLnBrk="0" hangingPunct="1">
-        <a:defRPr kumimoji="1" sz="1800" kern="1200">
+      <a:lvl1pPr marL="0" algn="l" defTabSz="1079998" rtl="0" eaLnBrk="1" latinLnBrk="0" hangingPunct="1">
+        <a:defRPr kumimoji="1" sz="2126" kern="1200">
           <a:solidFill>
             <a:schemeClr val="tx1"/>
           </a:solidFill>
@@ -3526,8 +3174,8 @@
           <a:cs typeface="+mn-cs"/>
         </a:defRPr>
       </a:lvl1pPr>
-      <a:lvl2pPr marL="457200" algn="l" defTabSz="914400" rtl="0" eaLnBrk="1" latinLnBrk="0" hangingPunct="1">
-        <a:defRPr kumimoji="1" sz="1800" kern="1200">
+      <a:lvl2pPr marL="539999" algn="l" defTabSz="1079998" rtl="0" eaLnBrk="1" latinLnBrk="0" hangingPunct="1">
+        <a:defRPr kumimoji="1" sz="2126" kern="1200">
           <a:solidFill>
             <a:schemeClr val="tx1"/>
           </a:solidFill>
@@ -3536,8 +3184,8 @@
           <a:cs typeface="+mn-cs"/>
         </a:defRPr>
       </a:lvl2pPr>
-      <a:lvl3pPr marL="914400" algn="l" defTabSz="914400" rtl="0" eaLnBrk="1" latinLnBrk="0" hangingPunct="1">
-        <a:defRPr kumimoji="1" sz="1800" kern="1200">
+      <a:lvl3pPr marL="1079998" algn="l" defTabSz="1079998" rtl="0" eaLnBrk="1" latinLnBrk="0" hangingPunct="1">
+        <a:defRPr kumimoji="1" sz="2126" kern="1200">
           <a:solidFill>
             <a:schemeClr val="tx1"/>
           </a:solidFill>
@@ -3546,8 +3194,8 @@
           <a:cs typeface="+mn-cs"/>
         </a:defRPr>
       </a:lvl3pPr>
-      <a:lvl4pPr marL="1371600" algn="l" defTabSz="914400" rtl="0" eaLnBrk="1" latinLnBrk="0" hangingPunct="1">
-        <a:defRPr kumimoji="1" sz="1800" kern="1200">
+      <a:lvl4pPr marL="1619997" algn="l" defTabSz="1079998" rtl="0" eaLnBrk="1" latinLnBrk="0" hangingPunct="1">
+        <a:defRPr kumimoji="1" sz="2126" kern="1200">
           <a:solidFill>
             <a:schemeClr val="tx1"/>
           </a:solidFill>
@@ -3556,8 +3204,8 @@
           <a:cs typeface="+mn-cs"/>
         </a:defRPr>
       </a:lvl4pPr>
-      <a:lvl5pPr marL="1828800" algn="l" defTabSz="914400" rtl="0" eaLnBrk="1" latinLnBrk="0" hangingPunct="1">
-        <a:defRPr kumimoji="1" sz="1800" kern="1200">
+      <a:lvl5pPr marL="2159996" algn="l" defTabSz="1079998" rtl="0" eaLnBrk="1" latinLnBrk="0" hangingPunct="1">
+        <a:defRPr kumimoji="1" sz="2126" kern="1200">
           <a:solidFill>
             <a:schemeClr val="tx1"/>
           </a:solidFill>
@@ -3566,8 +3214,8 @@
           <a:cs typeface="+mn-cs"/>
         </a:defRPr>
       </a:lvl5pPr>
-      <a:lvl6pPr marL="2286000" algn="l" defTabSz="914400" rtl="0" eaLnBrk="1" latinLnBrk="0" hangingPunct="1">
-        <a:defRPr kumimoji="1" sz="1800" kern="1200">
+      <a:lvl6pPr marL="2699995" algn="l" defTabSz="1079998" rtl="0" eaLnBrk="1" latinLnBrk="0" hangingPunct="1">
+        <a:defRPr kumimoji="1" sz="2126" kern="1200">
           <a:solidFill>
             <a:schemeClr val="tx1"/>
           </a:solidFill>
@@ -3576,8 +3224,8 @@
           <a:cs typeface="+mn-cs"/>
         </a:defRPr>
       </a:lvl6pPr>
-      <a:lvl7pPr marL="2743200" algn="l" defTabSz="914400" rtl="0" eaLnBrk="1" latinLnBrk="0" hangingPunct="1">
-        <a:defRPr kumimoji="1" sz="1800" kern="1200">
+      <a:lvl7pPr marL="3239994" algn="l" defTabSz="1079998" rtl="0" eaLnBrk="1" latinLnBrk="0" hangingPunct="1">
+        <a:defRPr kumimoji="1" sz="2126" kern="1200">
           <a:solidFill>
             <a:schemeClr val="tx1"/>
           </a:solidFill>
@@ -3586,8 +3234,8 @@
           <a:cs typeface="+mn-cs"/>
         </a:defRPr>
       </a:lvl7pPr>
-      <a:lvl8pPr marL="3200400" algn="l" defTabSz="914400" rtl="0" eaLnBrk="1" latinLnBrk="0" hangingPunct="1">
-        <a:defRPr kumimoji="1" sz="1800" kern="1200">
+      <a:lvl8pPr marL="3779992" algn="l" defTabSz="1079998" rtl="0" eaLnBrk="1" latinLnBrk="0" hangingPunct="1">
+        <a:defRPr kumimoji="1" sz="2126" kern="1200">
           <a:solidFill>
             <a:schemeClr val="tx1"/>
           </a:solidFill>
@@ -3596,8 +3244,8 @@
           <a:cs typeface="+mn-cs"/>
         </a:defRPr>
       </a:lvl8pPr>
-      <a:lvl9pPr marL="3657600" algn="l" defTabSz="914400" rtl="0" eaLnBrk="1" latinLnBrk="0" hangingPunct="1">
-        <a:defRPr kumimoji="1" sz="1800" kern="1200">
+      <a:lvl9pPr marL="4319991" algn="l" defTabSz="1079998" rtl="0" eaLnBrk="1" latinLnBrk="0" hangingPunct="1">
+        <a:defRPr kumimoji="1" sz="2126" kern="1200">
           <a:solidFill>
             <a:schemeClr val="tx1"/>
           </a:solidFill>
@@ -3717,18 +3365,20 @@
               </a:ext>
             </a:extLst>
           </p:cNvPr>
-          <p:cNvCxnSpPr/>
+          <p:cNvCxnSpPr>
+            <a:cxnSpLocks/>
+          </p:cNvCxnSpPr>
           <p:nvPr/>
         </p:nvCxnSpPr>
         <p:spPr>
           <a:xfrm>
-            <a:off x="906236" y="5592535"/>
-            <a:ext cx="8907236" cy="0"/>
+            <a:off x="-29601" y="8806948"/>
+            <a:ext cx="10899543" cy="0"/>
           </a:xfrm>
           <a:prstGeom prst="line">
             <a:avLst/>
           </a:prstGeom>
-          <a:ln w="38100">
+          <a:ln w="60325">
             <a:solidFill>
               <a:schemeClr val="tx1">
                 <a:lumMod val="50000"/>
@@ -3768,13 +3418,13 @@
         </p:nvCxnSpPr>
         <p:spPr>
           <a:xfrm>
-            <a:off x="1777093" y="530679"/>
-            <a:ext cx="0" cy="5793921"/>
+            <a:off x="1429477" y="835697"/>
+            <a:ext cx="0" cy="9124084"/>
           </a:xfrm>
           <a:prstGeom prst="line">
             <a:avLst/>
           </a:prstGeom>
-          <a:ln w="38100">
+          <a:ln w="60325">
             <a:solidFill>
               <a:schemeClr val="tx1">
                 <a:lumMod val="50000"/>
@@ -3814,13 +3464,13 @@
         </p:nvCxnSpPr>
         <p:spPr>
           <a:xfrm flipV="1">
-            <a:off x="1777093" y="2008414"/>
-            <a:ext cx="4318907" cy="3584122"/>
+            <a:off x="1429480" y="3162787"/>
+            <a:ext cx="6801279" cy="5644162"/>
           </a:xfrm>
           <a:prstGeom prst="straightConnector1">
             <a:avLst/>
           </a:prstGeom>
-          <a:ln w="38100">
+          <a:ln w="60325">
             <a:solidFill>
               <a:schemeClr val="accent5"/>
             </a:solidFill>
@@ -3858,13 +3508,13 @@
         </p:nvCxnSpPr>
         <p:spPr>
           <a:xfrm>
-            <a:off x="6096000" y="1997529"/>
-            <a:ext cx="0" cy="3595006"/>
+            <a:off x="8230757" y="3145647"/>
+            <a:ext cx="0" cy="5661302"/>
           </a:xfrm>
           <a:prstGeom prst="line">
             <a:avLst/>
           </a:prstGeom>
-          <a:ln w="28575">
+          <a:ln w="57150">
             <a:solidFill>
               <a:schemeClr val="accent1">
                 <a:alpha val="33000"/>
@@ -3904,13 +3554,13 @@
         </p:nvCxnSpPr>
         <p:spPr>
           <a:xfrm flipH="1">
-            <a:off x="1777094" y="1997529"/>
-            <a:ext cx="4318906" cy="0"/>
+            <a:off x="1429480" y="3145646"/>
+            <a:ext cx="6801278" cy="0"/>
           </a:xfrm>
           <a:prstGeom prst="line">
             <a:avLst/>
           </a:prstGeom>
-          <a:ln w="28575">
+          <a:ln w="57150">
             <a:solidFill>
               <a:schemeClr val="accent1">
                 <a:alpha val="33000"/>
@@ -3948,8 +3598,8 @@
         </p:nvSpPr>
         <p:spPr>
           <a:xfrm rot="19229012">
-            <a:off x="2711356" y="3211602"/>
-            <a:ext cx="2725171" cy="400110"/>
+            <a:off x="2900728" y="5049403"/>
+            <a:ext cx="4291513" cy="646331"/>
           </a:xfrm>
           <a:prstGeom prst="rect">
             <a:avLst/>
@@ -3963,56 +3613,66 @@
           <a:lstStyle/>
           <a:p>
             <a:r>
-              <a:rPr lang="ja-JP" altLang="en-US" sz="2000" b="1" dirty="0">
+              <a:rPr lang="ja-JP" altLang="en-US" sz="3600" b="1" dirty="0">
                 <a:solidFill>
                   <a:schemeClr val="tx1">
                     <a:lumMod val="65000"/>
                     <a:lumOff val="35000"/>
                   </a:schemeClr>
                 </a:solidFill>
+                <a:latin typeface="Meiryo UI" panose="020B0604030504040204" pitchFamily="50" charset="-128"/>
+                <a:ea typeface="Meiryo UI" panose="020B0604030504040204" pitchFamily="50" charset="-128"/>
               </a:rPr>
               <a:t>ノルム</a:t>
             </a:r>
             <a:r>
-              <a:rPr lang="en-US" altLang="ja-JP" sz="2000" b="1" dirty="0">
+              <a:rPr lang="en-US" altLang="ja-JP" sz="3600" b="1" dirty="0">
                 <a:solidFill>
                   <a:schemeClr val="tx1">
                     <a:lumMod val="65000"/>
                     <a:lumOff val="35000"/>
                   </a:schemeClr>
                 </a:solidFill>
+                <a:latin typeface="Meiryo UI" panose="020B0604030504040204" pitchFamily="50" charset="-128"/>
+                <a:ea typeface="Meiryo UI" panose="020B0604030504040204" pitchFamily="50" charset="-128"/>
               </a:rPr>
               <a:t>(</a:t>
             </a:r>
             <a:r>
-              <a:rPr lang="ja-JP" altLang="en-US" sz="2000" b="1" dirty="0">
+              <a:rPr lang="ja-JP" altLang="en-US" sz="3600" b="1" dirty="0">
                 <a:solidFill>
                   <a:schemeClr val="tx1">
                     <a:lumMod val="65000"/>
                     <a:lumOff val="35000"/>
                   </a:schemeClr>
                 </a:solidFill>
+                <a:latin typeface="Meiryo UI" panose="020B0604030504040204" pitchFamily="50" charset="-128"/>
+                <a:ea typeface="Meiryo UI" panose="020B0604030504040204" pitchFamily="50" charset="-128"/>
               </a:rPr>
               <a:t>大きさ</a:t>
             </a:r>
             <a:r>
-              <a:rPr lang="en-US" altLang="ja-JP" sz="2000" b="1" dirty="0">
+              <a:rPr lang="en-US" altLang="ja-JP" sz="3600" b="1" dirty="0">
                 <a:solidFill>
                   <a:schemeClr val="tx1">
                     <a:lumMod val="65000"/>
                     <a:lumOff val="35000"/>
                   </a:schemeClr>
                 </a:solidFill>
+                <a:latin typeface="Meiryo UI" panose="020B0604030504040204" pitchFamily="50" charset="-128"/>
+                <a:ea typeface="Meiryo UI" panose="020B0604030504040204" pitchFamily="50" charset="-128"/>
               </a:rPr>
               <a:t>)</a:t>
             </a:r>
-            <a:endParaRPr kumimoji="1" lang="ja-JP" altLang="en-US" sz="2000" b="1" dirty="0">
+            <a:endParaRPr lang="ja-JP" altLang="en-US" sz="3600" b="1" dirty="0">
               <a:solidFill>
                 <a:schemeClr val="tx1">
                   <a:lumMod val="65000"/>
                   <a:lumOff val="35000"/>
                 </a:schemeClr>
               </a:solidFill>
+              <a:latin typeface="Meiryo UI" panose="020B0604030504040204" pitchFamily="50" charset="-128"/>
+              <a:ea typeface="Meiryo UI" panose="020B0604030504040204" pitchFamily="50" charset="-128"/>
             </a:endParaRPr>
           </a:p>
         </p:txBody>
@@ -4031,8 +3691,8 @@
         </p:nvSpPr>
         <p:spPr>
           <a:xfrm>
-            <a:off x="3936546" y="5639439"/>
-            <a:ext cx="1998828" cy="523220"/>
+            <a:off x="4830118" y="8880810"/>
+            <a:ext cx="3147691" cy="923330"/>
           </a:xfrm>
           <a:prstGeom prst="rect">
             <a:avLst/>
@@ -4046,23 +3706,27 @@
           <a:lstStyle/>
           <a:p>
             <a:r>
-              <a:rPr lang="en-US" altLang="ja-JP" sz="2800" b="1" dirty="0">
+              <a:rPr lang="en-US" altLang="ja-JP" sz="5400" b="1" dirty="0">
                 <a:solidFill>
                   <a:schemeClr val="tx1">
                     <a:lumMod val="65000"/>
                     <a:lumOff val="35000"/>
                   </a:schemeClr>
                 </a:solidFill>
+                <a:latin typeface="Meiryo UI" panose="020B0604030504040204" pitchFamily="50" charset="-128"/>
+                <a:ea typeface="Meiryo UI" panose="020B0604030504040204" pitchFamily="50" charset="-128"/>
               </a:rPr>
               <a:t>a</a:t>
             </a:r>
-            <a:endParaRPr kumimoji="1" lang="ja-JP" altLang="en-US" sz="2800" b="1" dirty="0">
+            <a:endParaRPr lang="ja-JP" altLang="en-US" sz="5400" b="1" dirty="0">
               <a:solidFill>
                 <a:schemeClr val="tx1">
                   <a:lumMod val="65000"/>
                   <a:lumOff val="35000"/>
                 </a:schemeClr>
               </a:solidFill>
+              <a:latin typeface="Meiryo UI" panose="020B0604030504040204" pitchFamily="50" charset="-128"/>
+              <a:ea typeface="Meiryo UI" panose="020B0604030504040204" pitchFamily="50" charset="-128"/>
             </a:endParaRPr>
           </a:p>
         </p:txBody>
@@ -4081,8 +3745,8 @@
         </p:nvSpPr>
         <p:spPr>
           <a:xfrm rot="16200000">
-            <a:off x="575582" y="2487098"/>
-            <a:ext cx="1907665" cy="523220"/>
+            <a:off x="-462621" y="3866914"/>
+            <a:ext cx="3004131" cy="923330"/>
           </a:xfrm>
           <a:prstGeom prst="rect">
             <a:avLst/>
@@ -4096,23 +3760,27 @@
           <a:lstStyle/>
           <a:p>
             <a:r>
-              <a:rPr kumimoji="1" lang="en-US" altLang="ja-JP" sz="2800" b="1" dirty="0">
+              <a:rPr lang="en-US" altLang="ja-JP" sz="5400" b="1" dirty="0">
                 <a:solidFill>
                   <a:schemeClr val="tx1">
                     <a:lumMod val="65000"/>
                     <a:lumOff val="35000"/>
                   </a:schemeClr>
                 </a:solidFill>
+                <a:latin typeface="Meiryo UI" panose="020B0604030504040204" pitchFamily="50" charset="-128"/>
+                <a:ea typeface="Meiryo UI" panose="020B0604030504040204" pitchFamily="50" charset="-128"/>
               </a:rPr>
               <a:t>b</a:t>
             </a:r>
-            <a:endParaRPr kumimoji="1" lang="ja-JP" altLang="en-US" sz="2800" b="1" dirty="0">
+            <a:endParaRPr lang="ja-JP" altLang="en-US" sz="5400" b="1" dirty="0">
               <a:solidFill>
                 <a:schemeClr val="tx1">
                   <a:lumMod val="65000"/>
                   <a:lumOff val="35000"/>
                 </a:schemeClr>
               </a:solidFill>
+              <a:latin typeface="Meiryo UI" panose="020B0604030504040204" pitchFamily="50" charset="-128"/>
+              <a:ea typeface="Meiryo UI" panose="020B0604030504040204" pitchFamily="50" charset="-128"/>
             </a:endParaRPr>
           </a:p>
         </p:txBody>
@@ -4131,8 +3799,8 @@
         </p:nvSpPr>
         <p:spPr>
           <a:xfrm>
-            <a:off x="5773091" y="1604746"/>
-            <a:ext cx="1998828" cy="523220"/>
+            <a:off x="7709725" y="2201748"/>
+            <a:ext cx="3147691" cy="923330"/>
           </a:xfrm>
           <a:prstGeom prst="rect">
             <a:avLst/>
@@ -4146,23 +3814,27 @@
           <a:lstStyle/>
           <a:p>
             <a:r>
-              <a:rPr lang="en-US" altLang="ja-JP" sz="2800" b="1" dirty="0">
+              <a:rPr lang="en-US" altLang="ja-JP" sz="5400" b="1" dirty="0">
                 <a:solidFill>
                   <a:schemeClr val="tx1">
                     <a:lumMod val="65000"/>
                     <a:lumOff val="35000"/>
                   </a:schemeClr>
                 </a:solidFill>
+                <a:latin typeface="Meiryo UI" panose="020B0604030504040204" pitchFamily="50" charset="-128"/>
+                <a:ea typeface="Meiryo UI" panose="020B0604030504040204" pitchFamily="50" charset="-128"/>
               </a:rPr>
               <a:t>(a, b)</a:t>
             </a:r>
-            <a:endParaRPr kumimoji="1" lang="ja-JP" altLang="en-US" sz="2800" b="1" dirty="0">
+            <a:endParaRPr lang="ja-JP" altLang="en-US" sz="5400" b="1" dirty="0">
               <a:solidFill>
                 <a:schemeClr val="tx1">
                   <a:lumMod val="65000"/>
                   <a:lumOff val="35000"/>
                 </a:schemeClr>
               </a:solidFill>
+              <a:latin typeface="Meiryo UI" panose="020B0604030504040204" pitchFamily="50" charset="-128"/>
+              <a:ea typeface="Meiryo UI" panose="020B0604030504040204" pitchFamily="50" charset="-128"/>
             </a:endParaRPr>
           </a:p>
         </p:txBody>
@@ -4213,13 +3885,13 @@
         </p:nvCxnSpPr>
         <p:spPr>
           <a:xfrm flipV="1">
-            <a:off x="1777093" y="5592535"/>
-            <a:ext cx="5192667" cy="1"/>
+            <a:off x="1013553" y="8806948"/>
+            <a:ext cx="9232737" cy="4"/>
           </a:xfrm>
           <a:prstGeom prst="straightConnector1">
             <a:avLst/>
           </a:prstGeom>
-          <a:ln w="38100">
+          <a:ln w="50800">
             <a:solidFill>
               <a:schemeClr val="tx1">
                 <a:lumMod val="50000"/>
@@ -4260,16 +3932,17 @@
         </p:nvCxnSpPr>
         <p:spPr>
           <a:xfrm>
-            <a:off x="5377180" y="2750820"/>
-            <a:ext cx="0" cy="2841715"/>
+            <a:off x="6682855" y="2726638"/>
+            <a:ext cx="0" cy="6080310"/>
           </a:xfrm>
           <a:prstGeom prst="line">
             <a:avLst/>
           </a:prstGeom>
-          <a:ln w="28575">
+          <a:ln w="57150">
             <a:solidFill>
               <a:schemeClr val="accent1">
-                <a:alpha val="33000"/>
+                <a:lumMod val="40000"/>
+                <a:lumOff val="60000"/>
               </a:schemeClr>
             </a:solidFill>
             <a:prstDash val="sysDash"/>
@@ -4304,8 +3977,8 @@
         </p:nvSpPr>
         <p:spPr>
           <a:xfrm>
-            <a:off x="6985454" y="5330925"/>
-            <a:ext cx="1998828" cy="523220"/>
+            <a:off x="9305692" y="7832499"/>
+            <a:ext cx="1494072" cy="1015663"/>
           </a:xfrm>
           <a:prstGeom prst="rect">
             <a:avLst/>
@@ -4319,23 +3992,27 @@
           <a:lstStyle/>
           <a:p>
             <a:r>
-              <a:rPr lang="en-US" altLang="ja-JP" sz="2800" b="1" dirty="0">
+              <a:rPr lang="en-US" altLang="ja-JP" sz="6000" b="1" dirty="0">
                 <a:solidFill>
                   <a:schemeClr val="tx1">
                     <a:lumMod val="65000"/>
                     <a:lumOff val="35000"/>
                   </a:schemeClr>
                 </a:solidFill>
+                <a:latin typeface="Meiryo UI" panose="020B0604030504040204" pitchFamily="50" charset="-128"/>
+                <a:ea typeface="Meiryo UI" panose="020B0604030504040204" pitchFamily="50" charset="-128"/>
               </a:rPr>
               <a:t>a</a:t>
             </a:r>
-            <a:endParaRPr kumimoji="1" lang="ja-JP" altLang="en-US" sz="2800" b="1" dirty="0">
+            <a:endParaRPr lang="ja-JP" altLang="en-US" sz="6000" b="1" dirty="0">
               <a:solidFill>
                 <a:schemeClr val="tx1">
                   <a:lumMod val="65000"/>
                   <a:lumOff val="35000"/>
                 </a:schemeClr>
               </a:solidFill>
+              <a:latin typeface="Meiryo UI" panose="020B0604030504040204" pitchFamily="50" charset="-128"/>
+              <a:ea typeface="Meiryo UI" panose="020B0604030504040204" pitchFamily="50" charset="-128"/>
             </a:endParaRPr>
           </a:p>
         </p:txBody>
@@ -4354,8 +4031,8 @@
         </p:nvSpPr>
         <p:spPr>
           <a:xfrm>
-            <a:off x="5372100" y="2334444"/>
-            <a:ext cx="1907665" cy="523220"/>
+            <a:off x="7013059" y="3349587"/>
+            <a:ext cx="3397117" cy="1015663"/>
           </a:xfrm>
           <a:prstGeom prst="rect">
             <a:avLst/>
@@ -4369,23 +4046,27 @@
           <a:lstStyle/>
           <a:p>
             <a:r>
-              <a:rPr kumimoji="1" lang="en-US" altLang="ja-JP" sz="2800" b="1" dirty="0">
+              <a:rPr lang="en-US" altLang="ja-JP" sz="6000" b="1" dirty="0">
                 <a:solidFill>
                   <a:schemeClr val="tx1">
                     <a:lumMod val="65000"/>
                     <a:lumOff val="35000"/>
                   </a:schemeClr>
                 </a:solidFill>
+                <a:latin typeface="Meiryo UI" panose="020B0604030504040204" pitchFamily="50" charset="-128"/>
+                <a:ea typeface="Meiryo UI" panose="020B0604030504040204" pitchFamily="50" charset="-128"/>
               </a:rPr>
               <a:t>b</a:t>
             </a:r>
-            <a:endParaRPr kumimoji="1" lang="ja-JP" altLang="en-US" sz="2800" b="1" dirty="0">
+            <a:endParaRPr lang="ja-JP" altLang="en-US" sz="6000" b="1" dirty="0">
               <a:solidFill>
                 <a:schemeClr val="tx1">
                   <a:lumMod val="65000"/>
                   <a:lumOff val="35000"/>
                 </a:schemeClr>
               </a:solidFill>
+              <a:latin typeface="Meiryo UI" panose="020B0604030504040204" pitchFamily="50" charset="-128"/>
+              <a:ea typeface="Meiryo UI" panose="020B0604030504040204" pitchFamily="50" charset="-128"/>
             </a:endParaRPr>
           </a:p>
         </p:txBody>
@@ -4404,8 +4085,8 @@
         </p:nvSpPr>
         <p:spPr>
           <a:xfrm>
-            <a:off x="3180535" y="5686342"/>
-            <a:ext cx="1998828" cy="523220"/>
+            <a:off x="3966261" y="8848162"/>
+            <a:ext cx="3559457" cy="1015663"/>
           </a:xfrm>
           <a:prstGeom prst="rect">
             <a:avLst/>
@@ -4419,25 +4100,21 @@
           <a:lstStyle/>
           <a:p>
             <a:r>
-              <a:rPr kumimoji="1" lang="en-US" altLang="ja-JP" sz="2800" b="1" dirty="0">
+              <a:rPr lang="en-US" altLang="ja-JP" sz="6000" b="1" dirty="0">
                 <a:solidFill>
                   <a:schemeClr val="accent1"/>
                 </a:solidFill>
+                <a:latin typeface="Meiryo UI" panose="020B0604030504040204" pitchFamily="50" charset="-128"/>
+                <a:ea typeface="Meiryo UI" panose="020B0604030504040204" pitchFamily="50" charset="-128"/>
               </a:rPr>
-              <a:t>b cos</a:t>
-            </a:r>
-            <a:r>
-              <a:rPr lang="en-US" altLang="ja-JP" sz="2800" b="1" dirty="0">
-                <a:solidFill>
-                  <a:schemeClr val="accent1"/>
-                </a:solidFill>
-              </a:rPr>
-              <a:t>Θ</a:t>
-            </a:r>
-            <a:endParaRPr kumimoji="1" lang="ja-JP" altLang="en-US" sz="2800" b="1" dirty="0">
+              <a:t>b cosΘ</a:t>
+            </a:r>
+            <a:endParaRPr lang="ja-JP" altLang="en-US" sz="6000" b="1" dirty="0">
               <a:solidFill>
                 <a:schemeClr val="accent1"/>
               </a:solidFill>
+              <a:latin typeface="Meiryo UI" panose="020B0604030504040204" pitchFamily="50" charset="-128"/>
+              <a:ea typeface="Meiryo UI" panose="020B0604030504040204" pitchFamily="50" charset="-128"/>
             </a:endParaRPr>
           </a:p>
         </p:txBody>
@@ -4458,13 +4135,13 @@
         </p:nvCxnSpPr>
         <p:spPr>
           <a:xfrm flipV="1">
-            <a:off x="1761399" y="2689860"/>
-            <a:ext cx="3610701" cy="2902676"/>
+            <a:off x="988838" y="4235907"/>
+            <a:ext cx="5686018" cy="4571042"/>
           </a:xfrm>
           <a:prstGeom prst="straightConnector1">
             <a:avLst/>
           </a:prstGeom>
-          <a:ln w="38100">
+          <a:ln w="76200">
             <a:solidFill>
               <a:schemeClr val="tx1">
                 <a:lumMod val="50000"/>
@@ -4503,8 +4180,8 @@
         </p:nvSpPr>
         <p:spPr>
           <a:xfrm rot="19184572">
-            <a:off x="244029" y="3029900"/>
-            <a:ext cx="3154301" cy="5079549"/>
+            <a:off x="-1438245" y="4782313"/>
+            <a:ext cx="4967294" cy="7999115"/>
           </a:xfrm>
           <a:prstGeom prst="pie">
             <a:avLst>
@@ -4548,7 +4225,7 @@
           <a:lstStyle/>
           <a:p>
             <a:pPr algn="ctr"/>
-            <a:endParaRPr kumimoji="1" lang="ja-JP" altLang="en-US">
+            <a:endParaRPr lang="ja-JP" altLang="en-US" sz="2836">
               <a:solidFill>
                 <a:schemeClr val="tx1"/>
               </a:solidFill>
@@ -4570,8 +4247,8 @@
         </p:nvSpPr>
         <p:spPr>
           <a:xfrm rot="5400000">
-            <a:off x="1683743" y="1783258"/>
-            <a:ext cx="1045029" cy="889718"/>
+            <a:off x="1139015" y="2421413"/>
+            <a:ext cx="2236008" cy="1584385"/>
           </a:xfrm>
           <a:prstGeom prst="rightArrow">
             <a:avLst/>
@@ -4612,7 +4289,10 @@
           <a:lstStyle/>
           <a:p>
             <a:pPr algn="ctr"/>
-            <a:endParaRPr kumimoji="1" lang="ja-JP" altLang="en-US"/>
+            <a:endParaRPr lang="ja-JP" altLang="en-US" sz="2836">
+              <a:latin typeface="Meiryo UI" panose="020B0604030504040204" pitchFamily="50" charset="-128"/>
+              <a:ea typeface="Meiryo UI" panose="020B0604030504040204" pitchFamily="50" charset="-128"/>
+            </a:endParaRPr>
           </a:p>
         </p:txBody>
       </p:sp>
@@ -4630,8 +4310,8 @@
         </p:nvSpPr>
         <p:spPr>
           <a:xfrm rot="5400000">
-            <a:off x="3714933" y="1783259"/>
-            <a:ext cx="1045029" cy="889718"/>
+            <a:off x="4337669" y="2421415"/>
+            <a:ext cx="2236008" cy="1584385"/>
           </a:xfrm>
           <a:prstGeom prst="rightArrow">
             <a:avLst/>
@@ -4672,7 +4352,10 @@
           <a:lstStyle/>
           <a:p>
             <a:pPr algn="ctr"/>
-            <a:endParaRPr kumimoji="1" lang="ja-JP" altLang="en-US"/>
+            <a:endParaRPr lang="ja-JP" altLang="en-US" sz="2836">
+              <a:latin typeface="Meiryo UI" panose="020B0604030504040204" pitchFamily="50" charset="-128"/>
+              <a:ea typeface="Meiryo UI" panose="020B0604030504040204" pitchFamily="50" charset="-128"/>
+            </a:endParaRPr>
           </a:p>
         </p:txBody>
       </p:sp>
@@ -4690,8 +4373,8 @@
         </p:nvSpPr>
         <p:spPr>
           <a:xfrm rot="5400000">
-            <a:off x="5743844" y="1795779"/>
-            <a:ext cx="1045029" cy="889718"/>
+            <a:off x="7820832" y="2441130"/>
+            <a:ext cx="2236008" cy="1584385"/>
           </a:xfrm>
           <a:prstGeom prst="rightArrow">
             <a:avLst/>
@@ -4732,7 +4415,10 @@
           <a:lstStyle/>
           <a:p>
             <a:pPr algn="ctr"/>
-            <a:endParaRPr kumimoji="1" lang="ja-JP" altLang="en-US"/>
+            <a:endParaRPr lang="ja-JP" altLang="en-US" sz="2836">
+              <a:latin typeface="Meiryo UI" panose="020B0604030504040204" pitchFamily="50" charset="-128"/>
+              <a:ea typeface="Meiryo UI" panose="020B0604030504040204" pitchFamily="50" charset="-128"/>
+            </a:endParaRPr>
           </a:p>
         </p:txBody>
       </p:sp>
@@ -4750,8 +4436,8 @@
         </p:nvSpPr>
         <p:spPr>
           <a:xfrm>
-            <a:off x="3860861" y="1061216"/>
-            <a:ext cx="1998828" cy="584775"/>
+            <a:off x="4883727" y="996623"/>
+            <a:ext cx="3559457" cy="1107996"/>
           </a:xfrm>
           <a:prstGeom prst="rect">
             <a:avLst/>
@@ -4765,18 +4451,15 @@
           <a:lstStyle/>
           <a:p>
             <a:r>
-              <a:rPr lang="ja-JP" altLang="en-US" sz="3200" b="1" dirty="0">
+              <a:rPr lang="ja-JP" altLang="en-US" sz="6600" b="1" dirty="0">
                 <a:solidFill>
                   <a:schemeClr val="accent4"/>
                 </a:solidFill>
+                <a:latin typeface="Meiryo UI" panose="020B0604030504040204" pitchFamily="50" charset="-128"/>
+                <a:ea typeface="Meiryo UI" panose="020B0604030504040204" pitchFamily="50" charset="-128"/>
               </a:rPr>
               <a:t>光</a:t>
             </a:r>
-            <a:endParaRPr kumimoji="1" lang="ja-JP" altLang="en-US" sz="3200" b="1" dirty="0">
-              <a:solidFill>
-                <a:schemeClr val="accent4"/>
-              </a:solidFill>
-            </a:endParaRPr>
           </a:p>
         </p:txBody>
       </p:sp>
@@ -4789,18 +4472,20 @@
               </a:ext>
             </a:extLst>
           </p:cNvPr>
-          <p:cNvCxnSpPr/>
+          <p:cNvCxnSpPr>
+            <a:cxnSpLocks/>
+          </p:cNvCxnSpPr>
           <p:nvPr/>
         </p:nvCxnSpPr>
         <p:spPr>
           <a:xfrm>
-            <a:off x="1777093" y="5592535"/>
-            <a:ext cx="3595007" cy="0"/>
+            <a:off x="1013553" y="8806948"/>
+            <a:ext cx="6401888" cy="0"/>
           </a:xfrm>
           <a:prstGeom prst="line">
             <a:avLst/>
           </a:prstGeom>
-          <a:ln w="76200"/>
+          <a:ln w="127000"/>
         </p:spPr>
         <p:style>
           <a:lnRef idx="1">
@@ -4856,18 +4541,20 @@
               </a:ext>
             </a:extLst>
           </p:cNvPr>
-          <p:cNvCxnSpPr/>
+          <p:cNvCxnSpPr>
+            <a:cxnSpLocks/>
+          </p:cNvCxnSpPr>
           <p:nvPr/>
         </p:nvCxnSpPr>
         <p:spPr>
           <a:xfrm>
-            <a:off x="906236" y="5592535"/>
-            <a:ext cx="8907236" cy="0"/>
+            <a:off x="-20283" y="5422838"/>
+            <a:ext cx="10820046" cy="0"/>
           </a:xfrm>
           <a:prstGeom prst="line">
             <a:avLst/>
           </a:prstGeom>
-          <a:ln w="38100">
+          <a:ln w="57150">
             <a:solidFill>
               <a:schemeClr val="tx1">
                 <a:lumMod val="50000"/>
@@ -4907,13 +4594,13 @@
         </p:nvCxnSpPr>
         <p:spPr>
           <a:xfrm>
-            <a:off x="1777093" y="530679"/>
-            <a:ext cx="0" cy="5793921"/>
+            <a:off x="1388691" y="835697"/>
+            <a:ext cx="0" cy="9124084"/>
           </a:xfrm>
           <a:prstGeom prst="line">
             <a:avLst/>
           </a:prstGeom>
-          <a:ln w="38100">
+          <a:ln w="57150">
             <a:solidFill>
               <a:schemeClr val="tx1">
                 <a:lumMod val="50000"/>
@@ -4953,13 +4640,13 @@
         </p:nvCxnSpPr>
         <p:spPr>
           <a:xfrm flipV="1">
-            <a:off x="1777093" y="2008414"/>
-            <a:ext cx="4318907" cy="3584122"/>
+            <a:off x="1388694" y="1089660"/>
+            <a:ext cx="7599096" cy="4333180"/>
           </a:xfrm>
           <a:prstGeom prst="straightConnector1">
             <a:avLst/>
           </a:prstGeom>
-          <a:ln w="38100">
+          <a:ln w="60325">
             <a:solidFill>
               <a:schemeClr val="accent5"/>
             </a:solidFill>
@@ -4997,16 +4684,17 @@
         </p:nvCxnSpPr>
         <p:spPr>
           <a:xfrm>
-            <a:off x="6096000" y="1997529"/>
-            <a:ext cx="0" cy="3595006"/>
+            <a:off x="8987790" y="1089660"/>
+            <a:ext cx="0" cy="4333178"/>
           </a:xfrm>
           <a:prstGeom prst="line">
             <a:avLst/>
           </a:prstGeom>
-          <a:ln w="28575">
+          <a:ln w="57150">
             <a:solidFill>
               <a:schemeClr val="accent1">
-                <a:alpha val="33000"/>
+                <a:lumMod val="40000"/>
+                <a:lumOff val="60000"/>
               </a:schemeClr>
             </a:solidFill>
             <a:prstDash val="sysDash"/>
@@ -5043,16 +4731,17 @@
         </p:nvCxnSpPr>
         <p:spPr>
           <a:xfrm flipH="1">
-            <a:off x="1777094" y="1997529"/>
-            <a:ext cx="4318906" cy="0"/>
+            <a:off x="1388691" y="1089660"/>
+            <a:ext cx="7599099" cy="0"/>
           </a:xfrm>
           <a:prstGeom prst="line">
             <a:avLst/>
           </a:prstGeom>
-          <a:ln w="28575">
+          <a:ln w="57150">
             <a:solidFill>
               <a:schemeClr val="accent1">
-                <a:alpha val="33000"/>
+                <a:lumMod val="40000"/>
+                <a:lumOff val="60000"/>
               </a:schemeClr>
             </a:solidFill>
             <a:prstDash val="sysDash"/>
@@ -5087,13 +4776,13 @@
         </p:nvSpPr>
         <p:spPr>
           <a:xfrm rot="19184572">
-            <a:off x="244029" y="3029900"/>
-            <a:ext cx="3154301" cy="5079549"/>
+            <a:off x="-1013952" y="1410433"/>
+            <a:ext cx="4967294" cy="7999115"/>
           </a:xfrm>
           <a:prstGeom prst="pie">
             <a:avLst>
-              <a:gd name="adj1" fmla="val 67701"/>
-              <a:gd name="adj2" fmla="val 2461817"/>
+              <a:gd name="adj1" fmla="val 643642"/>
+              <a:gd name="adj2" fmla="val 2400190"/>
             </a:avLst>
           </a:prstGeom>
         </p:spPr>
@@ -5118,10 +4807,12 @@
           <a:lstStyle/>
           <a:p>
             <a:pPr algn="ctr"/>
-            <a:endParaRPr kumimoji="1" lang="ja-JP" altLang="en-US">
+            <a:endParaRPr lang="ja-JP" altLang="en-US" sz="2836">
               <a:solidFill>
                 <a:schemeClr val="tx1"/>
               </a:solidFill>
+              <a:latin typeface="Meiryo UI" panose="020B0604030504040204" pitchFamily="50" charset="-128"/>
+              <a:ea typeface="Meiryo UI" panose="020B0604030504040204" pitchFamily="50" charset="-128"/>
             </a:endParaRPr>
           </a:p>
         </p:txBody>
@@ -5139,9 +4830,9 @@
           <p:nvPr/>
         </p:nvSpPr>
         <p:spPr>
-          <a:xfrm rot="19229012">
-            <a:off x="2858875" y="3456683"/>
-            <a:ext cx="1907665" cy="369332"/>
+          <a:xfrm rot="19799802">
+            <a:off x="3672527" y="2491003"/>
+            <a:ext cx="3434426" cy="584775"/>
           </a:xfrm>
           <a:prstGeom prst="rect">
             <a:avLst/>
@@ -5155,56 +4846,66 @@
           <a:lstStyle/>
           <a:p>
             <a:r>
-              <a:rPr lang="ja-JP" altLang="en-US" b="1" dirty="0">
+              <a:rPr lang="ja-JP" altLang="en-US" sz="3200" b="1" dirty="0">
                 <a:solidFill>
                   <a:schemeClr val="tx1">
                     <a:lumMod val="65000"/>
                     <a:lumOff val="35000"/>
                   </a:schemeClr>
                 </a:solidFill>
+                <a:latin typeface="Meiryo UI" panose="020B0604030504040204" pitchFamily="50" charset="-128"/>
+                <a:ea typeface="Meiryo UI" panose="020B0604030504040204" pitchFamily="50" charset="-128"/>
               </a:rPr>
               <a:t>ノルム</a:t>
             </a:r>
             <a:r>
-              <a:rPr lang="en-US" altLang="ja-JP" b="1" dirty="0">
+              <a:rPr lang="en-US" altLang="ja-JP" sz="3200" b="1" dirty="0">
                 <a:solidFill>
                   <a:schemeClr val="tx1">
                     <a:lumMod val="65000"/>
                     <a:lumOff val="35000"/>
                   </a:schemeClr>
                 </a:solidFill>
+                <a:latin typeface="Meiryo UI" panose="020B0604030504040204" pitchFamily="50" charset="-128"/>
+                <a:ea typeface="Meiryo UI" panose="020B0604030504040204" pitchFamily="50" charset="-128"/>
               </a:rPr>
               <a:t>(</a:t>
             </a:r>
             <a:r>
-              <a:rPr lang="ja-JP" altLang="en-US" b="1" dirty="0">
+              <a:rPr lang="ja-JP" altLang="en-US" sz="3200" b="1" dirty="0">
                 <a:solidFill>
                   <a:schemeClr val="tx1">
                     <a:lumMod val="65000"/>
                     <a:lumOff val="35000"/>
                   </a:schemeClr>
                 </a:solidFill>
+                <a:latin typeface="Meiryo UI" panose="020B0604030504040204" pitchFamily="50" charset="-128"/>
+                <a:ea typeface="Meiryo UI" panose="020B0604030504040204" pitchFamily="50" charset="-128"/>
               </a:rPr>
               <a:t>大きさ</a:t>
             </a:r>
             <a:r>
-              <a:rPr lang="en-US" altLang="ja-JP" b="1" dirty="0">
+              <a:rPr lang="en-US" altLang="ja-JP" sz="3200" b="1" dirty="0">
                 <a:solidFill>
                   <a:schemeClr val="tx1">
                     <a:lumMod val="65000"/>
                     <a:lumOff val="35000"/>
                   </a:schemeClr>
                 </a:solidFill>
+                <a:latin typeface="Meiryo UI" panose="020B0604030504040204" pitchFamily="50" charset="-128"/>
+                <a:ea typeface="Meiryo UI" panose="020B0604030504040204" pitchFamily="50" charset="-128"/>
               </a:rPr>
               <a:t>)</a:t>
             </a:r>
-            <a:endParaRPr kumimoji="1" lang="ja-JP" altLang="en-US" b="1" dirty="0">
+            <a:endParaRPr lang="ja-JP" altLang="en-US" sz="3200" b="1" dirty="0">
               <a:solidFill>
                 <a:schemeClr val="tx1">
                   <a:lumMod val="65000"/>
                   <a:lumOff val="35000"/>
                 </a:schemeClr>
               </a:solidFill>
+              <a:latin typeface="Meiryo UI" panose="020B0604030504040204" pitchFamily="50" charset="-128"/>
+              <a:ea typeface="Meiryo UI" panose="020B0604030504040204" pitchFamily="50" charset="-128"/>
             </a:endParaRPr>
           </a:p>
         </p:txBody>
@@ -5223,8 +4924,8 @@
         </p:nvSpPr>
         <p:spPr>
           <a:xfrm>
-            <a:off x="3395295" y="5673345"/>
-            <a:ext cx="1907665" cy="369332"/>
+            <a:off x="3820166" y="5472190"/>
+            <a:ext cx="3744478" cy="584775"/>
           </a:xfrm>
           <a:prstGeom prst="rect">
             <a:avLst/>
@@ -5238,34 +4939,40 @@
           <a:lstStyle/>
           <a:p>
             <a:r>
-              <a:rPr kumimoji="1" lang="ja-JP" altLang="en-US" b="1" dirty="0">
+              <a:rPr lang="ja-JP" altLang="en-US" sz="3200" b="1" dirty="0">
                 <a:solidFill>
                   <a:schemeClr val="tx1">
                     <a:lumMod val="65000"/>
                     <a:lumOff val="35000"/>
                   </a:schemeClr>
                 </a:solidFill>
+                <a:latin typeface="Meiryo UI" panose="020B0604030504040204" pitchFamily="50" charset="-128"/>
+                <a:ea typeface="Meiryo UI" panose="020B0604030504040204" pitchFamily="50" charset="-128"/>
               </a:rPr>
               <a:t>実数成分 </a:t>
             </a:r>
             <a:r>
-              <a:rPr lang="en-US" altLang="ja-JP" b="1" dirty="0">
+              <a:rPr lang="en-US" altLang="ja-JP" sz="3200" b="1" dirty="0">
                 <a:solidFill>
                   <a:schemeClr val="tx1">
                     <a:lumMod val="65000"/>
                     <a:lumOff val="35000"/>
                   </a:schemeClr>
                 </a:solidFill>
+                <a:latin typeface="Meiryo UI" panose="020B0604030504040204" pitchFamily="50" charset="-128"/>
+                <a:ea typeface="Meiryo UI" panose="020B0604030504040204" pitchFamily="50" charset="-128"/>
               </a:rPr>
               <a:t>Re(z)</a:t>
             </a:r>
-            <a:endParaRPr kumimoji="1" lang="ja-JP" altLang="en-US" b="1" dirty="0">
+            <a:endParaRPr lang="ja-JP" altLang="en-US" sz="3200" b="1" dirty="0">
               <a:solidFill>
                 <a:schemeClr val="tx1">
                   <a:lumMod val="65000"/>
                   <a:lumOff val="35000"/>
                 </a:schemeClr>
               </a:solidFill>
+              <a:latin typeface="Meiryo UI" panose="020B0604030504040204" pitchFamily="50" charset="-128"/>
+              <a:ea typeface="Meiryo UI" panose="020B0604030504040204" pitchFamily="50" charset="-128"/>
             </a:endParaRPr>
           </a:p>
         </p:txBody>
@@ -5284,8 +4991,8 @@
         </p:nvSpPr>
         <p:spPr>
           <a:xfrm rot="16200000">
-            <a:off x="575582" y="3376841"/>
-            <a:ext cx="1907665" cy="369332"/>
+            <a:off x="-1108657" y="2721552"/>
+            <a:ext cx="4214628" cy="584775"/>
           </a:xfrm>
           <a:prstGeom prst="rect">
             <a:avLst/>
@@ -5299,95 +5006,40 @@
           <a:lstStyle/>
           <a:p>
             <a:r>
-              <a:rPr lang="ja-JP" altLang="en-US" b="1" dirty="0">
+              <a:rPr lang="ja-JP" altLang="en-US" sz="3200" b="1" dirty="0">
                 <a:solidFill>
                   <a:schemeClr val="tx1">
                     <a:lumMod val="65000"/>
                     <a:lumOff val="35000"/>
                   </a:schemeClr>
                 </a:solidFill>
+                <a:latin typeface="Meiryo UI" panose="020B0604030504040204" pitchFamily="50" charset="-128"/>
+                <a:ea typeface="Meiryo UI" panose="020B0604030504040204" pitchFamily="50" charset="-128"/>
               </a:rPr>
               <a:t>虚数成分 </a:t>
             </a:r>
             <a:r>
-              <a:rPr lang="en-US" altLang="ja-JP" b="1" dirty="0" err="1">
+              <a:rPr lang="en-US" altLang="ja-JP" sz="3200" b="1" dirty="0">
                 <a:solidFill>
                   <a:schemeClr val="tx1">
                     <a:lumMod val="65000"/>
                     <a:lumOff val="35000"/>
                   </a:schemeClr>
                 </a:solidFill>
+                <a:latin typeface="Meiryo UI" panose="020B0604030504040204" pitchFamily="50" charset="-128"/>
+                <a:ea typeface="Meiryo UI" panose="020B0604030504040204" pitchFamily="50" charset="-128"/>
               </a:rPr>
-              <a:t>Im</a:t>
-            </a:r>
-            <a:r>
-              <a:rPr lang="en-US" altLang="ja-JP" b="1" dirty="0">
-                <a:solidFill>
-                  <a:schemeClr val="tx1">
-                    <a:lumMod val="65000"/>
-                    <a:lumOff val="35000"/>
-                  </a:schemeClr>
-                </a:solidFill>
-              </a:rPr>
-              <a:t>(z)</a:t>
-            </a:r>
-            <a:endParaRPr kumimoji="1" lang="ja-JP" altLang="en-US" b="1" dirty="0">
+              <a:t>Im(z)</a:t>
+            </a:r>
+            <a:endParaRPr lang="ja-JP" altLang="en-US" sz="3200" b="1" dirty="0">
               <a:solidFill>
                 <a:schemeClr val="tx1">
                   <a:lumMod val="65000"/>
                   <a:lumOff val="35000"/>
                 </a:schemeClr>
               </a:solidFill>
-            </a:endParaRPr>
-          </a:p>
-        </p:txBody>
-      </p:sp>
-      <p:sp>
-        <p:nvSpPr>
-          <p:cNvPr id="27" name="テキスト ボックス 26">
-            <a:extLst>
-              <a:ext uri="{FF2B5EF4-FFF2-40B4-BE49-F238E27FC236}">
-                <a16:creationId xmlns:a16="http://schemas.microsoft.com/office/drawing/2014/main" id="{BD3B928E-D788-4A72-B0AA-1E0EE2FDBABF}"/>
-              </a:ext>
-            </a:extLst>
-          </p:cNvPr>
-          <p:cNvSpPr txBox="1"/>
-          <p:nvPr/>
-        </p:nvSpPr>
-        <p:spPr>
-          <a:xfrm>
-            <a:off x="5773091" y="1604746"/>
-            <a:ext cx="1907665" cy="369332"/>
-          </a:xfrm>
-          <a:prstGeom prst="rect">
-            <a:avLst/>
-          </a:prstGeom>
-          <a:noFill/>
-        </p:spPr>
-        <p:txBody>
-          <a:bodyPr wrap="square" rtlCol="0">
-            <a:spAutoFit/>
-          </a:bodyPr>
-          <a:lstStyle/>
-          <a:p>
-            <a:r>
-              <a:rPr lang="en-US" altLang="ja-JP" b="1" dirty="0">
-                <a:solidFill>
-                  <a:schemeClr val="tx1">
-                    <a:lumMod val="65000"/>
-                    <a:lumOff val="35000"/>
-                  </a:schemeClr>
-                </a:solidFill>
-              </a:rPr>
-              <a:t>z = a + bi</a:t>
-            </a:r>
-            <a:endParaRPr kumimoji="1" lang="ja-JP" altLang="en-US" b="1" dirty="0">
-              <a:solidFill>
-                <a:schemeClr val="tx1">
-                  <a:lumMod val="65000"/>
-                  <a:lumOff val="35000"/>
-                </a:schemeClr>
-              </a:solidFill>
+              <a:latin typeface="Meiryo UI" panose="020B0604030504040204" pitchFamily="50" charset="-128"/>
+              <a:ea typeface="Meiryo UI" panose="020B0604030504040204" pitchFamily="50" charset="-128"/>
             </a:endParaRPr>
           </a:p>
         </p:txBody>
@@ -5406,8 +5058,8 @@
         </p:nvSpPr>
         <p:spPr>
           <a:xfrm rot="3331615">
-            <a:off x="2980901" y="5249078"/>
-            <a:ext cx="1907665" cy="369332"/>
+            <a:off x="3443187" y="5147998"/>
+            <a:ext cx="3189969" cy="584775"/>
           </a:xfrm>
           <a:prstGeom prst="rect">
             <a:avLst/>
@@ -5421,23 +5073,4088 @@
           <a:lstStyle/>
           <a:p>
             <a:r>
-              <a:rPr kumimoji="1" lang="ja-JP" altLang="en-US" b="1" dirty="0">
+              <a:rPr lang="ja-JP" altLang="en-US" sz="3200" b="1" dirty="0">
                 <a:solidFill>
                   <a:schemeClr val="tx1">
                     <a:lumMod val="65000"/>
                     <a:lumOff val="35000"/>
                   </a:schemeClr>
                 </a:solidFill>
+                <a:latin typeface="Meiryo UI" panose="020B0604030504040204" pitchFamily="50" charset="-128"/>
+                <a:ea typeface="Meiryo UI" panose="020B0604030504040204" pitchFamily="50" charset="-128"/>
               </a:rPr>
               <a:t>偏角</a:t>
             </a:r>
           </a:p>
         </p:txBody>
       </p:sp>
+      <p:cxnSp>
+        <p:nvCxnSpPr>
+          <p:cNvPr id="29" name="直線矢印コネクタ 28">
+            <a:extLst>
+              <a:ext uri="{FF2B5EF4-FFF2-40B4-BE49-F238E27FC236}">
+                <a16:creationId xmlns:a16="http://schemas.microsoft.com/office/drawing/2014/main" id="{C6F8072B-7EDA-474B-91CE-BADBBC510DC5}"/>
+              </a:ext>
+            </a:extLst>
+          </p:cNvPr>
+          <p:cNvCxnSpPr>
+            <a:cxnSpLocks/>
+          </p:cNvCxnSpPr>
+          <p:nvPr/>
+        </p:nvCxnSpPr>
+        <p:spPr>
+          <a:xfrm>
+            <a:off x="1372256" y="5433768"/>
+            <a:ext cx="7615534" cy="4315692"/>
+          </a:xfrm>
+          <a:prstGeom prst="straightConnector1">
+            <a:avLst/>
+          </a:prstGeom>
+          <a:ln w="60325">
+            <a:solidFill>
+              <a:schemeClr val="accent2">
+                <a:lumMod val="60000"/>
+                <a:lumOff val="40000"/>
+              </a:schemeClr>
+            </a:solidFill>
+            <a:tailEnd type="triangle"/>
+          </a:ln>
+        </p:spPr>
+        <p:style>
+          <a:lnRef idx="1">
+            <a:schemeClr val="accent1"/>
+          </a:lnRef>
+          <a:fillRef idx="0">
+            <a:schemeClr val="accent1"/>
+          </a:fillRef>
+          <a:effectRef idx="0">
+            <a:schemeClr val="accent1"/>
+          </a:effectRef>
+          <a:fontRef idx="minor">
+            <a:schemeClr val="tx1"/>
+          </a:fontRef>
+        </p:style>
+      </p:cxnSp>
+      <p:cxnSp>
+        <p:nvCxnSpPr>
+          <p:cNvPr id="30" name="直線コネクタ 29">
+            <a:extLst>
+              <a:ext uri="{FF2B5EF4-FFF2-40B4-BE49-F238E27FC236}">
+                <a16:creationId xmlns:a16="http://schemas.microsoft.com/office/drawing/2014/main" id="{46034117-A0EE-4B80-98B7-42669E479DDB}"/>
+              </a:ext>
+            </a:extLst>
+          </p:cNvPr>
+          <p:cNvCxnSpPr>
+            <a:cxnSpLocks/>
+          </p:cNvCxnSpPr>
+          <p:nvPr/>
+        </p:nvCxnSpPr>
+        <p:spPr>
+          <a:xfrm>
+            <a:off x="8989720" y="5455244"/>
+            <a:ext cx="0" cy="4333178"/>
+          </a:xfrm>
+          <a:prstGeom prst="line">
+            <a:avLst/>
+          </a:prstGeom>
+          <a:ln w="57150">
+            <a:solidFill>
+              <a:schemeClr val="accent1">
+                <a:lumMod val="40000"/>
+                <a:lumOff val="60000"/>
+              </a:schemeClr>
+            </a:solidFill>
+            <a:prstDash val="sysDash"/>
+          </a:ln>
+        </p:spPr>
+        <p:style>
+          <a:lnRef idx="1">
+            <a:schemeClr val="accent1"/>
+          </a:lnRef>
+          <a:fillRef idx="0">
+            <a:schemeClr val="accent1"/>
+          </a:fillRef>
+          <a:effectRef idx="0">
+            <a:schemeClr val="accent1"/>
+          </a:effectRef>
+          <a:fontRef idx="minor">
+            <a:schemeClr val="tx1"/>
+          </a:fontRef>
+        </p:style>
+      </p:cxnSp>
+      <p:cxnSp>
+        <p:nvCxnSpPr>
+          <p:cNvPr id="31" name="直線コネクタ 30">
+            <a:extLst>
+              <a:ext uri="{FF2B5EF4-FFF2-40B4-BE49-F238E27FC236}">
+                <a16:creationId xmlns:a16="http://schemas.microsoft.com/office/drawing/2014/main" id="{3698C0BE-89DB-4E16-8B91-4D05EB454E63}"/>
+              </a:ext>
+            </a:extLst>
+          </p:cNvPr>
+          <p:cNvCxnSpPr>
+            <a:cxnSpLocks/>
+          </p:cNvCxnSpPr>
+          <p:nvPr/>
+        </p:nvCxnSpPr>
+        <p:spPr>
+          <a:xfrm flipH="1">
+            <a:off x="1390616" y="9749460"/>
+            <a:ext cx="7599099" cy="0"/>
+          </a:xfrm>
+          <a:prstGeom prst="line">
+            <a:avLst/>
+          </a:prstGeom>
+          <a:ln w="57150">
+            <a:solidFill>
+              <a:schemeClr val="accent1">
+                <a:lumMod val="40000"/>
+                <a:lumOff val="60000"/>
+              </a:schemeClr>
+            </a:solidFill>
+            <a:prstDash val="sysDash"/>
+          </a:ln>
+        </p:spPr>
+        <p:style>
+          <a:lnRef idx="1">
+            <a:schemeClr val="accent1"/>
+          </a:lnRef>
+          <a:fillRef idx="0">
+            <a:schemeClr val="accent1"/>
+          </a:fillRef>
+          <a:effectRef idx="0">
+            <a:schemeClr val="accent1"/>
+          </a:effectRef>
+          <a:fontRef idx="minor">
+            <a:schemeClr val="tx1"/>
+          </a:fontRef>
+        </p:style>
+      </p:cxnSp>
+      <mc:AlternateContent xmlns:mc="http://schemas.openxmlformats.org/markup-compatibility/2006">
+        <mc:Choice xmlns:a14="http://schemas.microsoft.com/office/drawing/2010/main" Requires="a14">
+          <p:sp>
+            <p:nvSpPr>
+              <p:cNvPr id="34" name="テキスト ボックス 33">
+                <a:extLst>
+                  <a:ext uri="{FF2B5EF4-FFF2-40B4-BE49-F238E27FC236}">
+                    <a16:creationId xmlns:a16="http://schemas.microsoft.com/office/drawing/2014/main" id="{2964BFCF-7368-4B6C-A930-3DB420B23437}"/>
+                  </a:ext>
+                </a:extLst>
+              </p:cNvPr>
+              <p:cNvSpPr txBox="1"/>
+              <p:nvPr/>
+            </p:nvSpPr>
+            <p:spPr>
+              <a:xfrm>
+                <a:off x="-423279" y="658168"/>
+                <a:ext cx="3004131" cy="648063"/>
+              </a:xfrm>
+              <a:prstGeom prst="rect">
+                <a:avLst/>
+              </a:prstGeom>
+              <a:noFill/>
+            </p:spPr>
+            <p:txBody>
+              <a:bodyPr wrap="square" rtlCol="0">
+                <a:spAutoFit/>
+              </a:bodyPr>
+              <a:lstStyle/>
+              <a:p>
+                <a14:m>
+                  <m:oMathPara xmlns:m="http://schemas.openxmlformats.org/officeDocument/2006/math">
+                    <m:oMathParaPr>
+                      <m:jc m:val="centerGroup"/>
+                    </m:oMathParaPr>
+                    <m:oMath xmlns:m="http://schemas.openxmlformats.org/officeDocument/2006/math">
+                      <m:r>
+                        <a:rPr lang="en-US" altLang="ja-JP" sz="3600" b="1" i="1" smtClean="0">
+                          <a:solidFill>
+                            <a:schemeClr val="tx1">
+                              <a:lumMod val="65000"/>
+                              <a:lumOff val="35000"/>
+                            </a:schemeClr>
+                          </a:solidFill>
+                          <a:latin typeface="Cambria Math" panose="02040503050406030204" pitchFamily="18" charset="0"/>
+                        </a:rPr>
+                        <m:t>𝒚</m:t>
+                      </m:r>
+                    </m:oMath>
+                  </m:oMathPara>
+                </a14:m>
+                <a:endParaRPr lang="ja-JP" altLang="en-US" sz="3600" b="1" dirty="0">
+                  <a:solidFill>
+                    <a:schemeClr val="tx1">
+                      <a:lumMod val="65000"/>
+                      <a:lumOff val="35000"/>
+                    </a:schemeClr>
+                  </a:solidFill>
+                  <a:latin typeface="Meiryo UI" panose="020B0604030504040204" pitchFamily="50" charset="-128"/>
+                  <a:ea typeface="Meiryo UI" panose="020B0604030504040204" pitchFamily="50" charset="-128"/>
+                </a:endParaRPr>
+              </a:p>
+            </p:txBody>
+          </p:sp>
+        </mc:Choice>
+        <mc:Fallback>
+          <p:sp>
+            <p:nvSpPr>
+              <p:cNvPr id="34" name="テキスト ボックス 33">
+                <a:extLst>
+                  <a:ext uri="{FF2B5EF4-FFF2-40B4-BE49-F238E27FC236}">
+                    <a16:creationId xmlns:a16="http://schemas.microsoft.com/office/drawing/2014/main" id="{2964BFCF-7368-4B6C-A930-3DB420B23437}"/>
+                  </a:ext>
+                </a:extLst>
+              </p:cNvPr>
+              <p:cNvSpPr txBox="1">
+                <a:spLocks noRot="1" noChangeAspect="1" noMove="1" noResize="1" noEditPoints="1" noAdjustHandles="1" noChangeArrowheads="1" noChangeShapeType="1" noTextEdit="1"/>
+              </p:cNvSpPr>
+              <p:nvPr/>
+            </p:nvSpPr>
+            <p:spPr>
+              <a:xfrm>
+                <a:off x="-423279" y="658168"/>
+                <a:ext cx="3004131" cy="648063"/>
+              </a:xfrm>
+              <a:prstGeom prst="rect">
+                <a:avLst/>
+              </a:prstGeom>
+              <a:blipFill>
+                <a:blip r:embed="rId2"/>
+                <a:stretch>
+                  <a:fillRect/>
+                </a:stretch>
+              </a:blipFill>
+            </p:spPr>
+            <p:txBody>
+              <a:bodyPr/>
+              <a:lstStyle/>
+              <a:p>
+                <a:r>
+                  <a:rPr lang="ja-JP" altLang="en-US">
+                    <a:noFill/>
+                  </a:rPr>
+                  <a:t> </a:t>
+                </a:r>
+              </a:p>
+            </p:txBody>
+          </p:sp>
+        </mc:Fallback>
+      </mc:AlternateContent>
+      <mc:AlternateContent xmlns:mc="http://schemas.openxmlformats.org/markup-compatibility/2006">
+        <mc:Choice xmlns:a14="http://schemas.microsoft.com/office/drawing/2010/main" Requires="a14">
+          <p:sp>
+            <p:nvSpPr>
+              <p:cNvPr id="35" name="テキスト ボックス 34">
+                <a:extLst>
+                  <a:ext uri="{FF2B5EF4-FFF2-40B4-BE49-F238E27FC236}">
+                    <a16:creationId xmlns:a16="http://schemas.microsoft.com/office/drawing/2014/main" id="{644022AD-D87B-4998-A0A5-6227858C940B}"/>
+                  </a:ext>
+                </a:extLst>
+              </p:cNvPr>
+              <p:cNvSpPr txBox="1"/>
+              <p:nvPr/>
+            </p:nvSpPr>
+            <p:spPr>
+              <a:xfrm>
+                <a:off x="7812067" y="5386015"/>
+                <a:ext cx="3004131" cy="648063"/>
+              </a:xfrm>
+              <a:prstGeom prst="rect">
+                <a:avLst/>
+              </a:prstGeom>
+              <a:noFill/>
+            </p:spPr>
+            <p:txBody>
+              <a:bodyPr wrap="square" rtlCol="0">
+                <a:spAutoFit/>
+              </a:bodyPr>
+              <a:lstStyle/>
+              <a:p>
+                <a14:m>
+                  <m:oMathPara xmlns:m="http://schemas.openxmlformats.org/officeDocument/2006/math">
+                    <m:oMathParaPr>
+                      <m:jc m:val="centerGroup"/>
+                    </m:oMathParaPr>
+                    <m:oMath xmlns:m="http://schemas.openxmlformats.org/officeDocument/2006/math">
+                      <m:r>
+                        <a:rPr lang="en-US" altLang="ja-JP" sz="3600" b="1" i="1" smtClean="0">
+                          <a:solidFill>
+                            <a:schemeClr val="tx1">
+                              <a:lumMod val="65000"/>
+                              <a:lumOff val="35000"/>
+                            </a:schemeClr>
+                          </a:solidFill>
+                          <a:latin typeface="Cambria Math" panose="02040503050406030204" pitchFamily="18" charset="0"/>
+                        </a:rPr>
+                        <m:t>𝒙</m:t>
+                      </m:r>
+                    </m:oMath>
+                  </m:oMathPara>
+                </a14:m>
+                <a:endParaRPr lang="ja-JP" altLang="en-US" sz="3600" b="1" dirty="0">
+                  <a:solidFill>
+                    <a:schemeClr val="tx1">
+                      <a:lumMod val="65000"/>
+                      <a:lumOff val="35000"/>
+                    </a:schemeClr>
+                  </a:solidFill>
+                  <a:latin typeface="Meiryo UI" panose="020B0604030504040204" pitchFamily="50" charset="-128"/>
+                  <a:ea typeface="Meiryo UI" panose="020B0604030504040204" pitchFamily="50" charset="-128"/>
+                </a:endParaRPr>
+              </a:p>
+            </p:txBody>
+          </p:sp>
+        </mc:Choice>
+        <mc:Fallback>
+          <p:sp>
+            <p:nvSpPr>
+              <p:cNvPr id="35" name="テキスト ボックス 34">
+                <a:extLst>
+                  <a:ext uri="{FF2B5EF4-FFF2-40B4-BE49-F238E27FC236}">
+                    <a16:creationId xmlns:a16="http://schemas.microsoft.com/office/drawing/2014/main" id="{644022AD-D87B-4998-A0A5-6227858C940B}"/>
+                  </a:ext>
+                </a:extLst>
+              </p:cNvPr>
+              <p:cNvSpPr txBox="1">
+                <a:spLocks noRot="1" noChangeAspect="1" noMove="1" noResize="1" noEditPoints="1" noAdjustHandles="1" noChangeArrowheads="1" noChangeShapeType="1" noTextEdit="1"/>
+              </p:cNvSpPr>
+              <p:nvPr/>
+            </p:nvSpPr>
+            <p:spPr>
+              <a:xfrm>
+                <a:off x="7812067" y="5386015"/>
+                <a:ext cx="3004131" cy="648063"/>
+              </a:xfrm>
+              <a:prstGeom prst="rect">
+                <a:avLst/>
+              </a:prstGeom>
+              <a:blipFill>
+                <a:blip r:embed="rId3"/>
+                <a:stretch>
+                  <a:fillRect/>
+                </a:stretch>
+              </a:blipFill>
+            </p:spPr>
+            <p:txBody>
+              <a:bodyPr/>
+              <a:lstStyle/>
+              <a:p>
+                <a:r>
+                  <a:rPr lang="ja-JP" altLang="en-US">
+                    <a:noFill/>
+                  </a:rPr>
+                  <a:t> </a:t>
+                </a:r>
+              </a:p>
+            </p:txBody>
+          </p:sp>
+        </mc:Fallback>
+      </mc:AlternateContent>
+      <mc:AlternateContent xmlns:mc="http://schemas.openxmlformats.org/markup-compatibility/2006">
+        <mc:Choice xmlns:a14="http://schemas.microsoft.com/office/drawing/2010/main" Requires="a14">
+          <p:sp>
+            <p:nvSpPr>
+              <p:cNvPr id="36" name="テキスト ボックス 35">
+                <a:extLst>
+                  <a:ext uri="{FF2B5EF4-FFF2-40B4-BE49-F238E27FC236}">
+                    <a16:creationId xmlns:a16="http://schemas.microsoft.com/office/drawing/2014/main" id="{305431CD-B230-47BF-AF8E-08F17D4154BF}"/>
+                  </a:ext>
+                </a:extLst>
+              </p:cNvPr>
+              <p:cNvSpPr txBox="1"/>
+              <p:nvPr/>
+            </p:nvSpPr>
+            <p:spPr>
+              <a:xfrm>
+                <a:off x="7485724" y="453790"/>
+                <a:ext cx="3004131" cy="648063"/>
+              </a:xfrm>
+              <a:prstGeom prst="rect">
+                <a:avLst/>
+              </a:prstGeom>
+              <a:noFill/>
+            </p:spPr>
+            <p:txBody>
+              <a:bodyPr wrap="square" rtlCol="0">
+                <a:spAutoFit/>
+              </a:bodyPr>
+              <a:lstStyle/>
+              <a:p>
+                <a14:m>
+                  <m:oMathPara xmlns:m="http://schemas.openxmlformats.org/officeDocument/2006/math">
+                    <m:oMathParaPr>
+                      <m:jc m:val="centerGroup"/>
+                    </m:oMathParaPr>
+                    <m:oMath xmlns:m="http://schemas.openxmlformats.org/officeDocument/2006/math">
+                      <m:r>
+                        <a:rPr lang="en-US" altLang="ja-JP" sz="3600" b="1" i="1" smtClean="0">
+                          <a:solidFill>
+                            <a:schemeClr val="tx1">
+                              <a:lumMod val="65000"/>
+                              <a:lumOff val="35000"/>
+                            </a:schemeClr>
+                          </a:solidFill>
+                          <a:latin typeface="Cambria Math" panose="02040503050406030204" pitchFamily="18" charset="0"/>
+                        </a:rPr>
+                        <m:t>𝒛</m:t>
+                      </m:r>
+                      <m:r>
+                        <a:rPr lang="en-US" altLang="ja-JP" sz="3600" b="1" i="1" smtClean="0">
+                          <a:solidFill>
+                            <a:schemeClr val="tx1">
+                              <a:lumMod val="65000"/>
+                              <a:lumOff val="35000"/>
+                            </a:schemeClr>
+                          </a:solidFill>
+                          <a:latin typeface="Cambria Math" panose="02040503050406030204" pitchFamily="18" charset="0"/>
+                        </a:rPr>
+                        <m:t>=</m:t>
+                      </m:r>
+                      <m:r>
+                        <a:rPr lang="en-US" altLang="ja-JP" sz="3600" b="1" i="1" smtClean="0">
+                          <a:solidFill>
+                            <a:schemeClr val="tx1">
+                              <a:lumMod val="65000"/>
+                              <a:lumOff val="35000"/>
+                            </a:schemeClr>
+                          </a:solidFill>
+                          <a:latin typeface="Cambria Math" panose="02040503050406030204" pitchFamily="18" charset="0"/>
+                        </a:rPr>
+                        <m:t>𝒙</m:t>
+                      </m:r>
+                      <m:r>
+                        <a:rPr lang="en-US" altLang="ja-JP" sz="3600" b="1" i="1" smtClean="0">
+                          <a:solidFill>
+                            <a:schemeClr val="tx1">
+                              <a:lumMod val="65000"/>
+                              <a:lumOff val="35000"/>
+                            </a:schemeClr>
+                          </a:solidFill>
+                          <a:latin typeface="Cambria Math" panose="02040503050406030204" pitchFamily="18" charset="0"/>
+                        </a:rPr>
+                        <m:t>+</m:t>
+                      </m:r>
+                      <m:r>
+                        <a:rPr lang="en-US" altLang="ja-JP" sz="3600" b="1" i="1" smtClean="0">
+                          <a:solidFill>
+                            <a:schemeClr val="tx1">
+                              <a:lumMod val="65000"/>
+                              <a:lumOff val="35000"/>
+                            </a:schemeClr>
+                          </a:solidFill>
+                          <a:latin typeface="Cambria Math" panose="02040503050406030204" pitchFamily="18" charset="0"/>
+                        </a:rPr>
+                        <m:t>𝒊𝒚</m:t>
+                      </m:r>
+                    </m:oMath>
+                  </m:oMathPara>
+                </a14:m>
+                <a:endParaRPr lang="ja-JP" altLang="en-US" sz="3600" b="1" dirty="0">
+                  <a:solidFill>
+                    <a:schemeClr val="tx1">
+                      <a:lumMod val="65000"/>
+                      <a:lumOff val="35000"/>
+                    </a:schemeClr>
+                  </a:solidFill>
+                  <a:latin typeface="Meiryo UI" panose="020B0604030504040204" pitchFamily="50" charset="-128"/>
+                  <a:ea typeface="Meiryo UI" panose="020B0604030504040204" pitchFamily="50" charset="-128"/>
+                </a:endParaRPr>
+              </a:p>
+            </p:txBody>
+          </p:sp>
+        </mc:Choice>
+        <mc:Fallback>
+          <p:sp>
+            <p:nvSpPr>
+              <p:cNvPr id="36" name="テキスト ボックス 35">
+                <a:extLst>
+                  <a:ext uri="{FF2B5EF4-FFF2-40B4-BE49-F238E27FC236}">
+                    <a16:creationId xmlns:a16="http://schemas.microsoft.com/office/drawing/2014/main" id="{305431CD-B230-47BF-AF8E-08F17D4154BF}"/>
+                  </a:ext>
+                </a:extLst>
+              </p:cNvPr>
+              <p:cNvSpPr txBox="1">
+                <a:spLocks noRot="1" noChangeAspect="1" noMove="1" noResize="1" noEditPoints="1" noAdjustHandles="1" noChangeArrowheads="1" noChangeShapeType="1" noTextEdit="1"/>
+              </p:cNvSpPr>
+              <p:nvPr/>
+            </p:nvSpPr>
+            <p:spPr>
+              <a:xfrm>
+                <a:off x="7485724" y="453790"/>
+                <a:ext cx="3004131" cy="648063"/>
+              </a:xfrm>
+              <a:prstGeom prst="rect">
+                <a:avLst/>
+              </a:prstGeom>
+              <a:blipFill>
+                <a:blip r:embed="rId4"/>
+                <a:stretch>
+                  <a:fillRect/>
+                </a:stretch>
+              </a:blipFill>
+            </p:spPr>
+            <p:txBody>
+              <a:bodyPr/>
+              <a:lstStyle/>
+              <a:p>
+                <a:r>
+                  <a:rPr lang="ja-JP" altLang="en-US">
+                    <a:noFill/>
+                  </a:rPr>
+                  <a:t> </a:t>
+                </a:r>
+              </a:p>
+            </p:txBody>
+          </p:sp>
+        </mc:Fallback>
+      </mc:AlternateContent>
+      <mc:AlternateContent xmlns:mc="http://schemas.openxmlformats.org/markup-compatibility/2006">
+        <mc:Choice xmlns:a14="http://schemas.microsoft.com/office/drawing/2010/main" Requires="a14">
+          <p:sp>
+            <p:nvSpPr>
+              <p:cNvPr id="37" name="テキスト ボックス 36">
+                <a:extLst>
+                  <a:ext uri="{FF2B5EF4-FFF2-40B4-BE49-F238E27FC236}">
+                    <a16:creationId xmlns:a16="http://schemas.microsoft.com/office/drawing/2014/main" id="{BFD225C7-9245-4523-A318-A48CDB488770}"/>
+                  </a:ext>
+                </a:extLst>
+              </p:cNvPr>
+              <p:cNvSpPr txBox="1"/>
+              <p:nvPr/>
+            </p:nvSpPr>
+            <p:spPr>
+              <a:xfrm>
+                <a:off x="7552591" y="9700109"/>
+                <a:ext cx="3004131" cy="646331"/>
+              </a:xfrm>
+              <a:prstGeom prst="rect">
+                <a:avLst/>
+              </a:prstGeom>
+              <a:noFill/>
+            </p:spPr>
+            <p:txBody>
+              <a:bodyPr wrap="square" rtlCol="0">
+                <a:spAutoFit/>
+              </a:bodyPr>
+              <a:lstStyle/>
+              <a:p>
+                <a14:m>
+                  <m:oMathPara xmlns:m="http://schemas.openxmlformats.org/officeDocument/2006/math">
+                    <m:oMathParaPr>
+                      <m:jc m:val="centerGroup"/>
+                    </m:oMathParaPr>
+                    <m:oMath xmlns:m="http://schemas.openxmlformats.org/officeDocument/2006/math">
+                      <m:acc>
+                        <m:accPr>
+                          <m:chr m:val="̅"/>
+                          <m:ctrlPr>
+                            <a:rPr lang="en-US" altLang="ja-JP" sz="3600" b="1" i="1" smtClean="0">
+                              <a:solidFill>
+                                <a:schemeClr val="tx1">
+                                  <a:lumMod val="65000"/>
+                                  <a:lumOff val="35000"/>
+                                </a:schemeClr>
+                              </a:solidFill>
+                              <a:latin typeface="Cambria Math" panose="02040503050406030204" pitchFamily="18" charset="0"/>
+                            </a:rPr>
+                          </m:ctrlPr>
+                        </m:accPr>
+                        <m:e>
+                          <m:r>
+                            <a:rPr lang="en-US" altLang="ja-JP" sz="3600" b="1" i="1" smtClean="0">
+                              <a:solidFill>
+                                <a:schemeClr val="tx1">
+                                  <a:lumMod val="65000"/>
+                                  <a:lumOff val="35000"/>
+                                </a:schemeClr>
+                              </a:solidFill>
+                              <a:latin typeface="Cambria Math" panose="02040503050406030204" pitchFamily="18" charset="0"/>
+                            </a:rPr>
+                            <m:t>𝒛</m:t>
+                          </m:r>
+                        </m:e>
+                      </m:acc>
+                      <m:r>
+                        <a:rPr lang="en-US" altLang="ja-JP" sz="3600" b="1" i="1" smtClean="0">
+                          <a:solidFill>
+                            <a:schemeClr val="tx1">
+                              <a:lumMod val="65000"/>
+                              <a:lumOff val="35000"/>
+                            </a:schemeClr>
+                          </a:solidFill>
+                          <a:latin typeface="Cambria Math" panose="02040503050406030204" pitchFamily="18" charset="0"/>
+                        </a:rPr>
+                        <m:t>=</m:t>
+                      </m:r>
+                      <m:r>
+                        <a:rPr lang="en-US" altLang="ja-JP" sz="3600" b="1" i="1" smtClean="0">
+                          <a:solidFill>
+                            <a:schemeClr val="tx1">
+                              <a:lumMod val="65000"/>
+                              <a:lumOff val="35000"/>
+                            </a:schemeClr>
+                          </a:solidFill>
+                          <a:latin typeface="Cambria Math" panose="02040503050406030204" pitchFamily="18" charset="0"/>
+                        </a:rPr>
+                        <m:t>𝒙</m:t>
+                      </m:r>
+                      <m:r>
+                        <a:rPr lang="en-US" altLang="ja-JP" sz="3600" b="1" i="1" smtClean="0">
+                          <a:solidFill>
+                            <a:schemeClr val="tx1">
+                              <a:lumMod val="65000"/>
+                              <a:lumOff val="35000"/>
+                            </a:schemeClr>
+                          </a:solidFill>
+                          <a:latin typeface="Cambria Math" panose="02040503050406030204" pitchFamily="18" charset="0"/>
+                        </a:rPr>
+                        <m:t>−</m:t>
+                      </m:r>
+                      <m:r>
+                        <a:rPr lang="en-US" altLang="ja-JP" sz="3600" b="1" i="1" smtClean="0">
+                          <a:solidFill>
+                            <a:schemeClr val="tx1">
+                              <a:lumMod val="65000"/>
+                              <a:lumOff val="35000"/>
+                            </a:schemeClr>
+                          </a:solidFill>
+                          <a:latin typeface="Cambria Math" panose="02040503050406030204" pitchFamily="18" charset="0"/>
+                        </a:rPr>
+                        <m:t>𝒊𝒚</m:t>
+                      </m:r>
+                    </m:oMath>
+                  </m:oMathPara>
+                </a14:m>
+                <a:endParaRPr lang="ja-JP" altLang="en-US" sz="3600" b="1" dirty="0">
+                  <a:solidFill>
+                    <a:schemeClr val="tx1">
+                      <a:lumMod val="65000"/>
+                      <a:lumOff val="35000"/>
+                    </a:schemeClr>
+                  </a:solidFill>
+                  <a:latin typeface="Meiryo UI" panose="020B0604030504040204" pitchFamily="50" charset="-128"/>
+                  <a:ea typeface="Meiryo UI" panose="020B0604030504040204" pitchFamily="50" charset="-128"/>
+                </a:endParaRPr>
+              </a:p>
+            </p:txBody>
+          </p:sp>
+        </mc:Choice>
+        <mc:Fallback>
+          <p:sp>
+            <p:nvSpPr>
+              <p:cNvPr id="37" name="テキスト ボックス 36">
+                <a:extLst>
+                  <a:ext uri="{FF2B5EF4-FFF2-40B4-BE49-F238E27FC236}">
+                    <a16:creationId xmlns:a16="http://schemas.microsoft.com/office/drawing/2014/main" id="{BFD225C7-9245-4523-A318-A48CDB488770}"/>
+                  </a:ext>
+                </a:extLst>
+              </p:cNvPr>
+              <p:cNvSpPr txBox="1">
+                <a:spLocks noRot="1" noChangeAspect="1" noMove="1" noResize="1" noEditPoints="1" noAdjustHandles="1" noChangeArrowheads="1" noChangeShapeType="1" noTextEdit="1"/>
+              </p:cNvSpPr>
+              <p:nvPr/>
+            </p:nvSpPr>
+            <p:spPr>
+              <a:xfrm>
+                <a:off x="7552591" y="9700109"/>
+                <a:ext cx="3004131" cy="646331"/>
+              </a:xfrm>
+              <a:prstGeom prst="rect">
+                <a:avLst/>
+              </a:prstGeom>
+              <a:blipFill>
+                <a:blip r:embed="rId5"/>
+                <a:stretch>
+                  <a:fillRect/>
+                </a:stretch>
+              </a:blipFill>
+            </p:spPr>
+            <p:txBody>
+              <a:bodyPr/>
+              <a:lstStyle/>
+              <a:p>
+                <a:r>
+                  <a:rPr lang="ja-JP" altLang="en-US">
+                    <a:noFill/>
+                  </a:rPr>
+                  <a:t> </a:t>
+                </a:r>
+              </a:p>
+            </p:txBody>
+          </p:sp>
+        </mc:Fallback>
+      </mc:AlternateContent>
+      <mc:AlternateContent xmlns:mc="http://schemas.openxmlformats.org/markup-compatibility/2006">
+        <mc:Choice xmlns:a14="http://schemas.microsoft.com/office/drawing/2010/main" Requires="a14">
+          <p:sp>
+            <p:nvSpPr>
+              <p:cNvPr id="38" name="テキスト ボックス 37">
+                <a:extLst>
+                  <a:ext uri="{FF2B5EF4-FFF2-40B4-BE49-F238E27FC236}">
+                    <a16:creationId xmlns:a16="http://schemas.microsoft.com/office/drawing/2014/main" id="{B4148FB0-247E-4A42-AE83-A14AE8E25096}"/>
+                  </a:ext>
+                </a:extLst>
+              </p:cNvPr>
+              <p:cNvSpPr txBox="1"/>
+              <p:nvPr/>
+            </p:nvSpPr>
+            <p:spPr>
+              <a:xfrm>
+                <a:off x="-503408" y="9311718"/>
+                <a:ext cx="3004131" cy="648063"/>
+              </a:xfrm>
+              <a:prstGeom prst="rect">
+                <a:avLst/>
+              </a:prstGeom>
+              <a:noFill/>
+            </p:spPr>
+            <p:txBody>
+              <a:bodyPr wrap="square" rtlCol="0">
+                <a:spAutoFit/>
+              </a:bodyPr>
+              <a:lstStyle/>
+              <a:p>
+                <a14:m>
+                  <m:oMathPara xmlns:m="http://schemas.openxmlformats.org/officeDocument/2006/math">
+                    <m:oMathParaPr>
+                      <m:jc m:val="centerGroup"/>
+                    </m:oMathParaPr>
+                    <m:oMath xmlns:m="http://schemas.openxmlformats.org/officeDocument/2006/math">
+                      <m:r>
+                        <a:rPr lang="en-US" altLang="ja-JP" sz="3600" b="1" i="1" smtClean="0">
+                          <a:solidFill>
+                            <a:schemeClr val="tx1">
+                              <a:lumMod val="65000"/>
+                              <a:lumOff val="35000"/>
+                            </a:schemeClr>
+                          </a:solidFill>
+                          <a:latin typeface="Cambria Math" panose="02040503050406030204" pitchFamily="18" charset="0"/>
+                        </a:rPr>
+                        <m:t>−</m:t>
+                      </m:r>
+                      <m:r>
+                        <a:rPr lang="en-US" altLang="ja-JP" sz="3600" b="1" i="1" smtClean="0">
+                          <a:solidFill>
+                            <a:schemeClr val="tx1">
+                              <a:lumMod val="65000"/>
+                              <a:lumOff val="35000"/>
+                            </a:schemeClr>
+                          </a:solidFill>
+                          <a:latin typeface="Cambria Math" panose="02040503050406030204" pitchFamily="18" charset="0"/>
+                        </a:rPr>
+                        <m:t>𝒚</m:t>
+                      </m:r>
+                    </m:oMath>
+                  </m:oMathPara>
+                </a14:m>
+                <a:endParaRPr lang="ja-JP" altLang="en-US" sz="3600" b="1" dirty="0">
+                  <a:solidFill>
+                    <a:schemeClr val="tx1">
+                      <a:lumMod val="65000"/>
+                      <a:lumOff val="35000"/>
+                    </a:schemeClr>
+                  </a:solidFill>
+                  <a:latin typeface="Meiryo UI" panose="020B0604030504040204" pitchFamily="50" charset="-128"/>
+                  <a:ea typeface="Meiryo UI" panose="020B0604030504040204" pitchFamily="50" charset="-128"/>
+                </a:endParaRPr>
+              </a:p>
+            </p:txBody>
+          </p:sp>
+        </mc:Choice>
+        <mc:Fallback>
+          <p:sp>
+            <p:nvSpPr>
+              <p:cNvPr id="38" name="テキスト ボックス 37">
+                <a:extLst>
+                  <a:ext uri="{FF2B5EF4-FFF2-40B4-BE49-F238E27FC236}">
+                    <a16:creationId xmlns:a16="http://schemas.microsoft.com/office/drawing/2014/main" id="{B4148FB0-247E-4A42-AE83-A14AE8E25096}"/>
+                  </a:ext>
+                </a:extLst>
+              </p:cNvPr>
+              <p:cNvSpPr txBox="1">
+                <a:spLocks noRot="1" noChangeAspect="1" noMove="1" noResize="1" noEditPoints="1" noAdjustHandles="1" noChangeArrowheads="1" noChangeShapeType="1" noTextEdit="1"/>
+              </p:cNvSpPr>
+              <p:nvPr/>
+            </p:nvSpPr>
+            <p:spPr>
+              <a:xfrm>
+                <a:off x="-503408" y="9311718"/>
+                <a:ext cx="3004131" cy="648063"/>
+              </a:xfrm>
+              <a:prstGeom prst="rect">
+                <a:avLst/>
+              </a:prstGeom>
+              <a:blipFill>
+                <a:blip r:embed="rId6"/>
+                <a:stretch>
+                  <a:fillRect/>
+                </a:stretch>
+              </a:blipFill>
+            </p:spPr>
+            <p:txBody>
+              <a:bodyPr/>
+              <a:lstStyle/>
+              <a:p>
+                <a:r>
+                  <a:rPr lang="ja-JP" altLang="en-US">
+                    <a:noFill/>
+                  </a:rPr>
+                  <a:t> </a:t>
+                </a:r>
+              </a:p>
+            </p:txBody>
+          </p:sp>
+        </mc:Fallback>
+      </mc:AlternateContent>
     </p:spTree>
     <p:extLst>
       <p:ext uri="{BB962C8B-B14F-4D97-AF65-F5344CB8AC3E}">
-        <p14:creationId xmlns:p14="http://schemas.microsoft.com/office/powerpoint/2010/main" val="742684076"/>
+        <p14:creationId xmlns:p14="http://schemas.microsoft.com/office/powerpoint/2010/main" val="723211452"/>
+      </p:ext>
+    </p:extLst>
+  </p:cSld>
+  <p:clrMapOvr>
+    <a:masterClrMapping/>
+  </p:clrMapOvr>
+</p:sld>
+</file>
+
+<file path=ppt/slides/slide5.xml><?xml version="1.0" encoding="utf-8"?>
+<p:sld xmlns:a="http://schemas.openxmlformats.org/drawingml/2006/main" xmlns:r="http://schemas.openxmlformats.org/officeDocument/2006/relationships" xmlns:p="http://schemas.openxmlformats.org/presentationml/2006/main">
+  <p:cSld>
+    <p:spTree>
+      <p:nvGrpSpPr>
+        <p:cNvPr id="1" name=""/>
+        <p:cNvGrpSpPr/>
+        <p:nvPr/>
+      </p:nvGrpSpPr>
+      <p:grpSpPr>
+        <a:xfrm>
+          <a:off x="0" y="0"/>
+          <a:ext cx="0" cy="0"/>
+          <a:chOff x="0" y="0"/>
+          <a:chExt cx="0" cy="0"/>
+        </a:xfrm>
+      </p:grpSpPr>
+      <p:cxnSp>
+        <p:nvCxnSpPr>
+          <p:cNvPr id="5" name="直線コネクタ 4">
+            <a:extLst>
+              <a:ext uri="{FF2B5EF4-FFF2-40B4-BE49-F238E27FC236}">
+                <a16:creationId xmlns:a16="http://schemas.microsoft.com/office/drawing/2014/main" id="{4B842DC9-FCBF-4A0C-88E4-743C743172BF}"/>
+              </a:ext>
+            </a:extLst>
+          </p:cNvPr>
+          <p:cNvCxnSpPr>
+            <a:cxnSpLocks/>
+          </p:cNvCxnSpPr>
+          <p:nvPr/>
+        </p:nvCxnSpPr>
+        <p:spPr>
+          <a:xfrm>
+            <a:off x="-20283" y="7995164"/>
+            <a:ext cx="10820046" cy="0"/>
+          </a:xfrm>
+          <a:prstGeom prst="line">
+            <a:avLst/>
+          </a:prstGeom>
+          <a:ln w="57150">
+            <a:solidFill>
+              <a:schemeClr val="tx1">
+                <a:lumMod val="50000"/>
+                <a:lumOff val="50000"/>
+              </a:schemeClr>
+            </a:solidFill>
+          </a:ln>
+        </p:spPr>
+        <p:style>
+          <a:lnRef idx="1">
+            <a:schemeClr val="dk1"/>
+          </a:lnRef>
+          <a:fillRef idx="0">
+            <a:schemeClr val="dk1"/>
+          </a:fillRef>
+          <a:effectRef idx="0">
+            <a:schemeClr val="dk1"/>
+          </a:effectRef>
+          <a:fontRef idx="minor">
+            <a:schemeClr val="tx1"/>
+          </a:fontRef>
+        </p:style>
+      </p:cxnSp>
+      <p:cxnSp>
+        <p:nvCxnSpPr>
+          <p:cNvPr id="6" name="直線コネクタ 5">
+            <a:extLst>
+              <a:ext uri="{FF2B5EF4-FFF2-40B4-BE49-F238E27FC236}">
+                <a16:creationId xmlns:a16="http://schemas.microsoft.com/office/drawing/2014/main" id="{B6AD9A21-DCDC-49B8-B0FD-013ABD1A99AD}"/>
+              </a:ext>
+            </a:extLst>
+          </p:cNvPr>
+          <p:cNvCxnSpPr>
+            <a:cxnSpLocks/>
+          </p:cNvCxnSpPr>
+          <p:nvPr/>
+        </p:nvCxnSpPr>
+        <p:spPr>
+          <a:xfrm>
+            <a:off x="1388691" y="952927"/>
+            <a:ext cx="0" cy="9124084"/>
+          </a:xfrm>
+          <a:prstGeom prst="line">
+            <a:avLst/>
+          </a:prstGeom>
+          <a:ln w="57150">
+            <a:solidFill>
+              <a:schemeClr val="tx1">
+                <a:lumMod val="50000"/>
+                <a:lumOff val="50000"/>
+              </a:schemeClr>
+            </a:solidFill>
+          </a:ln>
+        </p:spPr>
+        <p:style>
+          <a:lnRef idx="1">
+            <a:schemeClr val="dk1"/>
+          </a:lnRef>
+          <a:fillRef idx="0">
+            <a:schemeClr val="dk1"/>
+          </a:fillRef>
+          <a:effectRef idx="0">
+            <a:schemeClr val="dk1"/>
+          </a:effectRef>
+          <a:fontRef idx="minor">
+            <a:schemeClr val="tx1"/>
+          </a:fontRef>
+        </p:style>
+      </p:cxnSp>
+      <p:cxnSp>
+        <p:nvCxnSpPr>
+          <p:cNvPr id="12" name="直線矢印コネクタ 11">
+            <a:extLst>
+              <a:ext uri="{FF2B5EF4-FFF2-40B4-BE49-F238E27FC236}">
+                <a16:creationId xmlns:a16="http://schemas.microsoft.com/office/drawing/2014/main" id="{B886EB1C-9BA4-4903-BCAC-587F08695411}"/>
+              </a:ext>
+            </a:extLst>
+          </p:cNvPr>
+          <p:cNvCxnSpPr>
+            <a:cxnSpLocks/>
+          </p:cNvCxnSpPr>
+          <p:nvPr/>
+        </p:nvCxnSpPr>
+        <p:spPr>
+          <a:xfrm flipV="1">
+            <a:off x="1378727" y="1206889"/>
+            <a:ext cx="7609063" cy="6775749"/>
+          </a:xfrm>
+          <a:prstGeom prst="straightConnector1">
+            <a:avLst/>
+          </a:prstGeom>
+          <a:ln w="60325">
+            <a:solidFill>
+              <a:schemeClr val="accent5"/>
+            </a:solidFill>
+            <a:tailEnd type="triangle"/>
+          </a:ln>
+        </p:spPr>
+        <p:style>
+          <a:lnRef idx="1">
+            <a:schemeClr val="accent1"/>
+          </a:lnRef>
+          <a:fillRef idx="0">
+            <a:schemeClr val="accent1"/>
+          </a:fillRef>
+          <a:effectRef idx="0">
+            <a:schemeClr val="accent1"/>
+          </a:effectRef>
+          <a:fontRef idx="minor">
+            <a:schemeClr val="tx1"/>
+          </a:fontRef>
+        </p:style>
+      </p:cxnSp>
+      <p:cxnSp>
+        <p:nvCxnSpPr>
+          <p:cNvPr id="15" name="直線コネクタ 14">
+            <a:extLst>
+              <a:ext uri="{FF2B5EF4-FFF2-40B4-BE49-F238E27FC236}">
+                <a16:creationId xmlns:a16="http://schemas.microsoft.com/office/drawing/2014/main" id="{7301AFCE-2438-4B06-9828-10E40DA4F0C6}"/>
+              </a:ext>
+            </a:extLst>
+          </p:cNvPr>
+          <p:cNvCxnSpPr>
+            <a:cxnSpLocks/>
+          </p:cNvCxnSpPr>
+          <p:nvPr/>
+        </p:nvCxnSpPr>
+        <p:spPr>
+          <a:xfrm>
+            <a:off x="8987790" y="1206890"/>
+            <a:ext cx="0" cy="6788274"/>
+          </a:xfrm>
+          <a:prstGeom prst="line">
+            <a:avLst/>
+          </a:prstGeom>
+          <a:ln w="57150">
+            <a:solidFill>
+              <a:schemeClr val="accent1">
+                <a:lumMod val="40000"/>
+                <a:lumOff val="60000"/>
+              </a:schemeClr>
+            </a:solidFill>
+            <a:prstDash val="sysDash"/>
+          </a:ln>
+        </p:spPr>
+        <p:style>
+          <a:lnRef idx="1">
+            <a:schemeClr val="accent1"/>
+          </a:lnRef>
+          <a:fillRef idx="0">
+            <a:schemeClr val="accent1"/>
+          </a:fillRef>
+          <a:effectRef idx="0">
+            <a:schemeClr val="accent1"/>
+          </a:effectRef>
+          <a:fontRef idx="minor">
+            <a:schemeClr val="tx1"/>
+          </a:fontRef>
+        </p:style>
+      </p:cxnSp>
+      <p:cxnSp>
+        <p:nvCxnSpPr>
+          <p:cNvPr id="18" name="直線コネクタ 17">
+            <a:extLst>
+              <a:ext uri="{FF2B5EF4-FFF2-40B4-BE49-F238E27FC236}">
+                <a16:creationId xmlns:a16="http://schemas.microsoft.com/office/drawing/2014/main" id="{8ACADEFF-6A7C-4775-803C-58FFD14FB3AC}"/>
+              </a:ext>
+            </a:extLst>
+          </p:cNvPr>
+          <p:cNvCxnSpPr>
+            <a:cxnSpLocks/>
+          </p:cNvCxnSpPr>
+          <p:nvPr/>
+        </p:nvCxnSpPr>
+        <p:spPr>
+          <a:xfrm flipH="1">
+            <a:off x="1388691" y="1206890"/>
+            <a:ext cx="7599099" cy="0"/>
+          </a:xfrm>
+          <a:prstGeom prst="line">
+            <a:avLst/>
+          </a:prstGeom>
+          <a:ln w="57150">
+            <a:solidFill>
+              <a:schemeClr val="accent1">
+                <a:lumMod val="40000"/>
+                <a:lumOff val="60000"/>
+              </a:schemeClr>
+            </a:solidFill>
+            <a:prstDash val="sysDash"/>
+          </a:ln>
+        </p:spPr>
+        <p:style>
+          <a:lnRef idx="1">
+            <a:schemeClr val="accent1"/>
+          </a:lnRef>
+          <a:fillRef idx="0">
+            <a:schemeClr val="accent1"/>
+          </a:fillRef>
+          <a:effectRef idx="0">
+            <a:schemeClr val="accent1"/>
+          </a:effectRef>
+          <a:fontRef idx="minor">
+            <a:schemeClr val="tx1"/>
+          </a:fontRef>
+        </p:style>
+      </p:cxnSp>
+      <p:sp>
+        <p:nvSpPr>
+          <p:cNvPr id="25" name="テキスト ボックス 24">
+            <a:extLst>
+              <a:ext uri="{FF2B5EF4-FFF2-40B4-BE49-F238E27FC236}">
+                <a16:creationId xmlns:a16="http://schemas.microsoft.com/office/drawing/2014/main" id="{F302AAD0-9485-48DD-9CBA-A392FD8315FE}"/>
+              </a:ext>
+            </a:extLst>
+          </p:cNvPr>
+          <p:cNvSpPr txBox="1"/>
+          <p:nvPr/>
+        </p:nvSpPr>
+        <p:spPr>
+          <a:xfrm>
+            <a:off x="3820166" y="8057042"/>
+            <a:ext cx="5590906" cy="707886"/>
+          </a:xfrm>
+          <a:prstGeom prst="rect">
+            <a:avLst/>
+          </a:prstGeom>
+          <a:noFill/>
+        </p:spPr>
+        <p:txBody>
+          <a:bodyPr wrap="square" rtlCol="0">
+            <a:spAutoFit/>
+          </a:bodyPr>
+          <a:lstStyle/>
+          <a:p>
+            <a:r>
+              <a:rPr lang="ja-JP" altLang="en-US" sz="4000" b="1" dirty="0">
+                <a:solidFill>
+                  <a:schemeClr val="tx1">
+                    <a:lumMod val="65000"/>
+                    <a:lumOff val="35000"/>
+                  </a:schemeClr>
+                </a:solidFill>
+                <a:latin typeface="Meiryo UI" panose="020B0604030504040204" pitchFamily="50" charset="-128"/>
+                <a:ea typeface="Meiryo UI" panose="020B0604030504040204" pitchFamily="50" charset="-128"/>
+              </a:rPr>
+              <a:t>実数成分 </a:t>
+            </a:r>
+            <a:r>
+              <a:rPr lang="en-US" altLang="ja-JP" sz="4000" b="1" dirty="0">
+                <a:solidFill>
+                  <a:schemeClr val="tx1">
+                    <a:lumMod val="65000"/>
+                    <a:lumOff val="35000"/>
+                  </a:schemeClr>
+                </a:solidFill>
+                <a:latin typeface="Meiryo UI" panose="020B0604030504040204" pitchFamily="50" charset="-128"/>
+                <a:ea typeface="Meiryo UI" panose="020B0604030504040204" pitchFamily="50" charset="-128"/>
+              </a:rPr>
+              <a:t>Re(z)</a:t>
+            </a:r>
+            <a:endParaRPr lang="ja-JP" altLang="en-US" sz="4000" b="1" dirty="0">
+              <a:solidFill>
+                <a:schemeClr val="tx1">
+                  <a:lumMod val="65000"/>
+                  <a:lumOff val="35000"/>
+                </a:schemeClr>
+              </a:solidFill>
+              <a:latin typeface="Meiryo UI" panose="020B0604030504040204" pitchFamily="50" charset="-128"/>
+              <a:ea typeface="Meiryo UI" panose="020B0604030504040204" pitchFamily="50" charset="-128"/>
+            </a:endParaRPr>
+          </a:p>
+        </p:txBody>
+      </p:sp>
+      <p:sp>
+        <p:nvSpPr>
+          <p:cNvPr id="26" name="テキスト ボックス 25">
+            <a:extLst>
+              <a:ext uri="{FF2B5EF4-FFF2-40B4-BE49-F238E27FC236}">
+                <a16:creationId xmlns:a16="http://schemas.microsoft.com/office/drawing/2014/main" id="{E74E96DF-FFA1-4828-B768-959A1F30D02E}"/>
+              </a:ext>
+            </a:extLst>
+          </p:cNvPr>
+          <p:cNvSpPr txBox="1"/>
+          <p:nvPr/>
+        </p:nvSpPr>
+        <p:spPr>
+          <a:xfrm rot="16200000">
+            <a:off x="-1208865" y="4240820"/>
+            <a:ext cx="4214628" cy="707886"/>
+          </a:xfrm>
+          <a:prstGeom prst="rect">
+            <a:avLst/>
+          </a:prstGeom>
+          <a:noFill/>
+        </p:spPr>
+        <p:txBody>
+          <a:bodyPr wrap="square" rtlCol="0">
+            <a:spAutoFit/>
+          </a:bodyPr>
+          <a:lstStyle/>
+          <a:p>
+            <a:r>
+              <a:rPr lang="ja-JP" altLang="en-US" sz="4000" b="1" dirty="0">
+                <a:solidFill>
+                  <a:schemeClr val="tx1">
+                    <a:lumMod val="65000"/>
+                    <a:lumOff val="35000"/>
+                  </a:schemeClr>
+                </a:solidFill>
+                <a:latin typeface="Meiryo UI" panose="020B0604030504040204" pitchFamily="50" charset="-128"/>
+                <a:ea typeface="Meiryo UI" panose="020B0604030504040204" pitchFamily="50" charset="-128"/>
+              </a:rPr>
+              <a:t>虚数成分 </a:t>
+            </a:r>
+            <a:r>
+              <a:rPr lang="en-US" altLang="ja-JP" sz="4000" b="1" dirty="0">
+                <a:solidFill>
+                  <a:schemeClr val="tx1">
+                    <a:lumMod val="65000"/>
+                    <a:lumOff val="35000"/>
+                  </a:schemeClr>
+                </a:solidFill>
+                <a:latin typeface="Meiryo UI" panose="020B0604030504040204" pitchFamily="50" charset="-128"/>
+                <a:ea typeface="Meiryo UI" panose="020B0604030504040204" pitchFamily="50" charset="-128"/>
+              </a:rPr>
+              <a:t>Im(z)</a:t>
+            </a:r>
+            <a:endParaRPr lang="ja-JP" altLang="en-US" sz="4000" b="1" dirty="0">
+              <a:solidFill>
+                <a:schemeClr val="tx1">
+                  <a:lumMod val="65000"/>
+                  <a:lumOff val="35000"/>
+                </a:schemeClr>
+              </a:solidFill>
+              <a:latin typeface="Meiryo UI" panose="020B0604030504040204" pitchFamily="50" charset="-128"/>
+              <a:ea typeface="Meiryo UI" panose="020B0604030504040204" pitchFamily="50" charset="-128"/>
+            </a:endParaRPr>
+          </a:p>
+        </p:txBody>
+      </p:sp>
+      <mc:AlternateContent xmlns:mc="http://schemas.openxmlformats.org/markup-compatibility/2006">
+        <mc:Choice xmlns:a14="http://schemas.microsoft.com/office/drawing/2010/main" Requires="a14">
+          <p:sp>
+            <p:nvSpPr>
+              <p:cNvPr id="34" name="テキスト ボックス 33">
+                <a:extLst>
+                  <a:ext uri="{FF2B5EF4-FFF2-40B4-BE49-F238E27FC236}">
+                    <a16:creationId xmlns:a16="http://schemas.microsoft.com/office/drawing/2014/main" id="{2964BFCF-7368-4B6C-A930-3DB420B23437}"/>
+                  </a:ext>
+                </a:extLst>
+              </p:cNvPr>
+              <p:cNvSpPr txBox="1"/>
+              <p:nvPr/>
+            </p:nvSpPr>
+            <p:spPr>
+              <a:xfrm>
+                <a:off x="-584124" y="774570"/>
+                <a:ext cx="3004131" cy="769441"/>
+              </a:xfrm>
+              <a:prstGeom prst="rect">
+                <a:avLst/>
+              </a:prstGeom>
+              <a:noFill/>
+            </p:spPr>
+            <p:txBody>
+              <a:bodyPr wrap="square" rtlCol="0">
+                <a:spAutoFit/>
+              </a:bodyPr>
+              <a:lstStyle/>
+              <a:p>
+                <a14:m>
+                  <m:oMathPara xmlns:m="http://schemas.openxmlformats.org/officeDocument/2006/math">
+                    <m:oMathParaPr>
+                      <m:jc m:val="centerGroup"/>
+                    </m:oMathParaPr>
+                    <m:oMath xmlns:m="http://schemas.openxmlformats.org/officeDocument/2006/math">
+                      <m:r>
+                        <a:rPr lang="en-US" altLang="ja-JP" sz="4400" b="1" i="1" smtClean="0">
+                          <a:solidFill>
+                            <a:schemeClr val="tx1">
+                              <a:lumMod val="65000"/>
+                              <a:lumOff val="35000"/>
+                            </a:schemeClr>
+                          </a:solidFill>
+                          <a:latin typeface="Cambria Math" panose="02040503050406030204" pitchFamily="18" charset="0"/>
+                        </a:rPr>
+                        <m:t>𝒚</m:t>
+                      </m:r>
+                    </m:oMath>
+                  </m:oMathPara>
+                </a14:m>
+                <a:endParaRPr lang="ja-JP" altLang="en-US" sz="4400" b="1" dirty="0">
+                  <a:solidFill>
+                    <a:schemeClr val="tx1">
+                      <a:lumMod val="65000"/>
+                      <a:lumOff val="35000"/>
+                    </a:schemeClr>
+                  </a:solidFill>
+                  <a:latin typeface="Meiryo UI" panose="020B0604030504040204" pitchFamily="50" charset="-128"/>
+                  <a:ea typeface="Meiryo UI" panose="020B0604030504040204" pitchFamily="50" charset="-128"/>
+                </a:endParaRPr>
+              </a:p>
+            </p:txBody>
+          </p:sp>
+        </mc:Choice>
+        <mc:Fallback>
+          <p:sp>
+            <p:nvSpPr>
+              <p:cNvPr id="34" name="テキスト ボックス 33">
+                <a:extLst>
+                  <a:ext uri="{FF2B5EF4-FFF2-40B4-BE49-F238E27FC236}">
+                    <a16:creationId xmlns:a16="http://schemas.microsoft.com/office/drawing/2014/main" id="{2964BFCF-7368-4B6C-A930-3DB420B23437}"/>
+                  </a:ext>
+                </a:extLst>
+              </p:cNvPr>
+              <p:cNvSpPr txBox="1">
+                <a:spLocks noRot="1" noChangeAspect="1" noMove="1" noResize="1" noEditPoints="1" noAdjustHandles="1" noChangeArrowheads="1" noChangeShapeType="1" noTextEdit="1"/>
+              </p:cNvSpPr>
+              <p:nvPr/>
+            </p:nvSpPr>
+            <p:spPr>
+              <a:xfrm>
+                <a:off x="-584124" y="774570"/>
+                <a:ext cx="3004131" cy="769441"/>
+              </a:xfrm>
+              <a:prstGeom prst="rect">
+                <a:avLst/>
+              </a:prstGeom>
+              <a:blipFill>
+                <a:blip r:embed="rId2"/>
+                <a:stretch>
+                  <a:fillRect/>
+                </a:stretch>
+              </a:blipFill>
+            </p:spPr>
+            <p:txBody>
+              <a:bodyPr/>
+              <a:lstStyle/>
+              <a:p>
+                <a:r>
+                  <a:rPr lang="ja-JP" altLang="en-US">
+                    <a:noFill/>
+                  </a:rPr>
+                  <a:t> </a:t>
+                </a:r>
+              </a:p>
+            </p:txBody>
+          </p:sp>
+        </mc:Fallback>
+      </mc:AlternateContent>
+      <mc:AlternateContent xmlns:mc="http://schemas.openxmlformats.org/markup-compatibility/2006">
+        <mc:Choice xmlns:a14="http://schemas.microsoft.com/office/drawing/2010/main" Requires="a14">
+          <p:sp>
+            <p:nvSpPr>
+              <p:cNvPr id="35" name="テキスト ボックス 34">
+                <a:extLst>
+                  <a:ext uri="{FF2B5EF4-FFF2-40B4-BE49-F238E27FC236}">
+                    <a16:creationId xmlns:a16="http://schemas.microsoft.com/office/drawing/2014/main" id="{644022AD-D87B-4998-A0A5-6227858C940B}"/>
+                  </a:ext>
+                </a:extLst>
+              </p:cNvPr>
+              <p:cNvSpPr txBox="1"/>
+              <p:nvPr/>
+            </p:nvSpPr>
+            <p:spPr>
+              <a:xfrm>
+                <a:off x="7485724" y="7982638"/>
+                <a:ext cx="3004131" cy="769441"/>
+              </a:xfrm>
+              <a:prstGeom prst="rect">
+                <a:avLst/>
+              </a:prstGeom>
+              <a:noFill/>
+            </p:spPr>
+            <p:txBody>
+              <a:bodyPr wrap="square" rtlCol="0">
+                <a:spAutoFit/>
+              </a:bodyPr>
+              <a:lstStyle/>
+              <a:p>
+                <a14:m>
+                  <m:oMathPara xmlns:m="http://schemas.openxmlformats.org/officeDocument/2006/math">
+                    <m:oMathParaPr>
+                      <m:jc m:val="centerGroup"/>
+                    </m:oMathParaPr>
+                    <m:oMath xmlns:m="http://schemas.openxmlformats.org/officeDocument/2006/math">
+                      <m:r>
+                        <a:rPr lang="en-US" altLang="ja-JP" sz="4400" b="1" i="1" smtClean="0">
+                          <a:solidFill>
+                            <a:schemeClr val="tx1">
+                              <a:lumMod val="65000"/>
+                              <a:lumOff val="35000"/>
+                            </a:schemeClr>
+                          </a:solidFill>
+                          <a:latin typeface="Cambria Math" panose="02040503050406030204" pitchFamily="18" charset="0"/>
+                        </a:rPr>
+                        <m:t>𝒙</m:t>
+                      </m:r>
+                    </m:oMath>
+                  </m:oMathPara>
+                </a14:m>
+                <a:endParaRPr lang="ja-JP" altLang="en-US" sz="4400" b="1" dirty="0">
+                  <a:solidFill>
+                    <a:schemeClr val="tx1">
+                      <a:lumMod val="65000"/>
+                      <a:lumOff val="35000"/>
+                    </a:schemeClr>
+                  </a:solidFill>
+                  <a:latin typeface="Meiryo UI" panose="020B0604030504040204" pitchFamily="50" charset="-128"/>
+                  <a:ea typeface="Meiryo UI" panose="020B0604030504040204" pitchFamily="50" charset="-128"/>
+                </a:endParaRPr>
+              </a:p>
+            </p:txBody>
+          </p:sp>
+        </mc:Choice>
+        <mc:Fallback>
+          <p:sp>
+            <p:nvSpPr>
+              <p:cNvPr id="35" name="テキスト ボックス 34">
+                <a:extLst>
+                  <a:ext uri="{FF2B5EF4-FFF2-40B4-BE49-F238E27FC236}">
+                    <a16:creationId xmlns:a16="http://schemas.microsoft.com/office/drawing/2014/main" id="{644022AD-D87B-4998-A0A5-6227858C940B}"/>
+                  </a:ext>
+                </a:extLst>
+              </p:cNvPr>
+              <p:cNvSpPr txBox="1">
+                <a:spLocks noRot="1" noChangeAspect="1" noMove="1" noResize="1" noEditPoints="1" noAdjustHandles="1" noChangeArrowheads="1" noChangeShapeType="1" noTextEdit="1"/>
+              </p:cNvSpPr>
+              <p:nvPr/>
+            </p:nvSpPr>
+            <p:spPr>
+              <a:xfrm>
+                <a:off x="7485724" y="7982638"/>
+                <a:ext cx="3004131" cy="769441"/>
+              </a:xfrm>
+              <a:prstGeom prst="rect">
+                <a:avLst/>
+              </a:prstGeom>
+              <a:blipFill>
+                <a:blip r:embed="rId3"/>
+                <a:stretch>
+                  <a:fillRect/>
+                </a:stretch>
+              </a:blipFill>
+            </p:spPr>
+            <p:txBody>
+              <a:bodyPr/>
+              <a:lstStyle/>
+              <a:p>
+                <a:r>
+                  <a:rPr lang="ja-JP" altLang="en-US">
+                    <a:noFill/>
+                  </a:rPr>
+                  <a:t> </a:t>
+                </a:r>
+              </a:p>
+            </p:txBody>
+          </p:sp>
+        </mc:Fallback>
+      </mc:AlternateContent>
+      <mc:AlternateContent xmlns:mc="http://schemas.openxmlformats.org/markup-compatibility/2006">
+        <mc:Choice xmlns:a14="http://schemas.microsoft.com/office/drawing/2010/main" Requires="a14">
+          <p:sp>
+            <p:nvSpPr>
+              <p:cNvPr id="36" name="テキスト ボックス 35">
+                <a:extLst>
+                  <a:ext uri="{FF2B5EF4-FFF2-40B4-BE49-F238E27FC236}">
+                    <a16:creationId xmlns:a16="http://schemas.microsoft.com/office/drawing/2014/main" id="{305431CD-B230-47BF-AF8E-08F17D4154BF}"/>
+                  </a:ext>
+                </a:extLst>
+              </p:cNvPr>
+              <p:cNvSpPr txBox="1"/>
+              <p:nvPr/>
+            </p:nvSpPr>
+            <p:spPr>
+              <a:xfrm>
+                <a:off x="7721621" y="0"/>
+                <a:ext cx="5855225" cy="1200329"/>
+              </a:xfrm>
+              <a:prstGeom prst="rect">
+                <a:avLst/>
+              </a:prstGeom>
+              <a:noFill/>
+            </p:spPr>
+            <p:txBody>
+              <a:bodyPr wrap="square" rtlCol="0">
+                <a:spAutoFit/>
+              </a:bodyPr>
+              <a:lstStyle/>
+              <a:p>
+                <a14:m>
+                  <m:oMath xmlns:m="http://schemas.openxmlformats.org/officeDocument/2006/math">
+                    <m:r>
+                      <a:rPr lang="en-US" altLang="ja-JP" sz="3600" b="1" i="1" smtClean="0">
+                        <a:solidFill>
+                          <a:schemeClr val="tx1">
+                            <a:lumMod val="65000"/>
+                            <a:lumOff val="35000"/>
+                          </a:schemeClr>
+                        </a:solidFill>
+                        <a:latin typeface="Cambria Math" panose="02040503050406030204" pitchFamily="18" charset="0"/>
+                      </a:rPr>
+                      <m:t>𝒛</m:t>
+                    </m:r>
+                    <m:r>
+                      <a:rPr lang="en-US" altLang="ja-JP" sz="3600" b="1" i="1" smtClean="0">
+                        <a:solidFill>
+                          <a:schemeClr val="tx1">
+                            <a:lumMod val="65000"/>
+                            <a:lumOff val="35000"/>
+                          </a:schemeClr>
+                        </a:solidFill>
+                        <a:latin typeface="Cambria Math" panose="02040503050406030204" pitchFamily="18" charset="0"/>
+                      </a:rPr>
+                      <m:t>=</m:t>
+                    </m:r>
+                    <m:r>
+                      <a:rPr lang="en-US" altLang="ja-JP" sz="3600" b="1" i="1" smtClean="0">
+                        <a:solidFill>
+                          <a:schemeClr val="tx1">
+                            <a:lumMod val="65000"/>
+                            <a:lumOff val="35000"/>
+                          </a:schemeClr>
+                        </a:solidFill>
+                        <a:latin typeface="Cambria Math" panose="02040503050406030204" pitchFamily="18" charset="0"/>
+                      </a:rPr>
+                      <m:t>𝒙</m:t>
+                    </m:r>
+                    <m:r>
+                      <a:rPr lang="en-US" altLang="ja-JP" sz="3600" b="1" i="1" smtClean="0">
+                        <a:solidFill>
+                          <a:schemeClr val="tx1">
+                            <a:lumMod val="65000"/>
+                            <a:lumOff val="35000"/>
+                          </a:schemeClr>
+                        </a:solidFill>
+                        <a:latin typeface="Cambria Math" panose="02040503050406030204" pitchFamily="18" charset="0"/>
+                      </a:rPr>
+                      <m:t>+</m:t>
+                    </m:r>
+                    <m:r>
+                      <a:rPr lang="en-US" altLang="ja-JP" sz="3600" b="1" i="1" smtClean="0">
+                        <a:solidFill>
+                          <a:schemeClr val="tx1">
+                            <a:lumMod val="65000"/>
+                            <a:lumOff val="35000"/>
+                          </a:schemeClr>
+                        </a:solidFill>
+                        <a:latin typeface="Cambria Math" panose="02040503050406030204" pitchFamily="18" charset="0"/>
+                      </a:rPr>
+                      <m:t>𝒊𝒚</m:t>
+                    </m:r>
+                  </m:oMath>
+                </a14:m>
+                <a:r>
+                  <a:rPr lang="ja-JP" altLang="en-US" sz="3600" b="1" dirty="0">
+                    <a:solidFill>
+                      <a:schemeClr val="tx1">
+                        <a:lumMod val="65000"/>
+                        <a:lumOff val="35000"/>
+                      </a:schemeClr>
+                    </a:solidFill>
+                    <a:latin typeface="Meiryo UI" panose="020B0604030504040204" pitchFamily="50" charset="-128"/>
+                    <a:ea typeface="Meiryo UI" panose="020B0604030504040204" pitchFamily="50" charset="-128"/>
+                  </a:rPr>
+                  <a:t> </a:t>
+                </a:r>
+                <a:br>
+                  <a:rPr lang="en-US" altLang="ja-JP" sz="3600" b="1" dirty="0">
+                    <a:solidFill>
+                      <a:schemeClr val="tx1">
+                        <a:lumMod val="65000"/>
+                        <a:lumOff val="35000"/>
+                      </a:schemeClr>
+                    </a:solidFill>
+                    <a:latin typeface="Meiryo UI" panose="020B0604030504040204" pitchFamily="50" charset="-128"/>
+                    <a:ea typeface="Meiryo UI" panose="020B0604030504040204" pitchFamily="50" charset="-128"/>
+                  </a:rPr>
+                </a:br>
+                <a:r>
+                  <a:rPr lang="ja-JP" altLang="en-US" sz="3600" b="1" dirty="0">
+                    <a:solidFill>
+                      <a:schemeClr val="tx1">
+                        <a:lumMod val="65000"/>
+                        <a:lumOff val="35000"/>
+                      </a:schemeClr>
+                    </a:solidFill>
+                    <a:latin typeface="Meiryo UI" panose="020B0604030504040204" pitchFamily="50" charset="-128"/>
+                    <a:ea typeface="Meiryo UI" panose="020B0604030504040204" pitchFamily="50" charset="-128"/>
+                  </a:rPr>
+                  <a:t>に対応する点</a:t>
+                </a:r>
+              </a:p>
+            </p:txBody>
+          </p:sp>
+        </mc:Choice>
+        <mc:Fallback>
+          <p:sp>
+            <p:nvSpPr>
+              <p:cNvPr id="36" name="テキスト ボックス 35">
+                <a:extLst>
+                  <a:ext uri="{FF2B5EF4-FFF2-40B4-BE49-F238E27FC236}">
+                    <a16:creationId xmlns:a16="http://schemas.microsoft.com/office/drawing/2014/main" id="{305431CD-B230-47BF-AF8E-08F17D4154BF}"/>
+                  </a:ext>
+                </a:extLst>
+              </p:cNvPr>
+              <p:cNvSpPr txBox="1">
+                <a:spLocks noRot="1" noChangeAspect="1" noMove="1" noResize="1" noEditPoints="1" noAdjustHandles="1" noChangeArrowheads="1" noChangeShapeType="1" noTextEdit="1"/>
+              </p:cNvSpPr>
+              <p:nvPr/>
+            </p:nvSpPr>
+            <p:spPr>
+              <a:xfrm>
+                <a:off x="7721621" y="0"/>
+                <a:ext cx="5855225" cy="1200329"/>
+              </a:xfrm>
+              <a:prstGeom prst="rect">
+                <a:avLst/>
+              </a:prstGeom>
+              <a:blipFill>
+                <a:blip r:embed="rId4"/>
+                <a:stretch>
+                  <a:fillRect l="-3229" b="-18274"/>
+                </a:stretch>
+              </a:blipFill>
+            </p:spPr>
+            <p:txBody>
+              <a:bodyPr/>
+              <a:lstStyle/>
+              <a:p>
+                <a:r>
+                  <a:rPr lang="ja-JP" altLang="en-US">
+                    <a:noFill/>
+                  </a:rPr>
+                  <a:t> </a:t>
+                </a:r>
+              </a:p>
+            </p:txBody>
+          </p:sp>
+        </mc:Fallback>
+      </mc:AlternateContent>
+    </p:spTree>
+    <p:extLst>
+      <p:ext uri="{BB962C8B-B14F-4D97-AF65-F5344CB8AC3E}">
+        <p14:creationId xmlns:p14="http://schemas.microsoft.com/office/powerpoint/2010/main" val="4003534355"/>
+      </p:ext>
+    </p:extLst>
+  </p:cSld>
+  <p:clrMapOvr>
+    <a:masterClrMapping/>
+  </p:clrMapOvr>
+</p:sld>
+</file>
+
+<file path=ppt/slides/slide6.xml><?xml version="1.0" encoding="utf-8"?>
+<p:sld xmlns:a="http://schemas.openxmlformats.org/drawingml/2006/main" xmlns:r="http://schemas.openxmlformats.org/officeDocument/2006/relationships" xmlns:p="http://schemas.openxmlformats.org/presentationml/2006/main">
+  <p:cSld>
+    <p:spTree>
+      <p:nvGrpSpPr>
+        <p:cNvPr id="1" name=""/>
+        <p:cNvGrpSpPr/>
+        <p:nvPr/>
+      </p:nvGrpSpPr>
+      <p:grpSpPr>
+        <a:xfrm>
+          <a:off x="0" y="0"/>
+          <a:ext cx="0" cy="0"/>
+          <a:chOff x="0" y="0"/>
+          <a:chExt cx="0" cy="0"/>
+        </a:xfrm>
+      </p:grpSpPr>
+      <p:cxnSp>
+        <p:nvCxnSpPr>
+          <p:cNvPr id="6" name="直線コネクタ 5">
+            <a:extLst>
+              <a:ext uri="{FF2B5EF4-FFF2-40B4-BE49-F238E27FC236}">
+                <a16:creationId xmlns:a16="http://schemas.microsoft.com/office/drawing/2014/main" id="{074ED65E-E477-48AF-9569-00CA3F00EE47}"/>
+              </a:ext>
+            </a:extLst>
+          </p:cNvPr>
+          <p:cNvCxnSpPr>
+            <a:cxnSpLocks/>
+          </p:cNvCxnSpPr>
+          <p:nvPr/>
+        </p:nvCxnSpPr>
+        <p:spPr>
+          <a:xfrm>
+            <a:off x="-20283" y="8589524"/>
+            <a:ext cx="10820046" cy="0"/>
+          </a:xfrm>
+          <a:prstGeom prst="line">
+            <a:avLst/>
+          </a:prstGeom>
+          <a:ln w="57150">
+            <a:solidFill>
+              <a:schemeClr val="tx1">
+                <a:lumMod val="50000"/>
+                <a:lumOff val="50000"/>
+              </a:schemeClr>
+            </a:solidFill>
+          </a:ln>
+        </p:spPr>
+        <p:style>
+          <a:lnRef idx="1">
+            <a:schemeClr val="dk1"/>
+          </a:lnRef>
+          <a:fillRef idx="0">
+            <a:schemeClr val="dk1"/>
+          </a:fillRef>
+          <a:effectRef idx="0">
+            <a:schemeClr val="dk1"/>
+          </a:effectRef>
+          <a:fontRef idx="minor">
+            <a:schemeClr val="tx1"/>
+          </a:fontRef>
+        </p:style>
+      </p:cxnSp>
+      <p:cxnSp>
+        <p:nvCxnSpPr>
+          <p:cNvPr id="7" name="直線コネクタ 6">
+            <a:extLst>
+              <a:ext uri="{FF2B5EF4-FFF2-40B4-BE49-F238E27FC236}">
+                <a16:creationId xmlns:a16="http://schemas.microsoft.com/office/drawing/2014/main" id="{F45A011F-595F-4E77-A3FF-F3DA22345DA5}"/>
+              </a:ext>
+            </a:extLst>
+          </p:cNvPr>
+          <p:cNvCxnSpPr>
+            <a:cxnSpLocks/>
+          </p:cNvCxnSpPr>
+          <p:nvPr/>
+        </p:nvCxnSpPr>
+        <p:spPr>
+          <a:xfrm>
+            <a:off x="1388691" y="1547287"/>
+            <a:ext cx="0" cy="9124084"/>
+          </a:xfrm>
+          <a:prstGeom prst="line">
+            <a:avLst/>
+          </a:prstGeom>
+          <a:ln w="57150">
+            <a:solidFill>
+              <a:schemeClr val="tx1">
+                <a:lumMod val="50000"/>
+                <a:lumOff val="50000"/>
+              </a:schemeClr>
+            </a:solidFill>
+          </a:ln>
+        </p:spPr>
+        <p:style>
+          <a:lnRef idx="1">
+            <a:schemeClr val="dk1"/>
+          </a:lnRef>
+          <a:fillRef idx="0">
+            <a:schemeClr val="dk1"/>
+          </a:fillRef>
+          <a:effectRef idx="0">
+            <a:schemeClr val="dk1"/>
+          </a:effectRef>
+          <a:fontRef idx="minor">
+            <a:schemeClr val="tx1"/>
+          </a:fontRef>
+        </p:style>
+      </p:cxnSp>
+      <p:sp>
+        <p:nvSpPr>
+          <p:cNvPr id="8" name="テキスト ボックス 7">
+            <a:extLst>
+              <a:ext uri="{FF2B5EF4-FFF2-40B4-BE49-F238E27FC236}">
+                <a16:creationId xmlns:a16="http://schemas.microsoft.com/office/drawing/2014/main" id="{7C1A1118-C866-4C84-841B-F8AE7D5B93EB}"/>
+              </a:ext>
+            </a:extLst>
+          </p:cNvPr>
+          <p:cNvSpPr txBox="1"/>
+          <p:nvPr/>
+        </p:nvSpPr>
+        <p:spPr>
+          <a:xfrm>
+            <a:off x="9421036" y="7820084"/>
+            <a:ext cx="1503396" cy="646331"/>
+          </a:xfrm>
+          <a:prstGeom prst="rect">
+            <a:avLst/>
+          </a:prstGeom>
+          <a:noFill/>
+        </p:spPr>
+        <p:txBody>
+          <a:bodyPr wrap="square" rtlCol="0">
+            <a:spAutoFit/>
+          </a:bodyPr>
+          <a:lstStyle/>
+          <a:p>
+            <a:r>
+              <a:rPr lang="ja-JP" altLang="en-US" sz="3600" b="1" dirty="0">
+                <a:solidFill>
+                  <a:schemeClr val="tx1">
+                    <a:lumMod val="65000"/>
+                    <a:lumOff val="35000"/>
+                  </a:schemeClr>
+                </a:solidFill>
+                <a:latin typeface="Meiryo UI" panose="020B0604030504040204" pitchFamily="50" charset="-128"/>
+                <a:ea typeface="Meiryo UI" panose="020B0604030504040204" pitchFamily="50" charset="-128"/>
+              </a:rPr>
+              <a:t>実軸</a:t>
+            </a:r>
+          </a:p>
+        </p:txBody>
+      </p:sp>
+      <p:sp>
+        <p:nvSpPr>
+          <p:cNvPr id="9" name="テキスト ボックス 8">
+            <a:extLst>
+              <a:ext uri="{FF2B5EF4-FFF2-40B4-BE49-F238E27FC236}">
+                <a16:creationId xmlns:a16="http://schemas.microsoft.com/office/drawing/2014/main" id="{7A82EA4F-7EC7-43C5-A576-16E36D042249}"/>
+              </a:ext>
+            </a:extLst>
+          </p:cNvPr>
+          <p:cNvSpPr txBox="1"/>
+          <p:nvPr/>
+        </p:nvSpPr>
+        <p:spPr>
+          <a:xfrm>
+            <a:off x="827240" y="733157"/>
+            <a:ext cx="1302196" cy="646331"/>
+          </a:xfrm>
+          <a:prstGeom prst="rect">
+            <a:avLst/>
+          </a:prstGeom>
+          <a:noFill/>
+        </p:spPr>
+        <p:txBody>
+          <a:bodyPr wrap="square" rtlCol="0">
+            <a:spAutoFit/>
+          </a:bodyPr>
+          <a:lstStyle/>
+          <a:p>
+            <a:r>
+              <a:rPr lang="ja-JP" altLang="en-US" sz="3600" b="1" dirty="0">
+                <a:solidFill>
+                  <a:schemeClr val="tx1">
+                    <a:lumMod val="65000"/>
+                    <a:lumOff val="35000"/>
+                  </a:schemeClr>
+                </a:solidFill>
+                <a:latin typeface="Meiryo UI" panose="020B0604030504040204" pitchFamily="50" charset="-128"/>
+                <a:ea typeface="Meiryo UI" panose="020B0604030504040204" pitchFamily="50" charset="-128"/>
+              </a:rPr>
+              <a:t>虚軸</a:t>
+            </a:r>
+          </a:p>
+        </p:txBody>
+      </p:sp>
+      <mc:AlternateContent xmlns:mc="http://schemas.openxmlformats.org/markup-compatibility/2006">
+        <mc:Choice xmlns:a14="http://schemas.microsoft.com/office/drawing/2010/main" Requires="a14">
+          <p:sp>
+            <p:nvSpPr>
+              <p:cNvPr id="10" name="テキスト ボックス 9">
+                <a:extLst>
+                  <a:ext uri="{FF2B5EF4-FFF2-40B4-BE49-F238E27FC236}">
+                    <a16:creationId xmlns:a16="http://schemas.microsoft.com/office/drawing/2014/main" id="{F313A04D-1AFB-46B8-BFA1-8AAD2308942F}"/>
+                  </a:ext>
+                </a:extLst>
+              </p:cNvPr>
+              <p:cNvSpPr txBox="1"/>
+              <p:nvPr/>
+            </p:nvSpPr>
+            <p:spPr>
+              <a:xfrm>
+                <a:off x="-584124" y="1368930"/>
+                <a:ext cx="3004131" cy="830997"/>
+              </a:xfrm>
+              <a:prstGeom prst="rect">
+                <a:avLst/>
+              </a:prstGeom>
+              <a:noFill/>
+            </p:spPr>
+            <p:txBody>
+              <a:bodyPr wrap="square" rtlCol="0">
+                <a:spAutoFit/>
+              </a:bodyPr>
+              <a:lstStyle/>
+              <a:p>
+                <a14:m>
+                  <m:oMathPara xmlns:m="http://schemas.openxmlformats.org/officeDocument/2006/math">
+                    <m:oMathParaPr>
+                      <m:jc m:val="centerGroup"/>
+                    </m:oMathParaPr>
+                    <m:oMath xmlns:m="http://schemas.openxmlformats.org/officeDocument/2006/math">
+                      <m:r>
+                        <a:rPr lang="en-US" altLang="ja-JP" sz="4800" b="1" i="1" smtClean="0">
+                          <a:solidFill>
+                            <a:schemeClr val="tx1">
+                              <a:lumMod val="65000"/>
+                              <a:lumOff val="35000"/>
+                            </a:schemeClr>
+                          </a:solidFill>
+                          <a:latin typeface="Cambria Math" panose="02040503050406030204" pitchFamily="18" charset="0"/>
+                          <a:ea typeface="Meiryo UI" panose="020B0604030504040204" pitchFamily="50" charset="-128"/>
+                        </a:rPr>
+                        <m:t>𝒃</m:t>
+                      </m:r>
+                    </m:oMath>
+                  </m:oMathPara>
+                </a14:m>
+                <a:endParaRPr lang="ja-JP" altLang="en-US" sz="4800" b="1" dirty="0">
+                  <a:solidFill>
+                    <a:schemeClr val="tx1">
+                      <a:lumMod val="65000"/>
+                      <a:lumOff val="35000"/>
+                    </a:schemeClr>
+                  </a:solidFill>
+                  <a:latin typeface="Meiryo UI" panose="020B0604030504040204" pitchFamily="50" charset="-128"/>
+                  <a:ea typeface="Meiryo UI" panose="020B0604030504040204" pitchFamily="50" charset="-128"/>
+                </a:endParaRPr>
+              </a:p>
+            </p:txBody>
+          </p:sp>
+        </mc:Choice>
+        <mc:Fallback>
+          <p:sp>
+            <p:nvSpPr>
+              <p:cNvPr id="10" name="テキスト ボックス 9">
+                <a:extLst>
+                  <a:ext uri="{FF2B5EF4-FFF2-40B4-BE49-F238E27FC236}">
+                    <a16:creationId xmlns:a16="http://schemas.microsoft.com/office/drawing/2014/main" id="{F313A04D-1AFB-46B8-BFA1-8AAD2308942F}"/>
+                  </a:ext>
+                </a:extLst>
+              </p:cNvPr>
+              <p:cNvSpPr txBox="1">
+                <a:spLocks noRot="1" noChangeAspect="1" noMove="1" noResize="1" noEditPoints="1" noAdjustHandles="1" noChangeArrowheads="1" noChangeShapeType="1" noTextEdit="1"/>
+              </p:cNvSpPr>
+              <p:nvPr/>
+            </p:nvSpPr>
+            <p:spPr>
+              <a:xfrm>
+                <a:off x="-584124" y="1368930"/>
+                <a:ext cx="3004131" cy="830997"/>
+              </a:xfrm>
+              <a:prstGeom prst="rect">
+                <a:avLst/>
+              </a:prstGeom>
+              <a:blipFill>
+                <a:blip r:embed="rId2"/>
+                <a:stretch>
+                  <a:fillRect/>
+                </a:stretch>
+              </a:blipFill>
+            </p:spPr>
+            <p:txBody>
+              <a:bodyPr/>
+              <a:lstStyle/>
+              <a:p>
+                <a:r>
+                  <a:rPr lang="ja-JP" altLang="en-US">
+                    <a:noFill/>
+                  </a:rPr>
+                  <a:t> </a:t>
+                </a:r>
+              </a:p>
+            </p:txBody>
+          </p:sp>
+        </mc:Fallback>
+      </mc:AlternateContent>
+      <mc:AlternateContent xmlns:mc="http://schemas.openxmlformats.org/markup-compatibility/2006">
+        <mc:Choice xmlns:a14="http://schemas.microsoft.com/office/drawing/2010/main" Requires="a14">
+          <p:sp>
+            <p:nvSpPr>
+              <p:cNvPr id="11" name="テキスト ボックス 10">
+                <a:extLst>
+                  <a:ext uri="{FF2B5EF4-FFF2-40B4-BE49-F238E27FC236}">
+                    <a16:creationId xmlns:a16="http://schemas.microsoft.com/office/drawing/2014/main" id="{C290918A-715D-482D-AF49-B296AA512C6E}"/>
+                  </a:ext>
+                </a:extLst>
+              </p:cNvPr>
+              <p:cNvSpPr txBox="1"/>
+              <p:nvPr/>
+            </p:nvSpPr>
+            <p:spPr>
+              <a:xfrm>
+                <a:off x="7485724" y="8576998"/>
+                <a:ext cx="3004131" cy="830997"/>
+              </a:xfrm>
+              <a:prstGeom prst="rect">
+                <a:avLst/>
+              </a:prstGeom>
+              <a:noFill/>
+            </p:spPr>
+            <p:txBody>
+              <a:bodyPr wrap="square" rtlCol="0">
+                <a:spAutoFit/>
+              </a:bodyPr>
+              <a:lstStyle/>
+              <a:p>
+                <a14:m>
+                  <m:oMathPara xmlns:m="http://schemas.openxmlformats.org/officeDocument/2006/math">
+                    <m:oMathParaPr>
+                      <m:jc m:val="centerGroup"/>
+                    </m:oMathParaPr>
+                    <m:oMath xmlns:m="http://schemas.openxmlformats.org/officeDocument/2006/math">
+                      <m:r>
+                        <a:rPr lang="en-US" altLang="ja-JP" sz="4800" b="1" i="1" smtClean="0">
+                          <a:solidFill>
+                            <a:schemeClr val="tx1">
+                              <a:lumMod val="65000"/>
+                              <a:lumOff val="35000"/>
+                            </a:schemeClr>
+                          </a:solidFill>
+                          <a:latin typeface="Cambria Math" panose="02040503050406030204" pitchFamily="18" charset="0"/>
+                          <a:ea typeface="Meiryo UI" panose="020B0604030504040204" pitchFamily="50" charset="-128"/>
+                        </a:rPr>
+                        <m:t>𝒂</m:t>
+                      </m:r>
+                    </m:oMath>
+                  </m:oMathPara>
+                </a14:m>
+                <a:endParaRPr lang="ja-JP" altLang="en-US" sz="4800" b="1" dirty="0">
+                  <a:solidFill>
+                    <a:schemeClr val="tx1">
+                      <a:lumMod val="65000"/>
+                      <a:lumOff val="35000"/>
+                    </a:schemeClr>
+                  </a:solidFill>
+                  <a:latin typeface="Meiryo UI" panose="020B0604030504040204" pitchFamily="50" charset="-128"/>
+                  <a:ea typeface="Meiryo UI" panose="020B0604030504040204" pitchFamily="50" charset="-128"/>
+                </a:endParaRPr>
+              </a:p>
+            </p:txBody>
+          </p:sp>
+        </mc:Choice>
+        <mc:Fallback>
+          <p:sp>
+            <p:nvSpPr>
+              <p:cNvPr id="11" name="テキスト ボックス 10">
+                <a:extLst>
+                  <a:ext uri="{FF2B5EF4-FFF2-40B4-BE49-F238E27FC236}">
+                    <a16:creationId xmlns:a16="http://schemas.microsoft.com/office/drawing/2014/main" id="{C290918A-715D-482D-AF49-B296AA512C6E}"/>
+                  </a:ext>
+                </a:extLst>
+              </p:cNvPr>
+              <p:cNvSpPr txBox="1">
+                <a:spLocks noRot="1" noChangeAspect="1" noMove="1" noResize="1" noEditPoints="1" noAdjustHandles="1" noChangeArrowheads="1" noChangeShapeType="1" noTextEdit="1"/>
+              </p:cNvSpPr>
+              <p:nvPr/>
+            </p:nvSpPr>
+            <p:spPr>
+              <a:xfrm>
+                <a:off x="7485724" y="8576998"/>
+                <a:ext cx="3004131" cy="830997"/>
+              </a:xfrm>
+              <a:prstGeom prst="rect">
+                <a:avLst/>
+              </a:prstGeom>
+              <a:blipFill>
+                <a:blip r:embed="rId3"/>
+                <a:stretch>
+                  <a:fillRect/>
+                </a:stretch>
+              </a:blipFill>
+            </p:spPr>
+            <p:txBody>
+              <a:bodyPr/>
+              <a:lstStyle/>
+              <a:p>
+                <a:r>
+                  <a:rPr lang="ja-JP" altLang="en-US">
+                    <a:noFill/>
+                  </a:rPr>
+                  <a:t> </a:t>
+                </a:r>
+              </a:p>
+            </p:txBody>
+          </p:sp>
+        </mc:Fallback>
+      </mc:AlternateContent>
+      <p:cxnSp>
+        <p:nvCxnSpPr>
+          <p:cNvPr id="12" name="直線矢印コネクタ 11">
+            <a:extLst>
+              <a:ext uri="{FF2B5EF4-FFF2-40B4-BE49-F238E27FC236}">
+                <a16:creationId xmlns:a16="http://schemas.microsoft.com/office/drawing/2014/main" id="{72EF42B3-0B21-4C8E-B8E2-2C62B04E01E2}"/>
+              </a:ext>
+            </a:extLst>
+          </p:cNvPr>
+          <p:cNvCxnSpPr>
+            <a:cxnSpLocks/>
+          </p:cNvCxnSpPr>
+          <p:nvPr/>
+        </p:nvCxnSpPr>
+        <p:spPr>
+          <a:xfrm flipV="1">
+            <a:off x="1378727" y="1801249"/>
+            <a:ext cx="7609063" cy="6775749"/>
+          </a:xfrm>
+          <a:prstGeom prst="straightConnector1">
+            <a:avLst/>
+          </a:prstGeom>
+          <a:ln w="60325">
+            <a:solidFill>
+              <a:schemeClr val="accent5"/>
+            </a:solidFill>
+            <a:tailEnd type="triangle"/>
+          </a:ln>
+        </p:spPr>
+        <p:style>
+          <a:lnRef idx="1">
+            <a:schemeClr val="accent1"/>
+          </a:lnRef>
+          <a:fillRef idx="0">
+            <a:schemeClr val="accent1"/>
+          </a:fillRef>
+          <a:effectRef idx="0">
+            <a:schemeClr val="accent1"/>
+          </a:effectRef>
+          <a:fontRef idx="minor">
+            <a:schemeClr val="tx1"/>
+          </a:fontRef>
+        </p:style>
+      </p:cxnSp>
+      <p:cxnSp>
+        <p:nvCxnSpPr>
+          <p:cNvPr id="13" name="直線コネクタ 12">
+            <a:extLst>
+              <a:ext uri="{FF2B5EF4-FFF2-40B4-BE49-F238E27FC236}">
+                <a16:creationId xmlns:a16="http://schemas.microsoft.com/office/drawing/2014/main" id="{EA37A98C-6FFB-4BF6-8096-0A07D4C2B0CB}"/>
+              </a:ext>
+            </a:extLst>
+          </p:cNvPr>
+          <p:cNvCxnSpPr>
+            <a:cxnSpLocks/>
+          </p:cNvCxnSpPr>
+          <p:nvPr/>
+        </p:nvCxnSpPr>
+        <p:spPr>
+          <a:xfrm>
+            <a:off x="8987790" y="1801250"/>
+            <a:ext cx="0" cy="6788274"/>
+          </a:xfrm>
+          <a:prstGeom prst="line">
+            <a:avLst/>
+          </a:prstGeom>
+          <a:ln w="57150">
+            <a:solidFill>
+              <a:schemeClr val="accent1">
+                <a:lumMod val="40000"/>
+                <a:lumOff val="60000"/>
+              </a:schemeClr>
+            </a:solidFill>
+            <a:prstDash val="sysDash"/>
+          </a:ln>
+        </p:spPr>
+        <p:style>
+          <a:lnRef idx="1">
+            <a:schemeClr val="accent1"/>
+          </a:lnRef>
+          <a:fillRef idx="0">
+            <a:schemeClr val="accent1"/>
+          </a:fillRef>
+          <a:effectRef idx="0">
+            <a:schemeClr val="accent1"/>
+          </a:effectRef>
+          <a:fontRef idx="minor">
+            <a:schemeClr val="tx1"/>
+          </a:fontRef>
+        </p:style>
+      </p:cxnSp>
+      <p:cxnSp>
+        <p:nvCxnSpPr>
+          <p:cNvPr id="14" name="直線コネクタ 13">
+            <a:extLst>
+              <a:ext uri="{FF2B5EF4-FFF2-40B4-BE49-F238E27FC236}">
+                <a16:creationId xmlns:a16="http://schemas.microsoft.com/office/drawing/2014/main" id="{2FE181B7-4E55-4096-9D45-01D66D054BCD}"/>
+              </a:ext>
+            </a:extLst>
+          </p:cNvPr>
+          <p:cNvCxnSpPr>
+            <a:cxnSpLocks/>
+          </p:cNvCxnSpPr>
+          <p:nvPr/>
+        </p:nvCxnSpPr>
+        <p:spPr>
+          <a:xfrm flipH="1">
+            <a:off x="1388691" y="1801250"/>
+            <a:ext cx="7599099" cy="0"/>
+          </a:xfrm>
+          <a:prstGeom prst="line">
+            <a:avLst/>
+          </a:prstGeom>
+          <a:ln w="57150">
+            <a:solidFill>
+              <a:schemeClr val="accent1">
+                <a:lumMod val="40000"/>
+                <a:lumOff val="60000"/>
+              </a:schemeClr>
+            </a:solidFill>
+            <a:prstDash val="sysDash"/>
+          </a:ln>
+        </p:spPr>
+        <p:style>
+          <a:lnRef idx="1">
+            <a:schemeClr val="accent1"/>
+          </a:lnRef>
+          <a:fillRef idx="0">
+            <a:schemeClr val="accent1"/>
+          </a:fillRef>
+          <a:effectRef idx="0">
+            <a:schemeClr val="accent1"/>
+          </a:effectRef>
+          <a:fontRef idx="minor">
+            <a:schemeClr val="tx1"/>
+          </a:fontRef>
+        </p:style>
+      </p:cxnSp>
+      <mc:AlternateContent xmlns:mc="http://schemas.openxmlformats.org/markup-compatibility/2006">
+        <mc:Choice xmlns:a14="http://schemas.microsoft.com/office/drawing/2010/main" Requires="a14">
+          <p:sp>
+            <p:nvSpPr>
+              <p:cNvPr id="15" name="テキスト ボックス 14">
+                <a:extLst>
+                  <a:ext uri="{FF2B5EF4-FFF2-40B4-BE49-F238E27FC236}">
+                    <a16:creationId xmlns:a16="http://schemas.microsoft.com/office/drawing/2014/main" id="{1823D43A-9E08-48E7-9028-5DAA30F31B8E}"/>
+                  </a:ext>
+                </a:extLst>
+              </p:cNvPr>
+              <p:cNvSpPr txBox="1"/>
+              <p:nvPr/>
+            </p:nvSpPr>
+            <p:spPr>
+              <a:xfrm>
+                <a:off x="7485724" y="1048150"/>
+                <a:ext cx="3004131" cy="769441"/>
+              </a:xfrm>
+              <a:prstGeom prst="rect">
+                <a:avLst/>
+              </a:prstGeom>
+              <a:noFill/>
+            </p:spPr>
+            <p:txBody>
+              <a:bodyPr wrap="square" rtlCol="0">
+                <a:spAutoFit/>
+              </a:bodyPr>
+              <a:lstStyle/>
+              <a:p>
+                <a14:m>
+                  <m:oMathPara xmlns:m="http://schemas.openxmlformats.org/officeDocument/2006/math">
+                    <m:oMathParaPr>
+                      <m:jc m:val="centerGroup"/>
+                    </m:oMathParaPr>
+                    <m:oMath xmlns:m="http://schemas.openxmlformats.org/officeDocument/2006/math">
+                      <m:r>
+                        <a:rPr lang="en-US" altLang="ja-JP" sz="4400" b="1" i="1" smtClean="0">
+                          <a:solidFill>
+                            <a:schemeClr val="tx1">
+                              <a:lumMod val="65000"/>
+                              <a:lumOff val="35000"/>
+                            </a:schemeClr>
+                          </a:solidFill>
+                          <a:latin typeface="Cambria Math" panose="02040503050406030204" pitchFamily="18" charset="0"/>
+                          <a:ea typeface="Meiryo UI" panose="020B0604030504040204" pitchFamily="50" charset="-128"/>
+                        </a:rPr>
+                        <m:t>𝒁</m:t>
+                      </m:r>
+                      <m:r>
+                        <a:rPr lang="en-US" altLang="ja-JP" sz="4400" b="1" i="1" smtClean="0">
+                          <a:solidFill>
+                            <a:schemeClr val="tx1">
+                              <a:lumMod val="65000"/>
+                              <a:lumOff val="35000"/>
+                            </a:schemeClr>
+                          </a:solidFill>
+                          <a:latin typeface="Cambria Math" panose="02040503050406030204" pitchFamily="18" charset="0"/>
+                          <a:ea typeface="Meiryo UI" panose="020B0604030504040204" pitchFamily="50" charset="-128"/>
+                        </a:rPr>
+                        <m:t>(</m:t>
+                      </m:r>
+                      <m:r>
+                        <a:rPr lang="en-US" altLang="ja-JP" sz="4400" b="1" i="1" smtClean="0">
+                          <a:solidFill>
+                            <a:schemeClr val="tx1">
+                              <a:lumMod val="65000"/>
+                              <a:lumOff val="35000"/>
+                            </a:schemeClr>
+                          </a:solidFill>
+                          <a:latin typeface="Cambria Math" panose="02040503050406030204" pitchFamily="18" charset="0"/>
+                          <a:ea typeface="Meiryo UI" panose="020B0604030504040204" pitchFamily="50" charset="-128"/>
+                        </a:rPr>
+                        <m:t>𝒂</m:t>
+                      </m:r>
+                      <m:r>
+                        <a:rPr lang="en-US" altLang="ja-JP" sz="4400" b="1" i="1" smtClean="0">
+                          <a:solidFill>
+                            <a:schemeClr val="tx1">
+                              <a:lumMod val="65000"/>
+                              <a:lumOff val="35000"/>
+                            </a:schemeClr>
+                          </a:solidFill>
+                          <a:latin typeface="Cambria Math" panose="02040503050406030204" pitchFamily="18" charset="0"/>
+                          <a:ea typeface="Meiryo UI" panose="020B0604030504040204" pitchFamily="50" charset="-128"/>
+                        </a:rPr>
+                        <m:t>,</m:t>
+                      </m:r>
+                      <m:r>
+                        <a:rPr lang="en-US" altLang="ja-JP" sz="4400" b="1" i="1" smtClean="0">
+                          <a:solidFill>
+                            <a:schemeClr val="tx1">
+                              <a:lumMod val="65000"/>
+                              <a:lumOff val="35000"/>
+                            </a:schemeClr>
+                          </a:solidFill>
+                          <a:latin typeface="Cambria Math" panose="02040503050406030204" pitchFamily="18" charset="0"/>
+                          <a:ea typeface="Meiryo UI" panose="020B0604030504040204" pitchFamily="50" charset="-128"/>
+                        </a:rPr>
+                        <m:t>𝒃</m:t>
+                      </m:r>
+                      <m:r>
+                        <a:rPr lang="en-US" altLang="ja-JP" sz="4400" b="1" i="1" smtClean="0">
+                          <a:solidFill>
+                            <a:schemeClr val="tx1">
+                              <a:lumMod val="65000"/>
+                              <a:lumOff val="35000"/>
+                            </a:schemeClr>
+                          </a:solidFill>
+                          <a:latin typeface="Cambria Math" panose="02040503050406030204" pitchFamily="18" charset="0"/>
+                          <a:ea typeface="Meiryo UI" panose="020B0604030504040204" pitchFamily="50" charset="-128"/>
+                        </a:rPr>
+                        <m:t>)</m:t>
+                      </m:r>
+                    </m:oMath>
+                  </m:oMathPara>
+                </a14:m>
+                <a:endParaRPr lang="ja-JP" altLang="en-US" sz="4400" b="1" dirty="0">
+                  <a:solidFill>
+                    <a:schemeClr val="tx1">
+                      <a:lumMod val="65000"/>
+                      <a:lumOff val="35000"/>
+                    </a:schemeClr>
+                  </a:solidFill>
+                  <a:latin typeface="Meiryo UI" panose="020B0604030504040204" pitchFamily="50" charset="-128"/>
+                  <a:ea typeface="Meiryo UI" panose="020B0604030504040204" pitchFamily="50" charset="-128"/>
+                </a:endParaRPr>
+              </a:p>
+            </p:txBody>
+          </p:sp>
+        </mc:Choice>
+        <mc:Fallback>
+          <p:sp>
+            <p:nvSpPr>
+              <p:cNvPr id="15" name="テキスト ボックス 14">
+                <a:extLst>
+                  <a:ext uri="{FF2B5EF4-FFF2-40B4-BE49-F238E27FC236}">
+                    <a16:creationId xmlns:a16="http://schemas.microsoft.com/office/drawing/2014/main" id="{1823D43A-9E08-48E7-9028-5DAA30F31B8E}"/>
+                  </a:ext>
+                </a:extLst>
+              </p:cNvPr>
+              <p:cNvSpPr txBox="1">
+                <a:spLocks noRot="1" noChangeAspect="1" noMove="1" noResize="1" noEditPoints="1" noAdjustHandles="1" noChangeArrowheads="1" noChangeShapeType="1" noTextEdit="1"/>
+              </p:cNvSpPr>
+              <p:nvPr/>
+            </p:nvSpPr>
+            <p:spPr>
+              <a:xfrm>
+                <a:off x="7485724" y="1048150"/>
+                <a:ext cx="3004131" cy="769441"/>
+              </a:xfrm>
+              <a:prstGeom prst="rect">
+                <a:avLst/>
+              </a:prstGeom>
+              <a:blipFill>
+                <a:blip r:embed="rId4"/>
+                <a:stretch>
+                  <a:fillRect/>
+                </a:stretch>
+              </a:blipFill>
+            </p:spPr>
+            <p:txBody>
+              <a:bodyPr/>
+              <a:lstStyle/>
+              <a:p>
+                <a:r>
+                  <a:rPr lang="ja-JP" altLang="en-US">
+                    <a:noFill/>
+                  </a:rPr>
+                  <a:t> </a:t>
+                </a:r>
+              </a:p>
+            </p:txBody>
+          </p:sp>
+        </mc:Fallback>
+      </mc:AlternateContent>
+      <mc:AlternateContent xmlns:mc="http://schemas.openxmlformats.org/markup-compatibility/2006">
+        <mc:Choice xmlns:a14="http://schemas.microsoft.com/office/drawing/2010/main" Requires="a14">
+          <p:sp>
+            <p:nvSpPr>
+              <p:cNvPr id="16" name="テキスト ボックス 15">
+                <a:extLst>
+                  <a:ext uri="{FF2B5EF4-FFF2-40B4-BE49-F238E27FC236}">
+                    <a16:creationId xmlns:a16="http://schemas.microsoft.com/office/drawing/2014/main" id="{20538C9C-E2E0-40D7-B5BA-9350EF6EC39D}"/>
+                  </a:ext>
+                </a:extLst>
+              </p:cNvPr>
+              <p:cNvSpPr txBox="1"/>
+              <p:nvPr/>
+            </p:nvSpPr>
+            <p:spPr>
+              <a:xfrm>
+                <a:off x="2420006" y="115945"/>
+                <a:ext cx="6567783" cy="830997"/>
+              </a:xfrm>
+              <a:prstGeom prst="rect">
+                <a:avLst/>
+              </a:prstGeom>
+              <a:noFill/>
+            </p:spPr>
+            <p:txBody>
+              <a:bodyPr wrap="square" rtlCol="0">
+                <a:spAutoFit/>
+              </a:bodyPr>
+              <a:lstStyle/>
+              <a:p>
+                <a14:m>
+                  <m:oMathPara xmlns:m="http://schemas.openxmlformats.org/officeDocument/2006/math">
+                    <m:oMathParaPr>
+                      <m:jc m:val="centerGroup"/>
+                    </m:oMathParaPr>
+                    <m:oMath xmlns:m="http://schemas.openxmlformats.org/officeDocument/2006/math">
+                      <m:r>
+                        <a:rPr lang="en-US" altLang="ja-JP" sz="4800" b="1" i="1" smtClean="0">
+                          <a:solidFill>
+                            <a:schemeClr val="tx1">
+                              <a:lumMod val="65000"/>
+                              <a:lumOff val="35000"/>
+                            </a:schemeClr>
+                          </a:solidFill>
+                          <a:latin typeface="Cambria Math" panose="02040503050406030204" pitchFamily="18" charset="0"/>
+                          <a:ea typeface="Meiryo UI" panose="020B0604030504040204" pitchFamily="50" charset="-128"/>
+                        </a:rPr>
+                        <m:t>𝒁</m:t>
+                      </m:r>
+                      <m:r>
+                        <a:rPr lang="en-US" altLang="ja-JP" sz="4800" b="1" i="1" smtClean="0">
+                          <a:solidFill>
+                            <a:schemeClr val="tx1">
+                              <a:lumMod val="65000"/>
+                              <a:lumOff val="35000"/>
+                            </a:schemeClr>
+                          </a:solidFill>
+                          <a:latin typeface="Cambria Math" panose="02040503050406030204" pitchFamily="18" charset="0"/>
+                          <a:ea typeface="Meiryo UI" panose="020B0604030504040204" pitchFamily="50" charset="-128"/>
+                        </a:rPr>
+                        <m:t>=</m:t>
+                      </m:r>
+                      <m:r>
+                        <a:rPr lang="en-US" altLang="ja-JP" sz="4800" b="1" i="1" smtClean="0">
+                          <a:solidFill>
+                            <a:schemeClr val="tx1">
+                              <a:lumMod val="65000"/>
+                              <a:lumOff val="35000"/>
+                            </a:schemeClr>
+                          </a:solidFill>
+                          <a:latin typeface="Cambria Math" panose="02040503050406030204" pitchFamily="18" charset="0"/>
+                          <a:ea typeface="Meiryo UI" panose="020B0604030504040204" pitchFamily="50" charset="-128"/>
+                        </a:rPr>
+                        <m:t>𝒓</m:t>
+                      </m:r>
+                      <m:r>
+                        <a:rPr lang="en-US" altLang="ja-JP" sz="4800" b="1" i="1" smtClean="0">
+                          <a:solidFill>
+                            <a:schemeClr val="tx1">
+                              <a:lumMod val="65000"/>
+                              <a:lumOff val="35000"/>
+                            </a:schemeClr>
+                          </a:solidFill>
+                          <a:latin typeface="Cambria Math" panose="02040503050406030204" pitchFamily="18" charset="0"/>
+                          <a:ea typeface="Meiryo UI" panose="020B0604030504040204" pitchFamily="50" charset="-128"/>
+                        </a:rPr>
+                        <m:t>(</m:t>
+                      </m:r>
+                      <m:r>
+                        <a:rPr lang="en-US" altLang="ja-JP" sz="4800" b="1" i="1" smtClean="0">
+                          <a:solidFill>
+                            <a:schemeClr val="tx1">
+                              <a:lumMod val="65000"/>
+                              <a:lumOff val="35000"/>
+                            </a:schemeClr>
+                          </a:solidFill>
+                          <a:latin typeface="Cambria Math" panose="02040503050406030204" pitchFamily="18" charset="0"/>
+                          <a:ea typeface="Meiryo UI" panose="020B0604030504040204" pitchFamily="50" charset="-128"/>
+                        </a:rPr>
+                        <m:t>𝒄𝒐𝒔</m:t>
+                      </m:r>
+                      <m:r>
+                        <a:rPr lang="ja-JP" altLang="en-US" sz="4800" b="1" i="1" smtClean="0">
+                          <a:solidFill>
+                            <a:schemeClr val="tx1">
+                              <a:lumMod val="65000"/>
+                              <a:lumOff val="35000"/>
+                            </a:schemeClr>
+                          </a:solidFill>
+                          <a:latin typeface="Cambria Math" panose="02040503050406030204" pitchFamily="18" charset="0"/>
+                          <a:ea typeface="Meiryo UI" panose="020B0604030504040204" pitchFamily="50" charset="-128"/>
+                        </a:rPr>
+                        <m:t>𝜽</m:t>
+                      </m:r>
+                      <m:r>
+                        <a:rPr lang="en-US" altLang="ja-JP" sz="4800" b="1" i="1" smtClean="0">
+                          <a:solidFill>
+                            <a:schemeClr val="tx1">
+                              <a:lumMod val="65000"/>
+                              <a:lumOff val="35000"/>
+                            </a:schemeClr>
+                          </a:solidFill>
+                          <a:latin typeface="Cambria Math" panose="02040503050406030204" pitchFamily="18" charset="0"/>
+                          <a:ea typeface="Meiryo UI" panose="020B0604030504040204" pitchFamily="50" charset="-128"/>
+                        </a:rPr>
+                        <m:t>+</m:t>
+                      </m:r>
+                      <m:r>
+                        <a:rPr lang="en-US" altLang="ja-JP" sz="4800" b="1" i="1" smtClean="0">
+                          <a:solidFill>
+                            <a:schemeClr val="tx1">
+                              <a:lumMod val="65000"/>
+                              <a:lumOff val="35000"/>
+                            </a:schemeClr>
+                          </a:solidFill>
+                          <a:latin typeface="Cambria Math" panose="02040503050406030204" pitchFamily="18" charset="0"/>
+                          <a:ea typeface="Meiryo UI" panose="020B0604030504040204" pitchFamily="50" charset="-128"/>
+                        </a:rPr>
+                        <m:t>𝒊</m:t>
+                      </m:r>
+                      <m:r>
+                        <a:rPr lang="en-US" altLang="ja-JP" sz="4800" b="1" i="1" smtClean="0">
+                          <a:solidFill>
+                            <a:schemeClr val="tx1">
+                              <a:lumMod val="65000"/>
+                              <a:lumOff val="35000"/>
+                            </a:schemeClr>
+                          </a:solidFill>
+                          <a:latin typeface="Cambria Math" panose="02040503050406030204" pitchFamily="18" charset="0"/>
+                          <a:ea typeface="Meiryo UI" panose="020B0604030504040204" pitchFamily="50" charset="-128"/>
+                        </a:rPr>
+                        <m:t> </m:t>
+                      </m:r>
+                      <m:r>
+                        <a:rPr lang="en-US" altLang="ja-JP" sz="4800" b="1" i="1" smtClean="0">
+                          <a:solidFill>
+                            <a:schemeClr val="tx1">
+                              <a:lumMod val="65000"/>
+                              <a:lumOff val="35000"/>
+                            </a:schemeClr>
+                          </a:solidFill>
+                          <a:latin typeface="Cambria Math" panose="02040503050406030204" pitchFamily="18" charset="0"/>
+                          <a:ea typeface="Meiryo UI" panose="020B0604030504040204" pitchFamily="50" charset="-128"/>
+                        </a:rPr>
+                        <m:t>𝒔𝒊𝒏</m:t>
+                      </m:r>
+                      <m:r>
+                        <a:rPr lang="ja-JP" altLang="en-US" sz="4800" b="1" i="1" smtClean="0">
+                          <a:solidFill>
+                            <a:schemeClr val="tx1">
+                              <a:lumMod val="65000"/>
+                              <a:lumOff val="35000"/>
+                            </a:schemeClr>
+                          </a:solidFill>
+                          <a:latin typeface="Cambria Math" panose="02040503050406030204" pitchFamily="18" charset="0"/>
+                          <a:ea typeface="Meiryo UI" panose="020B0604030504040204" pitchFamily="50" charset="-128"/>
+                        </a:rPr>
+                        <m:t>𝜽</m:t>
+                      </m:r>
+                      <m:r>
+                        <a:rPr lang="en-US" altLang="ja-JP" sz="4800" b="1" i="1" smtClean="0">
+                          <a:solidFill>
+                            <a:schemeClr val="tx1">
+                              <a:lumMod val="65000"/>
+                              <a:lumOff val="35000"/>
+                            </a:schemeClr>
+                          </a:solidFill>
+                          <a:latin typeface="Cambria Math" panose="02040503050406030204" pitchFamily="18" charset="0"/>
+                          <a:ea typeface="Meiryo UI" panose="020B0604030504040204" pitchFamily="50" charset="-128"/>
+                        </a:rPr>
+                        <m:t>)</m:t>
+                      </m:r>
+                    </m:oMath>
+                  </m:oMathPara>
+                </a14:m>
+                <a:endParaRPr lang="ja-JP" altLang="en-US" sz="4800" b="1" dirty="0">
+                  <a:solidFill>
+                    <a:schemeClr val="tx1">
+                      <a:lumMod val="65000"/>
+                      <a:lumOff val="35000"/>
+                    </a:schemeClr>
+                  </a:solidFill>
+                  <a:latin typeface="Meiryo UI" panose="020B0604030504040204" pitchFamily="50" charset="-128"/>
+                  <a:ea typeface="Meiryo UI" panose="020B0604030504040204" pitchFamily="50" charset="-128"/>
+                </a:endParaRPr>
+              </a:p>
+            </p:txBody>
+          </p:sp>
+        </mc:Choice>
+        <mc:Fallback>
+          <p:sp>
+            <p:nvSpPr>
+              <p:cNvPr id="16" name="テキスト ボックス 15">
+                <a:extLst>
+                  <a:ext uri="{FF2B5EF4-FFF2-40B4-BE49-F238E27FC236}">
+                    <a16:creationId xmlns:a16="http://schemas.microsoft.com/office/drawing/2014/main" id="{20538C9C-E2E0-40D7-B5BA-9350EF6EC39D}"/>
+                  </a:ext>
+                </a:extLst>
+              </p:cNvPr>
+              <p:cNvSpPr txBox="1">
+                <a:spLocks noRot="1" noChangeAspect="1" noMove="1" noResize="1" noEditPoints="1" noAdjustHandles="1" noChangeArrowheads="1" noChangeShapeType="1" noTextEdit="1"/>
+              </p:cNvSpPr>
+              <p:nvPr/>
+            </p:nvSpPr>
+            <p:spPr>
+              <a:xfrm>
+                <a:off x="2420006" y="115945"/>
+                <a:ext cx="6567783" cy="830997"/>
+              </a:xfrm>
+              <a:prstGeom prst="rect">
+                <a:avLst/>
+              </a:prstGeom>
+              <a:blipFill>
+                <a:blip r:embed="rId5"/>
+                <a:stretch>
+                  <a:fillRect/>
+                </a:stretch>
+              </a:blipFill>
+            </p:spPr>
+            <p:txBody>
+              <a:bodyPr/>
+              <a:lstStyle/>
+              <a:p>
+                <a:r>
+                  <a:rPr lang="ja-JP" altLang="en-US">
+                    <a:noFill/>
+                  </a:rPr>
+                  <a:t> </a:t>
+                </a:r>
+              </a:p>
+            </p:txBody>
+          </p:sp>
+        </mc:Fallback>
+      </mc:AlternateContent>
+      <p:sp>
+        <p:nvSpPr>
+          <p:cNvPr id="17" name="部分円 16">
+            <a:extLst>
+              <a:ext uri="{FF2B5EF4-FFF2-40B4-BE49-F238E27FC236}">
+                <a16:creationId xmlns:a16="http://schemas.microsoft.com/office/drawing/2014/main" id="{D281086F-8145-43CC-8087-AAF97A4AF338}"/>
+              </a:ext>
+            </a:extLst>
+          </p:cNvPr>
+          <p:cNvSpPr/>
+          <p:nvPr/>
+        </p:nvSpPr>
+        <p:spPr>
+          <a:xfrm rot="19184572">
+            <a:off x="-62853" y="7048892"/>
+            <a:ext cx="3057945" cy="3004105"/>
+          </a:xfrm>
+          <a:prstGeom prst="pie">
+            <a:avLst>
+              <a:gd name="adj1" fmla="val 21526610"/>
+              <a:gd name="adj2" fmla="val 2407598"/>
+            </a:avLst>
+          </a:prstGeom>
+          <a:solidFill>
+            <a:schemeClr val="accent1"/>
+          </a:solidFill>
+        </p:spPr>
+        <p:style>
+          <a:lnRef idx="2">
+            <a:schemeClr val="accent1">
+              <a:shade val="50000"/>
+            </a:schemeClr>
+          </a:lnRef>
+          <a:fillRef idx="1">
+            <a:schemeClr val="accent1"/>
+          </a:fillRef>
+          <a:effectRef idx="0">
+            <a:schemeClr val="accent1"/>
+          </a:effectRef>
+          <a:fontRef idx="minor">
+            <a:schemeClr val="lt1"/>
+          </a:fontRef>
+        </p:style>
+        <p:txBody>
+          <a:bodyPr rtlCol="0" anchor="ctr"/>
+          <a:lstStyle/>
+          <a:p>
+            <a:pPr algn="ctr"/>
+            <a:endParaRPr lang="ja-JP" altLang="en-US" sz="2836">
+              <a:solidFill>
+                <a:schemeClr val="tx1"/>
+              </a:solidFill>
+              <a:latin typeface="Meiryo UI" panose="020B0604030504040204" pitchFamily="50" charset="-128"/>
+              <a:ea typeface="Meiryo UI" panose="020B0604030504040204" pitchFamily="50" charset="-128"/>
+            </a:endParaRPr>
+          </a:p>
+        </p:txBody>
+      </p:sp>
+      <mc:AlternateContent xmlns:mc="http://schemas.openxmlformats.org/markup-compatibility/2006">
+        <mc:Choice xmlns:a14="http://schemas.microsoft.com/office/drawing/2010/main" Requires="a14">
+          <p:sp>
+            <p:nvSpPr>
+              <p:cNvPr id="18" name="テキスト ボックス 17">
+                <a:extLst>
+                  <a:ext uri="{FF2B5EF4-FFF2-40B4-BE49-F238E27FC236}">
+                    <a16:creationId xmlns:a16="http://schemas.microsoft.com/office/drawing/2014/main" id="{CBB4E545-439E-4376-967E-D155C7E3FD81}"/>
+                  </a:ext>
+                </a:extLst>
+              </p:cNvPr>
+              <p:cNvSpPr txBox="1"/>
+              <p:nvPr/>
+            </p:nvSpPr>
+            <p:spPr>
+              <a:xfrm>
+                <a:off x="1706942" y="7602212"/>
+                <a:ext cx="3004131" cy="769441"/>
+              </a:xfrm>
+              <a:prstGeom prst="rect">
+                <a:avLst/>
+              </a:prstGeom>
+              <a:noFill/>
+            </p:spPr>
+            <p:txBody>
+              <a:bodyPr wrap="square" rtlCol="0">
+                <a:spAutoFit/>
+              </a:bodyPr>
+              <a:lstStyle/>
+              <a:p>
+                <a14:m>
+                  <m:oMathPara xmlns:m="http://schemas.openxmlformats.org/officeDocument/2006/math">
+                    <m:oMathParaPr>
+                      <m:jc m:val="centerGroup"/>
+                    </m:oMathParaPr>
+                    <m:oMath xmlns:m="http://schemas.openxmlformats.org/officeDocument/2006/math">
+                      <m:r>
+                        <a:rPr lang="ja-JP" altLang="en-US" sz="4400" b="1" i="1" smtClean="0">
+                          <a:solidFill>
+                            <a:schemeClr val="tx1">
+                              <a:lumMod val="65000"/>
+                              <a:lumOff val="35000"/>
+                            </a:schemeClr>
+                          </a:solidFill>
+                          <a:latin typeface="Cambria Math" panose="02040503050406030204" pitchFamily="18" charset="0"/>
+                          <a:ea typeface="Meiryo UI" panose="020B0604030504040204" pitchFamily="50" charset="-128"/>
+                        </a:rPr>
+                        <m:t>𝜽</m:t>
+                      </m:r>
+                    </m:oMath>
+                  </m:oMathPara>
+                </a14:m>
+                <a:endParaRPr lang="ja-JP" altLang="en-US" sz="4400" b="1" dirty="0">
+                  <a:solidFill>
+                    <a:schemeClr val="tx1">
+                      <a:lumMod val="65000"/>
+                      <a:lumOff val="35000"/>
+                    </a:schemeClr>
+                  </a:solidFill>
+                  <a:latin typeface="Meiryo UI" panose="020B0604030504040204" pitchFamily="50" charset="-128"/>
+                  <a:ea typeface="Meiryo UI" panose="020B0604030504040204" pitchFamily="50" charset="-128"/>
+                </a:endParaRPr>
+              </a:p>
+            </p:txBody>
+          </p:sp>
+        </mc:Choice>
+        <mc:Fallback>
+          <p:sp>
+            <p:nvSpPr>
+              <p:cNvPr id="18" name="テキスト ボックス 17">
+                <a:extLst>
+                  <a:ext uri="{FF2B5EF4-FFF2-40B4-BE49-F238E27FC236}">
+                    <a16:creationId xmlns:a16="http://schemas.microsoft.com/office/drawing/2014/main" id="{CBB4E545-439E-4376-967E-D155C7E3FD81}"/>
+                  </a:ext>
+                </a:extLst>
+              </p:cNvPr>
+              <p:cNvSpPr txBox="1">
+                <a:spLocks noRot="1" noChangeAspect="1" noMove="1" noResize="1" noEditPoints="1" noAdjustHandles="1" noChangeArrowheads="1" noChangeShapeType="1" noTextEdit="1"/>
+              </p:cNvSpPr>
+              <p:nvPr/>
+            </p:nvSpPr>
+            <p:spPr>
+              <a:xfrm>
+                <a:off x="1706942" y="7602212"/>
+                <a:ext cx="3004131" cy="769441"/>
+              </a:xfrm>
+              <a:prstGeom prst="rect">
+                <a:avLst/>
+              </a:prstGeom>
+              <a:blipFill>
+                <a:blip r:embed="rId6"/>
+                <a:stretch>
+                  <a:fillRect/>
+                </a:stretch>
+              </a:blipFill>
+            </p:spPr>
+            <p:txBody>
+              <a:bodyPr/>
+              <a:lstStyle/>
+              <a:p>
+                <a:r>
+                  <a:rPr lang="ja-JP" altLang="en-US">
+                    <a:noFill/>
+                  </a:rPr>
+                  <a:t> </a:t>
+                </a:r>
+              </a:p>
+            </p:txBody>
+          </p:sp>
+        </mc:Fallback>
+      </mc:AlternateContent>
+      <mc:AlternateContent xmlns:mc="http://schemas.openxmlformats.org/markup-compatibility/2006">
+        <mc:Choice xmlns:a14="http://schemas.microsoft.com/office/drawing/2010/main" Requires="a14">
+          <p:sp>
+            <p:nvSpPr>
+              <p:cNvPr id="19" name="テキスト ボックス 18">
+                <a:extLst>
+                  <a:ext uri="{FF2B5EF4-FFF2-40B4-BE49-F238E27FC236}">
+                    <a16:creationId xmlns:a16="http://schemas.microsoft.com/office/drawing/2014/main" id="{94678780-B21C-4261-BC7C-84412F08804B}"/>
+                  </a:ext>
+                </a:extLst>
+              </p:cNvPr>
+              <p:cNvSpPr txBox="1"/>
+              <p:nvPr/>
+            </p:nvSpPr>
+            <p:spPr>
+              <a:xfrm>
+                <a:off x="3545930" y="4425112"/>
+                <a:ext cx="3004131" cy="769441"/>
+              </a:xfrm>
+              <a:prstGeom prst="rect">
+                <a:avLst/>
+              </a:prstGeom>
+              <a:noFill/>
+            </p:spPr>
+            <p:txBody>
+              <a:bodyPr wrap="square" rtlCol="0">
+                <a:spAutoFit/>
+              </a:bodyPr>
+              <a:lstStyle/>
+              <a:p>
+                <a14:m>
+                  <m:oMathPara xmlns:m="http://schemas.openxmlformats.org/officeDocument/2006/math">
+                    <m:oMathParaPr>
+                      <m:jc m:val="centerGroup"/>
+                    </m:oMathParaPr>
+                    <m:oMath xmlns:m="http://schemas.openxmlformats.org/officeDocument/2006/math">
+                      <m:r>
+                        <a:rPr lang="en-US" altLang="ja-JP" sz="4400" b="1" i="1" smtClean="0">
+                          <a:solidFill>
+                            <a:schemeClr val="tx1">
+                              <a:lumMod val="65000"/>
+                              <a:lumOff val="35000"/>
+                            </a:schemeClr>
+                          </a:solidFill>
+                          <a:latin typeface="Cambria Math" panose="02040503050406030204" pitchFamily="18" charset="0"/>
+                          <a:ea typeface="Meiryo UI" panose="020B0604030504040204" pitchFamily="50" charset="-128"/>
+                        </a:rPr>
+                        <m:t>𝒓</m:t>
+                      </m:r>
+                    </m:oMath>
+                  </m:oMathPara>
+                </a14:m>
+                <a:endParaRPr lang="ja-JP" altLang="en-US" sz="4400" b="1" dirty="0">
+                  <a:solidFill>
+                    <a:schemeClr val="tx1">
+                      <a:lumMod val="65000"/>
+                      <a:lumOff val="35000"/>
+                    </a:schemeClr>
+                  </a:solidFill>
+                  <a:latin typeface="Meiryo UI" panose="020B0604030504040204" pitchFamily="50" charset="-128"/>
+                  <a:ea typeface="Meiryo UI" panose="020B0604030504040204" pitchFamily="50" charset="-128"/>
+                </a:endParaRPr>
+              </a:p>
+            </p:txBody>
+          </p:sp>
+        </mc:Choice>
+        <mc:Fallback>
+          <p:sp>
+            <p:nvSpPr>
+              <p:cNvPr id="19" name="テキスト ボックス 18">
+                <a:extLst>
+                  <a:ext uri="{FF2B5EF4-FFF2-40B4-BE49-F238E27FC236}">
+                    <a16:creationId xmlns:a16="http://schemas.microsoft.com/office/drawing/2014/main" id="{94678780-B21C-4261-BC7C-84412F08804B}"/>
+                  </a:ext>
+                </a:extLst>
+              </p:cNvPr>
+              <p:cNvSpPr txBox="1">
+                <a:spLocks noRot="1" noChangeAspect="1" noMove="1" noResize="1" noEditPoints="1" noAdjustHandles="1" noChangeArrowheads="1" noChangeShapeType="1" noTextEdit="1"/>
+              </p:cNvSpPr>
+              <p:nvPr/>
+            </p:nvSpPr>
+            <p:spPr>
+              <a:xfrm>
+                <a:off x="3545930" y="4425112"/>
+                <a:ext cx="3004131" cy="769441"/>
+              </a:xfrm>
+              <a:prstGeom prst="rect">
+                <a:avLst/>
+              </a:prstGeom>
+              <a:blipFill>
+                <a:blip r:embed="rId7"/>
+                <a:stretch>
+                  <a:fillRect/>
+                </a:stretch>
+              </a:blipFill>
+            </p:spPr>
+            <p:txBody>
+              <a:bodyPr/>
+              <a:lstStyle/>
+              <a:p>
+                <a:r>
+                  <a:rPr lang="ja-JP" altLang="en-US">
+                    <a:noFill/>
+                  </a:rPr>
+                  <a:t> </a:t>
+                </a:r>
+              </a:p>
+            </p:txBody>
+          </p:sp>
+        </mc:Fallback>
+      </mc:AlternateContent>
+    </p:spTree>
+    <p:extLst>
+      <p:ext uri="{BB962C8B-B14F-4D97-AF65-F5344CB8AC3E}">
+        <p14:creationId xmlns:p14="http://schemas.microsoft.com/office/powerpoint/2010/main" val="1601555917"/>
+      </p:ext>
+    </p:extLst>
+  </p:cSld>
+  <p:clrMapOvr>
+    <a:masterClrMapping/>
+  </p:clrMapOvr>
+</p:sld>
+</file>
+
+<file path=ppt/slides/slide7.xml><?xml version="1.0" encoding="utf-8"?>
+<p:sld xmlns:a="http://schemas.openxmlformats.org/drawingml/2006/main" xmlns:r="http://schemas.openxmlformats.org/officeDocument/2006/relationships" xmlns:p="http://schemas.openxmlformats.org/presentationml/2006/main">
+  <p:cSld>
+    <p:spTree>
+      <p:nvGrpSpPr>
+        <p:cNvPr id="1" name=""/>
+        <p:cNvGrpSpPr/>
+        <p:nvPr/>
+      </p:nvGrpSpPr>
+      <p:grpSpPr>
+        <a:xfrm>
+          <a:off x="0" y="0"/>
+          <a:ext cx="0" cy="0"/>
+          <a:chOff x="0" y="0"/>
+          <a:chExt cx="0" cy="0"/>
+        </a:xfrm>
+      </p:grpSpPr>
+      <mc:AlternateContent xmlns:mc="http://schemas.openxmlformats.org/markup-compatibility/2006">
+        <mc:Choice xmlns:a14="http://schemas.microsoft.com/office/drawing/2010/main" Requires="a14">
+          <p:sp>
+            <p:nvSpPr>
+              <p:cNvPr id="8" name="テキスト ボックス 7">
+                <a:extLst>
+                  <a:ext uri="{FF2B5EF4-FFF2-40B4-BE49-F238E27FC236}">
+                    <a16:creationId xmlns:a16="http://schemas.microsoft.com/office/drawing/2014/main" id="{CD0D3633-B19F-4BB4-A94A-0FE1D2A89314}"/>
+                  </a:ext>
+                </a:extLst>
+              </p:cNvPr>
+              <p:cNvSpPr txBox="1"/>
+              <p:nvPr/>
+            </p:nvSpPr>
+            <p:spPr>
+              <a:xfrm>
+                <a:off x="8777764" y="8421479"/>
+                <a:ext cx="3004131" cy="923330"/>
+              </a:xfrm>
+              <a:prstGeom prst="rect">
+                <a:avLst/>
+              </a:prstGeom>
+              <a:noFill/>
+            </p:spPr>
+            <p:txBody>
+              <a:bodyPr wrap="square" rtlCol="0">
+                <a:spAutoFit/>
+              </a:bodyPr>
+              <a:lstStyle/>
+              <a:p>
+                <a14:m>
+                  <m:oMathPara xmlns:m="http://schemas.openxmlformats.org/officeDocument/2006/math">
+                    <m:oMathParaPr>
+                      <m:jc m:val="centerGroup"/>
+                    </m:oMathParaPr>
+                    <m:oMath xmlns:m="http://schemas.openxmlformats.org/officeDocument/2006/math">
+                      <m:r>
+                        <a:rPr lang="en-US" altLang="ja-JP" sz="5400" b="1" i="1" smtClean="0">
+                          <a:solidFill>
+                            <a:schemeClr val="tx1">
+                              <a:lumMod val="65000"/>
+                              <a:lumOff val="35000"/>
+                            </a:schemeClr>
+                          </a:solidFill>
+                          <a:latin typeface="Cambria Math" panose="02040503050406030204" pitchFamily="18" charset="0"/>
+                          <a:ea typeface="Meiryo UI" panose="020B0604030504040204" pitchFamily="50" charset="-128"/>
+                        </a:rPr>
+                        <m:t>𝒙</m:t>
+                      </m:r>
+                    </m:oMath>
+                  </m:oMathPara>
+                </a14:m>
+                <a:endParaRPr lang="ja-JP" altLang="en-US" sz="5400" b="1" dirty="0">
+                  <a:solidFill>
+                    <a:schemeClr val="tx1">
+                      <a:lumMod val="65000"/>
+                      <a:lumOff val="35000"/>
+                    </a:schemeClr>
+                  </a:solidFill>
+                  <a:latin typeface="Meiryo UI" panose="020B0604030504040204" pitchFamily="50" charset="-128"/>
+                  <a:ea typeface="Meiryo UI" panose="020B0604030504040204" pitchFamily="50" charset="-128"/>
+                </a:endParaRPr>
+              </a:p>
+            </p:txBody>
+          </p:sp>
+        </mc:Choice>
+        <mc:Fallback>
+          <p:sp>
+            <p:nvSpPr>
+              <p:cNvPr id="8" name="テキスト ボックス 7">
+                <a:extLst>
+                  <a:ext uri="{FF2B5EF4-FFF2-40B4-BE49-F238E27FC236}">
+                    <a16:creationId xmlns:a16="http://schemas.microsoft.com/office/drawing/2014/main" id="{CD0D3633-B19F-4BB4-A94A-0FE1D2A89314}"/>
+                  </a:ext>
+                </a:extLst>
+              </p:cNvPr>
+              <p:cNvSpPr txBox="1">
+                <a:spLocks noRot="1" noChangeAspect="1" noMove="1" noResize="1" noEditPoints="1" noAdjustHandles="1" noChangeArrowheads="1" noChangeShapeType="1" noTextEdit="1"/>
+              </p:cNvSpPr>
+              <p:nvPr/>
+            </p:nvSpPr>
+            <p:spPr>
+              <a:xfrm>
+                <a:off x="8777764" y="8421479"/>
+                <a:ext cx="3004131" cy="923330"/>
+              </a:xfrm>
+              <a:prstGeom prst="rect">
+                <a:avLst/>
+              </a:prstGeom>
+              <a:blipFill>
+                <a:blip r:embed="rId2"/>
+                <a:stretch>
+                  <a:fillRect/>
+                </a:stretch>
+              </a:blipFill>
+            </p:spPr>
+            <p:txBody>
+              <a:bodyPr/>
+              <a:lstStyle/>
+              <a:p>
+                <a:r>
+                  <a:rPr lang="ja-JP" altLang="en-US">
+                    <a:noFill/>
+                  </a:rPr>
+                  <a:t> </a:t>
+                </a:r>
+              </a:p>
+            </p:txBody>
+          </p:sp>
+        </mc:Fallback>
+      </mc:AlternateContent>
+      <mc:AlternateContent xmlns:mc="http://schemas.openxmlformats.org/markup-compatibility/2006">
+        <mc:Choice xmlns:a14="http://schemas.microsoft.com/office/drawing/2010/main" Requires="a14">
+          <p:sp>
+            <p:nvSpPr>
+              <p:cNvPr id="13" name="テキスト ボックス 12">
+                <a:extLst>
+                  <a:ext uri="{FF2B5EF4-FFF2-40B4-BE49-F238E27FC236}">
+                    <a16:creationId xmlns:a16="http://schemas.microsoft.com/office/drawing/2014/main" id="{42960AA1-2F9E-4FEC-9169-A19E6F4079FD}"/>
+                  </a:ext>
+                </a:extLst>
+              </p:cNvPr>
+              <p:cNvSpPr txBox="1"/>
+              <p:nvPr/>
+            </p:nvSpPr>
+            <p:spPr>
+              <a:xfrm>
+                <a:off x="298105" y="8604359"/>
+                <a:ext cx="3004131" cy="923330"/>
+              </a:xfrm>
+              <a:prstGeom prst="rect">
+                <a:avLst/>
+              </a:prstGeom>
+              <a:noFill/>
+            </p:spPr>
+            <p:txBody>
+              <a:bodyPr wrap="square" rtlCol="0">
+                <a:spAutoFit/>
+              </a:bodyPr>
+              <a:lstStyle/>
+              <a:p>
+                <a14:m>
+                  <m:oMathPara xmlns:m="http://schemas.openxmlformats.org/officeDocument/2006/math">
+                    <m:oMathParaPr>
+                      <m:jc m:val="centerGroup"/>
+                    </m:oMathParaPr>
+                    <m:oMath xmlns:m="http://schemas.openxmlformats.org/officeDocument/2006/math">
+                      <m:r>
+                        <a:rPr lang="en-US" altLang="ja-JP" sz="5400" b="1" i="1" smtClean="0">
+                          <a:solidFill>
+                            <a:schemeClr val="tx1">
+                              <a:lumMod val="65000"/>
+                              <a:lumOff val="35000"/>
+                            </a:schemeClr>
+                          </a:solidFill>
+                          <a:latin typeface="Cambria Math" panose="02040503050406030204" pitchFamily="18" charset="0"/>
+                          <a:ea typeface="Meiryo UI" panose="020B0604030504040204" pitchFamily="50" charset="-128"/>
+                        </a:rPr>
+                        <m:t>𝒂</m:t>
+                      </m:r>
+                    </m:oMath>
+                  </m:oMathPara>
+                </a14:m>
+                <a:endParaRPr lang="ja-JP" altLang="en-US" sz="5400" b="1" dirty="0">
+                  <a:solidFill>
+                    <a:schemeClr val="tx1">
+                      <a:lumMod val="65000"/>
+                      <a:lumOff val="35000"/>
+                    </a:schemeClr>
+                  </a:solidFill>
+                  <a:latin typeface="Meiryo UI" panose="020B0604030504040204" pitchFamily="50" charset="-128"/>
+                  <a:ea typeface="Meiryo UI" panose="020B0604030504040204" pitchFamily="50" charset="-128"/>
+                </a:endParaRPr>
+              </a:p>
+            </p:txBody>
+          </p:sp>
+        </mc:Choice>
+        <mc:Fallback>
+          <p:sp>
+            <p:nvSpPr>
+              <p:cNvPr id="13" name="テキスト ボックス 12">
+                <a:extLst>
+                  <a:ext uri="{FF2B5EF4-FFF2-40B4-BE49-F238E27FC236}">
+                    <a16:creationId xmlns:a16="http://schemas.microsoft.com/office/drawing/2014/main" id="{42960AA1-2F9E-4FEC-9169-A19E6F4079FD}"/>
+                  </a:ext>
+                </a:extLst>
+              </p:cNvPr>
+              <p:cNvSpPr txBox="1">
+                <a:spLocks noRot="1" noChangeAspect="1" noMove="1" noResize="1" noEditPoints="1" noAdjustHandles="1" noChangeArrowheads="1" noChangeShapeType="1" noTextEdit="1"/>
+              </p:cNvSpPr>
+              <p:nvPr/>
+            </p:nvSpPr>
+            <p:spPr>
+              <a:xfrm>
+                <a:off x="298105" y="8604359"/>
+                <a:ext cx="3004131" cy="923330"/>
+              </a:xfrm>
+              <a:prstGeom prst="rect">
+                <a:avLst/>
+              </a:prstGeom>
+              <a:blipFill>
+                <a:blip r:embed="rId3"/>
+                <a:stretch>
+                  <a:fillRect/>
+                </a:stretch>
+              </a:blipFill>
+            </p:spPr>
+            <p:txBody>
+              <a:bodyPr/>
+              <a:lstStyle/>
+              <a:p>
+                <a:r>
+                  <a:rPr lang="ja-JP" altLang="en-US">
+                    <a:noFill/>
+                  </a:rPr>
+                  <a:t> </a:t>
+                </a:r>
+              </a:p>
+            </p:txBody>
+          </p:sp>
+        </mc:Fallback>
+      </mc:AlternateContent>
+      <mc:AlternateContent xmlns:mc="http://schemas.openxmlformats.org/markup-compatibility/2006">
+        <mc:Choice xmlns:a14="http://schemas.microsoft.com/office/drawing/2010/main" Requires="a14">
+          <p:sp>
+            <p:nvSpPr>
+              <p:cNvPr id="14" name="テキスト ボックス 13">
+                <a:extLst>
+                  <a:ext uri="{FF2B5EF4-FFF2-40B4-BE49-F238E27FC236}">
+                    <a16:creationId xmlns:a16="http://schemas.microsoft.com/office/drawing/2014/main" id="{477F2C6F-E89D-45A2-8E72-530D903A61EC}"/>
+                  </a:ext>
+                </a:extLst>
+              </p:cNvPr>
+              <p:cNvSpPr txBox="1"/>
+              <p:nvPr/>
+            </p:nvSpPr>
+            <p:spPr>
+              <a:xfrm>
+                <a:off x="6428953" y="3505733"/>
+                <a:ext cx="3004131" cy="923330"/>
+              </a:xfrm>
+              <a:prstGeom prst="rect">
+                <a:avLst/>
+              </a:prstGeom>
+              <a:noFill/>
+            </p:spPr>
+            <p:txBody>
+              <a:bodyPr wrap="square" rtlCol="0">
+                <a:spAutoFit/>
+              </a:bodyPr>
+              <a:lstStyle/>
+              <a:p>
+                <a14:m>
+                  <m:oMathPara xmlns:m="http://schemas.openxmlformats.org/officeDocument/2006/math">
+                    <m:oMathParaPr>
+                      <m:jc m:val="centerGroup"/>
+                    </m:oMathParaPr>
+                    <m:oMath xmlns:m="http://schemas.openxmlformats.org/officeDocument/2006/math">
+                      <m:r>
+                        <a:rPr lang="en-US" altLang="ja-JP" sz="5400" b="1" i="1" smtClean="0">
+                          <a:solidFill>
+                            <a:schemeClr val="tx1">
+                              <a:lumMod val="65000"/>
+                              <a:lumOff val="35000"/>
+                            </a:schemeClr>
+                          </a:solidFill>
+                          <a:latin typeface="Cambria Math" panose="02040503050406030204" pitchFamily="18" charset="0"/>
+                          <a:ea typeface="Meiryo UI" panose="020B0604030504040204" pitchFamily="50" charset="-128"/>
+                        </a:rPr>
+                        <m:t>𝒚</m:t>
+                      </m:r>
+                      <m:r>
+                        <a:rPr lang="en-US" altLang="ja-JP" sz="5400" b="1" i="1" smtClean="0">
+                          <a:solidFill>
+                            <a:schemeClr val="tx1">
+                              <a:lumMod val="65000"/>
+                              <a:lumOff val="35000"/>
+                            </a:schemeClr>
+                          </a:solidFill>
+                          <a:latin typeface="Cambria Math" panose="02040503050406030204" pitchFamily="18" charset="0"/>
+                          <a:ea typeface="Meiryo UI" panose="020B0604030504040204" pitchFamily="50" charset="-128"/>
+                        </a:rPr>
+                        <m:t>=</m:t>
+                      </m:r>
+                      <m:r>
+                        <a:rPr lang="en-US" altLang="ja-JP" sz="5400" b="1" i="1" smtClean="0">
+                          <a:solidFill>
+                            <a:schemeClr val="tx1">
+                              <a:lumMod val="65000"/>
+                              <a:lumOff val="35000"/>
+                            </a:schemeClr>
+                          </a:solidFill>
+                          <a:latin typeface="Cambria Math" panose="02040503050406030204" pitchFamily="18" charset="0"/>
+                          <a:ea typeface="Meiryo UI" panose="020B0604030504040204" pitchFamily="50" charset="-128"/>
+                        </a:rPr>
+                        <m:t>𝒇</m:t>
+                      </m:r>
+                      <m:r>
+                        <a:rPr lang="en-US" altLang="ja-JP" sz="5400" b="1" i="1" smtClean="0">
+                          <a:solidFill>
+                            <a:schemeClr val="tx1">
+                              <a:lumMod val="65000"/>
+                              <a:lumOff val="35000"/>
+                            </a:schemeClr>
+                          </a:solidFill>
+                          <a:latin typeface="Cambria Math" panose="02040503050406030204" pitchFamily="18" charset="0"/>
+                          <a:ea typeface="Meiryo UI" panose="020B0604030504040204" pitchFamily="50" charset="-128"/>
+                        </a:rPr>
+                        <m:t>(</m:t>
+                      </m:r>
+                      <m:r>
+                        <a:rPr lang="en-US" altLang="ja-JP" sz="5400" b="1" i="1" smtClean="0">
+                          <a:solidFill>
+                            <a:schemeClr val="tx1">
+                              <a:lumMod val="65000"/>
+                              <a:lumOff val="35000"/>
+                            </a:schemeClr>
+                          </a:solidFill>
+                          <a:latin typeface="Cambria Math" panose="02040503050406030204" pitchFamily="18" charset="0"/>
+                          <a:ea typeface="Meiryo UI" panose="020B0604030504040204" pitchFamily="50" charset="-128"/>
+                        </a:rPr>
+                        <m:t>𝒙</m:t>
+                      </m:r>
+                      <m:r>
+                        <a:rPr lang="en-US" altLang="ja-JP" sz="5400" b="1" i="1" smtClean="0">
+                          <a:solidFill>
+                            <a:schemeClr val="tx1">
+                              <a:lumMod val="65000"/>
+                              <a:lumOff val="35000"/>
+                            </a:schemeClr>
+                          </a:solidFill>
+                          <a:latin typeface="Cambria Math" panose="02040503050406030204" pitchFamily="18" charset="0"/>
+                          <a:ea typeface="Meiryo UI" panose="020B0604030504040204" pitchFamily="50" charset="-128"/>
+                        </a:rPr>
+                        <m:t>)</m:t>
+                      </m:r>
+                    </m:oMath>
+                  </m:oMathPara>
+                </a14:m>
+                <a:endParaRPr lang="ja-JP" altLang="en-US" sz="5400" b="1" dirty="0">
+                  <a:solidFill>
+                    <a:schemeClr val="tx1">
+                      <a:lumMod val="65000"/>
+                      <a:lumOff val="35000"/>
+                    </a:schemeClr>
+                  </a:solidFill>
+                  <a:latin typeface="Meiryo UI" panose="020B0604030504040204" pitchFamily="50" charset="-128"/>
+                  <a:ea typeface="Meiryo UI" panose="020B0604030504040204" pitchFamily="50" charset="-128"/>
+                </a:endParaRPr>
+              </a:p>
+            </p:txBody>
+          </p:sp>
+        </mc:Choice>
+        <mc:Fallback>
+          <p:sp>
+            <p:nvSpPr>
+              <p:cNvPr id="14" name="テキスト ボックス 13">
+                <a:extLst>
+                  <a:ext uri="{FF2B5EF4-FFF2-40B4-BE49-F238E27FC236}">
+                    <a16:creationId xmlns:a16="http://schemas.microsoft.com/office/drawing/2014/main" id="{477F2C6F-E89D-45A2-8E72-530D903A61EC}"/>
+                  </a:ext>
+                </a:extLst>
+              </p:cNvPr>
+              <p:cNvSpPr txBox="1">
+                <a:spLocks noRot="1" noChangeAspect="1" noMove="1" noResize="1" noEditPoints="1" noAdjustHandles="1" noChangeArrowheads="1" noChangeShapeType="1" noTextEdit="1"/>
+              </p:cNvSpPr>
+              <p:nvPr/>
+            </p:nvSpPr>
+            <p:spPr>
+              <a:xfrm>
+                <a:off x="6428953" y="3505733"/>
+                <a:ext cx="3004131" cy="923330"/>
+              </a:xfrm>
+              <a:prstGeom prst="rect">
+                <a:avLst/>
+              </a:prstGeom>
+              <a:blipFill>
+                <a:blip r:embed="rId4"/>
+                <a:stretch>
+                  <a:fillRect/>
+                </a:stretch>
+              </a:blipFill>
+            </p:spPr>
+            <p:txBody>
+              <a:bodyPr/>
+              <a:lstStyle/>
+              <a:p>
+                <a:r>
+                  <a:rPr lang="ja-JP" altLang="en-US">
+                    <a:noFill/>
+                  </a:rPr>
+                  <a:t> </a:t>
+                </a:r>
+              </a:p>
+            </p:txBody>
+          </p:sp>
+        </mc:Fallback>
+      </mc:AlternateContent>
+      <p:sp>
+        <p:nvSpPr>
+          <p:cNvPr id="22" name="フリーフォーム: 図形 21">
+            <a:extLst>
+              <a:ext uri="{FF2B5EF4-FFF2-40B4-BE49-F238E27FC236}">
+                <a16:creationId xmlns:a16="http://schemas.microsoft.com/office/drawing/2014/main" id="{5E2480F6-4358-4E9A-AB3C-2B68B88A68E7}"/>
+              </a:ext>
+            </a:extLst>
+          </p:cNvPr>
+          <p:cNvSpPr/>
+          <p:nvPr/>
+        </p:nvSpPr>
+        <p:spPr>
+          <a:xfrm>
+            <a:off x="1752600" y="3215640"/>
+            <a:ext cx="7277100" cy="5356860"/>
+          </a:xfrm>
+          <a:custGeom>
+            <a:avLst/>
+            <a:gdLst>
+              <a:gd name="connsiteX0" fmla="*/ 45720 w 7277100"/>
+              <a:gd name="connsiteY0" fmla="*/ 472440 h 5356860"/>
+              <a:gd name="connsiteX1" fmla="*/ 769620 w 7277100"/>
+              <a:gd name="connsiteY1" fmla="*/ 53340 h 5356860"/>
+              <a:gd name="connsiteX2" fmla="*/ 1287780 w 7277100"/>
+              <a:gd name="connsiteY2" fmla="*/ 0 h 5356860"/>
+              <a:gd name="connsiteX3" fmla="*/ 1882140 w 7277100"/>
+              <a:gd name="connsiteY3" fmla="*/ 144780 h 5356860"/>
+              <a:gd name="connsiteX4" fmla="*/ 2804160 w 7277100"/>
+              <a:gd name="connsiteY4" fmla="*/ 586740 h 5356860"/>
+              <a:gd name="connsiteX5" fmla="*/ 5250180 w 7277100"/>
+              <a:gd name="connsiteY5" fmla="*/ 2194560 h 5356860"/>
+              <a:gd name="connsiteX6" fmla="*/ 6286500 w 7277100"/>
+              <a:gd name="connsiteY6" fmla="*/ 2727960 h 5356860"/>
+              <a:gd name="connsiteX7" fmla="*/ 6858000 w 7277100"/>
+              <a:gd name="connsiteY7" fmla="*/ 2720340 h 5356860"/>
+              <a:gd name="connsiteX8" fmla="*/ 7277100 w 7277100"/>
+              <a:gd name="connsiteY8" fmla="*/ 2560320 h 5356860"/>
+              <a:gd name="connsiteX9" fmla="*/ 7277100 w 7277100"/>
+              <a:gd name="connsiteY9" fmla="*/ 5349240 h 5356860"/>
+              <a:gd name="connsiteX10" fmla="*/ 0 w 7277100"/>
+              <a:gd name="connsiteY10" fmla="*/ 5356860 h 5356860"/>
+              <a:gd name="connsiteX11" fmla="*/ 53340 w 7277100"/>
+              <a:gd name="connsiteY11" fmla="*/ 5349240 h 5356860"/>
+              <a:gd name="connsiteX12" fmla="*/ 45720 w 7277100"/>
+              <a:gd name="connsiteY12" fmla="*/ 472440 h 5356860"/>
+            </a:gdLst>
+            <a:ahLst/>
+            <a:cxnLst>
+              <a:cxn ang="0">
+                <a:pos x="connsiteX0" y="connsiteY0"/>
+              </a:cxn>
+              <a:cxn ang="0">
+                <a:pos x="connsiteX1" y="connsiteY1"/>
+              </a:cxn>
+              <a:cxn ang="0">
+                <a:pos x="connsiteX2" y="connsiteY2"/>
+              </a:cxn>
+              <a:cxn ang="0">
+                <a:pos x="connsiteX3" y="connsiteY3"/>
+              </a:cxn>
+              <a:cxn ang="0">
+                <a:pos x="connsiteX4" y="connsiteY4"/>
+              </a:cxn>
+              <a:cxn ang="0">
+                <a:pos x="connsiteX5" y="connsiteY5"/>
+              </a:cxn>
+              <a:cxn ang="0">
+                <a:pos x="connsiteX6" y="connsiteY6"/>
+              </a:cxn>
+              <a:cxn ang="0">
+                <a:pos x="connsiteX7" y="connsiteY7"/>
+              </a:cxn>
+              <a:cxn ang="0">
+                <a:pos x="connsiteX8" y="connsiteY8"/>
+              </a:cxn>
+              <a:cxn ang="0">
+                <a:pos x="connsiteX9" y="connsiteY9"/>
+              </a:cxn>
+              <a:cxn ang="0">
+                <a:pos x="connsiteX10" y="connsiteY10"/>
+              </a:cxn>
+              <a:cxn ang="0">
+                <a:pos x="connsiteX11" y="connsiteY11"/>
+              </a:cxn>
+              <a:cxn ang="0">
+                <a:pos x="connsiteX12" y="connsiteY12"/>
+              </a:cxn>
+            </a:cxnLst>
+            <a:rect l="l" t="t" r="r" b="b"/>
+            <a:pathLst>
+              <a:path w="7277100" h="5356860">
+                <a:moveTo>
+                  <a:pt x="45720" y="472440"/>
+                </a:moveTo>
+                <a:lnTo>
+                  <a:pt x="769620" y="53340"/>
+                </a:lnTo>
+                <a:lnTo>
+                  <a:pt x="1287780" y="0"/>
+                </a:lnTo>
+                <a:lnTo>
+                  <a:pt x="1882140" y="144780"/>
+                </a:lnTo>
+                <a:lnTo>
+                  <a:pt x="2804160" y="586740"/>
+                </a:lnTo>
+                <a:lnTo>
+                  <a:pt x="5250180" y="2194560"/>
+                </a:lnTo>
+                <a:lnTo>
+                  <a:pt x="6286500" y="2727960"/>
+                </a:lnTo>
+                <a:lnTo>
+                  <a:pt x="6858000" y="2720340"/>
+                </a:lnTo>
+                <a:lnTo>
+                  <a:pt x="7277100" y="2560320"/>
+                </a:lnTo>
+                <a:lnTo>
+                  <a:pt x="7277100" y="5349240"/>
+                </a:lnTo>
+                <a:lnTo>
+                  <a:pt x="0" y="5356860"/>
+                </a:lnTo>
+                <a:lnTo>
+                  <a:pt x="53340" y="5349240"/>
+                </a:lnTo>
+                <a:lnTo>
+                  <a:pt x="45720" y="472440"/>
+                </a:lnTo>
+                <a:close/>
+              </a:path>
+            </a:pathLst>
+          </a:custGeom>
+          <a:solidFill>
+            <a:schemeClr val="accent1">
+              <a:lumMod val="40000"/>
+              <a:lumOff val="60000"/>
+            </a:schemeClr>
+          </a:solidFill>
+        </p:spPr>
+        <p:style>
+          <a:lnRef idx="2">
+            <a:schemeClr val="accent1">
+              <a:shade val="50000"/>
+            </a:schemeClr>
+          </a:lnRef>
+          <a:fillRef idx="1">
+            <a:schemeClr val="accent1"/>
+          </a:fillRef>
+          <a:effectRef idx="0">
+            <a:schemeClr val="accent1"/>
+          </a:effectRef>
+          <a:fontRef idx="minor">
+            <a:schemeClr val="lt1"/>
+          </a:fontRef>
+        </p:style>
+        <p:txBody>
+          <a:bodyPr rtlCol="0" anchor="ctr"/>
+          <a:lstStyle/>
+          <a:p>
+            <a:pPr algn="ctr"/>
+            <a:endParaRPr kumimoji="1" lang="ja-JP" altLang="en-US"/>
+          </a:p>
+        </p:txBody>
+      </p:sp>
+      <p:cxnSp>
+        <p:nvCxnSpPr>
+          <p:cNvPr id="6" name="直線コネクタ 5">
+            <a:extLst>
+              <a:ext uri="{FF2B5EF4-FFF2-40B4-BE49-F238E27FC236}">
+                <a16:creationId xmlns:a16="http://schemas.microsoft.com/office/drawing/2014/main" id="{69EEB38C-7B12-4115-8527-C714058E0D34}"/>
+              </a:ext>
+            </a:extLst>
+          </p:cNvPr>
+          <p:cNvCxnSpPr>
+            <a:cxnSpLocks/>
+          </p:cNvCxnSpPr>
+          <p:nvPr/>
+        </p:nvCxnSpPr>
+        <p:spPr>
+          <a:xfrm>
+            <a:off x="-20283" y="8589524"/>
+            <a:ext cx="10820046" cy="0"/>
+          </a:xfrm>
+          <a:prstGeom prst="line">
+            <a:avLst/>
+          </a:prstGeom>
+          <a:ln w="57150">
+            <a:solidFill>
+              <a:schemeClr val="tx1">
+                <a:lumMod val="50000"/>
+                <a:lumOff val="50000"/>
+              </a:schemeClr>
+            </a:solidFill>
+          </a:ln>
+        </p:spPr>
+        <p:style>
+          <a:lnRef idx="1">
+            <a:schemeClr val="dk1"/>
+          </a:lnRef>
+          <a:fillRef idx="0">
+            <a:schemeClr val="dk1"/>
+          </a:fillRef>
+          <a:effectRef idx="0">
+            <a:schemeClr val="dk1"/>
+          </a:effectRef>
+          <a:fontRef idx="minor">
+            <a:schemeClr val="tx1"/>
+          </a:fontRef>
+        </p:style>
+      </p:cxnSp>
+      <p:cxnSp>
+        <p:nvCxnSpPr>
+          <p:cNvPr id="7" name="直線コネクタ 6">
+            <a:extLst>
+              <a:ext uri="{FF2B5EF4-FFF2-40B4-BE49-F238E27FC236}">
+                <a16:creationId xmlns:a16="http://schemas.microsoft.com/office/drawing/2014/main" id="{9D0851BB-725D-42A4-8E04-CF9CB45A232B}"/>
+              </a:ext>
+            </a:extLst>
+          </p:cNvPr>
+          <p:cNvCxnSpPr>
+            <a:cxnSpLocks/>
+          </p:cNvCxnSpPr>
+          <p:nvPr/>
+        </p:nvCxnSpPr>
+        <p:spPr>
+          <a:xfrm>
+            <a:off x="1800171" y="3759200"/>
+            <a:ext cx="0" cy="4817798"/>
+          </a:xfrm>
+          <a:prstGeom prst="line">
+            <a:avLst/>
+          </a:prstGeom>
+          <a:ln w="57150">
+            <a:solidFill>
+              <a:schemeClr val="tx1">
+                <a:lumMod val="50000"/>
+                <a:lumOff val="50000"/>
+              </a:schemeClr>
+            </a:solidFill>
+          </a:ln>
+        </p:spPr>
+        <p:style>
+          <a:lnRef idx="1">
+            <a:schemeClr val="dk1"/>
+          </a:lnRef>
+          <a:fillRef idx="0">
+            <a:schemeClr val="dk1"/>
+          </a:fillRef>
+          <a:effectRef idx="0">
+            <a:schemeClr val="dk1"/>
+          </a:effectRef>
+          <a:fontRef idx="minor">
+            <a:schemeClr val="tx1"/>
+          </a:fontRef>
+        </p:style>
+      </p:cxnSp>
+      <p:cxnSp>
+        <p:nvCxnSpPr>
+          <p:cNvPr id="9" name="直線コネクタ 8">
+            <a:extLst>
+              <a:ext uri="{FF2B5EF4-FFF2-40B4-BE49-F238E27FC236}">
+                <a16:creationId xmlns:a16="http://schemas.microsoft.com/office/drawing/2014/main" id="{8E29C6A6-0469-4FBD-A73F-D295D2284684}"/>
+              </a:ext>
+            </a:extLst>
+          </p:cNvPr>
+          <p:cNvCxnSpPr>
+            <a:cxnSpLocks/>
+          </p:cNvCxnSpPr>
+          <p:nvPr/>
+        </p:nvCxnSpPr>
+        <p:spPr>
+          <a:xfrm>
+            <a:off x="9039171" y="5745480"/>
+            <a:ext cx="0" cy="2853251"/>
+          </a:xfrm>
+          <a:prstGeom prst="line">
+            <a:avLst/>
+          </a:prstGeom>
+          <a:ln w="57150">
+            <a:solidFill>
+              <a:schemeClr val="tx1">
+                <a:lumMod val="50000"/>
+                <a:lumOff val="50000"/>
+              </a:schemeClr>
+            </a:solidFill>
+          </a:ln>
+        </p:spPr>
+        <p:style>
+          <a:lnRef idx="1">
+            <a:schemeClr val="dk1"/>
+          </a:lnRef>
+          <a:fillRef idx="0">
+            <a:schemeClr val="dk1"/>
+          </a:fillRef>
+          <a:effectRef idx="0">
+            <a:schemeClr val="dk1"/>
+          </a:effectRef>
+          <a:fontRef idx="minor">
+            <a:schemeClr val="tx1"/>
+          </a:fontRef>
+        </p:style>
+      </p:cxnSp>
+      <mc:AlternateContent xmlns:mc="http://schemas.openxmlformats.org/markup-compatibility/2006">
+        <mc:Choice xmlns:a14="http://schemas.microsoft.com/office/drawing/2010/main" Requires="a14">
+          <p:sp>
+            <p:nvSpPr>
+              <p:cNvPr id="12" name="テキスト ボックス 11">
+                <a:extLst>
+                  <a:ext uri="{FF2B5EF4-FFF2-40B4-BE49-F238E27FC236}">
+                    <a16:creationId xmlns:a16="http://schemas.microsoft.com/office/drawing/2014/main" id="{16398F3C-A295-47C1-AD08-7C86FDD73E81}"/>
+                  </a:ext>
+                </a:extLst>
+              </p:cNvPr>
+              <p:cNvSpPr txBox="1"/>
+              <p:nvPr/>
+            </p:nvSpPr>
+            <p:spPr>
+              <a:xfrm>
+                <a:off x="7567585" y="8573879"/>
+                <a:ext cx="3004131" cy="923330"/>
+              </a:xfrm>
+              <a:prstGeom prst="rect">
+                <a:avLst/>
+              </a:prstGeom>
+              <a:noFill/>
+            </p:spPr>
+            <p:txBody>
+              <a:bodyPr wrap="square" rtlCol="0">
+                <a:spAutoFit/>
+              </a:bodyPr>
+              <a:lstStyle/>
+              <a:p>
+                <a14:m>
+                  <m:oMathPara xmlns:m="http://schemas.openxmlformats.org/officeDocument/2006/math">
+                    <m:oMathParaPr>
+                      <m:jc m:val="centerGroup"/>
+                    </m:oMathParaPr>
+                    <m:oMath xmlns:m="http://schemas.openxmlformats.org/officeDocument/2006/math">
+                      <m:r>
+                        <a:rPr lang="en-US" altLang="ja-JP" sz="5400" b="1" i="1" smtClean="0">
+                          <a:solidFill>
+                            <a:schemeClr val="tx1">
+                              <a:lumMod val="65000"/>
+                              <a:lumOff val="35000"/>
+                            </a:schemeClr>
+                          </a:solidFill>
+                          <a:latin typeface="Cambria Math" panose="02040503050406030204" pitchFamily="18" charset="0"/>
+                          <a:ea typeface="Meiryo UI" panose="020B0604030504040204" pitchFamily="50" charset="-128"/>
+                        </a:rPr>
+                        <m:t>𝒃</m:t>
+                      </m:r>
+                    </m:oMath>
+                  </m:oMathPara>
+                </a14:m>
+                <a:endParaRPr lang="ja-JP" altLang="en-US" sz="5400" b="1" dirty="0">
+                  <a:solidFill>
+                    <a:schemeClr val="tx1">
+                      <a:lumMod val="65000"/>
+                      <a:lumOff val="35000"/>
+                    </a:schemeClr>
+                  </a:solidFill>
+                  <a:latin typeface="Meiryo UI" panose="020B0604030504040204" pitchFamily="50" charset="-128"/>
+                  <a:ea typeface="Meiryo UI" panose="020B0604030504040204" pitchFamily="50" charset="-128"/>
+                </a:endParaRPr>
+              </a:p>
+            </p:txBody>
+          </p:sp>
+        </mc:Choice>
+        <mc:Fallback>
+          <p:sp>
+            <p:nvSpPr>
+              <p:cNvPr id="12" name="テキスト ボックス 11">
+                <a:extLst>
+                  <a:ext uri="{FF2B5EF4-FFF2-40B4-BE49-F238E27FC236}">
+                    <a16:creationId xmlns:a16="http://schemas.microsoft.com/office/drawing/2014/main" id="{16398F3C-A295-47C1-AD08-7C86FDD73E81}"/>
+                  </a:ext>
+                </a:extLst>
+              </p:cNvPr>
+              <p:cNvSpPr txBox="1">
+                <a:spLocks noRot="1" noChangeAspect="1" noMove="1" noResize="1" noEditPoints="1" noAdjustHandles="1" noChangeArrowheads="1" noChangeShapeType="1" noTextEdit="1"/>
+              </p:cNvSpPr>
+              <p:nvPr/>
+            </p:nvSpPr>
+            <p:spPr>
+              <a:xfrm>
+                <a:off x="7567585" y="8573879"/>
+                <a:ext cx="3004131" cy="923330"/>
+              </a:xfrm>
+              <a:prstGeom prst="rect">
+                <a:avLst/>
+              </a:prstGeom>
+              <a:blipFill>
+                <a:blip r:embed="rId5"/>
+                <a:stretch>
+                  <a:fillRect/>
+                </a:stretch>
+              </a:blipFill>
+            </p:spPr>
+            <p:txBody>
+              <a:bodyPr/>
+              <a:lstStyle/>
+              <a:p>
+                <a:r>
+                  <a:rPr lang="ja-JP" altLang="en-US">
+                    <a:noFill/>
+                  </a:rPr>
+                  <a:t> </a:t>
+                </a:r>
+              </a:p>
+            </p:txBody>
+          </p:sp>
+        </mc:Fallback>
+      </mc:AlternateContent>
+      <p:sp>
+        <p:nvSpPr>
+          <p:cNvPr id="15" name="フリーフォーム: 図形 14">
+            <a:extLst>
+              <a:ext uri="{FF2B5EF4-FFF2-40B4-BE49-F238E27FC236}">
+                <a16:creationId xmlns:a16="http://schemas.microsoft.com/office/drawing/2014/main" id="{E11FE183-5DBB-433F-AAE7-2DE46763A431}"/>
+              </a:ext>
+            </a:extLst>
+          </p:cNvPr>
+          <p:cNvSpPr/>
+          <p:nvPr/>
+        </p:nvSpPr>
+        <p:spPr>
+          <a:xfrm>
+            <a:off x="782955" y="3219778"/>
+            <a:ext cx="9235440" cy="2743828"/>
+          </a:xfrm>
+          <a:custGeom>
+            <a:avLst/>
+            <a:gdLst>
+              <a:gd name="connsiteX0" fmla="*/ 0 w 9235440"/>
+              <a:gd name="connsiteY0" fmla="*/ 2050168 h 2743828"/>
+              <a:gd name="connsiteX1" fmla="*/ 2377440 w 9235440"/>
+              <a:gd name="connsiteY1" fmla="*/ 8008 h 2743828"/>
+              <a:gd name="connsiteX2" fmla="*/ 7345680 w 9235440"/>
+              <a:gd name="connsiteY2" fmla="*/ 2720728 h 2743828"/>
+              <a:gd name="connsiteX3" fmla="*/ 9235440 w 9235440"/>
+              <a:gd name="connsiteY3" fmla="*/ 1318648 h 2743828"/>
+            </a:gdLst>
+            <a:ahLst/>
+            <a:cxnLst>
+              <a:cxn ang="0">
+                <a:pos x="connsiteX0" y="connsiteY0"/>
+              </a:cxn>
+              <a:cxn ang="0">
+                <a:pos x="connsiteX1" y="connsiteY1"/>
+              </a:cxn>
+              <a:cxn ang="0">
+                <a:pos x="connsiteX2" y="connsiteY2"/>
+              </a:cxn>
+              <a:cxn ang="0">
+                <a:pos x="connsiteX3" y="connsiteY3"/>
+              </a:cxn>
+            </a:cxnLst>
+            <a:rect l="l" t="t" r="r" b="b"/>
+            <a:pathLst>
+              <a:path w="9235440" h="2743828">
+                <a:moveTo>
+                  <a:pt x="0" y="2050168"/>
+                </a:moveTo>
+                <a:cubicBezTo>
+                  <a:pt x="576580" y="973208"/>
+                  <a:pt x="1153160" y="-103752"/>
+                  <a:pt x="2377440" y="8008"/>
+                </a:cubicBezTo>
+                <a:cubicBezTo>
+                  <a:pt x="3601720" y="119768"/>
+                  <a:pt x="6202680" y="2502288"/>
+                  <a:pt x="7345680" y="2720728"/>
+                </a:cubicBezTo>
+                <a:cubicBezTo>
+                  <a:pt x="8488680" y="2939168"/>
+                  <a:pt x="8978900" y="1542168"/>
+                  <a:pt x="9235440" y="1318648"/>
+                </a:cubicBezTo>
+              </a:path>
+            </a:pathLst>
+          </a:custGeom>
+          <a:noFill/>
+          <a:ln w="76200">
+            <a:solidFill>
+              <a:schemeClr val="tx1"/>
+            </a:solidFill>
+          </a:ln>
+        </p:spPr>
+        <p:style>
+          <a:lnRef idx="2">
+            <a:schemeClr val="accent1">
+              <a:shade val="50000"/>
+            </a:schemeClr>
+          </a:lnRef>
+          <a:fillRef idx="1">
+            <a:schemeClr val="accent1"/>
+          </a:fillRef>
+          <a:effectRef idx="0">
+            <a:schemeClr val="accent1"/>
+          </a:effectRef>
+          <a:fontRef idx="minor">
+            <a:schemeClr val="lt1"/>
+          </a:fontRef>
+        </p:style>
+        <p:txBody>
+          <a:bodyPr rtlCol="0" anchor="ctr"/>
+          <a:lstStyle/>
+          <a:p>
+            <a:pPr algn="ctr"/>
+            <a:endParaRPr kumimoji="1" lang="ja-JP" altLang="en-US"/>
+          </a:p>
+        </p:txBody>
+      </p:sp>
+      <mc:AlternateContent xmlns:mc="http://schemas.openxmlformats.org/markup-compatibility/2006">
+        <mc:Choice xmlns:a14="http://schemas.microsoft.com/office/drawing/2010/main" Requires="a14">
+          <p:sp>
+            <p:nvSpPr>
+              <p:cNvPr id="23" name="テキスト ボックス 22">
+                <a:extLst>
+                  <a:ext uri="{FF2B5EF4-FFF2-40B4-BE49-F238E27FC236}">
+                    <a16:creationId xmlns:a16="http://schemas.microsoft.com/office/drawing/2014/main" id="{46BA47E8-9C88-4007-ADAE-E87772E11596}"/>
+                  </a:ext>
+                </a:extLst>
+              </p:cNvPr>
+              <p:cNvSpPr txBox="1"/>
+              <p:nvPr/>
+            </p:nvSpPr>
+            <p:spPr>
+              <a:xfrm>
+                <a:off x="2657298" y="5526592"/>
+                <a:ext cx="4765431" cy="1993366"/>
+              </a:xfrm>
+              <a:prstGeom prst="rect">
+                <a:avLst/>
+              </a:prstGeom>
+              <a:noFill/>
+            </p:spPr>
+            <p:txBody>
+              <a:bodyPr wrap="square" rtlCol="0">
+                <a:spAutoFit/>
+              </a:bodyPr>
+              <a:lstStyle/>
+              <a:p>
+                <a14:m>
+                  <m:oMathPara xmlns:m="http://schemas.openxmlformats.org/officeDocument/2006/math">
+                    <m:oMathParaPr>
+                      <m:jc m:val="centerGroup"/>
+                    </m:oMathParaPr>
+                    <m:oMath xmlns:m="http://schemas.openxmlformats.org/officeDocument/2006/math">
+                      <m:r>
+                        <a:rPr lang="en-US" altLang="ja-JP" sz="5400" b="1" i="1" smtClean="0">
+                          <a:solidFill>
+                            <a:schemeClr val="tx1">
+                              <a:lumMod val="65000"/>
+                              <a:lumOff val="35000"/>
+                            </a:schemeClr>
+                          </a:solidFill>
+                          <a:latin typeface="Cambria Math" panose="02040503050406030204" pitchFamily="18" charset="0"/>
+                          <a:ea typeface="Meiryo UI" panose="020B0604030504040204" pitchFamily="50" charset="-128"/>
+                        </a:rPr>
+                        <m:t>𝑺</m:t>
+                      </m:r>
+                      <m:r>
+                        <a:rPr lang="en-US" altLang="ja-JP" sz="5400" b="1" i="1" smtClean="0">
+                          <a:solidFill>
+                            <a:schemeClr val="tx1">
+                              <a:lumMod val="65000"/>
+                              <a:lumOff val="35000"/>
+                            </a:schemeClr>
+                          </a:solidFill>
+                          <a:latin typeface="Cambria Math" panose="02040503050406030204" pitchFamily="18" charset="0"/>
+                          <a:ea typeface="Meiryo UI" panose="020B0604030504040204" pitchFamily="50" charset="-128"/>
+                        </a:rPr>
+                        <m:t>=</m:t>
+                      </m:r>
+                      <m:nary>
+                        <m:naryPr>
+                          <m:ctrlPr>
+                            <a:rPr lang="ja-JP" altLang="en-US" sz="5400" b="1" i="1" smtClean="0">
+                              <a:solidFill>
+                                <a:schemeClr val="tx1">
+                                  <a:lumMod val="65000"/>
+                                  <a:lumOff val="35000"/>
+                                </a:schemeClr>
+                              </a:solidFill>
+                              <a:latin typeface="Cambria Math" panose="02040503050406030204" pitchFamily="18" charset="0"/>
+                              <a:ea typeface="Meiryo UI" panose="020B0604030504040204" pitchFamily="50" charset="-128"/>
+                            </a:rPr>
+                          </m:ctrlPr>
+                        </m:naryPr>
+                        <m:sub>
+                          <m:r>
+                            <m:rPr>
+                              <m:brk m:alnAt="23"/>
+                            </m:rPr>
+                            <a:rPr lang="en-US" altLang="ja-JP" sz="5400" b="1" i="1" smtClean="0">
+                              <a:solidFill>
+                                <a:schemeClr val="tx1">
+                                  <a:lumMod val="65000"/>
+                                  <a:lumOff val="35000"/>
+                                </a:schemeClr>
+                              </a:solidFill>
+                              <a:latin typeface="Cambria Math" panose="02040503050406030204" pitchFamily="18" charset="0"/>
+                              <a:ea typeface="Meiryo UI" panose="020B0604030504040204" pitchFamily="50" charset="-128"/>
+                            </a:rPr>
+                            <m:t>𝒂</m:t>
+                          </m:r>
+                        </m:sub>
+                        <m:sup>
+                          <m:r>
+                            <a:rPr lang="en-US" altLang="ja-JP" sz="5400" b="1" i="1" smtClean="0">
+                              <a:solidFill>
+                                <a:schemeClr val="tx1">
+                                  <a:lumMod val="65000"/>
+                                  <a:lumOff val="35000"/>
+                                </a:schemeClr>
+                              </a:solidFill>
+                              <a:latin typeface="Cambria Math" panose="02040503050406030204" pitchFamily="18" charset="0"/>
+                              <a:ea typeface="Meiryo UI" panose="020B0604030504040204" pitchFamily="50" charset="-128"/>
+                            </a:rPr>
+                            <m:t>𝒃</m:t>
+                          </m:r>
+                        </m:sup>
+                        <m:e>
+                          <m:r>
+                            <a:rPr lang="en-US" altLang="ja-JP" sz="5400" b="1" i="1" smtClean="0">
+                              <a:solidFill>
+                                <a:schemeClr val="tx1">
+                                  <a:lumMod val="65000"/>
+                                  <a:lumOff val="35000"/>
+                                </a:schemeClr>
+                              </a:solidFill>
+                              <a:latin typeface="Cambria Math" panose="02040503050406030204" pitchFamily="18" charset="0"/>
+                              <a:ea typeface="Meiryo UI" panose="020B0604030504040204" pitchFamily="50" charset="-128"/>
+                            </a:rPr>
+                            <m:t>𝒇</m:t>
+                          </m:r>
+                          <m:r>
+                            <a:rPr lang="en-US" altLang="ja-JP" sz="5400" b="1" i="1" smtClean="0">
+                              <a:solidFill>
+                                <a:schemeClr val="tx1">
+                                  <a:lumMod val="65000"/>
+                                  <a:lumOff val="35000"/>
+                                </a:schemeClr>
+                              </a:solidFill>
+                              <a:latin typeface="Cambria Math" panose="02040503050406030204" pitchFamily="18" charset="0"/>
+                              <a:ea typeface="Meiryo UI" panose="020B0604030504040204" pitchFamily="50" charset="-128"/>
+                            </a:rPr>
+                            <m:t>(</m:t>
+                          </m:r>
+                          <m:r>
+                            <a:rPr lang="en-US" altLang="ja-JP" sz="5400" b="1" i="1" smtClean="0">
+                              <a:solidFill>
+                                <a:schemeClr val="tx1">
+                                  <a:lumMod val="65000"/>
+                                  <a:lumOff val="35000"/>
+                                </a:schemeClr>
+                              </a:solidFill>
+                              <a:latin typeface="Cambria Math" panose="02040503050406030204" pitchFamily="18" charset="0"/>
+                              <a:ea typeface="Meiryo UI" panose="020B0604030504040204" pitchFamily="50" charset="-128"/>
+                            </a:rPr>
+                            <m:t>𝒙</m:t>
+                          </m:r>
+                          <m:r>
+                            <a:rPr lang="en-US" altLang="ja-JP" sz="5400" b="1" i="1" smtClean="0">
+                              <a:solidFill>
+                                <a:schemeClr val="tx1">
+                                  <a:lumMod val="65000"/>
+                                  <a:lumOff val="35000"/>
+                                </a:schemeClr>
+                              </a:solidFill>
+                              <a:latin typeface="Cambria Math" panose="02040503050406030204" pitchFamily="18" charset="0"/>
+                              <a:ea typeface="Meiryo UI" panose="020B0604030504040204" pitchFamily="50" charset="-128"/>
+                            </a:rPr>
+                            <m:t>)</m:t>
+                          </m:r>
+                        </m:e>
+                      </m:nary>
+                    </m:oMath>
+                  </m:oMathPara>
+                </a14:m>
+                <a:endParaRPr lang="ja-JP" altLang="en-US" sz="5400" b="1" dirty="0">
+                  <a:solidFill>
+                    <a:schemeClr val="tx1">
+                      <a:lumMod val="65000"/>
+                      <a:lumOff val="35000"/>
+                    </a:schemeClr>
+                  </a:solidFill>
+                  <a:latin typeface="Meiryo UI" panose="020B0604030504040204" pitchFamily="50" charset="-128"/>
+                  <a:ea typeface="Meiryo UI" panose="020B0604030504040204" pitchFamily="50" charset="-128"/>
+                </a:endParaRPr>
+              </a:p>
+            </p:txBody>
+          </p:sp>
+        </mc:Choice>
+        <mc:Fallback>
+          <p:sp>
+            <p:nvSpPr>
+              <p:cNvPr id="23" name="テキスト ボックス 22">
+                <a:extLst>
+                  <a:ext uri="{FF2B5EF4-FFF2-40B4-BE49-F238E27FC236}">
+                    <a16:creationId xmlns:a16="http://schemas.microsoft.com/office/drawing/2014/main" id="{46BA47E8-9C88-4007-ADAE-E87772E11596}"/>
+                  </a:ext>
+                </a:extLst>
+              </p:cNvPr>
+              <p:cNvSpPr txBox="1">
+                <a:spLocks noRot="1" noChangeAspect="1" noMove="1" noResize="1" noEditPoints="1" noAdjustHandles="1" noChangeArrowheads="1" noChangeShapeType="1" noTextEdit="1"/>
+              </p:cNvSpPr>
+              <p:nvPr/>
+            </p:nvSpPr>
+            <p:spPr>
+              <a:xfrm>
+                <a:off x="2657298" y="5526592"/>
+                <a:ext cx="4765431" cy="1993366"/>
+              </a:xfrm>
+              <a:prstGeom prst="rect">
+                <a:avLst/>
+              </a:prstGeom>
+              <a:blipFill>
+                <a:blip r:embed="rId6"/>
+                <a:stretch>
+                  <a:fillRect/>
+                </a:stretch>
+              </a:blipFill>
+            </p:spPr>
+            <p:txBody>
+              <a:bodyPr/>
+              <a:lstStyle/>
+              <a:p>
+                <a:r>
+                  <a:rPr lang="ja-JP" altLang="en-US">
+                    <a:noFill/>
+                  </a:rPr>
+                  <a:t> </a:t>
+                </a:r>
+              </a:p>
+            </p:txBody>
+          </p:sp>
+        </mc:Fallback>
+      </mc:AlternateContent>
+    </p:spTree>
+    <p:extLst>
+      <p:ext uri="{BB962C8B-B14F-4D97-AF65-F5344CB8AC3E}">
+        <p14:creationId xmlns:p14="http://schemas.microsoft.com/office/powerpoint/2010/main" val="3529317967"/>
       </p:ext>
     </p:extLst>
   </p:cSld>
@@ -5450,7 +9167,7 @@
 <file path=ppt/theme/theme1.xml><?xml version="1.0" encoding="utf-8"?>
 <a:theme xmlns:a="http://schemas.openxmlformats.org/drawingml/2006/main" name="Office テーマ">
   <a:themeElements>
-    <a:clrScheme name="Office">
+    <a:clrScheme name="Office テーマ">
       <a:dk1>
         <a:sysClr val="windowText" lastClr="000000"/>
       </a:dk1>
@@ -5488,9 +9205,9 @@
         <a:srgbClr val="954F72"/>
       </a:folHlink>
     </a:clrScheme>
-    <a:fontScheme name="Office">
+    <a:fontScheme name="Office テーマ">
       <a:majorFont>
-        <a:latin typeface="游ゴシック Light" panose="020F0302020204030204"/>
+        <a:latin typeface="Calibri Light" panose="020F0302020204030204"/>
         <a:ea typeface=""/>
         <a:cs typeface=""/>
         <a:font script="Jpan" typeface="游ゴシック Light"/>
@@ -5523,26 +9240,9 @@
         <a:font script="Viet" typeface="Times New Roman"/>
         <a:font script="Uigh" typeface="Microsoft Uighur"/>
         <a:font script="Geor" typeface="Sylfaen"/>
-        <a:font script="Armn" typeface="Arial"/>
-        <a:font script="Bugi" typeface="Leelawadee UI"/>
-        <a:font script="Bopo" typeface="Microsoft JhengHei"/>
-        <a:font script="Java" typeface="Javanese Text"/>
-        <a:font script="Lisu" typeface="Segoe UI"/>
-        <a:font script="Mymr" typeface="Myanmar Text"/>
-        <a:font script="Nkoo" typeface="Ebrima"/>
-        <a:font script="Olck" typeface="Nirmala UI"/>
-        <a:font script="Osma" typeface="Ebrima"/>
-        <a:font script="Phag" typeface="Phagspa"/>
-        <a:font script="Syrn" typeface="Estrangelo Edessa"/>
-        <a:font script="Syrj" typeface="Estrangelo Edessa"/>
-        <a:font script="Syre" typeface="Estrangelo Edessa"/>
-        <a:font script="Sora" typeface="Nirmala UI"/>
-        <a:font script="Tale" typeface="Microsoft Tai Le"/>
-        <a:font script="Talu" typeface="Microsoft New Tai Lue"/>
-        <a:font script="Tfng" typeface="Ebrima"/>
       </a:majorFont>
       <a:minorFont>
-        <a:latin typeface="游ゴシック" panose="020F0502020204030204"/>
+        <a:latin typeface="Calibri" panose="020F0502020204030204"/>
         <a:ea typeface=""/>
         <a:cs typeface=""/>
         <a:font script="Jpan" typeface="游ゴシック"/>
@@ -5575,26 +9275,9 @@
         <a:font script="Viet" typeface="Arial"/>
         <a:font script="Uigh" typeface="Microsoft Uighur"/>
         <a:font script="Geor" typeface="Sylfaen"/>
-        <a:font script="Armn" typeface="Arial"/>
-        <a:font script="Bugi" typeface="Leelawadee UI"/>
-        <a:font script="Bopo" typeface="Microsoft JhengHei"/>
-        <a:font script="Java" typeface="Javanese Text"/>
-        <a:font script="Lisu" typeface="Segoe UI"/>
-        <a:font script="Mymr" typeface="Myanmar Text"/>
-        <a:font script="Nkoo" typeface="Ebrima"/>
-        <a:font script="Olck" typeface="Nirmala UI"/>
-        <a:font script="Osma" typeface="Ebrima"/>
-        <a:font script="Phag" typeface="Phagspa"/>
-        <a:font script="Syrn" typeface="Estrangelo Edessa"/>
-        <a:font script="Syrj" typeface="Estrangelo Edessa"/>
-        <a:font script="Syre" typeface="Estrangelo Edessa"/>
-        <a:font script="Sora" typeface="Nirmala UI"/>
-        <a:font script="Tale" typeface="Microsoft Tai Le"/>
-        <a:font script="Talu" typeface="Microsoft New Tai Lue"/>
-        <a:font script="Tfng" typeface="Ebrima"/>
       </a:minorFont>
     </a:fontScheme>
-    <a:fmtScheme name="Office">
+    <a:fmtScheme name="Office テーマ">
       <a:fillStyleLst>
         <a:solidFill>
           <a:schemeClr val="phClr"/>

--- a/figures/figure.pptx
+++ b/figures/figure.pptx
@@ -12,6 +12,7 @@
     <p:sldId id="262" r:id="rId6"/>
     <p:sldId id="260" r:id="rId7"/>
     <p:sldId id="263" r:id="rId8"/>
+    <p:sldId id="264" r:id="rId9"/>
   </p:sldIdLst>
   <p:sldSz cx="10799763" cy="10799763"/>
   <p:notesSz cx="6797675" cy="9926638"/>
@@ -260,7 +261,7 @@
           <a:p>
             <a:fld id="{D9812761-E0F9-498D-A86D-14F66CBFAB0E}" type="datetimeFigureOut">
               <a:rPr kumimoji="1" lang="ja-JP" altLang="en-US" smtClean="0"/>
-              <a:t>2021/7/3</a:t>
+              <a:t>2021/7/5</a:t>
             </a:fld>
             <a:endParaRPr kumimoji="1" lang="ja-JP" altLang="en-US"/>
           </a:p>
@@ -462,7 +463,7 @@
           <a:p>
             <a:fld id="{D9812761-E0F9-498D-A86D-14F66CBFAB0E}" type="datetimeFigureOut">
               <a:rPr kumimoji="1" lang="ja-JP" altLang="en-US" smtClean="0"/>
-              <a:t>2021/7/3</a:t>
+              <a:t>2021/7/5</a:t>
             </a:fld>
             <a:endParaRPr kumimoji="1" lang="ja-JP" altLang="en-US"/>
           </a:p>
@@ -674,7 +675,7 @@
           <a:p>
             <a:fld id="{D9812761-E0F9-498D-A86D-14F66CBFAB0E}" type="datetimeFigureOut">
               <a:rPr kumimoji="1" lang="ja-JP" altLang="en-US" smtClean="0"/>
-              <a:t>2021/7/3</a:t>
+              <a:t>2021/7/5</a:t>
             </a:fld>
             <a:endParaRPr kumimoji="1" lang="ja-JP" altLang="en-US"/>
           </a:p>
@@ -876,7 +877,7 @@
           <a:p>
             <a:fld id="{D9812761-E0F9-498D-A86D-14F66CBFAB0E}" type="datetimeFigureOut">
               <a:rPr kumimoji="1" lang="ja-JP" altLang="en-US" smtClean="0"/>
-              <a:t>2021/7/3</a:t>
+              <a:t>2021/7/5</a:t>
             </a:fld>
             <a:endParaRPr kumimoji="1" lang="ja-JP" altLang="en-US"/>
           </a:p>
@@ -1120,7 +1121,7 @@
           <a:p>
             <a:fld id="{D9812761-E0F9-498D-A86D-14F66CBFAB0E}" type="datetimeFigureOut">
               <a:rPr kumimoji="1" lang="ja-JP" altLang="en-US" smtClean="0"/>
-              <a:t>2021/7/3</a:t>
+              <a:t>2021/7/5</a:t>
             </a:fld>
             <a:endParaRPr kumimoji="1" lang="ja-JP" altLang="en-US"/>
           </a:p>
@@ -1416,7 +1417,7 @@
           <a:p>
             <a:fld id="{D9812761-E0F9-498D-A86D-14F66CBFAB0E}" type="datetimeFigureOut">
               <a:rPr kumimoji="1" lang="ja-JP" altLang="en-US" smtClean="0"/>
-              <a:t>2021/7/3</a:t>
+              <a:t>2021/7/5</a:t>
             </a:fld>
             <a:endParaRPr kumimoji="1" lang="ja-JP" altLang="en-US"/>
           </a:p>
@@ -1847,7 +1848,7 @@
           <a:p>
             <a:fld id="{D9812761-E0F9-498D-A86D-14F66CBFAB0E}" type="datetimeFigureOut">
               <a:rPr kumimoji="1" lang="ja-JP" altLang="en-US" smtClean="0"/>
-              <a:t>2021/7/3</a:t>
+              <a:t>2021/7/5</a:t>
             </a:fld>
             <a:endParaRPr kumimoji="1" lang="ja-JP" altLang="en-US"/>
           </a:p>
@@ -1965,7 +1966,7 @@
           <a:p>
             <a:fld id="{D9812761-E0F9-498D-A86D-14F66CBFAB0E}" type="datetimeFigureOut">
               <a:rPr kumimoji="1" lang="ja-JP" altLang="en-US" smtClean="0"/>
-              <a:t>2021/7/3</a:t>
+              <a:t>2021/7/5</a:t>
             </a:fld>
             <a:endParaRPr kumimoji="1" lang="ja-JP" altLang="en-US"/>
           </a:p>
@@ -2060,7 +2061,7 @@
           <a:p>
             <a:fld id="{D9812761-E0F9-498D-A86D-14F66CBFAB0E}" type="datetimeFigureOut">
               <a:rPr kumimoji="1" lang="ja-JP" altLang="en-US" smtClean="0"/>
-              <a:t>2021/7/3</a:t>
+              <a:t>2021/7/5</a:t>
             </a:fld>
             <a:endParaRPr kumimoji="1" lang="ja-JP" altLang="en-US"/>
           </a:p>
@@ -2369,7 +2370,7 @@
           <a:p>
             <a:fld id="{D9812761-E0F9-498D-A86D-14F66CBFAB0E}" type="datetimeFigureOut">
               <a:rPr kumimoji="1" lang="ja-JP" altLang="en-US" smtClean="0"/>
-              <a:t>2021/7/3</a:t>
+              <a:t>2021/7/5</a:t>
             </a:fld>
             <a:endParaRPr kumimoji="1" lang="ja-JP" altLang="en-US"/>
           </a:p>
@@ -2626,7 +2627,7 @@
           <a:p>
             <a:fld id="{D9812761-E0F9-498D-A86D-14F66CBFAB0E}" type="datetimeFigureOut">
               <a:rPr kumimoji="1" lang="ja-JP" altLang="en-US" smtClean="0"/>
-              <a:t>2021/7/3</a:t>
+              <a:t>2021/7/5</a:t>
             </a:fld>
             <a:endParaRPr kumimoji="1" lang="ja-JP" altLang="en-US"/>
           </a:p>
@@ -2871,7 +2872,7 @@
           <a:p>
             <a:fld id="{D9812761-E0F9-498D-A86D-14F66CBFAB0E}" type="datetimeFigureOut">
               <a:rPr kumimoji="1" lang="ja-JP" altLang="en-US" smtClean="0"/>
-              <a:t>2021/7/3</a:t>
+              <a:t>2021/7/5</a:t>
             </a:fld>
             <a:endParaRPr kumimoji="1" lang="ja-JP" altLang="en-US"/>
           </a:p>
@@ -5229,8 +5230,8 @@
           </a:fontRef>
         </p:style>
       </p:cxnSp>
-      <mc:AlternateContent xmlns:mc="http://schemas.openxmlformats.org/markup-compatibility/2006">
-        <mc:Choice xmlns:a14="http://schemas.microsoft.com/office/drawing/2010/main" Requires="a14">
+      <mc:AlternateContent xmlns:mc="http://schemas.openxmlformats.org/markup-compatibility/2006" xmlns:a14="http://schemas.microsoft.com/office/drawing/2010/main">
+        <mc:Choice Requires="a14">
           <p:sp>
             <p:nvSpPr>
               <p:cNvPr id="34" name="テキスト ボックス 33">
@@ -5259,6 +5260,7 @@
               </a:bodyPr>
               <a:lstStyle/>
               <a:p>
+                <a:pPr/>
                 <a14:m>
                   <m:oMathPara xmlns:m="http://schemas.openxmlformats.org/officeDocument/2006/math">
                     <m:oMathParaPr>
@@ -5294,7 +5296,7 @@
             </p:txBody>
           </p:sp>
         </mc:Choice>
-        <mc:Fallback>
+        <mc:Fallback xmlns="">
           <p:sp>
             <p:nvSpPr>
               <p:cNvPr id="34" name="テキスト ボックス 33">
@@ -5339,8 +5341,8 @@
           </p:sp>
         </mc:Fallback>
       </mc:AlternateContent>
-      <mc:AlternateContent xmlns:mc="http://schemas.openxmlformats.org/markup-compatibility/2006">
-        <mc:Choice xmlns:a14="http://schemas.microsoft.com/office/drawing/2010/main" Requires="a14">
+      <mc:AlternateContent xmlns:mc="http://schemas.openxmlformats.org/markup-compatibility/2006" xmlns:a14="http://schemas.microsoft.com/office/drawing/2010/main">
+        <mc:Choice Requires="a14">
           <p:sp>
             <p:nvSpPr>
               <p:cNvPr id="35" name="テキスト ボックス 34">
@@ -5369,6 +5371,7 @@
               </a:bodyPr>
               <a:lstStyle/>
               <a:p>
+                <a:pPr/>
                 <a14:m>
                   <m:oMathPara xmlns:m="http://schemas.openxmlformats.org/officeDocument/2006/math">
                     <m:oMathParaPr>
@@ -5404,7 +5407,7 @@
             </p:txBody>
           </p:sp>
         </mc:Choice>
-        <mc:Fallback>
+        <mc:Fallback xmlns="">
           <p:sp>
             <p:nvSpPr>
               <p:cNvPr id="35" name="テキスト ボックス 34">
@@ -5449,8 +5452,8 @@
           </p:sp>
         </mc:Fallback>
       </mc:AlternateContent>
-      <mc:AlternateContent xmlns:mc="http://schemas.openxmlformats.org/markup-compatibility/2006">
-        <mc:Choice xmlns:a14="http://schemas.microsoft.com/office/drawing/2010/main" Requires="a14">
+      <mc:AlternateContent xmlns:mc="http://schemas.openxmlformats.org/markup-compatibility/2006" xmlns:a14="http://schemas.microsoft.com/office/drawing/2010/main">
+        <mc:Choice Requires="a14">
           <p:sp>
             <p:nvSpPr>
               <p:cNvPr id="36" name="テキスト ボックス 35">
@@ -5479,6 +5482,7 @@
               </a:bodyPr>
               <a:lstStyle/>
               <a:p>
+                <a:pPr/>
                 <a14:m>
                   <m:oMathPara xmlns:m="http://schemas.openxmlformats.org/officeDocument/2006/math">
                     <m:oMathParaPr>
@@ -5562,7 +5566,7 @@
             </p:txBody>
           </p:sp>
         </mc:Choice>
-        <mc:Fallback>
+        <mc:Fallback xmlns="">
           <p:sp>
             <p:nvSpPr>
               <p:cNvPr id="36" name="テキスト ボックス 35">
@@ -5607,8 +5611,8 @@
           </p:sp>
         </mc:Fallback>
       </mc:AlternateContent>
-      <mc:AlternateContent xmlns:mc="http://schemas.openxmlformats.org/markup-compatibility/2006">
-        <mc:Choice xmlns:a14="http://schemas.microsoft.com/office/drawing/2010/main" Requires="a14">
+      <mc:AlternateContent xmlns:mc="http://schemas.openxmlformats.org/markup-compatibility/2006" xmlns:a14="http://schemas.microsoft.com/office/drawing/2010/main">
+        <mc:Choice Requires="a14">
           <p:sp>
             <p:nvSpPr>
               <p:cNvPr id="37" name="テキスト ボックス 36">
@@ -5637,6 +5641,7 @@
               </a:bodyPr>
               <a:lstStyle/>
               <a:p>
+                <a:pPr/>
                 <a14:m>
                   <m:oMathPara xmlns:m="http://schemas.openxmlformats.org/officeDocument/2006/math">
                     <m:oMathParaPr>
@@ -5738,7 +5743,7 @@
             </p:txBody>
           </p:sp>
         </mc:Choice>
-        <mc:Fallback>
+        <mc:Fallback xmlns="">
           <p:sp>
             <p:nvSpPr>
               <p:cNvPr id="37" name="テキスト ボックス 36">
@@ -5783,8 +5788,8 @@
           </p:sp>
         </mc:Fallback>
       </mc:AlternateContent>
-      <mc:AlternateContent xmlns:mc="http://schemas.openxmlformats.org/markup-compatibility/2006">
-        <mc:Choice xmlns:a14="http://schemas.microsoft.com/office/drawing/2010/main" Requires="a14">
+      <mc:AlternateContent xmlns:mc="http://schemas.openxmlformats.org/markup-compatibility/2006" xmlns:a14="http://schemas.microsoft.com/office/drawing/2010/main">
+        <mc:Choice Requires="a14">
           <p:sp>
             <p:nvSpPr>
               <p:cNvPr id="38" name="テキスト ボックス 37">
@@ -5813,6 +5818,7 @@
               </a:bodyPr>
               <a:lstStyle/>
               <a:p>
+                <a:pPr/>
                 <a14:m>
                   <m:oMathPara xmlns:m="http://schemas.openxmlformats.org/officeDocument/2006/math">
                     <m:oMathParaPr>
@@ -5860,7 +5866,7 @@
             </p:txBody>
           </p:sp>
         </mc:Choice>
-        <mc:Fallback>
+        <mc:Fallback xmlns="">
           <p:sp>
             <p:nvSpPr>
               <p:cNvPr id="38" name="テキスト ボックス 37">
@@ -6299,8 +6305,8 @@
           </a:p>
         </p:txBody>
       </p:sp>
-      <mc:AlternateContent xmlns:mc="http://schemas.openxmlformats.org/markup-compatibility/2006">
-        <mc:Choice xmlns:a14="http://schemas.microsoft.com/office/drawing/2010/main" Requires="a14">
+      <mc:AlternateContent xmlns:mc="http://schemas.openxmlformats.org/markup-compatibility/2006" xmlns:a14="http://schemas.microsoft.com/office/drawing/2010/main">
+        <mc:Choice Requires="a14">
           <p:sp>
             <p:nvSpPr>
               <p:cNvPr id="34" name="テキスト ボックス 33">
@@ -6329,6 +6335,7 @@
               </a:bodyPr>
               <a:lstStyle/>
               <a:p>
+                <a:pPr/>
                 <a14:m>
                   <m:oMathPara xmlns:m="http://schemas.openxmlformats.org/officeDocument/2006/math">
                     <m:oMathParaPr>
@@ -6364,7 +6371,7 @@
             </p:txBody>
           </p:sp>
         </mc:Choice>
-        <mc:Fallback>
+        <mc:Fallback xmlns="">
           <p:sp>
             <p:nvSpPr>
               <p:cNvPr id="34" name="テキスト ボックス 33">
@@ -6409,8 +6416,8 @@
           </p:sp>
         </mc:Fallback>
       </mc:AlternateContent>
-      <mc:AlternateContent xmlns:mc="http://schemas.openxmlformats.org/markup-compatibility/2006">
-        <mc:Choice xmlns:a14="http://schemas.microsoft.com/office/drawing/2010/main" Requires="a14">
+      <mc:AlternateContent xmlns:mc="http://schemas.openxmlformats.org/markup-compatibility/2006" xmlns:a14="http://schemas.microsoft.com/office/drawing/2010/main">
+        <mc:Choice Requires="a14">
           <p:sp>
             <p:nvSpPr>
               <p:cNvPr id="35" name="テキスト ボックス 34">
@@ -6439,6 +6446,7 @@
               </a:bodyPr>
               <a:lstStyle/>
               <a:p>
+                <a:pPr/>
                 <a14:m>
                   <m:oMathPara xmlns:m="http://schemas.openxmlformats.org/officeDocument/2006/math">
                     <m:oMathParaPr>
@@ -6474,7 +6482,7 @@
             </p:txBody>
           </p:sp>
         </mc:Choice>
-        <mc:Fallback>
+        <mc:Fallback xmlns="">
           <p:sp>
             <p:nvSpPr>
               <p:cNvPr id="35" name="テキスト ボックス 34">
@@ -6519,8 +6527,8 @@
           </p:sp>
         </mc:Fallback>
       </mc:AlternateContent>
-      <mc:AlternateContent xmlns:mc="http://schemas.openxmlformats.org/markup-compatibility/2006">
-        <mc:Choice xmlns:a14="http://schemas.microsoft.com/office/drawing/2010/main" Requires="a14">
+      <mc:AlternateContent xmlns:mc="http://schemas.openxmlformats.org/markup-compatibility/2006" xmlns:a14="http://schemas.microsoft.com/office/drawing/2010/main">
+        <mc:Choice Requires="a14">
           <p:sp>
             <p:nvSpPr>
               <p:cNvPr id="36" name="テキスト ボックス 35">
@@ -6655,7 +6663,7 @@
             </p:txBody>
           </p:sp>
         </mc:Choice>
-        <mc:Fallback>
+        <mc:Fallback xmlns="">
           <p:sp>
             <p:nvSpPr>
               <p:cNvPr id="36" name="テキスト ボックス 35">
@@ -6910,8 +6918,8 @@
           </a:p>
         </p:txBody>
       </p:sp>
-      <mc:AlternateContent xmlns:mc="http://schemas.openxmlformats.org/markup-compatibility/2006">
-        <mc:Choice xmlns:a14="http://schemas.microsoft.com/office/drawing/2010/main" Requires="a14">
+      <mc:AlternateContent xmlns:mc="http://schemas.openxmlformats.org/markup-compatibility/2006" xmlns:a14="http://schemas.microsoft.com/office/drawing/2010/main">
+        <mc:Choice Requires="a14">
           <p:sp>
             <p:nvSpPr>
               <p:cNvPr id="10" name="テキスト ボックス 9">
@@ -6940,6 +6948,7 @@
               </a:bodyPr>
               <a:lstStyle/>
               <a:p>
+                <a:pPr/>
                 <a14:m>
                   <m:oMathPara xmlns:m="http://schemas.openxmlformats.org/officeDocument/2006/math">
                     <m:oMathParaPr>
@@ -6976,7 +6985,7 @@
             </p:txBody>
           </p:sp>
         </mc:Choice>
-        <mc:Fallback>
+        <mc:Fallback xmlns="">
           <p:sp>
             <p:nvSpPr>
               <p:cNvPr id="10" name="テキスト ボックス 9">
@@ -7021,8 +7030,8 @@
           </p:sp>
         </mc:Fallback>
       </mc:AlternateContent>
-      <mc:AlternateContent xmlns:mc="http://schemas.openxmlformats.org/markup-compatibility/2006">
-        <mc:Choice xmlns:a14="http://schemas.microsoft.com/office/drawing/2010/main" Requires="a14">
+      <mc:AlternateContent xmlns:mc="http://schemas.openxmlformats.org/markup-compatibility/2006" xmlns:a14="http://schemas.microsoft.com/office/drawing/2010/main">
+        <mc:Choice Requires="a14">
           <p:sp>
             <p:nvSpPr>
               <p:cNvPr id="11" name="テキスト ボックス 10">
@@ -7051,6 +7060,7 @@
               </a:bodyPr>
               <a:lstStyle/>
               <a:p>
+                <a:pPr/>
                 <a14:m>
                   <m:oMathPara xmlns:m="http://schemas.openxmlformats.org/officeDocument/2006/math">
                     <m:oMathParaPr>
@@ -7087,7 +7097,7 @@
             </p:txBody>
           </p:sp>
         </mc:Choice>
-        <mc:Fallback>
+        <mc:Fallback xmlns="">
           <p:sp>
             <p:nvSpPr>
               <p:cNvPr id="11" name="テキスト ボックス 10">
@@ -7270,8 +7280,8 @@
           </a:fontRef>
         </p:style>
       </p:cxnSp>
-      <mc:AlternateContent xmlns:mc="http://schemas.openxmlformats.org/markup-compatibility/2006">
-        <mc:Choice xmlns:a14="http://schemas.microsoft.com/office/drawing/2010/main" Requires="a14">
+      <mc:AlternateContent xmlns:mc="http://schemas.openxmlformats.org/markup-compatibility/2006" xmlns:a14="http://schemas.microsoft.com/office/drawing/2010/main">
+        <mc:Choice Requires="a14">
           <p:sp>
             <p:nvSpPr>
               <p:cNvPr id="15" name="テキスト ボックス 14">
@@ -7300,6 +7310,7 @@
               </a:bodyPr>
               <a:lstStyle/>
               <a:p>
+                <a:pPr/>
                 <a14:m>
                   <m:oMathPara xmlns:m="http://schemas.openxmlformats.org/officeDocument/2006/math">
                     <m:oMathParaPr>
@@ -7401,7 +7412,7 @@
             </p:txBody>
           </p:sp>
         </mc:Choice>
-        <mc:Fallback>
+        <mc:Fallback xmlns="">
           <p:sp>
             <p:nvSpPr>
               <p:cNvPr id="15" name="テキスト ボックス 14">
@@ -7446,8 +7457,8 @@
           </p:sp>
         </mc:Fallback>
       </mc:AlternateContent>
-      <mc:AlternateContent xmlns:mc="http://schemas.openxmlformats.org/markup-compatibility/2006">
-        <mc:Choice xmlns:a14="http://schemas.microsoft.com/office/drawing/2010/main" Requires="a14">
+      <mc:AlternateContent xmlns:mc="http://schemas.openxmlformats.org/markup-compatibility/2006" xmlns:a14="http://schemas.microsoft.com/office/drawing/2010/main">
+        <mc:Choice Requires="a14">
           <p:sp>
             <p:nvSpPr>
               <p:cNvPr id="16" name="テキスト ボックス 15">
@@ -7476,6 +7487,7 @@
               </a:bodyPr>
               <a:lstStyle/>
               <a:p>
+                <a:pPr/>
                 <a14:m>
                   <m:oMathPara xmlns:m="http://schemas.openxmlformats.org/officeDocument/2006/math">
                     <m:oMathParaPr>
@@ -7655,7 +7667,7 @@
             </p:txBody>
           </p:sp>
         </mc:Choice>
-        <mc:Fallback>
+        <mc:Fallback xmlns="">
           <p:sp>
             <p:nvSpPr>
               <p:cNvPr id="16" name="テキスト ボックス 15">
@@ -7758,8 +7770,8 @@
           </a:p>
         </p:txBody>
       </p:sp>
-      <mc:AlternateContent xmlns:mc="http://schemas.openxmlformats.org/markup-compatibility/2006">
-        <mc:Choice xmlns:a14="http://schemas.microsoft.com/office/drawing/2010/main" Requires="a14">
+      <mc:AlternateContent xmlns:mc="http://schemas.openxmlformats.org/markup-compatibility/2006" xmlns:a14="http://schemas.microsoft.com/office/drawing/2010/main">
+        <mc:Choice Requires="a14">
           <p:sp>
             <p:nvSpPr>
               <p:cNvPr id="18" name="テキスト ボックス 17">
@@ -7788,6 +7800,7 @@
               </a:bodyPr>
               <a:lstStyle/>
               <a:p>
+                <a:pPr/>
                 <a14:m>
                   <m:oMathPara xmlns:m="http://schemas.openxmlformats.org/officeDocument/2006/math">
                     <m:oMathParaPr>
@@ -7824,7 +7837,7 @@
             </p:txBody>
           </p:sp>
         </mc:Choice>
-        <mc:Fallback>
+        <mc:Fallback xmlns="">
           <p:sp>
             <p:nvSpPr>
               <p:cNvPr id="18" name="テキスト ボックス 17">
@@ -7869,8 +7882,8 @@
           </p:sp>
         </mc:Fallback>
       </mc:AlternateContent>
-      <mc:AlternateContent xmlns:mc="http://schemas.openxmlformats.org/markup-compatibility/2006">
-        <mc:Choice xmlns:a14="http://schemas.microsoft.com/office/drawing/2010/main" Requires="a14">
+      <mc:AlternateContent xmlns:mc="http://schemas.openxmlformats.org/markup-compatibility/2006" xmlns:a14="http://schemas.microsoft.com/office/drawing/2010/main">
+        <mc:Choice Requires="a14">
           <p:sp>
             <p:nvSpPr>
               <p:cNvPr id="19" name="テキスト ボックス 18">
@@ -7899,6 +7912,7 @@
               </a:bodyPr>
               <a:lstStyle/>
               <a:p>
+                <a:pPr/>
                 <a14:m>
                   <m:oMathPara xmlns:m="http://schemas.openxmlformats.org/officeDocument/2006/math">
                     <m:oMathParaPr>
@@ -7935,7 +7949,7 @@
             </p:txBody>
           </p:sp>
         </mc:Choice>
-        <mc:Fallback>
+        <mc:Fallback xmlns="">
           <p:sp>
             <p:nvSpPr>
               <p:cNvPr id="19" name="テキスト ボックス 18">
@@ -8010,8 +8024,8 @@
           <a:chExt cx="0" cy="0"/>
         </a:xfrm>
       </p:grpSpPr>
-      <mc:AlternateContent xmlns:mc="http://schemas.openxmlformats.org/markup-compatibility/2006">
-        <mc:Choice xmlns:a14="http://schemas.microsoft.com/office/drawing/2010/main" Requires="a14">
+      <mc:AlternateContent xmlns:mc="http://schemas.openxmlformats.org/markup-compatibility/2006" xmlns:a14="http://schemas.microsoft.com/office/drawing/2010/main">
+        <mc:Choice Requires="a14">
           <p:sp>
             <p:nvSpPr>
               <p:cNvPr id="8" name="テキスト ボックス 7">
@@ -8040,6 +8054,7 @@
               </a:bodyPr>
               <a:lstStyle/>
               <a:p>
+                <a:pPr/>
                 <a14:m>
                   <m:oMathPara xmlns:m="http://schemas.openxmlformats.org/officeDocument/2006/math">
                     <m:oMathParaPr>
@@ -8076,7 +8091,7 @@
             </p:txBody>
           </p:sp>
         </mc:Choice>
-        <mc:Fallback>
+        <mc:Fallback xmlns="">
           <p:sp>
             <p:nvSpPr>
               <p:cNvPr id="8" name="テキスト ボックス 7">
@@ -8121,8 +8136,8 @@
           </p:sp>
         </mc:Fallback>
       </mc:AlternateContent>
-      <mc:AlternateContent xmlns:mc="http://schemas.openxmlformats.org/markup-compatibility/2006">
-        <mc:Choice xmlns:a14="http://schemas.microsoft.com/office/drawing/2010/main" Requires="a14">
+      <mc:AlternateContent xmlns:mc="http://schemas.openxmlformats.org/markup-compatibility/2006" xmlns:a14="http://schemas.microsoft.com/office/drawing/2010/main">
+        <mc:Choice Requires="a14">
           <p:sp>
             <p:nvSpPr>
               <p:cNvPr id="13" name="テキスト ボックス 12">
@@ -8151,6 +8166,7 @@
               </a:bodyPr>
               <a:lstStyle/>
               <a:p>
+                <a:pPr/>
                 <a14:m>
                   <m:oMathPara xmlns:m="http://schemas.openxmlformats.org/officeDocument/2006/math">
                     <m:oMathParaPr>
@@ -8187,7 +8203,7 @@
             </p:txBody>
           </p:sp>
         </mc:Choice>
-        <mc:Fallback>
+        <mc:Fallback xmlns="">
           <p:sp>
             <p:nvSpPr>
               <p:cNvPr id="13" name="テキスト ボックス 12">
@@ -8232,8 +8248,8 @@
           </p:sp>
         </mc:Fallback>
       </mc:AlternateContent>
-      <mc:AlternateContent xmlns:mc="http://schemas.openxmlformats.org/markup-compatibility/2006">
-        <mc:Choice xmlns:a14="http://schemas.microsoft.com/office/drawing/2010/main" Requires="a14">
+      <mc:AlternateContent xmlns:mc="http://schemas.openxmlformats.org/markup-compatibility/2006" xmlns:a14="http://schemas.microsoft.com/office/drawing/2010/main">
+        <mc:Choice Requires="a14">
           <p:sp>
             <p:nvSpPr>
               <p:cNvPr id="14" name="テキスト ボックス 13">
@@ -8262,6 +8278,7 @@
               </a:bodyPr>
               <a:lstStyle/>
               <a:p>
+                <a:pPr/>
                 <a14:m>
                   <m:oMathPara xmlns:m="http://schemas.openxmlformats.org/officeDocument/2006/math">
                     <m:oMathParaPr>
@@ -8363,7 +8380,7 @@
             </p:txBody>
           </p:sp>
         </mc:Choice>
-        <mc:Fallback>
+        <mc:Fallback xmlns="">
           <p:sp>
             <p:nvSpPr>
               <p:cNvPr id="14" name="テキスト ボックス 13">
@@ -8713,8 +8730,8 @@
           </a:fontRef>
         </p:style>
       </p:cxnSp>
-      <mc:AlternateContent xmlns:mc="http://schemas.openxmlformats.org/markup-compatibility/2006">
-        <mc:Choice xmlns:a14="http://schemas.microsoft.com/office/drawing/2010/main" Requires="a14">
+      <mc:AlternateContent xmlns:mc="http://schemas.openxmlformats.org/markup-compatibility/2006" xmlns:a14="http://schemas.microsoft.com/office/drawing/2010/main">
+        <mc:Choice Requires="a14">
           <p:sp>
             <p:nvSpPr>
               <p:cNvPr id="12" name="テキスト ボックス 11">
@@ -8743,6 +8760,7 @@
               </a:bodyPr>
               <a:lstStyle/>
               <a:p>
+                <a:pPr/>
                 <a14:m>
                   <m:oMathPara xmlns:m="http://schemas.openxmlformats.org/officeDocument/2006/math">
                     <m:oMathParaPr>
@@ -8779,7 +8797,7 @@
             </p:txBody>
           </p:sp>
         </mc:Choice>
-        <mc:Fallback>
+        <mc:Fallback xmlns="">
           <p:sp>
             <p:nvSpPr>
               <p:cNvPr id="12" name="テキスト ボックス 11">
@@ -8924,8 +8942,8 @@
           </a:p>
         </p:txBody>
       </p:sp>
-      <mc:AlternateContent xmlns:mc="http://schemas.openxmlformats.org/markup-compatibility/2006">
-        <mc:Choice xmlns:a14="http://schemas.microsoft.com/office/drawing/2010/main" Requires="a14">
+      <mc:AlternateContent xmlns:mc="http://schemas.openxmlformats.org/markup-compatibility/2006" xmlns:a14="http://schemas.microsoft.com/office/drawing/2010/main">
+        <mc:Choice Requires="a14">
           <p:sp>
             <p:nvSpPr>
               <p:cNvPr id="23" name="テキスト ボックス 22">
@@ -8954,6 +8972,7 @@
               </a:bodyPr>
               <a:lstStyle/>
               <a:p>
+                <a:pPr/>
                 <a14:m>
                   <m:oMathPara xmlns:m="http://schemas.openxmlformats.org/officeDocument/2006/math">
                     <m:oMathParaPr>
@@ -9106,7 +9125,7 @@
             </p:txBody>
           </p:sp>
         </mc:Choice>
-        <mc:Fallback>
+        <mc:Fallback xmlns="">
           <p:sp>
             <p:nvSpPr>
               <p:cNvPr id="23" name="テキスト ボックス 22">
@@ -9155,6 +9174,1358 @@
     <p:extLst>
       <p:ext uri="{BB962C8B-B14F-4D97-AF65-F5344CB8AC3E}">
         <p14:creationId xmlns:p14="http://schemas.microsoft.com/office/powerpoint/2010/main" val="3529317967"/>
+      </p:ext>
+    </p:extLst>
+  </p:cSld>
+  <p:clrMapOvr>
+    <a:masterClrMapping/>
+  </p:clrMapOvr>
+</p:sld>
+</file>
+
+<file path=ppt/slides/slide8.xml><?xml version="1.0" encoding="utf-8"?>
+<p:sld xmlns:a="http://schemas.openxmlformats.org/drawingml/2006/main" xmlns:r="http://schemas.openxmlformats.org/officeDocument/2006/relationships" xmlns:p="http://schemas.openxmlformats.org/presentationml/2006/main">
+  <p:cSld>
+    <p:spTree>
+      <p:nvGrpSpPr>
+        <p:cNvPr id="1" name=""/>
+        <p:cNvGrpSpPr/>
+        <p:nvPr/>
+      </p:nvGrpSpPr>
+      <p:grpSpPr>
+        <a:xfrm>
+          <a:off x="0" y="0"/>
+          <a:ext cx="0" cy="0"/>
+          <a:chOff x="0" y="0"/>
+          <a:chExt cx="0" cy="0"/>
+        </a:xfrm>
+      </p:grpSpPr>
+      <p:cxnSp>
+        <p:nvCxnSpPr>
+          <p:cNvPr id="6" name="直線コネクタ 5">
+            <a:extLst>
+              <a:ext uri="{FF2B5EF4-FFF2-40B4-BE49-F238E27FC236}">
+                <a16:creationId xmlns:a16="http://schemas.microsoft.com/office/drawing/2014/main" id="{4F182334-7B06-4EC2-9092-C8AAE9BDE9A5}"/>
+              </a:ext>
+            </a:extLst>
+          </p:cNvPr>
+          <p:cNvCxnSpPr>
+            <a:cxnSpLocks/>
+          </p:cNvCxnSpPr>
+          <p:nvPr/>
+        </p:nvCxnSpPr>
+        <p:spPr>
+          <a:xfrm>
+            <a:off x="1056640" y="3941154"/>
+            <a:ext cx="4313555" cy="0"/>
+          </a:xfrm>
+          <a:prstGeom prst="line">
+            <a:avLst/>
+          </a:prstGeom>
+          <a:ln w="57150">
+            <a:solidFill>
+              <a:schemeClr val="tx1">
+                <a:lumMod val="50000"/>
+                <a:lumOff val="50000"/>
+              </a:schemeClr>
+            </a:solidFill>
+          </a:ln>
+        </p:spPr>
+        <p:style>
+          <a:lnRef idx="1">
+            <a:schemeClr val="dk1"/>
+          </a:lnRef>
+          <a:fillRef idx="0">
+            <a:schemeClr val="dk1"/>
+          </a:fillRef>
+          <a:effectRef idx="0">
+            <a:schemeClr val="dk1"/>
+          </a:effectRef>
+          <a:fontRef idx="minor">
+            <a:schemeClr val="tx1"/>
+          </a:fontRef>
+        </p:style>
+      </p:cxnSp>
+      <p:cxnSp>
+        <p:nvCxnSpPr>
+          <p:cNvPr id="7" name="直線コネクタ 6">
+            <a:extLst>
+              <a:ext uri="{FF2B5EF4-FFF2-40B4-BE49-F238E27FC236}">
+                <a16:creationId xmlns:a16="http://schemas.microsoft.com/office/drawing/2014/main" id="{36C8AE4B-C5C9-4E7F-A3E5-86D27DE4A5FA}"/>
+              </a:ext>
+            </a:extLst>
+          </p:cNvPr>
+          <p:cNvCxnSpPr>
+            <a:cxnSpLocks/>
+          </p:cNvCxnSpPr>
+          <p:nvPr/>
+        </p:nvCxnSpPr>
+        <p:spPr>
+          <a:xfrm>
+            <a:off x="1087120" y="828759"/>
+            <a:ext cx="0" cy="3112395"/>
+          </a:xfrm>
+          <a:prstGeom prst="line">
+            <a:avLst/>
+          </a:prstGeom>
+          <a:ln w="57150">
+            <a:solidFill>
+              <a:schemeClr val="tx1">
+                <a:lumMod val="50000"/>
+                <a:lumOff val="50000"/>
+              </a:schemeClr>
+            </a:solidFill>
+          </a:ln>
+        </p:spPr>
+        <p:style>
+          <a:lnRef idx="1">
+            <a:schemeClr val="dk1"/>
+          </a:lnRef>
+          <a:fillRef idx="0">
+            <a:schemeClr val="dk1"/>
+          </a:fillRef>
+          <a:effectRef idx="0">
+            <a:schemeClr val="dk1"/>
+          </a:effectRef>
+          <a:fontRef idx="minor">
+            <a:schemeClr val="tx1"/>
+          </a:fontRef>
+        </p:style>
+      </p:cxnSp>
+      <mc:AlternateContent xmlns:mc="http://schemas.openxmlformats.org/markup-compatibility/2006">
+        <mc:Choice xmlns:a14="http://schemas.microsoft.com/office/drawing/2010/main" Requires="a14">
+          <p:sp>
+            <p:nvSpPr>
+              <p:cNvPr id="8" name="テキスト ボックス 7">
+                <a:extLst>
+                  <a:ext uri="{FF2B5EF4-FFF2-40B4-BE49-F238E27FC236}">
+                    <a16:creationId xmlns:a16="http://schemas.microsoft.com/office/drawing/2014/main" id="{B9E4A19B-125F-44F1-A57B-595A8F5F557D}"/>
+                  </a:ext>
+                </a:extLst>
+              </p:cNvPr>
+              <p:cNvSpPr txBox="1"/>
+              <p:nvPr/>
+            </p:nvSpPr>
+            <p:spPr>
+              <a:xfrm>
+                <a:off x="-788162" y="312297"/>
+                <a:ext cx="3004131" cy="523220"/>
+              </a:xfrm>
+              <a:prstGeom prst="rect">
+                <a:avLst/>
+              </a:prstGeom>
+              <a:noFill/>
+            </p:spPr>
+            <p:txBody>
+              <a:bodyPr wrap="square" rtlCol="0">
+                <a:spAutoFit/>
+              </a:bodyPr>
+              <a:lstStyle/>
+              <a:p>
+                <a:pPr/>
+                <a14:m>
+                  <m:oMathPara xmlns:m="http://schemas.openxmlformats.org/officeDocument/2006/math">
+                    <m:oMathParaPr>
+                      <m:jc m:val="centerGroup"/>
+                    </m:oMathParaPr>
+                    <m:oMath xmlns:m="http://schemas.openxmlformats.org/officeDocument/2006/math">
+                      <m:r>
+                        <a:rPr lang="en-US" altLang="ja-JP" sz="2800" b="1" i="1" smtClean="0">
+                          <a:solidFill>
+                            <a:schemeClr val="tx1">
+                              <a:lumMod val="65000"/>
+                              <a:lumOff val="35000"/>
+                            </a:schemeClr>
+                          </a:solidFill>
+                          <a:latin typeface="Cambria Math" panose="02040503050406030204" pitchFamily="18" charset="0"/>
+                          <a:ea typeface="Meiryo UI" panose="020B0604030504040204" pitchFamily="50" charset="-128"/>
+                        </a:rPr>
+                        <m:t>𝒇𝒓𝒆𝒒</m:t>
+                      </m:r>
+                    </m:oMath>
+                  </m:oMathPara>
+                </a14:m>
+                <a:endParaRPr lang="ja-JP" altLang="en-US" sz="2800" b="1" dirty="0">
+                  <a:solidFill>
+                    <a:schemeClr val="tx1">
+                      <a:lumMod val="65000"/>
+                      <a:lumOff val="35000"/>
+                    </a:schemeClr>
+                  </a:solidFill>
+                  <a:latin typeface="Meiryo UI" panose="020B0604030504040204" pitchFamily="50" charset="-128"/>
+                  <a:ea typeface="Meiryo UI" panose="020B0604030504040204" pitchFamily="50" charset="-128"/>
+                </a:endParaRPr>
+              </a:p>
+            </p:txBody>
+          </p:sp>
+        </mc:Choice>
+        <mc:Fallback>
+          <p:sp>
+            <p:nvSpPr>
+              <p:cNvPr id="8" name="テキスト ボックス 7">
+                <a:extLst>
+                  <a:ext uri="{FF2B5EF4-FFF2-40B4-BE49-F238E27FC236}">
+                    <a16:creationId xmlns:a16="http://schemas.microsoft.com/office/drawing/2014/main" id="{B9E4A19B-125F-44F1-A57B-595A8F5F557D}"/>
+                  </a:ext>
+                </a:extLst>
+              </p:cNvPr>
+              <p:cNvSpPr txBox="1">
+                <a:spLocks noRot="1" noChangeAspect="1" noMove="1" noResize="1" noEditPoints="1" noAdjustHandles="1" noChangeArrowheads="1" noChangeShapeType="1" noTextEdit="1"/>
+              </p:cNvSpPr>
+              <p:nvPr/>
+            </p:nvSpPr>
+            <p:spPr>
+              <a:xfrm>
+                <a:off x="-788162" y="312297"/>
+                <a:ext cx="3004131" cy="523220"/>
+              </a:xfrm>
+              <a:prstGeom prst="rect">
+                <a:avLst/>
+              </a:prstGeom>
+              <a:blipFill>
+                <a:blip r:embed="rId2"/>
+                <a:stretch>
+                  <a:fillRect/>
+                </a:stretch>
+              </a:blipFill>
+            </p:spPr>
+            <p:txBody>
+              <a:bodyPr/>
+              <a:lstStyle/>
+              <a:p>
+                <a:r>
+                  <a:rPr lang="ja-JP" altLang="en-US">
+                    <a:noFill/>
+                  </a:rPr>
+                  <a:t> </a:t>
+                </a:r>
+              </a:p>
+            </p:txBody>
+          </p:sp>
+        </mc:Fallback>
+      </mc:AlternateContent>
+      <p:cxnSp>
+        <p:nvCxnSpPr>
+          <p:cNvPr id="14" name="直線コネクタ 13">
+            <a:extLst>
+              <a:ext uri="{FF2B5EF4-FFF2-40B4-BE49-F238E27FC236}">
+                <a16:creationId xmlns:a16="http://schemas.microsoft.com/office/drawing/2014/main" id="{9F84CBCD-5B0E-4401-A316-9D7B76E0B1FB}"/>
+              </a:ext>
+            </a:extLst>
+          </p:cNvPr>
+          <p:cNvCxnSpPr>
+            <a:cxnSpLocks/>
+          </p:cNvCxnSpPr>
+          <p:nvPr/>
+        </p:nvCxnSpPr>
+        <p:spPr>
+          <a:xfrm>
+            <a:off x="6088453" y="3941154"/>
+            <a:ext cx="4366677" cy="0"/>
+          </a:xfrm>
+          <a:prstGeom prst="line">
+            <a:avLst/>
+          </a:prstGeom>
+          <a:ln w="57150">
+            <a:solidFill>
+              <a:schemeClr val="tx1">
+                <a:lumMod val="50000"/>
+                <a:lumOff val="50000"/>
+              </a:schemeClr>
+            </a:solidFill>
+          </a:ln>
+        </p:spPr>
+        <p:style>
+          <a:lnRef idx="1">
+            <a:schemeClr val="dk1"/>
+          </a:lnRef>
+          <a:fillRef idx="0">
+            <a:schemeClr val="dk1"/>
+          </a:fillRef>
+          <a:effectRef idx="0">
+            <a:schemeClr val="dk1"/>
+          </a:effectRef>
+          <a:fontRef idx="minor">
+            <a:schemeClr val="tx1"/>
+          </a:fontRef>
+        </p:style>
+      </p:cxnSp>
+      <p:cxnSp>
+        <p:nvCxnSpPr>
+          <p:cNvPr id="15" name="直線コネクタ 14">
+            <a:extLst>
+              <a:ext uri="{FF2B5EF4-FFF2-40B4-BE49-F238E27FC236}">
+                <a16:creationId xmlns:a16="http://schemas.microsoft.com/office/drawing/2014/main" id="{C582AEEE-9C10-4616-A8E0-068FD736C7E5}"/>
+              </a:ext>
+            </a:extLst>
+          </p:cNvPr>
+          <p:cNvCxnSpPr>
+            <a:cxnSpLocks/>
+          </p:cNvCxnSpPr>
+          <p:nvPr/>
+        </p:nvCxnSpPr>
+        <p:spPr>
+          <a:xfrm>
+            <a:off x="6118933" y="828759"/>
+            <a:ext cx="0" cy="3112395"/>
+          </a:xfrm>
+          <a:prstGeom prst="line">
+            <a:avLst/>
+          </a:prstGeom>
+          <a:ln w="57150">
+            <a:solidFill>
+              <a:schemeClr val="tx1">
+                <a:lumMod val="50000"/>
+                <a:lumOff val="50000"/>
+              </a:schemeClr>
+            </a:solidFill>
+          </a:ln>
+        </p:spPr>
+        <p:style>
+          <a:lnRef idx="1">
+            <a:schemeClr val="dk1"/>
+          </a:lnRef>
+          <a:fillRef idx="0">
+            <a:schemeClr val="dk1"/>
+          </a:fillRef>
+          <a:effectRef idx="0">
+            <a:schemeClr val="dk1"/>
+          </a:effectRef>
+          <a:fontRef idx="minor">
+            <a:schemeClr val="tx1"/>
+          </a:fontRef>
+        </p:style>
+      </p:cxnSp>
+      <mc:AlternateContent xmlns:mc="http://schemas.openxmlformats.org/markup-compatibility/2006">
+        <mc:Choice xmlns:a14="http://schemas.microsoft.com/office/drawing/2010/main" Requires="a14">
+          <p:sp>
+            <p:nvSpPr>
+              <p:cNvPr id="16" name="テキスト ボックス 15">
+                <a:extLst>
+                  <a:ext uri="{FF2B5EF4-FFF2-40B4-BE49-F238E27FC236}">
+                    <a16:creationId xmlns:a16="http://schemas.microsoft.com/office/drawing/2014/main" id="{191B75FC-E209-4FED-97E7-9BC175BE53A9}"/>
+                  </a:ext>
+                </a:extLst>
+              </p:cNvPr>
+              <p:cNvSpPr txBox="1"/>
+              <p:nvPr/>
+            </p:nvSpPr>
+            <p:spPr>
+              <a:xfrm>
+                <a:off x="4243651" y="312297"/>
+                <a:ext cx="3004131" cy="523220"/>
+              </a:xfrm>
+              <a:prstGeom prst="rect">
+                <a:avLst/>
+              </a:prstGeom>
+              <a:noFill/>
+            </p:spPr>
+            <p:txBody>
+              <a:bodyPr wrap="square" rtlCol="0">
+                <a:spAutoFit/>
+              </a:bodyPr>
+              <a:lstStyle/>
+              <a:p>
+                <a:pPr/>
+                <a14:m>
+                  <m:oMathPara xmlns:m="http://schemas.openxmlformats.org/officeDocument/2006/math">
+                    <m:oMathParaPr>
+                      <m:jc m:val="centerGroup"/>
+                    </m:oMathParaPr>
+                    <m:oMath xmlns:m="http://schemas.openxmlformats.org/officeDocument/2006/math">
+                      <m:r>
+                        <a:rPr lang="en-US" altLang="ja-JP" sz="2800" b="1" i="1" smtClean="0">
+                          <a:solidFill>
+                            <a:schemeClr val="tx1">
+                              <a:lumMod val="65000"/>
+                              <a:lumOff val="35000"/>
+                            </a:schemeClr>
+                          </a:solidFill>
+                          <a:latin typeface="Cambria Math" panose="02040503050406030204" pitchFamily="18" charset="0"/>
+                          <a:ea typeface="Meiryo UI" panose="020B0604030504040204" pitchFamily="50" charset="-128"/>
+                        </a:rPr>
+                        <m:t>𝒇𝒓𝒆𝒒</m:t>
+                      </m:r>
+                    </m:oMath>
+                  </m:oMathPara>
+                </a14:m>
+                <a:endParaRPr lang="ja-JP" altLang="en-US" sz="2800" b="1" dirty="0">
+                  <a:solidFill>
+                    <a:schemeClr val="tx1">
+                      <a:lumMod val="65000"/>
+                      <a:lumOff val="35000"/>
+                    </a:schemeClr>
+                  </a:solidFill>
+                  <a:latin typeface="Meiryo UI" panose="020B0604030504040204" pitchFamily="50" charset="-128"/>
+                  <a:ea typeface="Meiryo UI" panose="020B0604030504040204" pitchFamily="50" charset="-128"/>
+                </a:endParaRPr>
+              </a:p>
+            </p:txBody>
+          </p:sp>
+        </mc:Choice>
+        <mc:Fallback>
+          <p:sp>
+            <p:nvSpPr>
+              <p:cNvPr id="16" name="テキスト ボックス 15">
+                <a:extLst>
+                  <a:ext uri="{FF2B5EF4-FFF2-40B4-BE49-F238E27FC236}">
+                    <a16:creationId xmlns:a16="http://schemas.microsoft.com/office/drawing/2014/main" id="{191B75FC-E209-4FED-97E7-9BC175BE53A9}"/>
+                  </a:ext>
+                </a:extLst>
+              </p:cNvPr>
+              <p:cNvSpPr txBox="1">
+                <a:spLocks noRot="1" noChangeAspect="1" noMove="1" noResize="1" noEditPoints="1" noAdjustHandles="1" noChangeArrowheads="1" noChangeShapeType="1" noTextEdit="1"/>
+              </p:cNvSpPr>
+              <p:nvPr/>
+            </p:nvSpPr>
+            <p:spPr>
+              <a:xfrm>
+                <a:off x="4243651" y="312297"/>
+                <a:ext cx="3004131" cy="523220"/>
+              </a:xfrm>
+              <a:prstGeom prst="rect">
+                <a:avLst/>
+              </a:prstGeom>
+              <a:blipFill>
+                <a:blip r:embed="rId3"/>
+                <a:stretch>
+                  <a:fillRect/>
+                </a:stretch>
+              </a:blipFill>
+            </p:spPr>
+            <p:txBody>
+              <a:bodyPr/>
+              <a:lstStyle/>
+              <a:p>
+                <a:r>
+                  <a:rPr lang="ja-JP" altLang="en-US">
+                    <a:noFill/>
+                  </a:rPr>
+                  <a:t> </a:t>
+                </a:r>
+              </a:p>
+            </p:txBody>
+          </p:sp>
+        </mc:Fallback>
+      </mc:AlternateContent>
+      <p:cxnSp>
+        <p:nvCxnSpPr>
+          <p:cNvPr id="17" name="直線コネクタ 16">
+            <a:extLst>
+              <a:ext uri="{FF2B5EF4-FFF2-40B4-BE49-F238E27FC236}">
+                <a16:creationId xmlns:a16="http://schemas.microsoft.com/office/drawing/2014/main" id="{4BCA3557-24A7-48BC-95EF-24A09F3AC118}"/>
+              </a:ext>
+            </a:extLst>
+          </p:cNvPr>
+          <p:cNvCxnSpPr>
+            <a:cxnSpLocks/>
+          </p:cNvCxnSpPr>
+          <p:nvPr/>
+        </p:nvCxnSpPr>
+        <p:spPr>
+          <a:xfrm>
+            <a:off x="6144010" y="3248602"/>
+            <a:ext cx="4313555" cy="0"/>
+          </a:xfrm>
+          <a:prstGeom prst="line">
+            <a:avLst/>
+          </a:prstGeom>
+          <a:ln w="57150">
+            <a:solidFill>
+              <a:schemeClr val="tx1">
+                <a:lumMod val="50000"/>
+                <a:lumOff val="50000"/>
+              </a:schemeClr>
+            </a:solidFill>
+          </a:ln>
+        </p:spPr>
+        <p:style>
+          <a:lnRef idx="1">
+            <a:schemeClr val="dk1"/>
+          </a:lnRef>
+          <a:fillRef idx="0">
+            <a:schemeClr val="dk1"/>
+          </a:fillRef>
+          <a:effectRef idx="0">
+            <a:schemeClr val="dk1"/>
+          </a:effectRef>
+          <a:fontRef idx="minor">
+            <a:schemeClr val="tx1"/>
+          </a:fontRef>
+        </p:style>
+      </p:cxnSp>
+      <p:cxnSp>
+        <p:nvCxnSpPr>
+          <p:cNvPr id="18" name="直線コネクタ 17">
+            <a:extLst>
+              <a:ext uri="{FF2B5EF4-FFF2-40B4-BE49-F238E27FC236}">
+                <a16:creationId xmlns:a16="http://schemas.microsoft.com/office/drawing/2014/main" id="{784390DE-5F6E-44D7-91E7-F378835C2BA9}"/>
+              </a:ext>
+            </a:extLst>
+          </p:cNvPr>
+          <p:cNvCxnSpPr>
+            <a:cxnSpLocks/>
+          </p:cNvCxnSpPr>
+          <p:nvPr/>
+        </p:nvCxnSpPr>
+        <p:spPr>
+          <a:xfrm>
+            <a:off x="6145938" y="2544474"/>
+            <a:ext cx="4313555" cy="0"/>
+          </a:xfrm>
+          <a:prstGeom prst="line">
+            <a:avLst/>
+          </a:prstGeom>
+          <a:ln w="57150">
+            <a:solidFill>
+              <a:schemeClr val="tx1">
+                <a:lumMod val="50000"/>
+                <a:lumOff val="50000"/>
+              </a:schemeClr>
+            </a:solidFill>
+          </a:ln>
+        </p:spPr>
+        <p:style>
+          <a:lnRef idx="1">
+            <a:schemeClr val="dk1"/>
+          </a:lnRef>
+          <a:fillRef idx="0">
+            <a:schemeClr val="dk1"/>
+          </a:fillRef>
+          <a:effectRef idx="0">
+            <a:schemeClr val="dk1"/>
+          </a:effectRef>
+          <a:fontRef idx="minor">
+            <a:schemeClr val="tx1"/>
+          </a:fontRef>
+        </p:style>
+      </p:cxnSp>
+      <p:cxnSp>
+        <p:nvCxnSpPr>
+          <p:cNvPr id="19" name="直線コネクタ 18">
+            <a:extLst>
+              <a:ext uri="{FF2B5EF4-FFF2-40B4-BE49-F238E27FC236}">
+                <a16:creationId xmlns:a16="http://schemas.microsoft.com/office/drawing/2014/main" id="{61FBBAF9-5DDB-4F43-A4CF-3F4AD5F70E43}"/>
+              </a:ext>
+            </a:extLst>
+          </p:cNvPr>
+          <p:cNvCxnSpPr>
+            <a:cxnSpLocks/>
+          </p:cNvCxnSpPr>
+          <p:nvPr/>
+        </p:nvCxnSpPr>
+        <p:spPr>
+          <a:xfrm>
+            <a:off x="6113144" y="1805620"/>
+            <a:ext cx="4313555" cy="0"/>
+          </a:xfrm>
+          <a:prstGeom prst="line">
+            <a:avLst/>
+          </a:prstGeom>
+          <a:ln w="57150">
+            <a:solidFill>
+              <a:schemeClr val="tx1">
+                <a:lumMod val="50000"/>
+                <a:lumOff val="50000"/>
+              </a:schemeClr>
+            </a:solidFill>
+          </a:ln>
+        </p:spPr>
+        <p:style>
+          <a:lnRef idx="1">
+            <a:schemeClr val="dk1"/>
+          </a:lnRef>
+          <a:fillRef idx="0">
+            <a:schemeClr val="dk1"/>
+          </a:fillRef>
+          <a:effectRef idx="0">
+            <a:schemeClr val="dk1"/>
+          </a:effectRef>
+          <a:fontRef idx="minor">
+            <a:schemeClr val="tx1"/>
+          </a:fontRef>
+        </p:style>
+      </p:cxnSp>
+      <p:cxnSp>
+        <p:nvCxnSpPr>
+          <p:cNvPr id="20" name="直線コネクタ 19">
+            <a:extLst>
+              <a:ext uri="{FF2B5EF4-FFF2-40B4-BE49-F238E27FC236}">
+                <a16:creationId xmlns:a16="http://schemas.microsoft.com/office/drawing/2014/main" id="{ECFAF639-8A4F-41F7-B830-08C337D9506D}"/>
+              </a:ext>
+            </a:extLst>
+          </p:cNvPr>
+          <p:cNvCxnSpPr>
+            <a:cxnSpLocks/>
+          </p:cNvCxnSpPr>
+          <p:nvPr/>
+        </p:nvCxnSpPr>
+        <p:spPr>
+          <a:xfrm>
+            <a:off x="6141575" y="1066770"/>
+            <a:ext cx="4313555" cy="0"/>
+          </a:xfrm>
+          <a:prstGeom prst="line">
+            <a:avLst/>
+          </a:prstGeom>
+          <a:ln w="57150">
+            <a:solidFill>
+              <a:schemeClr val="tx1">
+                <a:lumMod val="50000"/>
+                <a:lumOff val="50000"/>
+              </a:schemeClr>
+            </a:solidFill>
+          </a:ln>
+        </p:spPr>
+        <p:style>
+          <a:lnRef idx="1">
+            <a:schemeClr val="dk1"/>
+          </a:lnRef>
+          <a:fillRef idx="0">
+            <a:schemeClr val="dk1"/>
+          </a:fillRef>
+          <a:effectRef idx="0">
+            <a:schemeClr val="dk1"/>
+          </a:effectRef>
+          <a:fontRef idx="minor">
+            <a:schemeClr val="tx1"/>
+          </a:fontRef>
+        </p:style>
+      </p:cxnSp>
+      <p:cxnSp>
+        <p:nvCxnSpPr>
+          <p:cNvPr id="21" name="直線コネクタ 20">
+            <a:extLst>
+              <a:ext uri="{FF2B5EF4-FFF2-40B4-BE49-F238E27FC236}">
+                <a16:creationId xmlns:a16="http://schemas.microsoft.com/office/drawing/2014/main" id="{7D5CA418-9077-47F3-8332-3E9E679014D6}"/>
+              </a:ext>
+            </a:extLst>
+          </p:cNvPr>
+          <p:cNvCxnSpPr>
+            <a:cxnSpLocks/>
+          </p:cNvCxnSpPr>
+          <p:nvPr/>
+        </p:nvCxnSpPr>
+        <p:spPr>
+          <a:xfrm>
+            <a:off x="1108510" y="1091846"/>
+            <a:ext cx="4313555" cy="0"/>
+          </a:xfrm>
+          <a:prstGeom prst="line">
+            <a:avLst/>
+          </a:prstGeom>
+          <a:ln w="57150">
+            <a:solidFill>
+              <a:schemeClr val="tx1">
+                <a:lumMod val="50000"/>
+                <a:lumOff val="50000"/>
+              </a:schemeClr>
+            </a:solidFill>
+          </a:ln>
+        </p:spPr>
+        <p:style>
+          <a:lnRef idx="1">
+            <a:schemeClr val="dk1"/>
+          </a:lnRef>
+          <a:fillRef idx="0">
+            <a:schemeClr val="dk1"/>
+          </a:fillRef>
+          <a:effectRef idx="0">
+            <a:schemeClr val="dk1"/>
+          </a:effectRef>
+          <a:fontRef idx="minor">
+            <a:schemeClr val="tx1"/>
+          </a:fontRef>
+        </p:style>
+      </p:cxnSp>
+      <p:cxnSp>
+        <p:nvCxnSpPr>
+          <p:cNvPr id="22" name="直線コネクタ 21">
+            <a:extLst>
+              <a:ext uri="{FF2B5EF4-FFF2-40B4-BE49-F238E27FC236}">
+                <a16:creationId xmlns:a16="http://schemas.microsoft.com/office/drawing/2014/main" id="{F8AEB1E9-CB99-4D19-84E8-43533B7B055C}"/>
+              </a:ext>
+            </a:extLst>
+          </p:cNvPr>
+          <p:cNvCxnSpPr>
+            <a:cxnSpLocks/>
+          </p:cNvCxnSpPr>
+          <p:nvPr/>
+        </p:nvCxnSpPr>
+        <p:spPr>
+          <a:xfrm>
+            <a:off x="1062790" y="2509166"/>
+            <a:ext cx="4313555" cy="0"/>
+          </a:xfrm>
+          <a:prstGeom prst="line">
+            <a:avLst/>
+          </a:prstGeom>
+          <a:ln w="57150">
+            <a:solidFill>
+              <a:schemeClr val="tx1">
+                <a:lumMod val="50000"/>
+                <a:lumOff val="50000"/>
+              </a:schemeClr>
+            </a:solidFill>
+          </a:ln>
+        </p:spPr>
+        <p:style>
+          <a:lnRef idx="1">
+            <a:schemeClr val="dk1"/>
+          </a:lnRef>
+          <a:fillRef idx="0">
+            <a:schemeClr val="dk1"/>
+          </a:fillRef>
+          <a:effectRef idx="0">
+            <a:schemeClr val="dk1"/>
+          </a:effectRef>
+          <a:fontRef idx="minor">
+            <a:schemeClr val="tx1"/>
+          </a:fontRef>
+        </p:style>
+      </p:cxnSp>
+      <p:cxnSp>
+        <p:nvCxnSpPr>
+          <p:cNvPr id="23" name="直線コネクタ 22">
+            <a:extLst>
+              <a:ext uri="{FF2B5EF4-FFF2-40B4-BE49-F238E27FC236}">
+                <a16:creationId xmlns:a16="http://schemas.microsoft.com/office/drawing/2014/main" id="{998F1FA5-A43F-44C4-B3A5-A69696783308}"/>
+              </a:ext>
+            </a:extLst>
+          </p:cNvPr>
+          <p:cNvCxnSpPr>
+            <a:cxnSpLocks/>
+          </p:cNvCxnSpPr>
+          <p:nvPr/>
+        </p:nvCxnSpPr>
+        <p:spPr>
+          <a:xfrm>
+            <a:off x="1803400" y="1072599"/>
+            <a:ext cx="0" cy="2868555"/>
+          </a:xfrm>
+          <a:prstGeom prst="line">
+            <a:avLst/>
+          </a:prstGeom>
+          <a:ln w="57150">
+            <a:solidFill>
+              <a:schemeClr val="tx1">
+                <a:lumMod val="50000"/>
+                <a:lumOff val="50000"/>
+              </a:schemeClr>
+            </a:solidFill>
+          </a:ln>
+        </p:spPr>
+        <p:style>
+          <a:lnRef idx="1">
+            <a:schemeClr val="dk1"/>
+          </a:lnRef>
+          <a:fillRef idx="0">
+            <a:schemeClr val="dk1"/>
+          </a:fillRef>
+          <a:effectRef idx="0">
+            <a:schemeClr val="dk1"/>
+          </a:effectRef>
+          <a:fontRef idx="minor">
+            <a:schemeClr val="tx1"/>
+          </a:fontRef>
+        </p:style>
+      </p:cxnSp>
+      <p:cxnSp>
+        <p:nvCxnSpPr>
+          <p:cNvPr id="25" name="直線コネクタ 24">
+            <a:extLst>
+              <a:ext uri="{FF2B5EF4-FFF2-40B4-BE49-F238E27FC236}">
+                <a16:creationId xmlns:a16="http://schemas.microsoft.com/office/drawing/2014/main" id="{A5FE4007-03CB-42D9-AE67-DCD3B4F19322}"/>
+              </a:ext>
+            </a:extLst>
+          </p:cNvPr>
+          <p:cNvCxnSpPr>
+            <a:cxnSpLocks/>
+          </p:cNvCxnSpPr>
+          <p:nvPr/>
+        </p:nvCxnSpPr>
+        <p:spPr>
+          <a:xfrm>
+            <a:off x="2519680" y="1103079"/>
+            <a:ext cx="0" cy="2868555"/>
+          </a:xfrm>
+          <a:prstGeom prst="line">
+            <a:avLst/>
+          </a:prstGeom>
+          <a:ln w="57150">
+            <a:solidFill>
+              <a:schemeClr val="tx1">
+                <a:lumMod val="50000"/>
+                <a:lumOff val="50000"/>
+              </a:schemeClr>
+            </a:solidFill>
+          </a:ln>
+        </p:spPr>
+        <p:style>
+          <a:lnRef idx="1">
+            <a:schemeClr val="dk1"/>
+          </a:lnRef>
+          <a:fillRef idx="0">
+            <a:schemeClr val="dk1"/>
+          </a:fillRef>
+          <a:effectRef idx="0">
+            <a:schemeClr val="dk1"/>
+          </a:effectRef>
+          <a:fontRef idx="minor">
+            <a:schemeClr val="tx1"/>
+          </a:fontRef>
+        </p:style>
+      </p:cxnSp>
+      <p:cxnSp>
+        <p:nvCxnSpPr>
+          <p:cNvPr id="26" name="直線コネクタ 25">
+            <a:extLst>
+              <a:ext uri="{FF2B5EF4-FFF2-40B4-BE49-F238E27FC236}">
+                <a16:creationId xmlns:a16="http://schemas.microsoft.com/office/drawing/2014/main" id="{680DC72D-BB56-43AB-B740-E0FCF2838A13}"/>
+              </a:ext>
+            </a:extLst>
+          </p:cNvPr>
+          <p:cNvCxnSpPr>
+            <a:cxnSpLocks/>
+          </p:cNvCxnSpPr>
+          <p:nvPr/>
+        </p:nvCxnSpPr>
+        <p:spPr>
+          <a:xfrm>
+            <a:off x="3251200" y="1072599"/>
+            <a:ext cx="0" cy="2868555"/>
+          </a:xfrm>
+          <a:prstGeom prst="line">
+            <a:avLst/>
+          </a:prstGeom>
+          <a:ln w="57150">
+            <a:solidFill>
+              <a:schemeClr val="tx1">
+                <a:lumMod val="50000"/>
+                <a:lumOff val="50000"/>
+              </a:schemeClr>
+            </a:solidFill>
+          </a:ln>
+        </p:spPr>
+        <p:style>
+          <a:lnRef idx="1">
+            <a:schemeClr val="dk1"/>
+          </a:lnRef>
+          <a:fillRef idx="0">
+            <a:schemeClr val="dk1"/>
+          </a:fillRef>
+          <a:effectRef idx="0">
+            <a:schemeClr val="dk1"/>
+          </a:effectRef>
+          <a:fontRef idx="minor">
+            <a:schemeClr val="tx1"/>
+          </a:fontRef>
+        </p:style>
+      </p:cxnSp>
+      <p:cxnSp>
+        <p:nvCxnSpPr>
+          <p:cNvPr id="27" name="直線コネクタ 26">
+            <a:extLst>
+              <a:ext uri="{FF2B5EF4-FFF2-40B4-BE49-F238E27FC236}">
+                <a16:creationId xmlns:a16="http://schemas.microsoft.com/office/drawing/2014/main" id="{FAE1D2AE-2B60-460F-87DB-5F0306DCA492}"/>
+              </a:ext>
+            </a:extLst>
+          </p:cNvPr>
+          <p:cNvCxnSpPr>
+            <a:cxnSpLocks/>
+          </p:cNvCxnSpPr>
+          <p:nvPr/>
+        </p:nvCxnSpPr>
+        <p:spPr>
+          <a:xfrm>
+            <a:off x="3997960" y="1072599"/>
+            <a:ext cx="0" cy="2868555"/>
+          </a:xfrm>
+          <a:prstGeom prst="line">
+            <a:avLst/>
+          </a:prstGeom>
+          <a:ln w="57150">
+            <a:solidFill>
+              <a:schemeClr val="tx1">
+                <a:lumMod val="50000"/>
+                <a:lumOff val="50000"/>
+              </a:schemeClr>
+            </a:solidFill>
+          </a:ln>
+        </p:spPr>
+        <p:style>
+          <a:lnRef idx="1">
+            <a:schemeClr val="dk1"/>
+          </a:lnRef>
+          <a:fillRef idx="0">
+            <a:schemeClr val="dk1"/>
+          </a:fillRef>
+          <a:effectRef idx="0">
+            <a:schemeClr val="dk1"/>
+          </a:effectRef>
+          <a:fontRef idx="minor">
+            <a:schemeClr val="tx1"/>
+          </a:fontRef>
+        </p:style>
+      </p:cxnSp>
+      <p:cxnSp>
+        <p:nvCxnSpPr>
+          <p:cNvPr id="28" name="直線コネクタ 27">
+            <a:extLst>
+              <a:ext uri="{FF2B5EF4-FFF2-40B4-BE49-F238E27FC236}">
+                <a16:creationId xmlns:a16="http://schemas.microsoft.com/office/drawing/2014/main" id="{08B9D07B-0A1F-477D-B0D6-39BE17D482D3}"/>
+              </a:ext>
+            </a:extLst>
+          </p:cNvPr>
+          <p:cNvCxnSpPr>
+            <a:cxnSpLocks/>
+          </p:cNvCxnSpPr>
+          <p:nvPr/>
+        </p:nvCxnSpPr>
+        <p:spPr>
+          <a:xfrm>
+            <a:off x="4683760" y="1103079"/>
+            <a:ext cx="0" cy="2868555"/>
+          </a:xfrm>
+          <a:prstGeom prst="line">
+            <a:avLst/>
+          </a:prstGeom>
+          <a:ln w="57150">
+            <a:solidFill>
+              <a:schemeClr val="tx1">
+                <a:lumMod val="50000"/>
+                <a:lumOff val="50000"/>
+              </a:schemeClr>
+            </a:solidFill>
+          </a:ln>
+        </p:spPr>
+        <p:style>
+          <a:lnRef idx="1">
+            <a:schemeClr val="dk1"/>
+          </a:lnRef>
+          <a:fillRef idx="0">
+            <a:schemeClr val="dk1"/>
+          </a:fillRef>
+          <a:effectRef idx="0">
+            <a:schemeClr val="dk1"/>
+          </a:effectRef>
+          <a:fontRef idx="minor">
+            <a:schemeClr val="tx1"/>
+          </a:fontRef>
+        </p:style>
+      </p:cxnSp>
+      <p:cxnSp>
+        <p:nvCxnSpPr>
+          <p:cNvPr id="29" name="直線コネクタ 28">
+            <a:extLst>
+              <a:ext uri="{FF2B5EF4-FFF2-40B4-BE49-F238E27FC236}">
+                <a16:creationId xmlns:a16="http://schemas.microsoft.com/office/drawing/2014/main" id="{D8908E6D-EC86-4055-A9E8-4B43A593C1C6}"/>
+              </a:ext>
+            </a:extLst>
+          </p:cNvPr>
+          <p:cNvCxnSpPr>
+            <a:cxnSpLocks/>
+          </p:cNvCxnSpPr>
+          <p:nvPr/>
+        </p:nvCxnSpPr>
+        <p:spPr>
+          <a:xfrm>
+            <a:off x="9057640" y="1072599"/>
+            <a:ext cx="0" cy="2868555"/>
+          </a:xfrm>
+          <a:prstGeom prst="line">
+            <a:avLst/>
+          </a:prstGeom>
+          <a:ln w="57150">
+            <a:solidFill>
+              <a:schemeClr val="tx1">
+                <a:lumMod val="50000"/>
+                <a:lumOff val="50000"/>
+              </a:schemeClr>
+            </a:solidFill>
+          </a:ln>
+        </p:spPr>
+        <p:style>
+          <a:lnRef idx="1">
+            <a:schemeClr val="dk1"/>
+          </a:lnRef>
+          <a:fillRef idx="0">
+            <a:schemeClr val="dk1"/>
+          </a:fillRef>
+          <a:effectRef idx="0">
+            <a:schemeClr val="dk1"/>
+          </a:effectRef>
+          <a:fontRef idx="minor">
+            <a:schemeClr val="tx1"/>
+          </a:fontRef>
+        </p:style>
+      </p:cxnSp>
+      <p:cxnSp>
+        <p:nvCxnSpPr>
+          <p:cNvPr id="30" name="直線コネクタ 29">
+            <a:extLst>
+              <a:ext uri="{FF2B5EF4-FFF2-40B4-BE49-F238E27FC236}">
+                <a16:creationId xmlns:a16="http://schemas.microsoft.com/office/drawing/2014/main" id="{D725B9B1-85B4-4CCE-9E0E-C33EDF594615}"/>
+              </a:ext>
+            </a:extLst>
+          </p:cNvPr>
+          <p:cNvCxnSpPr>
+            <a:cxnSpLocks/>
+          </p:cNvCxnSpPr>
+          <p:nvPr/>
+        </p:nvCxnSpPr>
+        <p:spPr>
+          <a:xfrm>
+            <a:off x="10444480" y="1034499"/>
+            <a:ext cx="0" cy="2921895"/>
+          </a:xfrm>
+          <a:prstGeom prst="line">
+            <a:avLst/>
+          </a:prstGeom>
+          <a:ln w="57150">
+            <a:solidFill>
+              <a:schemeClr val="tx1">
+                <a:lumMod val="50000"/>
+                <a:lumOff val="50000"/>
+              </a:schemeClr>
+            </a:solidFill>
+          </a:ln>
+        </p:spPr>
+        <p:style>
+          <a:lnRef idx="1">
+            <a:schemeClr val="dk1"/>
+          </a:lnRef>
+          <a:fillRef idx="0">
+            <a:schemeClr val="dk1"/>
+          </a:fillRef>
+          <a:effectRef idx="0">
+            <a:schemeClr val="dk1"/>
+          </a:effectRef>
+          <a:fontRef idx="minor">
+            <a:schemeClr val="tx1"/>
+          </a:fontRef>
+        </p:style>
+      </p:cxnSp>
+      <p:cxnSp>
+        <p:nvCxnSpPr>
+          <p:cNvPr id="31" name="直線コネクタ 30">
+            <a:extLst>
+              <a:ext uri="{FF2B5EF4-FFF2-40B4-BE49-F238E27FC236}">
+                <a16:creationId xmlns:a16="http://schemas.microsoft.com/office/drawing/2014/main" id="{2C8C7492-62D0-494C-B9D9-651A7EB89E8E}"/>
+              </a:ext>
+            </a:extLst>
+          </p:cNvPr>
+          <p:cNvCxnSpPr>
+            <a:cxnSpLocks/>
+          </p:cNvCxnSpPr>
+          <p:nvPr/>
+        </p:nvCxnSpPr>
+        <p:spPr>
+          <a:xfrm>
+            <a:off x="7594600" y="1087839"/>
+            <a:ext cx="0" cy="2868555"/>
+          </a:xfrm>
+          <a:prstGeom prst="line">
+            <a:avLst/>
+          </a:prstGeom>
+          <a:ln w="57150">
+            <a:solidFill>
+              <a:schemeClr val="tx1">
+                <a:lumMod val="50000"/>
+                <a:lumOff val="50000"/>
+              </a:schemeClr>
+            </a:solidFill>
+          </a:ln>
+        </p:spPr>
+        <p:style>
+          <a:lnRef idx="1">
+            <a:schemeClr val="dk1"/>
+          </a:lnRef>
+          <a:fillRef idx="0">
+            <a:schemeClr val="dk1"/>
+          </a:fillRef>
+          <a:effectRef idx="0">
+            <a:schemeClr val="dk1"/>
+          </a:effectRef>
+          <a:fontRef idx="minor">
+            <a:schemeClr val="tx1"/>
+          </a:fontRef>
+        </p:style>
+      </p:cxnSp>
+      <p:cxnSp>
+        <p:nvCxnSpPr>
+          <p:cNvPr id="32" name="直線コネクタ 31">
+            <a:extLst>
+              <a:ext uri="{FF2B5EF4-FFF2-40B4-BE49-F238E27FC236}">
+                <a16:creationId xmlns:a16="http://schemas.microsoft.com/office/drawing/2014/main" id="{1423CCA6-8C20-4DE3-984D-CB399EFCBAF0}"/>
+              </a:ext>
+            </a:extLst>
+          </p:cNvPr>
+          <p:cNvCxnSpPr>
+            <a:cxnSpLocks/>
+          </p:cNvCxnSpPr>
+          <p:nvPr/>
+        </p:nvCxnSpPr>
+        <p:spPr>
+          <a:xfrm>
+            <a:off x="5384800" y="1118319"/>
+            <a:ext cx="14877" cy="2853315"/>
+          </a:xfrm>
+          <a:prstGeom prst="line">
+            <a:avLst/>
+          </a:prstGeom>
+          <a:ln w="57150">
+            <a:solidFill>
+              <a:schemeClr val="tx1">
+                <a:lumMod val="50000"/>
+                <a:lumOff val="50000"/>
+              </a:schemeClr>
+            </a:solidFill>
+          </a:ln>
+        </p:spPr>
+        <p:style>
+          <a:lnRef idx="1">
+            <a:schemeClr val="dk1"/>
+          </a:lnRef>
+          <a:fillRef idx="0">
+            <a:schemeClr val="dk1"/>
+          </a:fillRef>
+          <a:effectRef idx="0">
+            <a:schemeClr val="dk1"/>
+          </a:effectRef>
+          <a:fontRef idx="minor">
+            <a:schemeClr val="tx1"/>
+          </a:fontRef>
+        </p:style>
+      </p:cxnSp>
+      <mc:AlternateContent xmlns:mc="http://schemas.openxmlformats.org/markup-compatibility/2006">
+        <mc:Choice xmlns:a14="http://schemas.microsoft.com/office/drawing/2010/main" Requires="a14">
+          <p:sp>
+            <p:nvSpPr>
+              <p:cNvPr id="33" name="テキスト ボックス 32">
+                <a:extLst>
+                  <a:ext uri="{FF2B5EF4-FFF2-40B4-BE49-F238E27FC236}">
+                    <a16:creationId xmlns:a16="http://schemas.microsoft.com/office/drawing/2014/main" id="{D14964B8-4FFA-42F1-BB28-DF5EF506B4C5}"/>
+                  </a:ext>
+                </a:extLst>
+              </p:cNvPr>
+              <p:cNvSpPr txBox="1"/>
+              <p:nvPr/>
+            </p:nvSpPr>
+            <p:spPr>
+              <a:xfrm>
+                <a:off x="8520939" y="3939076"/>
+                <a:ext cx="3004131" cy="525913"/>
+              </a:xfrm>
+              <a:prstGeom prst="rect">
+                <a:avLst/>
+              </a:prstGeom>
+              <a:noFill/>
+            </p:spPr>
+            <p:txBody>
+              <a:bodyPr wrap="square" rtlCol="0">
+                <a:spAutoFit/>
+              </a:bodyPr>
+              <a:lstStyle/>
+              <a:p>
+                <a:pPr/>
+                <a14:m>
+                  <m:oMathPara xmlns:m="http://schemas.openxmlformats.org/officeDocument/2006/math">
+                    <m:oMathParaPr>
+                      <m:jc m:val="centerGroup"/>
+                    </m:oMathParaPr>
+                    <m:oMath xmlns:m="http://schemas.openxmlformats.org/officeDocument/2006/math">
+                      <m:r>
+                        <a:rPr lang="en-US" altLang="ja-JP" sz="2800" b="1" i="1" smtClean="0">
+                          <a:solidFill>
+                            <a:schemeClr val="tx1">
+                              <a:lumMod val="65000"/>
+                              <a:lumOff val="35000"/>
+                            </a:schemeClr>
+                          </a:solidFill>
+                          <a:latin typeface="Cambria Math" panose="02040503050406030204" pitchFamily="18" charset="0"/>
+                          <a:ea typeface="Meiryo UI" panose="020B0604030504040204" pitchFamily="50" charset="-128"/>
+                        </a:rPr>
+                        <m:t>𝒕𝒊𝒎𝒆</m:t>
+                      </m:r>
+                    </m:oMath>
+                  </m:oMathPara>
+                </a14:m>
+                <a:endParaRPr lang="ja-JP" altLang="en-US" sz="2800" b="1" dirty="0">
+                  <a:solidFill>
+                    <a:schemeClr val="tx1">
+                      <a:lumMod val="65000"/>
+                      <a:lumOff val="35000"/>
+                    </a:schemeClr>
+                  </a:solidFill>
+                  <a:latin typeface="Meiryo UI" panose="020B0604030504040204" pitchFamily="50" charset="-128"/>
+                  <a:ea typeface="Meiryo UI" panose="020B0604030504040204" pitchFamily="50" charset="-128"/>
+                </a:endParaRPr>
+              </a:p>
+            </p:txBody>
+          </p:sp>
+        </mc:Choice>
+        <mc:Fallback>
+          <p:sp>
+            <p:nvSpPr>
+              <p:cNvPr id="33" name="テキスト ボックス 32">
+                <a:extLst>
+                  <a:ext uri="{FF2B5EF4-FFF2-40B4-BE49-F238E27FC236}">
+                    <a16:creationId xmlns:a16="http://schemas.microsoft.com/office/drawing/2014/main" id="{D14964B8-4FFA-42F1-BB28-DF5EF506B4C5}"/>
+                  </a:ext>
+                </a:extLst>
+              </p:cNvPr>
+              <p:cNvSpPr txBox="1">
+                <a:spLocks noRot="1" noChangeAspect="1" noMove="1" noResize="1" noEditPoints="1" noAdjustHandles="1" noChangeArrowheads="1" noChangeShapeType="1" noTextEdit="1"/>
+              </p:cNvSpPr>
+              <p:nvPr/>
+            </p:nvSpPr>
+            <p:spPr>
+              <a:xfrm>
+                <a:off x="8520939" y="3939076"/>
+                <a:ext cx="3004131" cy="525913"/>
+              </a:xfrm>
+              <a:prstGeom prst="rect">
+                <a:avLst/>
+              </a:prstGeom>
+              <a:blipFill>
+                <a:blip r:embed="rId4"/>
+                <a:stretch>
+                  <a:fillRect/>
+                </a:stretch>
+              </a:blipFill>
+            </p:spPr>
+            <p:txBody>
+              <a:bodyPr/>
+              <a:lstStyle/>
+              <a:p>
+                <a:r>
+                  <a:rPr lang="ja-JP" altLang="en-US">
+                    <a:noFill/>
+                  </a:rPr>
+                  <a:t> </a:t>
+                </a:r>
+              </a:p>
+            </p:txBody>
+          </p:sp>
+        </mc:Fallback>
+      </mc:AlternateContent>
+      <mc:AlternateContent xmlns:mc="http://schemas.openxmlformats.org/markup-compatibility/2006">
+        <mc:Choice xmlns:a14="http://schemas.microsoft.com/office/drawing/2010/main" Requires="a14">
+          <p:sp>
+            <p:nvSpPr>
+              <p:cNvPr id="34" name="テキスト ボックス 33">
+                <a:extLst>
+                  <a:ext uri="{FF2B5EF4-FFF2-40B4-BE49-F238E27FC236}">
+                    <a16:creationId xmlns:a16="http://schemas.microsoft.com/office/drawing/2014/main" id="{9AF6BE2F-F9BC-4D7B-AA95-0327B948939C}"/>
+                  </a:ext>
+                </a:extLst>
+              </p:cNvPr>
+              <p:cNvSpPr txBox="1"/>
+              <p:nvPr/>
+            </p:nvSpPr>
+            <p:spPr>
+              <a:xfrm>
+                <a:off x="3410384" y="3939076"/>
+                <a:ext cx="3004131" cy="525913"/>
+              </a:xfrm>
+              <a:prstGeom prst="rect">
+                <a:avLst/>
+              </a:prstGeom>
+              <a:noFill/>
+            </p:spPr>
+            <p:txBody>
+              <a:bodyPr wrap="square" rtlCol="0">
+                <a:spAutoFit/>
+              </a:bodyPr>
+              <a:lstStyle/>
+              <a:p>
+                <a:pPr/>
+                <a14:m>
+                  <m:oMathPara xmlns:m="http://schemas.openxmlformats.org/officeDocument/2006/math">
+                    <m:oMathParaPr>
+                      <m:jc m:val="centerGroup"/>
+                    </m:oMathParaPr>
+                    <m:oMath xmlns:m="http://schemas.openxmlformats.org/officeDocument/2006/math">
+                      <m:r>
+                        <a:rPr lang="en-US" altLang="ja-JP" sz="2800" b="1" i="1" smtClean="0">
+                          <a:solidFill>
+                            <a:schemeClr val="tx1">
+                              <a:lumMod val="65000"/>
+                              <a:lumOff val="35000"/>
+                            </a:schemeClr>
+                          </a:solidFill>
+                          <a:latin typeface="Cambria Math" panose="02040503050406030204" pitchFamily="18" charset="0"/>
+                          <a:ea typeface="Meiryo UI" panose="020B0604030504040204" pitchFamily="50" charset="-128"/>
+                        </a:rPr>
+                        <m:t>𝒕𝒊𝒎𝒆</m:t>
+                      </m:r>
+                    </m:oMath>
+                  </m:oMathPara>
+                </a14:m>
+                <a:endParaRPr lang="ja-JP" altLang="en-US" sz="2800" b="1" dirty="0">
+                  <a:solidFill>
+                    <a:schemeClr val="tx1">
+                      <a:lumMod val="65000"/>
+                      <a:lumOff val="35000"/>
+                    </a:schemeClr>
+                  </a:solidFill>
+                  <a:latin typeface="Meiryo UI" panose="020B0604030504040204" pitchFamily="50" charset="-128"/>
+                  <a:ea typeface="Meiryo UI" panose="020B0604030504040204" pitchFamily="50" charset="-128"/>
+                </a:endParaRPr>
+              </a:p>
+            </p:txBody>
+          </p:sp>
+        </mc:Choice>
+        <mc:Fallback>
+          <p:sp>
+            <p:nvSpPr>
+              <p:cNvPr id="34" name="テキスト ボックス 33">
+                <a:extLst>
+                  <a:ext uri="{FF2B5EF4-FFF2-40B4-BE49-F238E27FC236}">
+                    <a16:creationId xmlns:a16="http://schemas.microsoft.com/office/drawing/2014/main" id="{9AF6BE2F-F9BC-4D7B-AA95-0327B948939C}"/>
+                  </a:ext>
+                </a:extLst>
+              </p:cNvPr>
+              <p:cNvSpPr txBox="1">
+                <a:spLocks noRot="1" noChangeAspect="1" noMove="1" noResize="1" noEditPoints="1" noAdjustHandles="1" noChangeArrowheads="1" noChangeShapeType="1" noTextEdit="1"/>
+              </p:cNvSpPr>
+              <p:nvPr/>
+            </p:nvSpPr>
+            <p:spPr>
+              <a:xfrm>
+                <a:off x="3410384" y="3939076"/>
+                <a:ext cx="3004131" cy="525913"/>
+              </a:xfrm>
+              <a:prstGeom prst="rect">
+                <a:avLst/>
+              </a:prstGeom>
+              <a:blipFill>
+                <a:blip r:embed="rId5"/>
+                <a:stretch>
+                  <a:fillRect/>
+                </a:stretch>
+              </a:blipFill>
+            </p:spPr>
+            <p:txBody>
+              <a:bodyPr/>
+              <a:lstStyle/>
+              <a:p>
+                <a:r>
+                  <a:rPr lang="ja-JP" altLang="en-US">
+                    <a:noFill/>
+                  </a:rPr>
+                  <a:t> </a:t>
+                </a:r>
+              </a:p>
+            </p:txBody>
+          </p:sp>
+        </mc:Fallback>
+      </mc:AlternateContent>
+    </p:spTree>
+    <p:extLst>
+      <p:ext uri="{BB962C8B-B14F-4D97-AF65-F5344CB8AC3E}">
+        <p14:creationId xmlns:p14="http://schemas.microsoft.com/office/powerpoint/2010/main" val="2745388288"/>
       </p:ext>
     </p:extLst>
   </p:cSld>

--- a/figures/figure.pptx
+++ b/figures/figure.pptx
@@ -261,7 +261,7 @@
           <a:p>
             <a:fld id="{D9812761-E0F9-498D-A86D-14F66CBFAB0E}" type="datetimeFigureOut">
               <a:rPr kumimoji="1" lang="ja-JP" altLang="en-US" smtClean="0"/>
-              <a:t>2021/7/5</a:t>
+              <a:t>2021/7/6</a:t>
             </a:fld>
             <a:endParaRPr kumimoji="1" lang="ja-JP" altLang="en-US"/>
           </a:p>
@@ -463,7 +463,7 @@
           <a:p>
             <a:fld id="{D9812761-E0F9-498D-A86D-14F66CBFAB0E}" type="datetimeFigureOut">
               <a:rPr kumimoji="1" lang="ja-JP" altLang="en-US" smtClean="0"/>
-              <a:t>2021/7/5</a:t>
+              <a:t>2021/7/6</a:t>
             </a:fld>
             <a:endParaRPr kumimoji="1" lang="ja-JP" altLang="en-US"/>
           </a:p>
@@ -675,7 +675,7 @@
           <a:p>
             <a:fld id="{D9812761-E0F9-498D-A86D-14F66CBFAB0E}" type="datetimeFigureOut">
               <a:rPr kumimoji="1" lang="ja-JP" altLang="en-US" smtClean="0"/>
-              <a:t>2021/7/5</a:t>
+              <a:t>2021/7/6</a:t>
             </a:fld>
             <a:endParaRPr kumimoji="1" lang="ja-JP" altLang="en-US"/>
           </a:p>
@@ -877,7 +877,7 @@
           <a:p>
             <a:fld id="{D9812761-E0F9-498D-A86D-14F66CBFAB0E}" type="datetimeFigureOut">
               <a:rPr kumimoji="1" lang="ja-JP" altLang="en-US" smtClean="0"/>
-              <a:t>2021/7/5</a:t>
+              <a:t>2021/7/6</a:t>
             </a:fld>
             <a:endParaRPr kumimoji="1" lang="ja-JP" altLang="en-US"/>
           </a:p>
@@ -1121,7 +1121,7 @@
           <a:p>
             <a:fld id="{D9812761-E0F9-498D-A86D-14F66CBFAB0E}" type="datetimeFigureOut">
               <a:rPr kumimoji="1" lang="ja-JP" altLang="en-US" smtClean="0"/>
-              <a:t>2021/7/5</a:t>
+              <a:t>2021/7/6</a:t>
             </a:fld>
             <a:endParaRPr kumimoji="1" lang="ja-JP" altLang="en-US"/>
           </a:p>
@@ -1417,7 +1417,7 @@
           <a:p>
             <a:fld id="{D9812761-E0F9-498D-A86D-14F66CBFAB0E}" type="datetimeFigureOut">
               <a:rPr kumimoji="1" lang="ja-JP" altLang="en-US" smtClean="0"/>
-              <a:t>2021/7/5</a:t>
+              <a:t>2021/7/6</a:t>
             </a:fld>
             <a:endParaRPr kumimoji="1" lang="ja-JP" altLang="en-US"/>
           </a:p>
@@ -1848,7 +1848,7 @@
           <a:p>
             <a:fld id="{D9812761-E0F9-498D-A86D-14F66CBFAB0E}" type="datetimeFigureOut">
               <a:rPr kumimoji="1" lang="ja-JP" altLang="en-US" smtClean="0"/>
-              <a:t>2021/7/5</a:t>
+              <a:t>2021/7/6</a:t>
             </a:fld>
             <a:endParaRPr kumimoji="1" lang="ja-JP" altLang="en-US"/>
           </a:p>
@@ -1966,7 +1966,7 @@
           <a:p>
             <a:fld id="{D9812761-E0F9-498D-A86D-14F66CBFAB0E}" type="datetimeFigureOut">
               <a:rPr kumimoji="1" lang="ja-JP" altLang="en-US" smtClean="0"/>
-              <a:t>2021/7/5</a:t>
+              <a:t>2021/7/6</a:t>
             </a:fld>
             <a:endParaRPr kumimoji="1" lang="ja-JP" altLang="en-US"/>
           </a:p>
@@ -2061,7 +2061,7 @@
           <a:p>
             <a:fld id="{D9812761-E0F9-498D-A86D-14F66CBFAB0E}" type="datetimeFigureOut">
               <a:rPr kumimoji="1" lang="ja-JP" altLang="en-US" smtClean="0"/>
-              <a:t>2021/7/5</a:t>
+              <a:t>2021/7/6</a:t>
             </a:fld>
             <a:endParaRPr kumimoji="1" lang="ja-JP" altLang="en-US"/>
           </a:p>
@@ -2370,7 +2370,7 @@
           <a:p>
             <a:fld id="{D9812761-E0F9-498D-A86D-14F66CBFAB0E}" type="datetimeFigureOut">
               <a:rPr kumimoji="1" lang="ja-JP" altLang="en-US" smtClean="0"/>
-              <a:t>2021/7/5</a:t>
+              <a:t>2021/7/6</a:t>
             </a:fld>
             <a:endParaRPr kumimoji="1" lang="ja-JP" altLang="en-US"/>
           </a:p>
@@ -2627,7 +2627,7 @@
           <a:p>
             <a:fld id="{D9812761-E0F9-498D-A86D-14F66CBFAB0E}" type="datetimeFigureOut">
               <a:rPr kumimoji="1" lang="ja-JP" altLang="en-US" smtClean="0"/>
-              <a:t>2021/7/5</a:t>
+              <a:t>2021/7/6</a:t>
             </a:fld>
             <a:endParaRPr kumimoji="1" lang="ja-JP" altLang="en-US"/>
           </a:p>
@@ -2872,7 +2872,7 @@
           <a:p>
             <a:fld id="{D9812761-E0F9-498D-A86D-14F66CBFAB0E}" type="datetimeFigureOut">
               <a:rPr kumimoji="1" lang="ja-JP" altLang="en-US" smtClean="0"/>
-              <a:t>2021/7/5</a:t>
+              <a:t>2021/7/6</a:t>
             </a:fld>
             <a:endParaRPr kumimoji="1" lang="ja-JP" altLang="en-US"/>
           </a:p>
@@ -9292,8 +9292,8 @@
           </a:fontRef>
         </p:style>
       </p:cxnSp>
-      <mc:AlternateContent xmlns:mc="http://schemas.openxmlformats.org/markup-compatibility/2006">
-        <mc:Choice xmlns:a14="http://schemas.microsoft.com/office/drawing/2010/main" Requires="a14">
+      <mc:AlternateContent xmlns:mc="http://schemas.openxmlformats.org/markup-compatibility/2006" xmlns:a14="http://schemas.microsoft.com/office/drawing/2010/main">
+        <mc:Choice Requires="a14">
           <p:sp>
             <p:nvSpPr>
               <p:cNvPr id="8" name="テキスト ボックス 7">
@@ -9359,7 +9359,7 @@
             </p:txBody>
           </p:sp>
         </mc:Choice>
-        <mc:Fallback>
+        <mc:Fallback xmlns="">
           <p:sp>
             <p:nvSpPr>
               <p:cNvPr id="8" name="テキスト ボックス 7">
@@ -9496,8 +9496,8 @@
           </a:fontRef>
         </p:style>
       </p:cxnSp>
-      <mc:AlternateContent xmlns:mc="http://schemas.openxmlformats.org/markup-compatibility/2006">
-        <mc:Choice xmlns:a14="http://schemas.microsoft.com/office/drawing/2010/main" Requires="a14">
+      <mc:AlternateContent xmlns:mc="http://schemas.openxmlformats.org/markup-compatibility/2006" xmlns:a14="http://schemas.microsoft.com/office/drawing/2010/main">
+        <mc:Choice Requires="a14">
           <p:sp>
             <p:nvSpPr>
               <p:cNvPr id="16" name="テキスト ボックス 15">
@@ -9563,7 +9563,7 @@
             </p:txBody>
           </p:sp>
         </mc:Choice>
-        <mc:Fallback>
+        <mc:Fallback xmlns="">
           <p:sp>
             <p:nvSpPr>
               <p:cNvPr id="16" name="テキスト ボックス 15">
@@ -10298,8 +10298,8 @@
           </a:fontRef>
         </p:style>
       </p:cxnSp>
-      <mc:AlternateContent xmlns:mc="http://schemas.openxmlformats.org/markup-compatibility/2006">
-        <mc:Choice xmlns:a14="http://schemas.microsoft.com/office/drawing/2010/main" Requires="a14">
+      <mc:AlternateContent xmlns:mc="http://schemas.openxmlformats.org/markup-compatibility/2006" xmlns:a14="http://schemas.microsoft.com/office/drawing/2010/main">
+        <mc:Choice Requires="a14">
           <p:sp>
             <p:nvSpPr>
               <p:cNvPr id="33" name="テキスト ボックス 32">
@@ -10365,7 +10365,7 @@
             </p:txBody>
           </p:sp>
         </mc:Choice>
-        <mc:Fallback>
+        <mc:Fallback xmlns="">
           <p:sp>
             <p:nvSpPr>
               <p:cNvPr id="33" name="テキスト ボックス 32">
@@ -10410,8 +10410,8 @@
           </p:sp>
         </mc:Fallback>
       </mc:AlternateContent>
-      <mc:AlternateContent xmlns:mc="http://schemas.openxmlformats.org/markup-compatibility/2006">
-        <mc:Choice xmlns:a14="http://schemas.microsoft.com/office/drawing/2010/main" Requires="a14">
+      <mc:AlternateContent xmlns:mc="http://schemas.openxmlformats.org/markup-compatibility/2006" xmlns:a14="http://schemas.microsoft.com/office/drawing/2010/main">
+        <mc:Choice Requires="a14">
           <p:sp>
             <p:nvSpPr>
               <p:cNvPr id="34" name="テキスト ボックス 33">
@@ -10477,7 +10477,7 @@
             </p:txBody>
           </p:sp>
         </mc:Choice>
-        <mc:Fallback>
+        <mc:Fallback xmlns="">
           <p:sp>
             <p:nvSpPr>
               <p:cNvPr id="34" name="テキスト ボックス 33">
@@ -10502,6 +10502,1058 @@
               </a:prstGeom>
               <a:blipFill>
                 <a:blip r:embed="rId5"/>
+                <a:stretch>
+                  <a:fillRect/>
+                </a:stretch>
+              </a:blipFill>
+            </p:spPr>
+            <p:txBody>
+              <a:bodyPr/>
+              <a:lstStyle/>
+              <a:p>
+                <a:r>
+                  <a:rPr lang="ja-JP" altLang="en-US">
+                    <a:noFill/>
+                  </a:rPr>
+                  <a:t> </a:t>
+                </a:r>
+              </a:p>
+            </p:txBody>
+          </p:sp>
+        </mc:Fallback>
+      </mc:AlternateContent>
+      <p:cxnSp>
+        <p:nvCxnSpPr>
+          <p:cNvPr id="35" name="直線コネクタ 34">
+            <a:extLst>
+              <a:ext uri="{FF2B5EF4-FFF2-40B4-BE49-F238E27FC236}">
+                <a16:creationId xmlns:a16="http://schemas.microsoft.com/office/drawing/2014/main" id="{4E75D221-DC43-49B1-8BA3-709190991AC4}"/>
+              </a:ext>
+            </a:extLst>
+          </p:cNvPr>
+          <p:cNvCxnSpPr>
+            <a:cxnSpLocks/>
+          </p:cNvCxnSpPr>
+          <p:nvPr/>
+        </p:nvCxnSpPr>
+        <p:spPr>
+          <a:xfrm>
+            <a:off x="2511744" y="8991220"/>
+            <a:ext cx="4313555" cy="0"/>
+          </a:xfrm>
+          <a:prstGeom prst="line">
+            <a:avLst/>
+          </a:prstGeom>
+          <a:ln w="57150">
+            <a:solidFill>
+              <a:schemeClr val="tx1">
+                <a:lumMod val="50000"/>
+                <a:lumOff val="50000"/>
+              </a:schemeClr>
+            </a:solidFill>
+          </a:ln>
+        </p:spPr>
+        <p:style>
+          <a:lnRef idx="1">
+            <a:schemeClr val="dk1"/>
+          </a:lnRef>
+          <a:fillRef idx="0">
+            <a:schemeClr val="dk1"/>
+          </a:fillRef>
+          <a:effectRef idx="0">
+            <a:schemeClr val="dk1"/>
+          </a:effectRef>
+          <a:fontRef idx="minor">
+            <a:schemeClr val="tx1"/>
+          </a:fontRef>
+        </p:style>
+      </p:cxnSp>
+      <p:cxnSp>
+        <p:nvCxnSpPr>
+          <p:cNvPr id="36" name="直線コネクタ 35">
+            <a:extLst>
+              <a:ext uri="{FF2B5EF4-FFF2-40B4-BE49-F238E27FC236}">
+                <a16:creationId xmlns:a16="http://schemas.microsoft.com/office/drawing/2014/main" id="{6436B0E4-14A2-4A69-8D59-93C8C73F29A8}"/>
+              </a:ext>
+            </a:extLst>
+          </p:cNvPr>
+          <p:cNvCxnSpPr>
+            <a:cxnSpLocks/>
+          </p:cNvCxnSpPr>
+          <p:nvPr/>
+        </p:nvCxnSpPr>
+        <p:spPr>
+          <a:xfrm>
+            <a:off x="2542224" y="5878825"/>
+            <a:ext cx="0" cy="3112395"/>
+          </a:xfrm>
+          <a:prstGeom prst="line">
+            <a:avLst/>
+          </a:prstGeom>
+          <a:ln w="57150">
+            <a:solidFill>
+              <a:schemeClr val="tx1">
+                <a:lumMod val="50000"/>
+                <a:lumOff val="50000"/>
+              </a:schemeClr>
+            </a:solidFill>
+          </a:ln>
+        </p:spPr>
+        <p:style>
+          <a:lnRef idx="1">
+            <a:schemeClr val="dk1"/>
+          </a:lnRef>
+          <a:fillRef idx="0">
+            <a:schemeClr val="dk1"/>
+          </a:fillRef>
+          <a:effectRef idx="0">
+            <a:schemeClr val="dk1"/>
+          </a:effectRef>
+          <a:fontRef idx="minor">
+            <a:schemeClr val="tx1"/>
+          </a:fontRef>
+        </p:style>
+      </p:cxnSp>
+      <mc:AlternateContent xmlns:mc="http://schemas.openxmlformats.org/markup-compatibility/2006">
+        <mc:Choice xmlns:a14="http://schemas.microsoft.com/office/drawing/2010/main" Requires="a14">
+          <p:sp>
+            <p:nvSpPr>
+              <p:cNvPr id="37" name="テキスト ボックス 36">
+                <a:extLst>
+                  <a:ext uri="{FF2B5EF4-FFF2-40B4-BE49-F238E27FC236}">
+                    <a16:creationId xmlns:a16="http://schemas.microsoft.com/office/drawing/2014/main" id="{8243B123-DB21-492D-AB03-8D6CCD1CFB43}"/>
+                  </a:ext>
+                </a:extLst>
+              </p:cNvPr>
+              <p:cNvSpPr txBox="1"/>
+              <p:nvPr/>
+            </p:nvSpPr>
+            <p:spPr>
+              <a:xfrm>
+                <a:off x="666942" y="5362363"/>
+                <a:ext cx="3004131" cy="523220"/>
+              </a:xfrm>
+              <a:prstGeom prst="rect">
+                <a:avLst/>
+              </a:prstGeom>
+              <a:noFill/>
+            </p:spPr>
+            <p:txBody>
+              <a:bodyPr wrap="square" rtlCol="0">
+                <a:spAutoFit/>
+              </a:bodyPr>
+              <a:lstStyle/>
+              <a:p>
+                <a:pPr/>
+                <a14:m>
+                  <m:oMathPara xmlns:m="http://schemas.openxmlformats.org/officeDocument/2006/math">
+                    <m:oMathParaPr>
+                      <m:jc m:val="centerGroup"/>
+                    </m:oMathParaPr>
+                    <m:oMath xmlns:m="http://schemas.openxmlformats.org/officeDocument/2006/math">
+                      <m:r>
+                        <a:rPr lang="en-US" altLang="ja-JP" sz="2800" b="1" i="1" smtClean="0">
+                          <a:solidFill>
+                            <a:schemeClr val="tx1">
+                              <a:lumMod val="65000"/>
+                              <a:lumOff val="35000"/>
+                            </a:schemeClr>
+                          </a:solidFill>
+                          <a:latin typeface="Cambria Math" panose="02040503050406030204" pitchFamily="18" charset="0"/>
+                          <a:ea typeface="Meiryo UI" panose="020B0604030504040204" pitchFamily="50" charset="-128"/>
+                        </a:rPr>
+                        <m:t>𝒇𝒓𝒆𝒒</m:t>
+                      </m:r>
+                    </m:oMath>
+                  </m:oMathPara>
+                </a14:m>
+                <a:endParaRPr lang="ja-JP" altLang="en-US" sz="2800" b="1" dirty="0">
+                  <a:solidFill>
+                    <a:schemeClr val="tx1">
+                      <a:lumMod val="65000"/>
+                      <a:lumOff val="35000"/>
+                    </a:schemeClr>
+                  </a:solidFill>
+                  <a:latin typeface="Meiryo UI" panose="020B0604030504040204" pitchFamily="50" charset="-128"/>
+                  <a:ea typeface="Meiryo UI" panose="020B0604030504040204" pitchFamily="50" charset="-128"/>
+                </a:endParaRPr>
+              </a:p>
+            </p:txBody>
+          </p:sp>
+        </mc:Choice>
+        <mc:Fallback>
+          <p:sp>
+            <p:nvSpPr>
+              <p:cNvPr id="37" name="テキスト ボックス 36">
+                <a:extLst>
+                  <a:ext uri="{FF2B5EF4-FFF2-40B4-BE49-F238E27FC236}">
+                    <a16:creationId xmlns:a16="http://schemas.microsoft.com/office/drawing/2014/main" id="{8243B123-DB21-492D-AB03-8D6CCD1CFB43}"/>
+                  </a:ext>
+                </a:extLst>
+              </p:cNvPr>
+              <p:cNvSpPr txBox="1">
+                <a:spLocks noRot="1" noChangeAspect="1" noMove="1" noResize="1" noEditPoints="1" noAdjustHandles="1" noChangeArrowheads="1" noChangeShapeType="1" noTextEdit="1"/>
+              </p:cNvSpPr>
+              <p:nvPr/>
+            </p:nvSpPr>
+            <p:spPr>
+              <a:xfrm>
+                <a:off x="666942" y="5362363"/>
+                <a:ext cx="3004131" cy="523220"/>
+              </a:xfrm>
+              <a:prstGeom prst="rect">
+                <a:avLst/>
+              </a:prstGeom>
+              <a:blipFill>
+                <a:blip r:embed="rId6"/>
+                <a:stretch>
+                  <a:fillRect/>
+                </a:stretch>
+              </a:blipFill>
+            </p:spPr>
+            <p:txBody>
+              <a:bodyPr/>
+              <a:lstStyle/>
+              <a:p>
+                <a:r>
+                  <a:rPr lang="ja-JP" altLang="en-US">
+                    <a:noFill/>
+                  </a:rPr>
+                  <a:t> </a:t>
+                </a:r>
+              </a:p>
+            </p:txBody>
+          </p:sp>
+        </mc:Fallback>
+      </mc:AlternateContent>
+      <p:cxnSp>
+        <p:nvCxnSpPr>
+          <p:cNvPr id="38" name="直線コネクタ 37">
+            <a:extLst>
+              <a:ext uri="{FF2B5EF4-FFF2-40B4-BE49-F238E27FC236}">
+                <a16:creationId xmlns:a16="http://schemas.microsoft.com/office/drawing/2014/main" id="{219E3BDA-76FE-486B-8FD8-C85EF847AB11}"/>
+              </a:ext>
+            </a:extLst>
+          </p:cNvPr>
+          <p:cNvCxnSpPr>
+            <a:cxnSpLocks/>
+          </p:cNvCxnSpPr>
+          <p:nvPr/>
+        </p:nvCxnSpPr>
+        <p:spPr>
+          <a:xfrm>
+            <a:off x="2563614" y="6141912"/>
+            <a:ext cx="4313555" cy="0"/>
+          </a:xfrm>
+          <a:prstGeom prst="line">
+            <a:avLst/>
+          </a:prstGeom>
+          <a:ln w="57150">
+            <a:solidFill>
+              <a:schemeClr val="tx1">
+                <a:lumMod val="50000"/>
+                <a:lumOff val="50000"/>
+              </a:schemeClr>
+            </a:solidFill>
+          </a:ln>
+        </p:spPr>
+        <p:style>
+          <a:lnRef idx="1">
+            <a:schemeClr val="dk1"/>
+          </a:lnRef>
+          <a:fillRef idx="0">
+            <a:schemeClr val="dk1"/>
+          </a:fillRef>
+          <a:effectRef idx="0">
+            <a:schemeClr val="dk1"/>
+          </a:effectRef>
+          <a:fontRef idx="minor">
+            <a:schemeClr val="tx1"/>
+          </a:fontRef>
+        </p:style>
+      </p:cxnSp>
+      <p:cxnSp>
+        <p:nvCxnSpPr>
+          <p:cNvPr id="39" name="直線コネクタ 38">
+            <a:extLst>
+              <a:ext uri="{FF2B5EF4-FFF2-40B4-BE49-F238E27FC236}">
+                <a16:creationId xmlns:a16="http://schemas.microsoft.com/office/drawing/2014/main" id="{13F62044-10CA-4E4B-AD95-BEBA0FE2FF8F}"/>
+              </a:ext>
+            </a:extLst>
+          </p:cNvPr>
+          <p:cNvCxnSpPr>
+            <a:cxnSpLocks/>
+          </p:cNvCxnSpPr>
+          <p:nvPr/>
+        </p:nvCxnSpPr>
+        <p:spPr>
+          <a:xfrm>
+            <a:off x="2517894" y="8273214"/>
+            <a:ext cx="4313555" cy="0"/>
+          </a:xfrm>
+          <a:prstGeom prst="line">
+            <a:avLst/>
+          </a:prstGeom>
+          <a:ln w="57150">
+            <a:solidFill>
+              <a:schemeClr val="tx1">
+                <a:lumMod val="50000"/>
+                <a:lumOff val="50000"/>
+              </a:schemeClr>
+            </a:solidFill>
+          </a:ln>
+        </p:spPr>
+        <p:style>
+          <a:lnRef idx="1">
+            <a:schemeClr val="dk1"/>
+          </a:lnRef>
+          <a:fillRef idx="0">
+            <a:schemeClr val="dk1"/>
+          </a:fillRef>
+          <a:effectRef idx="0">
+            <a:schemeClr val="dk1"/>
+          </a:effectRef>
+          <a:fontRef idx="minor">
+            <a:schemeClr val="tx1"/>
+          </a:fontRef>
+        </p:style>
+      </p:cxnSp>
+      <p:cxnSp>
+        <p:nvCxnSpPr>
+          <p:cNvPr id="40" name="直線コネクタ 39">
+            <a:extLst>
+              <a:ext uri="{FF2B5EF4-FFF2-40B4-BE49-F238E27FC236}">
+                <a16:creationId xmlns:a16="http://schemas.microsoft.com/office/drawing/2014/main" id="{C52E3499-6888-478F-AAA6-99485A17B189}"/>
+              </a:ext>
+            </a:extLst>
+          </p:cNvPr>
+          <p:cNvCxnSpPr>
+            <a:cxnSpLocks/>
+          </p:cNvCxnSpPr>
+          <p:nvPr/>
+        </p:nvCxnSpPr>
+        <p:spPr>
+          <a:xfrm>
+            <a:off x="2904936" y="6122665"/>
+            <a:ext cx="0" cy="1463707"/>
+          </a:xfrm>
+          <a:prstGeom prst="line">
+            <a:avLst/>
+          </a:prstGeom>
+          <a:ln w="57150">
+            <a:solidFill>
+              <a:schemeClr val="tx1">
+                <a:lumMod val="50000"/>
+                <a:lumOff val="50000"/>
+              </a:schemeClr>
+            </a:solidFill>
+          </a:ln>
+        </p:spPr>
+        <p:style>
+          <a:lnRef idx="1">
+            <a:schemeClr val="dk1"/>
+          </a:lnRef>
+          <a:fillRef idx="0">
+            <a:schemeClr val="dk1"/>
+          </a:fillRef>
+          <a:effectRef idx="0">
+            <a:schemeClr val="dk1"/>
+          </a:effectRef>
+          <a:fontRef idx="minor">
+            <a:schemeClr val="tx1"/>
+          </a:fontRef>
+        </p:style>
+      </p:cxnSp>
+      <p:cxnSp>
+        <p:nvCxnSpPr>
+          <p:cNvPr id="41" name="直線コネクタ 40">
+            <a:extLst>
+              <a:ext uri="{FF2B5EF4-FFF2-40B4-BE49-F238E27FC236}">
+                <a16:creationId xmlns:a16="http://schemas.microsoft.com/office/drawing/2014/main" id="{FAF109D8-D7F5-42B1-850A-0778DD79BEEA}"/>
+              </a:ext>
+            </a:extLst>
+          </p:cNvPr>
+          <p:cNvCxnSpPr>
+            <a:cxnSpLocks/>
+          </p:cNvCxnSpPr>
+          <p:nvPr/>
+        </p:nvCxnSpPr>
+        <p:spPr>
+          <a:xfrm>
+            <a:off x="4688766" y="6153145"/>
+            <a:ext cx="0" cy="2537603"/>
+          </a:xfrm>
+          <a:prstGeom prst="line">
+            <a:avLst/>
+          </a:prstGeom>
+          <a:ln w="57150">
+            <a:solidFill>
+              <a:schemeClr val="tx1">
+                <a:lumMod val="50000"/>
+                <a:lumOff val="50000"/>
+              </a:schemeClr>
+            </a:solidFill>
+          </a:ln>
+        </p:spPr>
+        <p:style>
+          <a:lnRef idx="1">
+            <a:schemeClr val="dk1"/>
+          </a:lnRef>
+          <a:fillRef idx="0">
+            <a:schemeClr val="dk1"/>
+          </a:fillRef>
+          <a:effectRef idx="0">
+            <a:schemeClr val="dk1"/>
+          </a:effectRef>
+          <a:fontRef idx="minor">
+            <a:schemeClr val="tx1"/>
+          </a:fontRef>
+        </p:style>
+      </p:cxnSp>
+      <p:cxnSp>
+        <p:nvCxnSpPr>
+          <p:cNvPr id="42" name="直線コネクタ 41">
+            <a:extLst>
+              <a:ext uri="{FF2B5EF4-FFF2-40B4-BE49-F238E27FC236}">
+                <a16:creationId xmlns:a16="http://schemas.microsoft.com/office/drawing/2014/main" id="{C5E5F54F-AA34-437B-8015-BFC8569E0126}"/>
+              </a:ext>
+            </a:extLst>
+          </p:cNvPr>
+          <p:cNvCxnSpPr>
+            <a:cxnSpLocks/>
+          </p:cNvCxnSpPr>
+          <p:nvPr/>
+        </p:nvCxnSpPr>
+        <p:spPr>
+          <a:xfrm>
+            <a:off x="5771014" y="6122665"/>
+            <a:ext cx="0" cy="1463707"/>
+          </a:xfrm>
+          <a:prstGeom prst="line">
+            <a:avLst/>
+          </a:prstGeom>
+          <a:ln w="57150">
+            <a:solidFill>
+              <a:schemeClr val="tx1">
+                <a:lumMod val="50000"/>
+                <a:lumOff val="50000"/>
+              </a:schemeClr>
+            </a:solidFill>
+          </a:ln>
+        </p:spPr>
+        <p:style>
+          <a:lnRef idx="1">
+            <a:schemeClr val="dk1"/>
+          </a:lnRef>
+          <a:fillRef idx="0">
+            <a:schemeClr val="dk1"/>
+          </a:fillRef>
+          <a:effectRef idx="0">
+            <a:schemeClr val="dk1"/>
+          </a:effectRef>
+          <a:fontRef idx="minor">
+            <a:schemeClr val="tx1"/>
+          </a:fontRef>
+        </p:style>
+      </p:cxnSp>
+      <p:cxnSp>
+        <p:nvCxnSpPr>
+          <p:cNvPr id="43" name="直線コネクタ 42">
+            <a:extLst>
+              <a:ext uri="{FF2B5EF4-FFF2-40B4-BE49-F238E27FC236}">
+                <a16:creationId xmlns:a16="http://schemas.microsoft.com/office/drawing/2014/main" id="{F9457191-EB6C-4A59-B691-1452C3D74229}"/>
+              </a:ext>
+            </a:extLst>
+          </p:cNvPr>
+          <p:cNvCxnSpPr>
+            <a:cxnSpLocks/>
+          </p:cNvCxnSpPr>
+          <p:nvPr/>
+        </p:nvCxnSpPr>
+        <p:spPr>
+          <a:xfrm>
+            <a:off x="5415486" y="6135191"/>
+            <a:ext cx="6579" cy="2138023"/>
+          </a:xfrm>
+          <a:prstGeom prst="line">
+            <a:avLst/>
+          </a:prstGeom>
+          <a:ln w="57150">
+            <a:solidFill>
+              <a:schemeClr val="tx1">
+                <a:lumMod val="50000"/>
+                <a:lumOff val="50000"/>
+              </a:schemeClr>
+            </a:solidFill>
+          </a:ln>
+        </p:spPr>
+        <p:style>
+          <a:lnRef idx="1">
+            <a:schemeClr val="dk1"/>
+          </a:lnRef>
+          <a:fillRef idx="0">
+            <a:schemeClr val="dk1"/>
+          </a:fillRef>
+          <a:effectRef idx="0">
+            <a:schemeClr val="dk1"/>
+          </a:effectRef>
+          <a:fontRef idx="minor">
+            <a:schemeClr val="tx1"/>
+          </a:fontRef>
+        </p:style>
+      </p:cxnSp>
+      <p:cxnSp>
+        <p:nvCxnSpPr>
+          <p:cNvPr id="44" name="直線コネクタ 43">
+            <a:extLst>
+              <a:ext uri="{FF2B5EF4-FFF2-40B4-BE49-F238E27FC236}">
+                <a16:creationId xmlns:a16="http://schemas.microsoft.com/office/drawing/2014/main" id="{A0840A87-13D1-46AA-97AE-7285E5A897D8}"/>
+              </a:ext>
+            </a:extLst>
+          </p:cNvPr>
+          <p:cNvCxnSpPr>
+            <a:cxnSpLocks/>
+          </p:cNvCxnSpPr>
+          <p:nvPr/>
+        </p:nvCxnSpPr>
+        <p:spPr>
+          <a:xfrm>
+            <a:off x="6502118" y="6153145"/>
+            <a:ext cx="2711" cy="1433227"/>
+          </a:xfrm>
+          <a:prstGeom prst="line">
+            <a:avLst/>
+          </a:prstGeom>
+          <a:ln w="57150">
+            <a:solidFill>
+              <a:schemeClr val="tx1">
+                <a:lumMod val="50000"/>
+                <a:lumOff val="50000"/>
+              </a:schemeClr>
+            </a:solidFill>
+          </a:ln>
+        </p:spPr>
+        <p:style>
+          <a:lnRef idx="1">
+            <a:schemeClr val="dk1"/>
+          </a:lnRef>
+          <a:fillRef idx="0">
+            <a:schemeClr val="dk1"/>
+          </a:fillRef>
+          <a:effectRef idx="0">
+            <a:schemeClr val="dk1"/>
+          </a:effectRef>
+          <a:fontRef idx="minor">
+            <a:schemeClr val="tx1"/>
+          </a:fontRef>
+        </p:style>
+      </p:cxnSp>
+      <p:cxnSp>
+        <p:nvCxnSpPr>
+          <p:cNvPr id="45" name="直線コネクタ 44">
+            <a:extLst>
+              <a:ext uri="{FF2B5EF4-FFF2-40B4-BE49-F238E27FC236}">
+                <a16:creationId xmlns:a16="http://schemas.microsoft.com/office/drawing/2014/main" id="{99D9C062-4DA6-4B71-B672-D8492D30BFA6}"/>
+              </a:ext>
+            </a:extLst>
+          </p:cNvPr>
+          <p:cNvCxnSpPr>
+            <a:cxnSpLocks/>
+          </p:cNvCxnSpPr>
+          <p:nvPr/>
+        </p:nvCxnSpPr>
+        <p:spPr>
+          <a:xfrm>
+            <a:off x="6839904" y="6168385"/>
+            <a:ext cx="14877" cy="2853315"/>
+          </a:xfrm>
+          <a:prstGeom prst="line">
+            <a:avLst/>
+          </a:prstGeom>
+          <a:ln w="57150">
+            <a:solidFill>
+              <a:schemeClr val="tx1">
+                <a:lumMod val="50000"/>
+                <a:lumOff val="50000"/>
+              </a:schemeClr>
+            </a:solidFill>
+          </a:ln>
+        </p:spPr>
+        <p:style>
+          <a:lnRef idx="1">
+            <a:schemeClr val="dk1"/>
+          </a:lnRef>
+          <a:fillRef idx="0">
+            <a:schemeClr val="dk1"/>
+          </a:fillRef>
+          <a:effectRef idx="0">
+            <a:schemeClr val="dk1"/>
+          </a:effectRef>
+          <a:fontRef idx="minor">
+            <a:schemeClr val="tx1"/>
+          </a:fontRef>
+        </p:style>
+      </p:cxnSp>
+      <p:cxnSp>
+        <p:nvCxnSpPr>
+          <p:cNvPr id="46" name="直線コネクタ 45">
+            <a:extLst>
+              <a:ext uri="{FF2B5EF4-FFF2-40B4-BE49-F238E27FC236}">
+                <a16:creationId xmlns:a16="http://schemas.microsoft.com/office/drawing/2014/main" id="{449C680A-E221-4518-BD97-EA731B87DCEE}"/>
+              </a:ext>
+            </a:extLst>
+          </p:cNvPr>
+          <p:cNvCxnSpPr>
+            <a:cxnSpLocks/>
+          </p:cNvCxnSpPr>
+          <p:nvPr/>
+        </p:nvCxnSpPr>
+        <p:spPr>
+          <a:xfrm>
+            <a:off x="2545034" y="7586372"/>
+            <a:ext cx="4313555" cy="0"/>
+          </a:xfrm>
+          <a:prstGeom prst="line">
+            <a:avLst/>
+          </a:prstGeom>
+          <a:ln w="57150">
+            <a:solidFill>
+              <a:schemeClr val="tx1">
+                <a:lumMod val="50000"/>
+                <a:lumOff val="50000"/>
+              </a:schemeClr>
+            </a:solidFill>
+          </a:ln>
+        </p:spPr>
+        <p:style>
+          <a:lnRef idx="1">
+            <a:schemeClr val="dk1"/>
+          </a:lnRef>
+          <a:fillRef idx="0">
+            <a:schemeClr val="dk1"/>
+          </a:fillRef>
+          <a:effectRef idx="0">
+            <a:schemeClr val="dk1"/>
+          </a:effectRef>
+          <a:fontRef idx="minor">
+            <a:schemeClr val="tx1"/>
+          </a:fontRef>
+        </p:style>
+      </p:cxnSp>
+      <p:cxnSp>
+        <p:nvCxnSpPr>
+          <p:cNvPr id="47" name="直線コネクタ 46">
+            <a:extLst>
+              <a:ext uri="{FF2B5EF4-FFF2-40B4-BE49-F238E27FC236}">
+                <a16:creationId xmlns:a16="http://schemas.microsoft.com/office/drawing/2014/main" id="{8AF57235-3BF4-4FE7-AE32-3905AF29BB2F}"/>
+              </a:ext>
+            </a:extLst>
+          </p:cNvPr>
+          <p:cNvCxnSpPr>
+            <a:cxnSpLocks/>
+          </p:cNvCxnSpPr>
+          <p:nvPr/>
+        </p:nvCxnSpPr>
+        <p:spPr>
+          <a:xfrm>
+            <a:off x="2522070" y="8690748"/>
+            <a:ext cx="4313555" cy="0"/>
+          </a:xfrm>
+          <a:prstGeom prst="line">
+            <a:avLst/>
+          </a:prstGeom>
+          <a:ln w="57150">
+            <a:solidFill>
+              <a:schemeClr val="tx1">
+                <a:lumMod val="50000"/>
+                <a:lumOff val="50000"/>
+              </a:schemeClr>
+            </a:solidFill>
+          </a:ln>
+        </p:spPr>
+        <p:style>
+          <a:lnRef idx="1">
+            <a:schemeClr val="dk1"/>
+          </a:lnRef>
+          <a:fillRef idx="0">
+            <a:schemeClr val="dk1"/>
+          </a:fillRef>
+          <a:effectRef idx="0">
+            <a:schemeClr val="dk1"/>
+          </a:effectRef>
+          <a:fontRef idx="minor">
+            <a:schemeClr val="tx1"/>
+          </a:fontRef>
+        </p:style>
+      </p:cxnSp>
+      <p:cxnSp>
+        <p:nvCxnSpPr>
+          <p:cNvPr id="54" name="直線コネクタ 53">
+            <a:extLst>
+              <a:ext uri="{FF2B5EF4-FFF2-40B4-BE49-F238E27FC236}">
+                <a16:creationId xmlns:a16="http://schemas.microsoft.com/office/drawing/2014/main" id="{B450609D-C9FA-4BA6-A56A-15388CB80D8C}"/>
+              </a:ext>
+            </a:extLst>
+          </p:cNvPr>
+          <p:cNvCxnSpPr>
+            <a:cxnSpLocks/>
+          </p:cNvCxnSpPr>
+          <p:nvPr/>
+        </p:nvCxnSpPr>
+        <p:spPr>
+          <a:xfrm>
+            <a:off x="6144082" y="6112227"/>
+            <a:ext cx="0" cy="2160987"/>
+          </a:xfrm>
+          <a:prstGeom prst="line">
+            <a:avLst/>
+          </a:prstGeom>
+          <a:ln w="57150">
+            <a:solidFill>
+              <a:schemeClr val="tx1">
+                <a:lumMod val="50000"/>
+                <a:lumOff val="50000"/>
+              </a:schemeClr>
+            </a:solidFill>
+          </a:ln>
+        </p:spPr>
+        <p:style>
+          <a:lnRef idx="1">
+            <a:schemeClr val="dk1"/>
+          </a:lnRef>
+          <a:fillRef idx="0">
+            <a:schemeClr val="dk1"/>
+          </a:fillRef>
+          <a:effectRef idx="0">
+            <a:schemeClr val="dk1"/>
+          </a:effectRef>
+          <a:fontRef idx="minor">
+            <a:schemeClr val="tx1"/>
+          </a:fontRef>
+        </p:style>
+      </p:cxnSp>
+      <p:cxnSp>
+        <p:nvCxnSpPr>
+          <p:cNvPr id="55" name="直線コネクタ 54">
+            <a:extLst>
+              <a:ext uri="{FF2B5EF4-FFF2-40B4-BE49-F238E27FC236}">
+                <a16:creationId xmlns:a16="http://schemas.microsoft.com/office/drawing/2014/main" id="{6E3A7195-187C-41F3-BDE0-1CAF3D0FEF87}"/>
+              </a:ext>
+            </a:extLst>
+          </p:cNvPr>
+          <p:cNvCxnSpPr>
+            <a:cxnSpLocks/>
+          </p:cNvCxnSpPr>
+          <p:nvPr/>
+        </p:nvCxnSpPr>
+        <p:spPr>
+          <a:xfrm>
+            <a:off x="5059120" y="6112227"/>
+            <a:ext cx="0" cy="1463707"/>
+          </a:xfrm>
+          <a:prstGeom prst="line">
+            <a:avLst/>
+          </a:prstGeom>
+          <a:ln w="57150">
+            <a:solidFill>
+              <a:schemeClr val="tx1">
+                <a:lumMod val="50000"/>
+                <a:lumOff val="50000"/>
+              </a:schemeClr>
+            </a:solidFill>
+          </a:ln>
+        </p:spPr>
+        <p:style>
+          <a:lnRef idx="1">
+            <a:schemeClr val="dk1"/>
+          </a:lnRef>
+          <a:fillRef idx="0">
+            <a:schemeClr val="dk1"/>
+          </a:fillRef>
+          <a:effectRef idx="0">
+            <a:schemeClr val="dk1"/>
+          </a:effectRef>
+          <a:fontRef idx="minor">
+            <a:schemeClr val="tx1"/>
+          </a:fontRef>
+        </p:style>
+      </p:cxnSp>
+      <p:cxnSp>
+        <p:nvCxnSpPr>
+          <p:cNvPr id="56" name="直線コネクタ 55">
+            <a:extLst>
+              <a:ext uri="{FF2B5EF4-FFF2-40B4-BE49-F238E27FC236}">
+                <a16:creationId xmlns:a16="http://schemas.microsoft.com/office/drawing/2014/main" id="{87B6648B-1689-4EB6-953F-6CD102FFD09D}"/>
+              </a:ext>
+            </a:extLst>
+          </p:cNvPr>
+          <p:cNvCxnSpPr>
+            <a:cxnSpLocks/>
+          </p:cNvCxnSpPr>
+          <p:nvPr/>
+        </p:nvCxnSpPr>
+        <p:spPr>
+          <a:xfrm>
+            <a:off x="3964558" y="6124753"/>
+            <a:ext cx="0" cy="2148461"/>
+          </a:xfrm>
+          <a:prstGeom prst="line">
+            <a:avLst/>
+          </a:prstGeom>
+          <a:ln w="57150">
+            <a:solidFill>
+              <a:schemeClr val="tx1">
+                <a:lumMod val="50000"/>
+                <a:lumOff val="50000"/>
+              </a:schemeClr>
+            </a:solidFill>
+          </a:ln>
+        </p:spPr>
+        <p:style>
+          <a:lnRef idx="1">
+            <a:schemeClr val="dk1"/>
+          </a:lnRef>
+          <a:fillRef idx="0">
+            <a:schemeClr val="dk1"/>
+          </a:fillRef>
+          <a:effectRef idx="0">
+            <a:schemeClr val="dk1"/>
+          </a:effectRef>
+          <a:fontRef idx="minor">
+            <a:schemeClr val="tx1"/>
+          </a:fontRef>
+        </p:style>
+      </p:cxnSp>
+      <p:cxnSp>
+        <p:nvCxnSpPr>
+          <p:cNvPr id="62" name="直線コネクタ 61">
+            <a:extLst>
+              <a:ext uri="{FF2B5EF4-FFF2-40B4-BE49-F238E27FC236}">
+                <a16:creationId xmlns:a16="http://schemas.microsoft.com/office/drawing/2014/main" id="{9314F0F7-0645-4D2D-84C9-7ED505F71C07}"/>
+              </a:ext>
+            </a:extLst>
+          </p:cNvPr>
+          <p:cNvCxnSpPr>
+            <a:cxnSpLocks/>
+          </p:cNvCxnSpPr>
+          <p:nvPr/>
+        </p:nvCxnSpPr>
+        <p:spPr>
+          <a:xfrm>
+            <a:off x="3220846" y="6136945"/>
+            <a:ext cx="0" cy="2148461"/>
+          </a:xfrm>
+          <a:prstGeom prst="line">
+            <a:avLst/>
+          </a:prstGeom>
+          <a:ln w="57150">
+            <a:solidFill>
+              <a:schemeClr val="tx1">
+                <a:lumMod val="50000"/>
+                <a:lumOff val="50000"/>
+              </a:schemeClr>
+            </a:solidFill>
+          </a:ln>
+        </p:spPr>
+        <p:style>
+          <a:lnRef idx="1">
+            <a:schemeClr val="dk1"/>
+          </a:lnRef>
+          <a:fillRef idx="0">
+            <a:schemeClr val="dk1"/>
+          </a:fillRef>
+          <a:effectRef idx="0">
+            <a:schemeClr val="dk1"/>
+          </a:effectRef>
+          <a:fontRef idx="minor">
+            <a:schemeClr val="tx1"/>
+          </a:fontRef>
+        </p:style>
+      </p:cxnSp>
+      <p:cxnSp>
+        <p:nvCxnSpPr>
+          <p:cNvPr id="64" name="直線コネクタ 63">
+            <a:extLst>
+              <a:ext uri="{FF2B5EF4-FFF2-40B4-BE49-F238E27FC236}">
+                <a16:creationId xmlns:a16="http://schemas.microsoft.com/office/drawing/2014/main" id="{480376E2-671F-46C5-835A-A3ABB7638749}"/>
+              </a:ext>
+            </a:extLst>
+          </p:cNvPr>
+          <p:cNvCxnSpPr>
+            <a:cxnSpLocks/>
+          </p:cNvCxnSpPr>
+          <p:nvPr/>
+        </p:nvCxnSpPr>
+        <p:spPr>
+          <a:xfrm>
+            <a:off x="3599880" y="6147049"/>
+            <a:ext cx="0" cy="1463707"/>
+          </a:xfrm>
+          <a:prstGeom prst="line">
+            <a:avLst/>
+          </a:prstGeom>
+          <a:ln w="57150">
+            <a:solidFill>
+              <a:schemeClr val="tx1">
+                <a:lumMod val="50000"/>
+                <a:lumOff val="50000"/>
+              </a:schemeClr>
+            </a:solidFill>
+          </a:ln>
+        </p:spPr>
+        <p:style>
+          <a:lnRef idx="1">
+            <a:schemeClr val="dk1"/>
+          </a:lnRef>
+          <a:fillRef idx="0">
+            <a:schemeClr val="dk1"/>
+          </a:fillRef>
+          <a:effectRef idx="0">
+            <a:schemeClr val="dk1"/>
+          </a:effectRef>
+          <a:fontRef idx="minor">
+            <a:schemeClr val="tx1"/>
+          </a:fontRef>
+        </p:style>
+      </p:cxnSp>
+      <p:cxnSp>
+        <p:nvCxnSpPr>
+          <p:cNvPr id="65" name="直線コネクタ 64">
+            <a:extLst>
+              <a:ext uri="{FF2B5EF4-FFF2-40B4-BE49-F238E27FC236}">
+                <a16:creationId xmlns:a16="http://schemas.microsoft.com/office/drawing/2014/main" id="{C4A2D705-A6A2-4B38-BA08-539F716026C4}"/>
+              </a:ext>
+            </a:extLst>
+          </p:cNvPr>
+          <p:cNvCxnSpPr>
+            <a:cxnSpLocks/>
+          </p:cNvCxnSpPr>
+          <p:nvPr/>
+        </p:nvCxnSpPr>
+        <p:spPr>
+          <a:xfrm>
+            <a:off x="4331400" y="6140953"/>
+            <a:ext cx="0" cy="1463707"/>
+          </a:xfrm>
+          <a:prstGeom prst="line">
+            <a:avLst/>
+          </a:prstGeom>
+          <a:ln w="57150">
+            <a:solidFill>
+              <a:schemeClr val="tx1">
+                <a:lumMod val="50000"/>
+                <a:lumOff val="50000"/>
+              </a:schemeClr>
+            </a:solidFill>
+          </a:ln>
+        </p:spPr>
+        <p:style>
+          <a:lnRef idx="1">
+            <a:schemeClr val="dk1"/>
+          </a:lnRef>
+          <a:fillRef idx="0">
+            <a:schemeClr val="dk1"/>
+          </a:fillRef>
+          <a:effectRef idx="0">
+            <a:schemeClr val="dk1"/>
+          </a:effectRef>
+          <a:fontRef idx="minor">
+            <a:schemeClr val="tx1"/>
+          </a:fontRef>
+        </p:style>
+      </p:cxnSp>
+      <mc:AlternateContent xmlns:mc="http://schemas.openxmlformats.org/markup-compatibility/2006">
+        <mc:Choice xmlns:a14="http://schemas.microsoft.com/office/drawing/2010/main" Requires="a14">
+          <p:sp>
+            <p:nvSpPr>
+              <p:cNvPr id="68" name="テキスト ボックス 67">
+                <a:extLst>
+                  <a:ext uri="{FF2B5EF4-FFF2-40B4-BE49-F238E27FC236}">
+                    <a16:creationId xmlns:a16="http://schemas.microsoft.com/office/drawing/2014/main" id="{FEB8576B-9792-472D-AD8D-80D375690DB4}"/>
+                  </a:ext>
+                </a:extLst>
+              </p:cNvPr>
+              <p:cNvSpPr txBox="1"/>
+              <p:nvPr/>
+            </p:nvSpPr>
+            <p:spPr>
+              <a:xfrm>
+                <a:off x="4912449" y="9000338"/>
+                <a:ext cx="3004131" cy="525913"/>
+              </a:xfrm>
+              <a:prstGeom prst="rect">
+                <a:avLst/>
+              </a:prstGeom>
+              <a:noFill/>
+            </p:spPr>
+            <p:txBody>
+              <a:bodyPr wrap="square" rtlCol="0">
+                <a:spAutoFit/>
+              </a:bodyPr>
+              <a:lstStyle/>
+              <a:p>
+                <a:pPr/>
+                <a14:m>
+                  <m:oMathPara xmlns:m="http://schemas.openxmlformats.org/officeDocument/2006/math">
+                    <m:oMathParaPr>
+                      <m:jc m:val="centerGroup"/>
+                    </m:oMathParaPr>
+                    <m:oMath xmlns:m="http://schemas.openxmlformats.org/officeDocument/2006/math">
+                      <m:r>
+                        <a:rPr lang="en-US" altLang="ja-JP" sz="2800" b="1" i="1" smtClean="0">
+                          <a:solidFill>
+                            <a:schemeClr val="tx1">
+                              <a:lumMod val="65000"/>
+                              <a:lumOff val="35000"/>
+                            </a:schemeClr>
+                          </a:solidFill>
+                          <a:latin typeface="Cambria Math" panose="02040503050406030204" pitchFamily="18" charset="0"/>
+                          <a:ea typeface="Meiryo UI" panose="020B0604030504040204" pitchFamily="50" charset="-128"/>
+                        </a:rPr>
+                        <m:t>𝒕𝒊𝒎𝒆</m:t>
+                      </m:r>
+                    </m:oMath>
+                  </m:oMathPara>
+                </a14:m>
+                <a:endParaRPr lang="ja-JP" altLang="en-US" sz="2800" b="1" dirty="0">
+                  <a:solidFill>
+                    <a:schemeClr val="tx1">
+                      <a:lumMod val="65000"/>
+                      <a:lumOff val="35000"/>
+                    </a:schemeClr>
+                  </a:solidFill>
+                  <a:latin typeface="Meiryo UI" panose="020B0604030504040204" pitchFamily="50" charset="-128"/>
+                  <a:ea typeface="Meiryo UI" panose="020B0604030504040204" pitchFamily="50" charset="-128"/>
+                </a:endParaRPr>
+              </a:p>
+            </p:txBody>
+          </p:sp>
+        </mc:Choice>
+        <mc:Fallback>
+          <p:sp>
+            <p:nvSpPr>
+              <p:cNvPr id="68" name="テキスト ボックス 67">
+                <a:extLst>
+                  <a:ext uri="{FF2B5EF4-FFF2-40B4-BE49-F238E27FC236}">
+                    <a16:creationId xmlns:a16="http://schemas.microsoft.com/office/drawing/2014/main" id="{FEB8576B-9792-472D-AD8D-80D375690DB4}"/>
+                  </a:ext>
+                </a:extLst>
+              </p:cNvPr>
+              <p:cNvSpPr txBox="1">
+                <a:spLocks noRot="1" noChangeAspect="1" noMove="1" noResize="1" noEditPoints="1" noAdjustHandles="1" noChangeArrowheads="1" noChangeShapeType="1" noTextEdit="1"/>
+              </p:cNvSpPr>
+              <p:nvPr/>
+            </p:nvSpPr>
+            <p:spPr>
+              <a:xfrm>
+                <a:off x="4912449" y="9000338"/>
+                <a:ext cx="3004131" cy="525913"/>
+              </a:xfrm>
+              <a:prstGeom prst="rect">
+                <a:avLst/>
+              </a:prstGeom>
+              <a:blipFill>
+                <a:blip r:embed="rId7"/>
                 <a:stretch>
                   <a:fillRect/>
                 </a:stretch>

--- a/figures/figure.pptx
+++ b/figures/figure.pptx
@@ -13,6 +13,7 @@
     <p:sldId id="260" r:id="rId7"/>
     <p:sldId id="263" r:id="rId8"/>
     <p:sldId id="264" r:id="rId9"/>
+    <p:sldId id="265" r:id="rId10"/>
   </p:sldIdLst>
   <p:sldSz cx="10799763" cy="10799763"/>
   <p:notesSz cx="6797675" cy="9926638"/>
@@ -261,7 +262,7 @@
           <a:p>
             <a:fld id="{D9812761-E0F9-498D-A86D-14F66CBFAB0E}" type="datetimeFigureOut">
               <a:rPr kumimoji="1" lang="ja-JP" altLang="en-US" smtClean="0"/>
-              <a:t>2021/7/6</a:t>
+              <a:t>2021/9/9</a:t>
             </a:fld>
             <a:endParaRPr kumimoji="1" lang="ja-JP" altLang="en-US"/>
           </a:p>
@@ -463,7 +464,7 @@
           <a:p>
             <a:fld id="{D9812761-E0F9-498D-A86D-14F66CBFAB0E}" type="datetimeFigureOut">
               <a:rPr kumimoji="1" lang="ja-JP" altLang="en-US" smtClean="0"/>
-              <a:t>2021/7/6</a:t>
+              <a:t>2021/9/9</a:t>
             </a:fld>
             <a:endParaRPr kumimoji="1" lang="ja-JP" altLang="en-US"/>
           </a:p>
@@ -675,7 +676,7 @@
           <a:p>
             <a:fld id="{D9812761-E0F9-498D-A86D-14F66CBFAB0E}" type="datetimeFigureOut">
               <a:rPr kumimoji="1" lang="ja-JP" altLang="en-US" smtClean="0"/>
-              <a:t>2021/7/6</a:t>
+              <a:t>2021/9/9</a:t>
             </a:fld>
             <a:endParaRPr kumimoji="1" lang="ja-JP" altLang="en-US"/>
           </a:p>
@@ -877,7 +878,7 @@
           <a:p>
             <a:fld id="{D9812761-E0F9-498D-A86D-14F66CBFAB0E}" type="datetimeFigureOut">
               <a:rPr kumimoji="1" lang="ja-JP" altLang="en-US" smtClean="0"/>
-              <a:t>2021/7/6</a:t>
+              <a:t>2021/9/9</a:t>
             </a:fld>
             <a:endParaRPr kumimoji="1" lang="ja-JP" altLang="en-US"/>
           </a:p>
@@ -1121,7 +1122,7 @@
           <a:p>
             <a:fld id="{D9812761-E0F9-498D-A86D-14F66CBFAB0E}" type="datetimeFigureOut">
               <a:rPr kumimoji="1" lang="ja-JP" altLang="en-US" smtClean="0"/>
-              <a:t>2021/7/6</a:t>
+              <a:t>2021/9/9</a:t>
             </a:fld>
             <a:endParaRPr kumimoji="1" lang="ja-JP" altLang="en-US"/>
           </a:p>
@@ -1417,7 +1418,7 @@
           <a:p>
             <a:fld id="{D9812761-E0F9-498D-A86D-14F66CBFAB0E}" type="datetimeFigureOut">
               <a:rPr kumimoji="1" lang="ja-JP" altLang="en-US" smtClean="0"/>
-              <a:t>2021/7/6</a:t>
+              <a:t>2021/9/9</a:t>
             </a:fld>
             <a:endParaRPr kumimoji="1" lang="ja-JP" altLang="en-US"/>
           </a:p>
@@ -1848,7 +1849,7 @@
           <a:p>
             <a:fld id="{D9812761-E0F9-498D-A86D-14F66CBFAB0E}" type="datetimeFigureOut">
               <a:rPr kumimoji="1" lang="ja-JP" altLang="en-US" smtClean="0"/>
-              <a:t>2021/7/6</a:t>
+              <a:t>2021/9/9</a:t>
             </a:fld>
             <a:endParaRPr kumimoji="1" lang="ja-JP" altLang="en-US"/>
           </a:p>
@@ -1966,7 +1967,7 @@
           <a:p>
             <a:fld id="{D9812761-E0F9-498D-A86D-14F66CBFAB0E}" type="datetimeFigureOut">
               <a:rPr kumimoji="1" lang="ja-JP" altLang="en-US" smtClean="0"/>
-              <a:t>2021/7/6</a:t>
+              <a:t>2021/9/9</a:t>
             </a:fld>
             <a:endParaRPr kumimoji="1" lang="ja-JP" altLang="en-US"/>
           </a:p>
@@ -2061,7 +2062,7 @@
           <a:p>
             <a:fld id="{D9812761-E0F9-498D-A86D-14F66CBFAB0E}" type="datetimeFigureOut">
               <a:rPr kumimoji="1" lang="ja-JP" altLang="en-US" smtClean="0"/>
-              <a:t>2021/7/6</a:t>
+              <a:t>2021/9/9</a:t>
             </a:fld>
             <a:endParaRPr kumimoji="1" lang="ja-JP" altLang="en-US"/>
           </a:p>
@@ -2370,7 +2371,7 @@
           <a:p>
             <a:fld id="{D9812761-E0F9-498D-A86D-14F66CBFAB0E}" type="datetimeFigureOut">
               <a:rPr kumimoji="1" lang="ja-JP" altLang="en-US" smtClean="0"/>
-              <a:t>2021/7/6</a:t>
+              <a:t>2021/9/9</a:t>
             </a:fld>
             <a:endParaRPr kumimoji="1" lang="ja-JP" altLang="en-US"/>
           </a:p>
@@ -2627,7 +2628,7 @@
           <a:p>
             <a:fld id="{D9812761-E0F9-498D-A86D-14F66CBFAB0E}" type="datetimeFigureOut">
               <a:rPr kumimoji="1" lang="ja-JP" altLang="en-US" smtClean="0"/>
-              <a:t>2021/7/6</a:t>
+              <a:t>2021/9/9</a:t>
             </a:fld>
             <a:endParaRPr kumimoji="1" lang="ja-JP" altLang="en-US"/>
           </a:p>
@@ -2872,7 +2873,7 @@
           <a:p>
             <a:fld id="{D9812761-E0F9-498D-A86D-14F66CBFAB0E}" type="datetimeFigureOut">
               <a:rPr kumimoji="1" lang="ja-JP" altLang="en-US" smtClean="0"/>
-              <a:t>2021/7/6</a:t>
+              <a:t>2021/9/9</a:t>
             </a:fld>
             <a:endParaRPr kumimoji="1" lang="ja-JP" altLang="en-US"/>
           </a:p>
@@ -10614,8 +10615,8 @@
           </a:fontRef>
         </p:style>
       </p:cxnSp>
-      <mc:AlternateContent xmlns:mc="http://schemas.openxmlformats.org/markup-compatibility/2006">
-        <mc:Choice xmlns:a14="http://schemas.microsoft.com/office/drawing/2010/main" Requires="a14">
+      <mc:AlternateContent xmlns:mc="http://schemas.openxmlformats.org/markup-compatibility/2006" xmlns:a14="http://schemas.microsoft.com/office/drawing/2010/main">
+        <mc:Choice Requires="a14">
           <p:sp>
             <p:nvSpPr>
               <p:cNvPr id="37" name="テキスト ボックス 36">
@@ -10681,7 +10682,7 @@
             </p:txBody>
           </p:sp>
         </mc:Choice>
-        <mc:Fallback>
+        <mc:Fallback xmlns="">
           <p:sp>
             <p:nvSpPr>
               <p:cNvPr id="37" name="テキスト ボックス 36">
@@ -11462,8 +11463,8 @@
           </a:fontRef>
         </p:style>
       </p:cxnSp>
-      <mc:AlternateContent xmlns:mc="http://schemas.openxmlformats.org/markup-compatibility/2006">
-        <mc:Choice xmlns:a14="http://schemas.microsoft.com/office/drawing/2010/main" Requires="a14">
+      <mc:AlternateContent xmlns:mc="http://schemas.openxmlformats.org/markup-compatibility/2006" xmlns:a14="http://schemas.microsoft.com/office/drawing/2010/main">
+        <mc:Choice Requires="a14">
           <p:sp>
             <p:nvSpPr>
               <p:cNvPr id="68" name="テキスト ボックス 67">
@@ -11529,7 +11530,7 @@
             </p:txBody>
           </p:sp>
         </mc:Choice>
-        <mc:Fallback>
+        <mc:Fallback xmlns="">
           <p:sp>
             <p:nvSpPr>
               <p:cNvPr id="68" name="テキスト ボックス 67">
@@ -11578,6 +11579,1244 @@
     <p:extLst>
       <p:ext uri="{BB962C8B-B14F-4D97-AF65-F5344CB8AC3E}">
         <p14:creationId xmlns:p14="http://schemas.microsoft.com/office/powerpoint/2010/main" val="2745388288"/>
+      </p:ext>
+    </p:extLst>
+  </p:cSld>
+  <p:clrMapOvr>
+    <a:masterClrMapping/>
+  </p:clrMapOvr>
+</p:sld>
+</file>
+
+<file path=ppt/slides/slide9.xml><?xml version="1.0" encoding="utf-8"?>
+<p:sld xmlns:a="http://schemas.openxmlformats.org/drawingml/2006/main" xmlns:r="http://schemas.openxmlformats.org/officeDocument/2006/relationships" xmlns:p="http://schemas.openxmlformats.org/presentationml/2006/main">
+  <p:cSld>
+    <p:spTree>
+      <p:nvGrpSpPr>
+        <p:cNvPr id="1" name=""/>
+        <p:cNvGrpSpPr/>
+        <p:nvPr/>
+      </p:nvGrpSpPr>
+      <p:grpSpPr>
+        <a:xfrm>
+          <a:off x="0" y="0"/>
+          <a:ext cx="0" cy="0"/>
+          <a:chOff x="0" y="0"/>
+          <a:chExt cx="0" cy="0"/>
+        </a:xfrm>
+      </p:grpSpPr>
+      <mc:AlternateContent xmlns:mc="http://schemas.openxmlformats.org/markup-compatibility/2006">
+        <mc:Choice xmlns:a14="http://schemas.microsoft.com/office/drawing/2010/main" Requires="a14">
+          <p:sp>
+            <p:nvSpPr>
+              <p:cNvPr id="5" name="テキスト ボックス 4">
+                <a:extLst>
+                  <a:ext uri="{FF2B5EF4-FFF2-40B4-BE49-F238E27FC236}">
+                    <a16:creationId xmlns:a16="http://schemas.microsoft.com/office/drawing/2014/main" id="{4032AF5D-EA04-4114-85CF-72445A1C5C12}"/>
+                  </a:ext>
+                </a:extLst>
+              </p:cNvPr>
+              <p:cNvSpPr txBox="1"/>
+              <p:nvPr/>
+            </p:nvSpPr>
+            <p:spPr>
+              <a:xfrm>
+                <a:off x="3434834" y="2712243"/>
+                <a:ext cx="969264" cy="553998"/>
+              </a:xfrm>
+              <a:prstGeom prst="rect">
+                <a:avLst/>
+              </a:prstGeom>
+              <a:noFill/>
+            </p:spPr>
+            <p:txBody>
+              <a:bodyPr wrap="square" lIns="0" tIns="0" rIns="0" bIns="0" rtlCol="0">
+                <a:spAutoFit/>
+              </a:bodyPr>
+              <a:lstStyle/>
+              <a:p>
+                <a14:m>
+                  <m:oMathPara xmlns:m="http://schemas.openxmlformats.org/officeDocument/2006/math">
+                    <m:oMathParaPr>
+                      <m:jc m:val="centerGroup"/>
+                    </m:oMathParaPr>
+                    <m:oMath xmlns:m="http://schemas.openxmlformats.org/officeDocument/2006/math">
+                      <m:sSub>
+                        <m:sSubPr>
+                          <m:ctrlPr>
+                            <a:rPr kumimoji="1" lang="en-US" altLang="ja-JP" sz="3600" b="0" i="1" smtClean="0">
+                              <a:latin typeface="Cambria Math" panose="02040503050406030204" pitchFamily="18" charset="0"/>
+                            </a:rPr>
+                          </m:ctrlPr>
+                        </m:sSubPr>
+                        <m:e>
+                          <m:r>
+                            <a:rPr kumimoji="1" lang="en-US" altLang="ja-JP" sz="3600" b="0" i="1" smtClean="0">
+                              <a:latin typeface="Cambria Math" panose="02040503050406030204" pitchFamily="18" charset="0"/>
+                            </a:rPr>
+                            <m:t>𝐻</m:t>
+                          </m:r>
+                        </m:e>
+                        <m:sub>
+                          <m:r>
+                            <a:rPr kumimoji="1" lang="en-US" altLang="ja-JP" sz="3600" b="0" i="1" smtClean="0">
+                              <a:latin typeface="Cambria Math" panose="02040503050406030204" pitchFamily="18" charset="0"/>
+                            </a:rPr>
+                            <m:t>0</m:t>
+                          </m:r>
+                        </m:sub>
+                      </m:sSub>
+                    </m:oMath>
+                  </m:oMathPara>
+                </a14:m>
+                <a:endParaRPr kumimoji="1" lang="ja-JP" altLang="en-US" sz="4400" dirty="0"/>
+              </a:p>
+            </p:txBody>
+          </p:sp>
+        </mc:Choice>
+        <mc:Fallback>
+          <p:sp>
+            <p:nvSpPr>
+              <p:cNvPr id="5" name="テキスト ボックス 4">
+                <a:extLst>
+                  <a:ext uri="{FF2B5EF4-FFF2-40B4-BE49-F238E27FC236}">
+                    <a16:creationId xmlns:a16="http://schemas.microsoft.com/office/drawing/2014/main" id="{4032AF5D-EA04-4114-85CF-72445A1C5C12}"/>
+                  </a:ext>
+                </a:extLst>
+              </p:cNvPr>
+              <p:cNvSpPr txBox="1">
+                <a:spLocks noRot="1" noChangeAspect="1" noMove="1" noResize="1" noEditPoints="1" noAdjustHandles="1" noChangeArrowheads="1" noChangeShapeType="1" noTextEdit="1"/>
+              </p:cNvSpPr>
+              <p:nvPr/>
+            </p:nvSpPr>
+            <p:spPr>
+              <a:xfrm>
+                <a:off x="3434834" y="2712243"/>
+                <a:ext cx="969264" cy="553998"/>
+              </a:xfrm>
+              <a:prstGeom prst="rect">
+                <a:avLst/>
+              </a:prstGeom>
+              <a:blipFill>
+                <a:blip r:embed="rId2"/>
+                <a:stretch>
+                  <a:fillRect/>
+                </a:stretch>
+              </a:blipFill>
+            </p:spPr>
+            <p:txBody>
+              <a:bodyPr/>
+              <a:lstStyle/>
+              <a:p>
+                <a:r>
+                  <a:rPr lang="ja-JP" altLang="en-US">
+                    <a:noFill/>
+                  </a:rPr>
+                  <a:t> </a:t>
+                </a:r>
+              </a:p>
+            </p:txBody>
+          </p:sp>
+        </mc:Fallback>
+      </mc:AlternateContent>
+      <mc:AlternateContent xmlns:mc="http://schemas.openxmlformats.org/markup-compatibility/2006">
+        <mc:Choice xmlns:a14="http://schemas.microsoft.com/office/drawing/2010/main" Requires="a14">
+          <p:sp>
+            <p:nvSpPr>
+              <p:cNvPr id="8" name="テキスト ボックス 7">
+                <a:extLst>
+                  <a:ext uri="{FF2B5EF4-FFF2-40B4-BE49-F238E27FC236}">
+                    <a16:creationId xmlns:a16="http://schemas.microsoft.com/office/drawing/2014/main" id="{F1511435-EBC7-4CE4-807A-DACFDE4A85CE}"/>
+                  </a:ext>
+                </a:extLst>
+              </p:cNvPr>
+              <p:cNvSpPr txBox="1"/>
+              <p:nvPr/>
+            </p:nvSpPr>
+            <p:spPr>
+              <a:xfrm>
+                <a:off x="6462830" y="2712243"/>
+                <a:ext cx="969264" cy="553998"/>
+              </a:xfrm>
+              <a:prstGeom prst="rect">
+                <a:avLst/>
+              </a:prstGeom>
+              <a:noFill/>
+            </p:spPr>
+            <p:txBody>
+              <a:bodyPr wrap="square" lIns="0" tIns="0" rIns="0" bIns="0" rtlCol="0">
+                <a:spAutoFit/>
+              </a:bodyPr>
+              <a:lstStyle/>
+              <a:p>
+                <a14:m>
+                  <m:oMathPara xmlns:m="http://schemas.openxmlformats.org/officeDocument/2006/math">
+                    <m:oMathParaPr>
+                      <m:jc m:val="centerGroup"/>
+                    </m:oMathParaPr>
+                    <m:oMath xmlns:m="http://schemas.openxmlformats.org/officeDocument/2006/math">
+                      <m:sSub>
+                        <m:sSubPr>
+                          <m:ctrlPr>
+                            <a:rPr kumimoji="1" lang="en-US" altLang="ja-JP" sz="3600" b="0" i="1" smtClean="0">
+                              <a:latin typeface="Cambria Math" panose="02040503050406030204" pitchFamily="18" charset="0"/>
+                            </a:rPr>
+                          </m:ctrlPr>
+                        </m:sSubPr>
+                        <m:e>
+                          <m:r>
+                            <a:rPr kumimoji="1" lang="en-US" altLang="ja-JP" sz="3600" b="0" i="1" smtClean="0">
+                              <a:latin typeface="Cambria Math" panose="02040503050406030204" pitchFamily="18" charset="0"/>
+                            </a:rPr>
+                            <m:t>𝐻</m:t>
+                          </m:r>
+                        </m:e>
+                        <m:sub>
+                          <m:r>
+                            <a:rPr kumimoji="1" lang="en-US" altLang="ja-JP" sz="3600" b="0" i="1" smtClean="0">
+                              <a:latin typeface="Cambria Math" panose="02040503050406030204" pitchFamily="18" charset="0"/>
+                            </a:rPr>
+                            <m:t>1</m:t>
+                          </m:r>
+                        </m:sub>
+                      </m:sSub>
+                    </m:oMath>
+                  </m:oMathPara>
+                </a14:m>
+                <a:endParaRPr kumimoji="1" lang="ja-JP" altLang="en-US" sz="4400" dirty="0"/>
+              </a:p>
+            </p:txBody>
+          </p:sp>
+        </mc:Choice>
+        <mc:Fallback>
+          <p:sp>
+            <p:nvSpPr>
+              <p:cNvPr id="8" name="テキスト ボックス 7">
+                <a:extLst>
+                  <a:ext uri="{FF2B5EF4-FFF2-40B4-BE49-F238E27FC236}">
+                    <a16:creationId xmlns:a16="http://schemas.microsoft.com/office/drawing/2014/main" id="{F1511435-EBC7-4CE4-807A-DACFDE4A85CE}"/>
+                  </a:ext>
+                </a:extLst>
+              </p:cNvPr>
+              <p:cNvSpPr txBox="1">
+                <a:spLocks noRot="1" noChangeAspect="1" noMove="1" noResize="1" noEditPoints="1" noAdjustHandles="1" noChangeArrowheads="1" noChangeShapeType="1" noTextEdit="1"/>
+              </p:cNvSpPr>
+              <p:nvPr/>
+            </p:nvSpPr>
+            <p:spPr>
+              <a:xfrm>
+                <a:off x="6462830" y="2712243"/>
+                <a:ext cx="969264" cy="553998"/>
+              </a:xfrm>
+              <a:prstGeom prst="rect">
+                <a:avLst/>
+              </a:prstGeom>
+              <a:blipFill>
+                <a:blip r:embed="rId3"/>
+                <a:stretch>
+                  <a:fillRect/>
+                </a:stretch>
+              </a:blipFill>
+            </p:spPr>
+            <p:txBody>
+              <a:bodyPr/>
+              <a:lstStyle/>
+              <a:p>
+                <a:r>
+                  <a:rPr lang="ja-JP" altLang="en-US">
+                    <a:noFill/>
+                  </a:rPr>
+                  <a:t> </a:t>
+                </a:r>
+              </a:p>
+            </p:txBody>
+          </p:sp>
+        </mc:Fallback>
+      </mc:AlternateContent>
+      <p:sp>
+        <p:nvSpPr>
+          <p:cNvPr id="13" name="フリーフォーム: 図形 12">
+            <a:extLst>
+              <a:ext uri="{FF2B5EF4-FFF2-40B4-BE49-F238E27FC236}">
+                <a16:creationId xmlns:a16="http://schemas.microsoft.com/office/drawing/2014/main" id="{742A015D-48A3-4931-9E1C-2268E3B1B607}"/>
+              </a:ext>
+            </a:extLst>
+          </p:cNvPr>
+          <p:cNvSpPr/>
+          <p:nvPr/>
+        </p:nvSpPr>
+        <p:spPr>
+          <a:xfrm>
+            <a:off x="4089400" y="5803900"/>
+            <a:ext cx="1305560" cy="1031240"/>
+          </a:xfrm>
+          <a:custGeom>
+            <a:avLst/>
+            <a:gdLst>
+              <a:gd name="connsiteX0" fmla="*/ 1305560 w 1305560"/>
+              <a:gd name="connsiteY0" fmla="*/ 0 h 1031240"/>
+              <a:gd name="connsiteX1" fmla="*/ 1303020 w 1305560"/>
+              <a:gd name="connsiteY1" fmla="*/ 1031240 h 1031240"/>
+              <a:gd name="connsiteX2" fmla="*/ 0 w 1305560"/>
+              <a:gd name="connsiteY2" fmla="*/ 1026160 h 1031240"/>
+              <a:gd name="connsiteX3" fmla="*/ 302260 w 1305560"/>
+              <a:gd name="connsiteY3" fmla="*/ 955040 h 1031240"/>
+              <a:gd name="connsiteX4" fmla="*/ 525780 w 1305560"/>
+              <a:gd name="connsiteY4" fmla="*/ 845820 h 1031240"/>
+              <a:gd name="connsiteX5" fmla="*/ 779780 w 1305560"/>
+              <a:gd name="connsiteY5" fmla="*/ 652780 h 1031240"/>
+              <a:gd name="connsiteX6" fmla="*/ 1305560 w 1305560"/>
+              <a:gd name="connsiteY6" fmla="*/ 0 h 1031240"/>
+            </a:gdLst>
+            <a:ahLst/>
+            <a:cxnLst>
+              <a:cxn ang="0">
+                <a:pos x="connsiteX0" y="connsiteY0"/>
+              </a:cxn>
+              <a:cxn ang="0">
+                <a:pos x="connsiteX1" y="connsiteY1"/>
+              </a:cxn>
+              <a:cxn ang="0">
+                <a:pos x="connsiteX2" y="connsiteY2"/>
+              </a:cxn>
+              <a:cxn ang="0">
+                <a:pos x="connsiteX3" y="connsiteY3"/>
+              </a:cxn>
+              <a:cxn ang="0">
+                <a:pos x="connsiteX4" y="connsiteY4"/>
+              </a:cxn>
+              <a:cxn ang="0">
+                <a:pos x="connsiteX5" y="connsiteY5"/>
+              </a:cxn>
+              <a:cxn ang="0">
+                <a:pos x="connsiteX6" y="connsiteY6"/>
+              </a:cxn>
+            </a:cxnLst>
+            <a:rect l="l" t="t" r="r" b="b"/>
+            <a:pathLst>
+              <a:path w="1305560" h="1031240">
+                <a:moveTo>
+                  <a:pt x="1305560" y="0"/>
+                </a:moveTo>
+                <a:cubicBezTo>
+                  <a:pt x="1304713" y="343747"/>
+                  <a:pt x="1303867" y="687493"/>
+                  <a:pt x="1303020" y="1031240"/>
+                </a:cubicBezTo>
+                <a:lnTo>
+                  <a:pt x="0" y="1026160"/>
+                </a:lnTo>
+                <a:lnTo>
+                  <a:pt x="302260" y="955040"/>
+                </a:lnTo>
+                <a:lnTo>
+                  <a:pt x="525780" y="845820"/>
+                </a:lnTo>
+                <a:lnTo>
+                  <a:pt x="779780" y="652780"/>
+                </a:lnTo>
+                <a:lnTo>
+                  <a:pt x="1305560" y="0"/>
+                </a:lnTo>
+                <a:close/>
+              </a:path>
+            </a:pathLst>
+          </a:custGeom>
+          <a:solidFill>
+            <a:schemeClr val="accent2">
+              <a:lumMod val="40000"/>
+              <a:lumOff val="60000"/>
+            </a:schemeClr>
+          </a:solidFill>
+          <a:ln>
+            <a:solidFill>
+              <a:schemeClr val="accent2">
+                <a:lumMod val="40000"/>
+                <a:lumOff val="60000"/>
+              </a:schemeClr>
+            </a:solidFill>
+          </a:ln>
+        </p:spPr>
+        <p:style>
+          <a:lnRef idx="2">
+            <a:schemeClr val="accent1">
+              <a:shade val="50000"/>
+            </a:schemeClr>
+          </a:lnRef>
+          <a:fillRef idx="1">
+            <a:schemeClr val="accent1"/>
+          </a:fillRef>
+          <a:effectRef idx="0">
+            <a:schemeClr val="accent1"/>
+          </a:effectRef>
+          <a:fontRef idx="minor">
+            <a:schemeClr val="lt1"/>
+          </a:fontRef>
+        </p:style>
+        <p:txBody>
+          <a:bodyPr rtlCol="0" anchor="ctr"/>
+          <a:lstStyle/>
+          <a:p>
+            <a:pPr algn="ctr"/>
+            <a:endParaRPr kumimoji="1" lang="ja-JP" altLang="en-US"/>
+          </a:p>
+        </p:txBody>
+      </p:sp>
+      <p:cxnSp>
+        <p:nvCxnSpPr>
+          <p:cNvPr id="7" name="直線コネクタ 6">
+            <a:extLst>
+              <a:ext uri="{FF2B5EF4-FFF2-40B4-BE49-F238E27FC236}">
+                <a16:creationId xmlns:a16="http://schemas.microsoft.com/office/drawing/2014/main" id="{F6F17875-ACE8-4DBA-8BA1-D671E5257B0D}"/>
+              </a:ext>
+            </a:extLst>
+          </p:cNvPr>
+          <p:cNvCxnSpPr>
+            <a:cxnSpLocks/>
+          </p:cNvCxnSpPr>
+          <p:nvPr/>
+        </p:nvCxnSpPr>
+        <p:spPr>
+          <a:xfrm>
+            <a:off x="5434745" y="3266241"/>
+            <a:ext cx="0" cy="3574741"/>
+          </a:xfrm>
+          <a:prstGeom prst="line">
+            <a:avLst/>
+          </a:prstGeom>
+          <a:ln w="76200">
+            <a:solidFill>
+              <a:schemeClr val="tx1">
+                <a:lumMod val="65000"/>
+                <a:lumOff val="35000"/>
+              </a:schemeClr>
+            </a:solidFill>
+          </a:ln>
+        </p:spPr>
+        <p:style>
+          <a:lnRef idx="1">
+            <a:schemeClr val="accent1"/>
+          </a:lnRef>
+          <a:fillRef idx="0">
+            <a:schemeClr val="accent1"/>
+          </a:fillRef>
+          <a:effectRef idx="0">
+            <a:schemeClr val="accent1"/>
+          </a:effectRef>
+          <a:fontRef idx="minor">
+            <a:schemeClr val="tx1"/>
+          </a:fontRef>
+        </p:style>
+      </p:cxnSp>
+      <p:pic>
+        <p:nvPicPr>
+          <p:cNvPr id="1028" name="Picture 4" descr="フリー素材] 正規分布とポアソン分布: Royality-free illustrations of statics : 隠れ家的な闇的な">
+            <a:extLst>
+              <a:ext uri="{FF2B5EF4-FFF2-40B4-BE49-F238E27FC236}">
+                <a16:creationId xmlns:a16="http://schemas.microsoft.com/office/drawing/2014/main" id="{EB6A0F22-7567-4862-A74B-E59183083061}"/>
+              </a:ext>
+            </a:extLst>
+          </p:cNvPr>
+          <p:cNvPicPr>
+            <a:picLocks noChangeAspect="1" noChangeArrowheads="1"/>
+          </p:cNvPicPr>
+          <p:nvPr/>
+        </p:nvPicPr>
+        <p:blipFill>
+          <a:blip r:embed="rId4">
+            <a:extLst>
+              <a:ext uri="{28A0092B-C50C-407E-A947-70E740481C1C}">
+                <a14:useLocalDpi xmlns:a14="http://schemas.microsoft.com/office/drawing/2010/main" val="0"/>
+              </a:ext>
+            </a:extLst>
+          </a:blip>
+          <a:srcRect/>
+          <a:stretch>
+            <a:fillRect/>
+          </a:stretch>
+        </p:blipFill>
+        <p:spPr bwMode="auto">
+          <a:xfrm>
+            <a:off x="3235959" y="3038475"/>
+            <a:ext cx="7164356" cy="4286250"/>
+          </a:xfrm>
+          <a:prstGeom prst="rect">
+            <a:avLst/>
+          </a:prstGeom>
+          <a:noFill/>
+          <a:extLst>
+            <a:ext uri="{909E8E84-426E-40DD-AFC4-6F175D3DCCD1}">
+              <a14:hiddenFill xmlns:a14="http://schemas.microsoft.com/office/drawing/2010/main">
+                <a:solidFill>
+                  <a:srgbClr val="FFFFFF"/>
+                </a:solidFill>
+              </a14:hiddenFill>
+            </a:ext>
+          </a:extLst>
+        </p:spPr>
+      </p:pic>
+      <p:pic>
+        <p:nvPicPr>
+          <p:cNvPr id="1026" name="Picture 2" descr="フリー素材] 正規分布とポアソン分布: Royality-free illustrations of statics : 隠れ家的な闇的な">
+            <a:extLst>
+              <a:ext uri="{FF2B5EF4-FFF2-40B4-BE49-F238E27FC236}">
+                <a16:creationId xmlns:a16="http://schemas.microsoft.com/office/drawing/2014/main" id="{CC121557-ED1B-45C0-82BB-C734A52789DB}"/>
+              </a:ext>
+            </a:extLst>
+          </p:cNvPr>
+          <p:cNvPicPr>
+            <a:picLocks noChangeAspect="1" noChangeArrowheads="1"/>
+          </p:cNvPicPr>
+          <p:nvPr/>
+        </p:nvPicPr>
+        <p:blipFill>
+          <a:blip r:embed="rId4">
+            <a:extLst>
+              <a:ext uri="{28A0092B-C50C-407E-A947-70E740481C1C}">
+                <a14:useLocalDpi xmlns:a14="http://schemas.microsoft.com/office/drawing/2010/main" val="0"/>
+              </a:ext>
+            </a:extLst>
+          </a:blip>
+          <a:srcRect/>
+          <a:stretch>
+            <a:fillRect/>
+          </a:stretch>
+        </p:blipFill>
+        <p:spPr bwMode="auto">
+          <a:xfrm>
+            <a:off x="757427" y="3039021"/>
+            <a:ext cx="6079268" cy="4286250"/>
+          </a:xfrm>
+          <a:prstGeom prst="rect">
+            <a:avLst/>
+          </a:prstGeom>
+          <a:noFill/>
+          <a:extLst>
+            <a:ext uri="{909E8E84-426E-40DD-AFC4-6F175D3DCCD1}">
+              <a14:hiddenFill xmlns:a14="http://schemas.microsoft.com/office/drawing/2010/main">
+                <a:solidFill>
+                  <a:srgbClr val="FFFFFF"/>
+                </a:solidFill>
+              </a14:hiddenFill>
+            </a:ext>
+          </a:extLst>
+        </p:spPr>
+      </p:pic>
+      <p:sp>
+        <p:nvSpPr>
+          <p:cNvPr id="17" name="吹き出し: 四角形 16">
+            <a:extLst>
+              <a:ext uri="{FF2B5EF4-FFF2-40B4-BE49-F238E27FC236}">
+                <a16:creationId xmlns:a16="http://schemas.microsoft.com/office/drawing/2014/main" id="{5D996B69-A70E-46C6-B24D-85759548B070}"/>
+              </a:ext>
+            </a:extLst>
+          </p:cNvPr>
+          <p:cNvSpPr/>
+          <p:nvPr/>
+        </p:nvSpPr>
+        <p:spPr>
+          <a:xfrm>
+            <a:off x="2908086" y="7103082"/>
+            <a:ext cx="1777950" cy="460920"/>
+          </a:xfrm>
+          <a:prstGeom prst="wedgeRectCallout">
+            <a:avLst>
+              <a:gd name="adj1" fmla="val 68740"/>
+              <a:gd name="adj2" fmla="val -135081"/>
+            </a:avLst>
+          </a:prstGeom>
+        </p:spPr>
+        <p:style>
+          <a:lnRef idx="2">
+            <a:schemeClr val="accent2">
+              <a:shade val="50000"/>
+            </a:schemeClr>
+          </a:lnRef>
+          <a:fillRef idx="1">
+            <a:schemeClr val="accent2"/>
+          </a:fillRef>
+          <a:effectRef idx="0">
+            <a:schemeClr val="accent2"/>
+          </a:effectRef>
+          <a:fontRef idx="minor">
+            <a:schemeClr val="lt1"/>
+          </a:fontRef>
+        </p:style>
+        <p:txBody>
+          <a:bodyPr rtlCol="0" anchor="ctr"/>
+          <a:lstStyle/>
+          <a:p>
+            <a:pPr algn="ctr"/>
+            <a:r>
+              <a:rPr kumimoji="1" lang="ja-JP" altLang="en-US" sz="2400" b="1" dirty="0"/>
+              <a:t>偽陰性率</a:t>
+            </a:r>
+            <a:r>
+              <a:rPr kumimoji="1" lang="en-US" altLang="ja-JP" sz="2400" b="1" dirty="0"/>
+              <a:t>β</a:t>
+            </a:r>
+            <a:endParaRPr kumimoji="1" lang="ja-JP" altLang="en-US" sz="2400" b="1" dirty="0"/>
+          </a:p>
+        </p:txBody>
+      </p:sp>
+      <p:sp>
+        <p:nvSpPr>
+          <p:cNvPr id="9" name="フリーフォーム: 図形 8">
+            <a:extLst>
+              <a:ext uri="{FF2B5EF4-FFF2-40B4-BE49-F238E27FC236}">
+                <a16:creationId xmlns:a16="http://schemas.microsoft.com/office/drawing/2014/main" id="{C3024D2D-F324-4D4F-AD07-C1C3A71A4CDC}"/>
+              </a:ext>
+            </a:extLst>
+          </p:cNvPr>
+          <p:cNvSpPr/>
+          <p:nvPr/>
+        </p:nvSpPr>
+        <p:spPr>
+          <a:xfrm>
+            <a:off x="5495721" y="6414673"/>
+            <a:ext cx="703580" cy="408940"/>
+          </a:xfrm>
+          <a:custGeom>
+            <a:avLst/>
+            <a:gdLst>
+              <a:gd name="connsiteX0" fmla="*/ 0 w 703580"/>
+              <a:gd name="connsiteY0" fmla="*/ 0 h 408940"/>
+              <a:gd name="connsiteX1" fmla="*/ 2540 w 703580"/>
+              <a:gd name="connsiteY1" fmla="*/ 406400 h 408940"/>
+              <a:gd name="connsiteX2" fmla="*/ 703580 w 703580"/>
+              <a:gd name="connsiteY2" fmla="*/ 408940 h 408940"/>
+              <a:gd name="connsiteX3" fmla="*/ 513080 w 703580"/>
+              <a:gd name="connsiteY3" fmla="*/ 353060 h 408940"/>
+              <a:gd name="connsiteX4" fmla="*/ 358140 w 703580"/>
+              <a:gd name="connsiteY4" fmla="*/ 284480 h 408940"/>
+              <a:gd name="connsiteX5" fmla="*/ 251460 w 703580"/>
+              <a:gd name="connsiteY5" fmla="*/ 218440 h 408940"/>
+              <a:gd name="connsiteX6" fmla="*/ 157480 w 703580"/>
+              <a:gd name="connsiteY6" fmla="*/ 147320 h 408940"/>
+            </a:gdLst>
+            <a:ahLst/>
+            <a:cxnLst>
+              <a:cxn ang="0">
+                <a:pos x="connsiteX0" y="connsiteY0"/>
+              </a:cxn>
+              <a:cxn ang="0">
+                <a:pos x="connsiteX1" y="connsiteY1"/>
+              </a:cxn>
+              <a:cxn ang="0">
+                <a:pos x="connsiteX2" y="connsiteY2"/>
+              </a:cxn>
+              <a:cxn ang="0">
+                <a:pos x="connsiteX3" y="connsiteY3"/>
+              </a:cxn>
+              <a:cxn ang="0">
+                <a:pos x="connsiteX4" y="connsiteY4"/>
+              </a:cxn>
+              <a:cxn ang="0">
+                <a:pos x="connsiteX5" y="connsiteY5"/>
+              </a:cxn>
+              <a:cxn ang="0">
+                <a:pos x="connsiteX6" y="connsiteY6"/>
+              </a:cxn>
+            </a:cxnLst>
+            <a:rect l="l" t="t" r="r" b="b"/>
+            <a:pathLst>
+              <a:path w="703580" h="408940">
+                <a:moveTo>
+                  <a:pt x="0" y="0"/>
+                </a:moveTo>
+                <a:cubicBezTo>
+                  <a:pt x="847" y="135467"/>
+                  <a:pt x="1693" y="270933"/>
+                  <a:pt x="2540" y="406400"/>
+                </a:cubicBezTo>
+                <a:lnTo>
+                  <a:pt x="703580" y="408940"/>
+                </a:lnTo>
+                <a:lnTo>
+                  <a:pt x="513080" y="353060"/>
+                </a:lnTo>
+                <a:lnTo>
+                  <a:pt x="358140" y="284480"/>
+                </a:lnTo>
+                <a:lnTo>
+                  <a:pt x="251460" y="218440"/>
+                </a:lnTo>
+                <a:lnTo>
+                  <a:pt x="157480" y="147320"/>
+                </a:lnTo>
+              </a:path>
+            </a:pathLst>
+          </a:custGeom>
+          <a:solidFill>
+            <a:schemeClr val="accent1">
+              <a:lumMod val="75000"/>
+            </a:schemeClr>
+          </a:solidFill>
+          <a:ln>
+            <a:solidFill>
+              <a:schemeClr val="accent1">
+                <a:lumMod val="75000"/>
+              </a:schemeClr>
+            </a:solidFill>
+          </a:ln>
+        </p:spPr>
+        <p:style>
+          <a:lnRef idx="2">
+            <a:schemeClr val="accent1">
+              <a:shade val="50000"/>
+            </a:schemeClr>
+          </a:lnRef>
+          <a:fillRef idx="1">
+            <a:schemeClr val="accent1"/>
+          </a:fillRef>
+          <a:effectRef idx="0">
+            <a:schemeClr val="accent1"/>
+          </a:effectRef>
+          <a:fontRef idx="minor">
+            <a:schemeClr val="lt1"/>
+          </a:fontRef>
+        </p:style>
+        <p:txBody>
+          <a:bodyPr rtlCol="0" anchor="ctr"/>
+          <a:lstStyle/>
+          <a:p>
+            <a:pPr algn="ctr"/>
+            <a:endParaRPr kumimoji="1" lang="ja-JP" altLang="en-US"/>
+          </a:p>
+        </p:txBody>
+      </p:sp>
+      <mc:AlternateContent xmlns:mc="http://schemas.openxmlformats.org/markup-compatibility/2006">
+        <mc:Choice xmlns:a14="http://schemas.microsoft.com/office/drawing/2010/main" Requires="a14">
+          <p:sp>
+            <p:nvSpPr>
+              <p:cNvPr id="24" name="吹き出し: 四角形 23">
+                <a:extLst>
+                  <a:ext uri="{FF2B5EF4-FFF2-40B4-BE49-F238E27FC236}">
+                    <a16:creationId xmlns:a16="http://schemas.microsoft.com/office/drawing/2014/main" id="{88787417-329F-4FDE-B94C-8054EEC0DEB9}"/>
+                  </a:ext>
+                </a:extLst>
+              </p:cNvPr>
+              <p:cNvSpPr/>
+              <p:nvPr/>
+            </p:nvSpPr>
+            <p:spPr>
+              <a:xfrm>
+                <a:off x="8037899" y="4195377"/>
+                <a:ext cx="2088096" cy="460920"/>
+              </a:xfrm>
+              <a:prstGeom prst="wedgeRectCallout">
+                <a:avLst>
+                  <a:gd name="adj1" fmla="val -89657"/>
+                  <a:gd name="adj2" fmla="val 181961"/>
+                </a:avLst>
+              </a:prstGeom>
+              <a:solidFill>
+                <a:srgbClr val="FF5050"/>
+              </a:solidFill>
+              <a:ln>
+                <a:solidFill>
+                  <a:srgbClr val="FF0000"/>
+                </a:solidFill>
+              </a:ln>
+            </p:spPr>
+            <p:style>
+              <a:lnRef idx="2">
+                <a:schemeClr val="accent2">
+                  <a:shade val="50000"/>
+                </a:schemeClr>
+              </a:lnRef>
+              <a:fillRef idx="1">
+                <a:schemeClr val="accent2"/>
+              </a:fillRef>
+              <a:effectRef idx="0">
+                <a:schemeClr val="accent2"/>
+              </a:effectRef>
+              <a:fontRef idx="minor">
+                <a:schemeClr val="lt1"/>
+              </a:fontRef>
+            </p:style>
+            <p:txBody>
+              <a:bodyPr rtlCol="0" anchor="ctr"/>
+              <a:lstStyle/>
+              <a:p>
+                <a:pPr algn="ctr"/>
+                <a:r>
+                  <a:rPr kumimoji="1" lang="ja-JP" altLang="en-US" sz="2400" b="1" dirty="0"/>
+                  <a:t>検出力</a:t>
+                </a:r>
+                <a14:m>
+                  <m:oMath xmlns:m="http://schemas.openxmlformats.org/officeDocument/2006/math">
+                    <m:sSub>
+                      <m:sSubPr>
+                        <m:ctrlPr>
+                          <a:rPr kumimoji="1" lang="en-US" altLang="ja-JP" sz="2400" b="1" i="1" smtClean="0">
+                            <a:latin typeface="Cambria Math" panose="02040503050406030204" pitchFamily="18" charset="0"/>
+                          </a:rPr>
+                        </m:ctrlPr>
+                      </m:sSubPr>
+                      <m:e>
+                        <m:r>
+                          <a:rPr kumimoji="1" lang="en-US" altLang="ja-JP" sz="2400" b="1" i="1" smtClean="0">
+                            <a:latin typeface="Cambria Math" panose="02040503050406030204" pitchFamily="18" charset="0"/>
+                          </a:rPr>
+                          <m:t>𝜷</m:t>
+                        </m:r>
+                      </m:e>
+                      <m:sub>
+                        <m:r>
+                          <a:rPr kumimoji="1" lang="en-US" altLang="ja-JP" sz="2400" b="1" i="1" smtClean="0">
+                            <a:latin typeface="Cambria Math" panose="02040503050406030204" pitchFamily="18" charset="0"/>
+                          </a:rPr>
+                          <m:t>𝜹</m:t>
+                        </m:r>
+                      </m:sub>
+                    </m:sSub>
+                    <m:r>
+                      <a:rPr kumimoji="1" lang="en-US" altLang="ja-JP" sz="2400" b="1" i="1" smtClean="0">
+                        <a:latin typeface="Cambria Math" panose="02040503050406030204" pitchFamily="18" charset="0"/>
+                      </a:rPr>
+                      <m:t>(</m:t>
+                    </m:r>
+                    <m:r>
+                      <a:rPr kumimoji="1" lang="en-US" altLang="ja-JP" sz="2400" b="1" i="1" smtClean="0">
+                        <a:latin typeface="Cambria Math" panose="02040503050406030204" pitchFamily="18" charset="0"/>
+                      </a:rPr>
+                      <m:t>𝜽</m:t>
+                    </m:r>
+                    <m:r>
+                      <a:rPr kumimoji="1" lang="en-US" altLang="ja-JP" sz="2400" b="1" i="1" smtClean="0">
+                        <a:latin typeface="Cambria Math" panose="02040503050406030204" pitchFamily="18" charset="0"/>
+                      </a:rPr>
+                      <m:t>)</m:t>
+                    </m:r>
+                  </m:oMath>
+                </a14:m>
+                <a:endParaRPr kumimoji="1" lang="ja-JP" altLang="en-US" sz="2400" b="1" dirty="0"/>
+              </a:p>
+            </p:txBody>
+          </p:sp>
+        </mc:Choice>
+        <mc:Fallback>
+          <p:sp>
+            <p:nvSpPr>
+              <p:cNvPr id="24" name="吹き出し: 四角形 23">
+                <a:extLst>
+                  <a:ext uri="{FF2B5EF4-FFF2-40B4-BE49-F238E27FC236}">
+                    <a16:creationId xmlns:a16="http://schemas.microsoft.com/office/drawing/2014/main" id="{88787417-329F-4FDE-B94C-8054EEC0DEB9}"/>
+                  </a:ext>
+                </a:extLst>
+              </p:cNvPr>
+              <p:cNvSpPr>
+                <a:spLocks noRot="1" noChangeAspect="1" noMove="1" noResize="1" noEditPoints="1" noAdjustHandles="1" noChangeArrowheads="1" noChangeShapeType="1" noTextEdit="1"/>
+              </p:cNvSpPr>
+              <p:nvPr/>
+            </p:nvSpPr>
+            <p:spPr>
+              <a:xfrm>
+                <a:off x="8037899" y="4195377"/>
+                <a:ext cx="2088096" cy="460920"/>
+              </a:xfrm>
+              <a:prstGeom prst="wedgeRectCallout">
+                <a:avLst>
+                  <a:gd name="adj1" fmla="val -89657"/>
+                  <a:gd name="adj2" fmla="val 181961"/>
+                </a:avLst>
+              </a:prstGeom>
+              <a:blipFill>
+                <a:blip r:embed="rId5"/>
+                <a:stretch>
+                  <a:fillRect t="-3315"/>
+                </a:stretch>
+              </a:blipFill>
+              <a:ln>
+                <a:solidFill>
+                  <a:srgbClr val="FF0000"/>
+                </a:solidFill>
+              </a:ln>
+            </p:spPr>
+            <p:txBody>
+              <a:bodyPr/>
+              <a:lstStyle/>
+              <a:p>
+                <a:r>
+                  <a:rPr lang="ja-JP" altLang="en-US">
+                    <a:noFill/>
+                  </a:rPr>
+                  <a:t> </a:t>
+                </a:r>
+              </a:p>
+            </p:txBody>
+          </p:sp>
+        </mc:Fallback>
+      </mc:AlternateContent>
+      <p:sp>
+        <p:nvSpPr>
+          <p:cNvPr id="19" name="フリーフォーム: 図形 18">
+            <a:extLst>
+              <a:ext uri="{FF2B5EF4-FFF2-40B4-BE49-F238E27FC236}">
+                <a16:creationId xmlns:a16="http://schemas.microsoft.com/office/drawing/2014/main" id="{346D539D-E8CA-450F-B07D-79B2D7F87C13}"/>
+              </a:ext>
+            </a:extLst>
+          </p:cNvPr>
+          <p:cNvSpPr/>
+          <p:nvPr/>
+        </p:nvSpPr>
+        <p:spPr>
+          <a:xfrm>
+            <a:off x="5480304" y="3477768"/>
+            <a:ext cx="4053840" cy="3352800"/>
+          </a:xfrm>
+          <a:custGeom>
+            <a:avLst/>
+            <a:gdLst>
+              <a:gd name="connsiteX0" fmla="*/ 1353312 w 4053840"/>
+              <a:gd name="connsiteY0" fmla="*/ 0 h 3352800"/>
+              <a:gd name="connsiteX1" fmla="*/ 1249680 w 4053840"/>
+              <a:gd name="connsiteY1" fmla="*/ 36576 h 3352800"/>
+              <a:gd name="connsiteX2" fmla="*/ 1164336 w 4053840"/>
+              <a:gd name="connsiteY2" fmla="*/ 97536 h 3352800"/>
+              <a:gd name="connsiteX3" fmla="*/ 1054608 w 4053840"/>
+              <a:gd name="connsiteY3" fmla="*/ 201168 h 3352800"/>
+              <a:gd name="connsiteX4" fmla="*/ 981456 w 4053840"/>
+              <a:gd name="connsiteY4" fmla="*/ 249936 h 3352800"/>
+              <a:gd name="connsiteX5" fmla="*/ 908304 w 4053840"/>
+              <a:gd name="connsiteY5" fmla="*/ 396240 h 3352800"/>
+              <a:gd name="connsiteX6" fmla="*/ 798576 w 4053840"/>
+              <a:gd name="connsiteY6" fmla="*/ 560832 h 3352800"/>
+              <a:gd name="connsiteX7" fmla="*/ 701040 w 4053840"/>
+              <a:gd name="connsiteY7" fmla="*/ 737616 h 3352800"/>
+              <a:gd name="connsiteX8" fmla="*/ 597408 w 4053840"/>
+              <a:gd name="connsiteY8" fmla="*/ 926592 h 3352800"/>
+              <a:gd name="connsiteX9" fmla="*/ 445008 w 4053840"/>
+              <a:gd name="connsiteY9" fmla="*/ 1267968 h 3352800"/>
+              <a:gd name="connsiteX10" fmla="*/ 341376 w 4053840"/>
+              <a:gd name="connsiteY10" fmla="*/ 1511808 h 3352800"/>
+              <a:gd name="connsiteX11" fmla="*/ 256032 w 4053840"/>
+              <a:gd name="connsiteY11" fmla="*/ 1682496 h 3352800"/>
+              <a:gd name="connsiteX12" fmla="*/ 115824 w 4053840"/>
+              <a:gd name="connsiteY12" fmla="*/ 1932432 h 3352800"/>
+              <a:gd name="connsiteX13" fmla="*/ 12192 w 4053840"/>
+              <a:gd name="connsiteY13" fmla="*/ 2151888 h 3352800"/>
+              <a:gd name="connsiteX14" fmla="*/ 0 w 4053840"/>
+              <a:gd name="connsiteY14" fmla="*/ 3340608 h 3352800"/>
+              <a:gd name="connsiteX15" fmla="*/ 4053840 w 4053840"/>
+              <a:gd name="connsiteY15" fmla="*/ 3352800 h 3352800"/>
+              <a:gd name="connsiteX16" fmla="*/ 3651504 w 4053840"/>
+              <a:gd name="connsiteY16" fmla="*/ 3224784 h 3352800"/>
+              <a:gd name="connsiteX17" fmla="*/ 3444240 w 4053840"/>
+              <a:gd name="connsiteY17" fmla="*/ 3078480 h 3352800"/>
+              <a:gd name="connsiteX18" fmla="*/ 3230880 w 4053840"/>
+              <a:gd name="connsiteY18" fmla="*/ 2883408 h 3352800"/>
+              <a:gd name="connsiteX19" fmla="*/ 3005328 w 4053840"/>
+              <a:gd name="connsiteY19" fmla="*/ 2602992 h 3352800"/>
+              <a:gd name="connsiteX20" fmla="*/ 2676144 w 4053840"/>
+              <a:gd name="connsiteY20" fmla="*/ 2084832 h 3352800"/>
+              <a:gd name="connsiteX21" fmla="*/ 2468880 w 4053840"/>
+              <a:gd name="connsiteY21" fmla="*/ 1670304 h 3352800"/>
+              <a:gd name="connsiteX22" fmla="*/ 2298192 w 4053840"/>
+              <a:gd name="connsiteY22" fmla="*/ 1335024 h 3352800"/>
+              <a:gd name="connsiteX23" fmla="*/ 2151888 w 4053840"/>
+              <a:gd name="connsiteY23" fmla="*/ 1030224 h 3352800"/>
+              <a:gd name="connsiteX24" fmla="*/ 1981200 w 4053840"/>
+              <a:gd name="connsiteY24" fmla="*/ 676656 h 3352800"/>
+              <a:gd name="connsiteX25" fmla="*/ 1828800 w 4053840"/>
+              <a:gd name="connsiteY25" fmla="*/ 426720 h 3352800"/>
+              <a:gd name="connsiteX26" fmla="*/ 1688592 w 4053840"/>
+              <a:gd name="connsiteY26" fmla="*/ 213360 h 3352800"/>
+              <a:gd name="connsiteX27" fmla="*/ 1542288 w 4053840"/>
+              <a:gd name="connsiteY27" fmla="*/ 79248 h 3352800"/>
+              <a:gd name="connsiteX28" fmla="*/ 1463040 w 4053840"/>
+              <a:gd name="connsiteY28" fmla="*/ 36576 h 3352800"/>
+              <a:gd name="connsiteX29" fmla="*/ 1353312 w 4053840"/>
+              <a:gd name="connsiteY29" fmla="*/ 0 h 3352800"/>
+            </a:gdLst>
+            <a:ahLst/>
+            <a:cxnLst>
+              <a:cxn ang="0">
+                <a:pos x="connsiteX0" y="connsiteY0"/>
+              </a:cxn>
+              <a:cxn ang="0">
+                <a:pos x="connsiteX1" y="connsiteY1"/>
+              </a:cxn>
+              <a:cxn ang="0">
+                <a:pos x="connsiteX2" y="connsiteY2"/>
+              </a:cxn>
+              <a:cxn ang="0">
+                <a:pos x="connsiteX3" y="connsiteY3"/>
+              </a:cxn>
+              <a:cxn ang="0">
+                <a:pos x="connsiteX4" y="connsiteY4"/>
+              </a:cxn>
+              <a:cxn ang="0">
+                <a:pos x="connsiteX5" y="connsiteY5"/>
+              </a:cxn>
+              <a:cxn ang="0">
+                <a:pos x="connsiteX6" y="connsiteY6"/>
+              </a:cxn>
+              <a:cxn ang="0">
+                <a:pos x="connsiteX7" y="connsiteY7"/>
+              </a:cxn>
+              <a:cxn ang="0">
+                <a:pos x="connsiteX8" y="connsiteY8"/>
+              </a:cxn>
+              <a:cxn ang="0">
+                <a:pos x="connsiteX9" y="connsiteY9"/>
+              </a:cxn>
+              <a:cxn ang="0">
+                <a:pos x="connsiteX10" y="connsiteY10"/>
+              </a:cxn>
+              <a:cxn ang="0">
+                <a:pos x="connsiteX11" y="connsiteY11"/>
+              </a:cxn>
+              <a:cxn ang="0">
+                <a:pos x="connsiteX12" y="connsiteY12"/>
+              </a:cxn>
+              <a:cxn ang="0">
+                <a:pos x="connsiteX13" y="connsiteY13"/>
+              </a:cxn>
+              <a:cxn ang="0">
+                <a:pos x="connsiteX14" y="connsiteY14"/>
+              </a:cxn>
+              <a:cxn ang="0">
+                <a:pos x="connsiteX15" y="connsiteY15"/>
+              </a:cxn>
+              <a:cxn ang="0">
+                <a:pos x="connsiteX16" y="connsiteY16"/>
+              </a:cxn>
+              <a:cxn ang="0">
+                <a:pos x="connsiteX17" y="connsiteY17"/>
+              </a:cxn>
+              <a:cxn ang="0">
+                <a:pos x="connsiteX18" y="connsiteY18"/>
+              </a:cxn>
+              <a:cxn ang="0">
+                <a:pos x="connsiteX19" y="connsiteY19"/>
+              </a:cxn>
+              <a:cxn ang="0">
+                <a:pos x="connsiteX20" y="connsiteY20"/>
+              </a:cxn>
+              <a:cxn ang="0">
+                <a:pos x="connsiteX21" y="connsiteY21"/>
+              </a:cxn>
+              <a:cxn ang="0">
+                <a:pos x="connsiteX22" y="connsiteY22"/>
+              </a:cxn>
+              <a:cxn ang="0">
+                <a:pos x="connsiteX23" y="connsiteY23"/>
+              </a:cxn>
+              <a:cxn ang="0">
+                <a:pos x="connsiteX24" y="connsiteY24"/>
+              </a:cxn>
+              <a:cxn ang="0">
+                <a:pos x="connsiteX25" y="connsiteY25"/>
+              </a:cxn>
+              <a:cxn ang="0">
+                <a:pos x="connsiteX26" y="connsiteY26"/>
+              </a:cxn>
+              <a:cxn ang="0">
+                <a:pos x="connsiteX27" y="connsiteY27"/>
+              </a:cxn>
+              <a:cxn ang="0">
+                <a:pos x="connsiteX28" y="connsiteY28"/>
+              </a:cxn>
+              <a:cxn ang="0">
+                <a:pos x="connsiteX29" y="connsiteY29"/>
+              </a:cxn>
+            </a:cxnLst>
+            <a:rect l="l" t="t" r="r" b="b"/>
+            <a:pathLst>
+              <a:path w="4053840" h="3352800">
+                <a:moveTo>
+                  <a:pt x="1353312" y="0"/>
+                </a:moveTo>
+                <a:lnTo>
+                  <a:pt x="1249680" y="36576"/>
+                </a:lnTo>
+                <a:lnTo>
+                  <a:pt x="1164336" y="97536"/>
+                </a:lnTo>
+                <a:lnTo>
+                  <a:pt x="1054608" y="201168"/>
+                </a:lnTo>
+                <a:lnTo>
+                  <a:pt x="981456" y="249936"/>
+                </a:lnTo>
+                <a:lnTo>
+                  <a:pt x="908304" y="396240"/>
+                </a:lnTo>
+                <a:lnTo>
+                  <a:pt x="798576" y="560832"/>
+                </a:lnTo>
+                <a:lnTo>
+                  <a:pt x="701040" y="737616"/>
+                </a:lnTo>
+                <a:lnTo>
+                  <a:pt x="597408" y="926592"/>
+                </a:lnTo>
+                <a:lnTo>
+                  <a:pt x="445008" y="1267968"/>
+                </a:lnTo>
+                <a:lnTo>
+                  <a:pt x="341376" y="1511808"/>
+                </a:lnTo>
+                <a:lnTo>
+                  <a:pt x="256032" y="1682496"/>
+                </a:lnTo>
+                <a:lnTo>
+                  <a:pt x="115824" y="1932432"/>
+                </a:lnTo>
+                <a:lnTo>
+                  <a:pt x="12192" y="2151888"/>
+                </a:lnTo>
+                <a:lnTo>
+                  <a:pt x="0" y="3340608"/>
+                </a:lnTo>
+                <a:lnTo>
+                  <a:pt x="4053840" y="3352800"/>
+                </a:lnTo>
+                <a:lnTo>
+                  <a:pt x="3651504" y="3224784"/>
+                </a:lnTo>
+                <a:lnTo>
+                  <a:pt x="3444240" y="3078480"/>
+                </a:lnTo>
+                <a:lnTo>
+                  <a:pt x="3230880" y="2883408"/>
+                </a:lnTo>
+                <a:lnTo>
+                  <a:pt x="3005328" y="2602992"/>
+                </a:lnTo>
+                <a:lnTo>
+                  <a:pt x="2676144" y="2084832"/>
+                </a:lnTo>
+                <a:lnTo>
+                  <a:pt x="2468880" y="1670304"/>
+                </a:lnTo>
+                <a:lnTo>
+                  <a:pt x="2298192" y="1335024"/>
+                </a:lnTo>
+                <a:lnTo>
+                  <a:pt x="2151888" y="1030224"/>
+                </a:lnTo>
+                <a:lnTo>
+                  <a:pt x="1981200" y="676656"/>
+                </a:lnTo>
+                <a:lnTo>
+                  <a:pt x="1828800" y="426720"/>
+                </a:lnTo>
+                <a:lnTo>
+                  <a:pt x="1688592" y="213360"/>
+                </a:lnTo>
+                <a:lnTo>
+                  <a:pt x="1542288" y="79248"/>
+                </a:lnTo>
+                <a:lnTo>
+                  <a:pt x="1463040" y="36576"/>
+                </a:lnTo>
+                <a:lnTo>
+                  <a:pt x="1353312" y="0"/>
+                </a:lnTo>
+                <a:close/>
+              </a:path>
+            </a:pathLst>
+          </a:custGeom>
+          <a:solidFill>
+            <a:srgbClr val="FF0000">
+              <a:alpha val="20000"/>
+            </a:srgbClr>
+          </a:solidFill>
+          <a:ln w="76200">
+            <a:solidFill>
+              <a:srgbClr val="FF0000"/>
+            </a:solidFill>
+          </a:ln>
+        </p:spPr>
+        <p:style>
+          <a:lnRef idx="2">
+            <a:schemeClr val="accent1">
+              <a:shade val="50000"/>
+            </a:schemeClr>
+          </a:lnRef>
+          <a:fillRef idx="1">
+            <a:schemeClr val="accent1"/>
+          </a:fillRef>
+          <a:effectRef idx="0">
+            <a:schemeClr val="accent1"/>
+          </a:effectRef>
+          <a:fontRef idx="minor">
+            <a:schemeClr val="lt1"/>
+          </a:fontRef>
+        </p:style>
+        <p:txBody>
+          <a:bodyPr rtlCol="0" anchor="ctr"/>
+          <a:lstStyle/>
+          <a:p>
+            <a:pPr algn="ctr"/>
+            <a:endParaRPr kumimoji="1" lang="ja-JP" altLang="en-US"/>
+          </a:p>
+        </p:txBody>
+      </p:sp>
+      <p:sp>
+        <p:nvSpPr>
+          <p:cNvPr id="20" name="吹き出し: 四角形 19">
+            <a:extLst>
+              <a:ext uri="{FF2B5EF4-FFF2-40B4-BE49-F238E27FC236}">
+                <a16:creationId xmlns:a16="http://schemas.microsoft.com/office/drawing/2014/main" id="{9496168D-B81E-4605-8ABD-264525ECE274}"/>
+              </a:ext>
+            </a:extLst>
+          </p:cNvPr>
+          <p:cNvSpPr/>
+          <p:nvPr/>
+        </p:nvSpPr>
+        <p:spPr>
+          <a:xfrm>
+            <a:off x="5976940" y="7098597"/>
+            <a:ext cx="1777950" cy="460920"/>
+          </a:xfrm>
+          <a:prstGeom prst="wedgeRectCallout">
+            <a:avLst>
+              <a:gd name="adj1" fmla="val -67953"/>
+              <a:gd name="adj2" fmla="val -142595"/>
+            </a:avLst>
+          </a:prstGeom>
+        </p:spPr>
+        <p:style>
+          <a:lnRef idx="2">
+            <a:schemeClr val="accent1">
+              <a:shade val="50000"/>
+            </a:schemeClr>
+          </a:lnRef>
+          <a:fillRef idx="1">
+            <a:schemeClr val="accent1"/>
+          </a:fillRef>
+          <a:effectRef idx="0">
+            <a:schemeClr val="accent1"/>
+          </a:effectRef>
+          <a:fontRef idx="minor">
+            <a:schemeClr val="lt1"/>
+          </a:fontRef>
+        </p:style>
+        <p:txBody>
+          <a:bodyPr rtlCol="0" anchor="ctr"/>
+          <a:lstStyle/>
+          <a:p>
+            <a:pPr algn="ctr"/>
+            <a:r>
+              <a:rPr kumimoji="1" lang="ja-JP" altLang="en-US" sz="2400" b="1" dirty="0"/>
+              <a:t>偽陽性率</a:t>
+            </a:r>
+            <a:r>
+              <a:rPr kumimoji="1" lang="en-US" altLang="ja-JP" sz="2400" b="1" dirty="0"/>
+              <a:t>α</a:t>
+            </a:r>
+            <a:endParaRPr kumimoji="1" lang="ja-JP" altLang="en-US" sz="2400" b="1" dirty="0"/>
+          </a:p>
+        </p:txBody>
+      </p:sp>
+    </p:spTree>
+    <p:extLst>
+      <p:ext uri="{BB962C8B-B14F-4D97-AF65-F5344CB8AC3E}">
+        <p14:creationId xmlns:p14="http://schemas.microsoft.com/office/powerpoint/2010/main" val="4013232313"/>
       </p:ext>
     </p:extLst>
   </p:cSld>

--- a/figures/figure.pptx
+++ b/figures/figure.pptx
@@ -14,6 +14,10 @@
     <p:sldId id="263" r:id="rId8"/>
     <p:sldId id="264" r:id="rId9"/>
     <p:sldId id="265" r:id="rId10"/>
+    <p:sldId id="268" r:id="rId11"/>
+    <p:sldId id="266" r:id="rId12"/>
+    <p:sldId id="267" r:id="rId13"/>
+    <p:sldId id="269" r:id="rId14"/>
   </p:sldIdLst>
   <p:sldSz cx="10799763" cy="10799763"/>
   <p:notesSz cx="6797675" cy="9926638"/>
@@ -262,7 +266,7 @@
           <a:p>
             <a:fld id="{D9812761-E0F9-498D-A86D-14F66CBFAB0E}" type="datetimeFigureOut">
               <a:rPr kumimoji="1" lang="ja-JP" altLang="en-US" smtClean="0"/>
-              <a:t>2021/9/9</a:t>
+              <a:t>2021/12/2</a:t>
             </a:fld>
             <a:endParaRPr kumimoji="1" lang="ja-JP" altLang="en-US"/>
           </a:p>
@@ -464,7 +468,7 @@
           <a:p>
             <a:fld id="{D9812761-E0F9-498D-A86D-14F66CBFAB0E}" type="datetimeFigureOut">
               <a:rPr kumimoji="1" lang="ja-JP" altLang="en-US" smtClean="0"/>
-              <a:t>2021/9/9</a:t>
+              <a:t>2021/12/2</a:t>
             </a:fld>
             <a:endParaRPr kumimoji="1" lang="ja-JP" altLang="en-US"/>
           </a:p>
@@ -676,7 +680,7 @@
           <a:p>
             <a:fld id="{D9812761-E0F9-498D-A86D-14F66CBFAB0E}" type="datetimeFigureOut">
               <a:rPr kumimoji="1" lang="ja-JP" altLang="en-US" smtClean="0"/>
-              <a:t>2021/9/9</a:t>
+              <a:t>2021/12/2</a:t>
             </a:fld>
             <a:endParaRPr kumimoji="1" lang="ja-JP" altLang="en-US"/>
           </a:p>
@@ -878,7 +882,7 @@
           <a:p>
             <a:fld id="{D9812761-E0F9-498D-A86D-14F66CBFAB0E}" type="datetimeFigureOut">
               <a:rPr kumimoji="1" lang="ja-JP" altLang="en-US" smtClean="0"/>
-              <a:t>2021/9/9</a:t>
+              <a:t>2021/12/2</a:t>
             </a:fld>
             <a:endParaRPr kumimoji="1" lang="ja-JP" altLang="en-US"/>
           </a:p>
@@ -1122,7 +1126,7 @@
           <a:p>
             <a:fld id="{D9812761-E0F9-498D-A86D-14F66CBFAB0E}" type="datetimeFigureOut">
               <a:rPr kumimoji="1" lang="ja-JP" altLang="en-US" smtClean="0"/>
-              <a:t>2021/9/9</a:t>
+              <a:t>2021/12/2</a:t>
             </a:fld>
             <a:endParaRPr kumimoji="1" lang="ja-JP" altLang="en-US"/>
           </a:p>
@@ -1418,7 +1422,7 @@
           <a:p>
             <a:fld id="{D9812761-E0F9-498D-A86D-14F66CBFAB0E}" type="datetimeFigureOut">
               <a:rPr kumimoji="1" lang="ja-JP" altLang="en-US" smtClean="0"/>
-              <a:t>2021/9/9</a:t>
+              <a:t>2021/12/2</a:t>
             </a:fld>
             <a:endParaRPr kumimoji="1" lang="ja-JP" altLang="en-US"/>
           </a:p>
@@ -1849,7 +1853,7 @@
           <a:p>
             <a:fld id="{D9812761-E0F9-498D-A86D-14F66CBFAB0E}" type="datetimeFigureOut">
               <a:rPr kumimoji="1" lang="ja-JP" altLang="en-US" smtClean="0"/>
-              <a:t>2021/9/9</a:t>
+              <a:t>2021/12/2</a:t>
             </a:fld>
             <a:endParaRPr kumimoji="1" lang="ja-JP" altLang="en-US"/>
           </a:p>
@@ -1967,7 +1971,7 @@
           <a:p>
             <a:fld id="{D9812761-E0F9-498D-A86D-14F66CBFAB0E}" type="datetimeFigureOut">
               <a:rPr kumimoji="1" lang="ja-JP" altLang="en-US" smtClean="0"/>
-              <a:t>2021/9/9</a:t>
+              <a:t>2021/12/2</a:t>
             </a:fld>
             <a:endParaRPr kumimoji="1" lang="ja-JP" altLang="en-US"/>
           </a:p>
@@ -2062,7 +2066,7 @@
           <a:p>
             <a:fld id="{D9812761-E0F9-498D-A86D-14F66CBFAB0E}" type="datetimeFigureOut">
               <a:rPr kumimoji="1" lang="ja-JP" altLang="en-US" smtClean="0"/>
-              <a:t>2021/9/9</a:t>
+              <a:t>2021/12/2</a:t>
             </a:fld>
             <a:endParaRPr kumimoji="1" lang="ja-JP" altLang="en-US"/>
           </a:p>
@@ -2371,7 +2375,7 @@
           <a:p>
             <a:fld id="{D9812761-E0F9-498D-A86D-14F66CBFAB0E}" type="datetimeFigureOut">
               <a:rPr kumimoji="1" lang="ja-JP" altLang="en-US" smtClean="0"/>
-              <a:t>2021/9/9</a:t>
+              <a:t>2021/12/2</a:t>
             </a:fld>
             <a:endParaRPr kumimoji="1" lang="ja-JP" altLang="en-US"/>
           </a:p>
@@ -2628,7 +2632,7 @@
           <a:p>
             <a:fld id="{D9812761-E0F9-498D-A86D-14F66CBFAB0E}" type="datetimeFigureOut">
               <a:rPr kumimoji="1" lang="ja-JP" altLang="en-US" smtClean="0"/>
-              <a:t>2021/9/9</a:t>
+              <a:t>2021/12/2</a:t>
             </a:fld>
             <a:endParaRPr kumimoji="1" lang="ja-JP" altLang="en-US"/>
           </a:p>
@@ -2873,7 +2877,7 @@
           <a:p>
             <a:fld id="{D9812761-E0F9-498D-A86D-14F66CBFAB0E}" type="datetimeFigureOut">
               <a:rPr kumimoji="1" lang="ja-JP" altLang="en-US" smtClean="0"/>
-              <a:t>2021/9/9</a:t>
+              <a:t>2021/12/2</a:t>
             </a:fld>
             <a:endParaRPr kumimoji="1" lang="ja-JP" altLang="en-US"/>
           </a:p>
@@ -3332,6 +3336,4742 @@
     <p:extLst>
       <p:ext uri="{BB962C8B-B14F-4D97-AF65-F5344CB8AC3E}">
         <p14:creationId xmlns:p14="http://schemas.microsoft.com/office/powerpoint/2010/main" val="323855029"/>
+      </p:ext>
+    </p:extLst>
+  </p:cSld>
+  <p:clrMapOvr>
+    <a:masterClrMapping/>
+  </p:clrMapOvr>
+</p:sld>
+</file>
+
+<file path=ppt/slides/slide10.xml><?xml version="1.0" encoding="utf-8"?>
+<p:sld xmlns:a="http://schemas.openxmlformats.org/drawingml/2006/main" xmlns:r="http://schemas.openxmlformats.org/officeDocument/2006/relationships" xmlns:p="http://schemas.openxmlformats.org/presentationml/2006/main">
+  <p:cSld>
+    <p:spTree>
+      <p:nvGrpSpPr>
+        <p:cNvPr id="1" name=""/>
+        <p:cNvGrpSpPr/>
+        <p:nvPr/>
+      </p:nvGrpSpPr>
+      <p:grpSpPr>
+        <a:xfrm>
+          <a:off x="0" y="0"/>
+          <a:ext cx="0" cy="0"/>
+          <a:chOff x="0" y="0"/>
+          <a:chExt cx="0" cy="0"/>
+        </a:xfrm>
+      </p:grpSpPr>
+      <p:cxnSp>
+        <p:nvCxnSpPr>
+          <p:cNvPr id="5" name="直線コネクタ 4">
+            <a:extLst>
+              <a:ext uri="{FF2B5EF4-FFF2-40B4-BE49-F238E27FC236}">
+                <a16:creationId xmlns:a16="http://schemas.microsoft.com/office/drawing/2014/main" id="{3EB2E35B-C30B-4C3E-AE4D-C2B2F59CA39C}"/>
+              </a:ext>
+            </a:extLst>
+          </p:cNvPr>
+          <p:cNvCxnSpPr>
+            <a:cxnSpLocks/>
+          </p:cNvCxnSpPr>
+          <p:nvPr/>
+        </p:nvCxnSpPr>
+        <p:spPr>
+          <a:xfrm>
+            <a:off x="1691012" y="1903956"/>
+            <a:ext cx="0" cy="6390359"/>
+          </a:xfrm>
+          <a:prstGeom prst="line">
+            <a:avLst/>
+          </a:prstGeom>
+          <a:ln w="38100"/>
+        </p:spPr>
+        <p:style>
+          <a:lnRef idx="1">
+            <a:schemeClr val="accent1"/>
+          </a:lnRef>
+          <a:fillRef idx="0">
+            <a:schemeClr val="accent1"/>
+          </a:fillRef>
+          <a:effectRef idx="0">
+            <a:schemeClr val="accent1"/>
+          </a:effectRef>
+          <a:fontRef idx="minor">
+            <a:schemeClr val="tx1"/>
+          </a:fontRef>
+        </p:style>
+      </p:cxnSp>
+      <p:cxnSp>
+        <p:nvCxnSpPr>
+          <p:cNvPr id="6" name="直線コネクタ 5">
+            <a:extLst>
+              <a:ext uri="{FF2B5EF4-FFF2-40B4-BE49-F238E27FC236}">
+                <a16:creationId xmlns:a16="http://schemas.microsoft.com/office/drawing/2014/main" id="{A118158F-C8A1-404B-8154-656ADCFF6411}"/>
+              </a:ext>
+            </a:extLst>
+          </p:cNvPr>
+          <p:cNvCxnSpPr>
+            <a:cxnSpLocks/>
+          </p:cNvCxnSpPr>
+          <p:nvPr/>
+        </p:nvCxnSpPr>
+        <p:spPr>
+          <a:xfrm flipH="1">
+            <a:off x="1691012" y="8294315"/>
+            <a:ext cx="8705589" cy="0"/>
+          </a:xfrm>
+          <a:prstGeom prst="line">
+            <a:avLst/>
+          </a:prstGeom>
+          <a:ln w="38100"/>
+        </p:spPr>
+        <p:style>
+          <a:lnRef idx="1">
+            <a:schemeClr val="accent1"/>
+          </a:lnRef>
+          <a:fillRef idx="0">
+            <a:schemeClr val="accent1"/>
+          </a:fillRef>
+          <a:effectRef idx="0">
+            <a:schemeClr val="accent1"/>
+          </a:effectRef>
+          <a:fontRef idx="minor">
+            <a:schemeClr val="tx1"/>
+          </a:fontRef>
+        </p:style>
+      </p:cxnSp>
+      <p:cxnSp>
+        <p:nvCxnSpPr>
+          <p:cNvPr id="13" name="直線コネクタ 12">
+            <a:extLst>
+              <a:ext uri="{FF2B5EF4-FFF2-40B4-BE49-F238E27FC236}">
+                <a16:creationId xmlns:a16="http://schemas.microsoft.com/office/drawing/2014/main" id="{0BEA56F3-B4E7-459F-AC82-02FFB8A84AD3}"/>
+              </a:ext>
+            </a:extLst>
+          </p:cNvPr>
+          <p:cNvCxnSpPr>
+            <a:cxnSpLocks/>
+          </p:cNvCxnSpPr>
+          <p:nvPr/>
+        </p:nvCxnSpPr>
+        <p:spPr>
+          <a:xfrm flipH="1">
+            <a:off x="1691012" y="1920655"/>
+            <a:ext cx="8705589" cy="0"/>
+          </a:xfrm>
+          <a:prstGeom prst="line">
+            <a:avLst/>
+          </a:prstGeom>
+          <a:ln w="38100">
+            <a:solidFill>
+              <a:srgbClr val="4472C4">
+                <a:alpha val="49020"/>
+              </a:srgbClr>
+            </a:solidFill>
+          </a:ln>
+        </p:spPr>
+        <p:style>
+          <a:lnRef idx="1">
+            <a:schemeClr val="accent1"/>
+          </a:lnRef>
+          <a:fillRef idx="0">
+            <a:schemeClr val="accent1"/>
+          </a:fillRef>
+          <a:effectRef idx="0">
+            <a:schemeClr val="accent1"/>
+          </a:effectRef>
+          <a:fontRef idx="minor">
+            <a:schemeClr val="tx1"/>
+          </a:fontRef>
+        </p:style>
+      </p:cxnSp>
+      <p:cxnSp>
+        <p:nvCxnSpPr>
+          <p:cNvPr id="14" name="直線コネクタ 13">
+            <a:extLst>
+              <a:ext uri="{FF2B5EF4-FFF2-40B4-BE49-F238E27FC236}">
+                <a16:creationId xmlns:a16="http://schemas.microsoft.com/office/drawing/2014/main" id="{D34E21C2-DB8B-4953-A51F-8B90F3FD03C1}"/>
+              </a:ext>
+            </a:extLst>
+          </p:cNvPr>
+          <p:cNvCxnSpPr>
+            <a:cxnSpLocks/>
+          </p:cNvCxnSpPr>
+          <p:nvPr/>
+        </p:nvCxnSpPr>
+        <p:spPr>
+          <a:xfrm flipH="1">
+            <a:off x="1682662" y="3964495"/>
+            <a:ext cx="8705589" cy="0"/>
+          </a:xfrm>
+          <a:prstGeom prst="line">
+            <a:avLst/>
+          </a:prstGeom>
+          <a:ln w="38100"/>
+        </p:spPr>
+        <p:style>
+          <a:lnRef idx="1">
+            <a:schemeClr val="accent1"/>
+          </a:lnRef>
+          <a:fillRef idx="0">
+            <a:schemeClr val="accent1"/>
+          </a:fillRef>
+          <a:effectRef idx="0">
+            <a:schemeClr val="accent1"/>
+          </a:effectRef>
+          <a:fontRef idx="minor">
+            <a:schemeClr val="tx1"/>
+          </a:fontRef>
+        </p:style>
+      </p:cxnSp>
+      <p:cxnSp>
+        <p:nvCxnSpPr>
+          <p:cNvPr id="15" name="直線コネクタ 14">
+            <a:extLst>
+              <a:ext uri="{FF2B5EF4-FFF2-40B4-BE49-F238E27FC236}">
+                <a16:creationId xmlns:a16="http://schemas.microsoft.com/office/drawing/2014/main" id="{FF47651E-7E9D-4616-B01C-8FBDCA2E7F7F}"/>
+              </a:ext>
+            </a:extLst>
+          </p:cNvPr>
+          <p:cNvCxnSpPr>
+            <a:cxnSpLocks/>
+          </p:cNvCxnSpPr>
+          <p:nvPr/>
+        </p:nvCxnSpPr>
+        <p:spPr>
+          <a:xfrm flipH="1">
+            <a:off x="1672223" y="5399881"/>
+            <a:ext cx="8705589" cy="0"/>
+          </a:xfrm>
+          <a:prstGeom prst="line">
+            <a:avLst/>
+          </a:prstGeom>
+          <a:ln w="38100">
+            <a:prstDash val="sysDash"/>
+          </a:ln>
+        </p:spPr>
+        <p:style>
+          <a:lnRef idx="1">
+            <a:schemeClr val="accent1"/>
+          </a:lnRef>
+          <a:fillRef idx="0">
+            <a:schemeClr val="accent1"/>
+          </a:fillRef>
+          <a:effectRef idx="0">
+            <a:schemeClr val="accent1"/>
+          </a:effectRef>
+          <a:fontRef idx="minor">
+            <a:schemeClr val="tx1"/>
+          </a:fontRef>
+        </p:style>
+      </p:cxnSp>
+      <p:sp>
+        <p:nvSpPr>
+          <p:cNvPr id="17" name="テキスト ボックス 16">
+            <a:extLst>
+              <a:ext uri="{FF2B5EF4-FFF2-40B4-BE49-F238E27FC236}">
+                <a16:creationId xmlns:a16="http://schemas.microsoft.com/office/drawing/2014/main" id="{D4F244A9-84C4-4E00-998D-D5303A5535D8}"/>
+              </a:ext>
+            </a:extLst>
+          </p:cNvPr>
+          <p:cNvSpPr txBox="1"/>
+          <p:nvPr/>
+        </p:nvSpPr>
+        <p:spPr>
+          <a:xfrm>
+            <a:off x="0" y="1689822"/>
+            <a:ext cx="1853850" cy="461665"/>
+          </a:xfrm>
+          <a:prstGeom prst="rect">
+            <a:avLst/>
+          </a:prstGeom>
+          <a:noFill/>
+        </p:spPr>
+        <p:txBody>
+          <a:bodyPr wrap="square" rtlCol="0">
+            <a:spAutoFit/>
+          </a:bodyPr>
+          <a:lstStyle/>
+          <a:p>
+            <a:r>
+              <a:rPr kumimoji="1" lang="ja-JP" altLang="en-US" sz="2400" b="1" dirty="0"/>
+              <a:t>尤度最大点</a:t>
+            </a:r>
+          </a:p>
+        </p:txBody>
+      </p:sp>
+      <p:sp>
+        <p:nvSpPr>
+          <p:cNvPr id="18" name="矢印: 下 17">
+            <a:extLst>
+              <a:ext uri="{FF2B5EF4-FFF2-40B4-BE49-F238E27FC236}">
+                <a16:creationId xmlns:a16="http://schemas.microsoft.com/office/drawing/2014/main" id="{0B6ADDD2-091E-43B0-90EF-F0EBBBE5BAFB}"/>
+              </a:ext>
+            </a:extLst>
+          </p:cNvPr>
+          <p:cNvSpPr/>
+          <p:nvPr/>
+        </p:nvSpPr>
+        <p:spPr>
+          <a:xfrm rot="10800000">
+            <a:off x="3018769" y="3964495"/>
+            <a:ext cx="501039" cy="4329820"/>
+          </a:xfrm>
+          <a:prstGeom prst="downArrow">
+            <a:avLst/>
+          </a:prstGeom>
+        </p:spPr>
+        <p:style>
+          <a:lnRef idx="2">
+            <a:schemeClr val="accent1">
+              <a:shade val="50000"/>
+            </a:schemeClr>
+          </a:lnRef>
+          <a:fillRef idx="1">
+            <a:schemeClr val="accent1"/>
+          </a:fillRef>
+          <a:effectRef idx="0">
+            <a:schemeClr val="accent1"/>
+          </a:effectRef>
+          <a:fontRef idx="minor">
+            <a:schemeClr val="lt1"/>
+          </a:fontRef>
+        </p:style>
+        <p:txBody>
+          <a:bodyPr rtlCol="0" anchor="ctr"/>
+          <a:lstStyle/>
+          <a:p>
+            <a:pPr algn="ctr"/>
+            <a:endParaRPr kumimoji="1" lang="ja-JP" altLang="en-US"/>
+          </a:p>
+        </p:txBody>
+      </p:sp>
+      <mc:AlternateContent xmlns:mc="http://schemas.openxmlformats.org/markup-compatibility/2006">
+        <mc:Choice xmlns:a14="http://schemas.microsoft.com/office/drawing/2010/main" Requires="a14">
+          <p:sp>
+            <p:nvSpPr>
+              <p:cNvPr id="19" name="正方形/長方形 18">
+                <a:extLst>
+                  <a:ext uri="{FF2B5EF4-FFF2-40B4-BE49-F238E27FC236}">
+                    <a16:creationId xmlns:a16="http://schemas.microsoft.com/office/drawing/2014/main" id="{1C0B2087-B204-4621-A90A-90E381B3F8A6}"/>
+                  </a:ext>
+                </a:extLst>
+              </p:cNvPr>
+              <p:cNvSpPr/>
+              <p:nvPr/>
+            </p:nvSpPr>
+            <p:spPr>
+              <a:xfrm>
+                <a:off x="2240329" y="5832506"/>
+                <a:ext cx="2057919" cy="676395"/>
+              </a:xfrm>
+              <a:prstGeom prst="rect">
+                <a:avLst/>
+              </a:prstGeom>
+              <a:solidFill>
+                <a:schemeClr val="bg1"/>
+              </a:solidFill>
+            </p:spPr>
+            <p:style>
+              <a:lnRef idx="2">
+                <a:schemeClr val="accent1">
+                  <a:shade val="50000"/>
+                </a:schemeClr>
+              </a:lnRef>
+              <a:fillRef idx="1">
+                <a:schemeClr val="accent1"/>
+              </a:fillRef>
+              <a:effectRef idx="0">
+                <a:schemeClr val="accent1"/>
+              </a:effectRef>
+              <a:fontRef idx="minor">
+                <a:schemeClr val="lt1"/>
+              </a:fontRef>
+            </p:style>
+            <p:txBody>
+              <a:bodyPr rtlCol="0" anchor="ctr"/>
+              <a:lstStyle/>
+              <a:p>
+                <a:pPr algn="ctr"/>
+                <a14:m>
+                  <m:oMathPara xmlns:m="http://schemas.openxmlformats.org/officeDocument/2006/math">
+                    <m:oMathParaPr>
+                      <m:jc m:val="centerGroup"/>
+                    </m:oMathParaPr>
+                    <m:oMath xmlns:m="http://schemas.openxmlformats.org/officeDocument/2006/math">
+                      <m:r>
+                        <a:rPr kumimoji="1" lang="en-US" altLang="ja-JP" sz="3200" b="0" i="1" smtClean="0">
+                          <a:solidFill>
+                            <a:schemeClr val="tx1"/>
+                          </a:solidFill>
+                          <a:latin typeface="Cambria Math" panose="02040503050406030204" pitchFamily="18" charset="0"/>
+                        </a:rPr>
+                        <m:t>𝑙𝑜𝑔𝑝</m:t>
+                      </m:r>
+                      <m:r>
+                        <a:rPr kumimoji="1" lang="en-US" altLang="ja-JP" sz="3200" b="0" i="1" smtClean="0">
+                          <a:solidFill>
+                            <a:schemeClr val="tx1"/>
+                          </a:solidFill>
+                          <a:latin typeface="Cambria Math" panose="02040503050406030204" pitchFamily="18" charset="0"/>
+                        </a:rPr>
+                        <m:t>(</m:t>
+                      </m:r>
+                      <m:r>
+                        <a:rPr kumimoji="1" lang="en-US" altLang="ja-JP" sz="3200" b="0" i="1" smtClean="0">
+                          <a:solidFill>
+                            <a:schemeClr val="tx1"/>
+                          </a:solidFill>
+                          <a:latin typeface="Cambria Math" panose="02040503050406030204" pitchFamily="18" charset="0"/>
+                        </a:rPr>
+                        <m:t>𝑥</m:t>
+                      </m:r>
+                      <m:r>
+                        <a:rPr kumimoji="1" lang="en-US" altLang="ja-JP" sz="3200" b="0" i="1" smtClean="0">
+                          <a:solidFill>
+                            <a:schemeClr val="tx1"/>
+                          </a:solidFill>
+                          <a:latin typeface="Cambria Math" panose="02040503050406030204" pitchFamily="18" charset="0"/>
+                        </a:rPr>
+                        <m:t>|</m:t>
+                      </m:r>
+                      <m:r>
+                        <a:rPr kumimoji="1" lang="en-US" altLang="ja-JP" sz="3200" b="0" i="1" smtClean="0">
+                          <a:solidFill>
+                            <a:schemeClr val="tx1"/>
+                          </a:solidFill>
+                          <a:latin typeface="Cambria Math" panose="02040503050406030204" pitchFamily="18" charset="0"/>
+                        </a:rPr>
+                        <m:t>𝜃</m:t>
+                      </m:r>
+                      <m:r>
+                        <a:rPr kumimoji="1" lang="en-US" altLang="ja-JP" sz="3200" b="0" i="1" smtClean="0">
+                          <a:solidFill>
+                            <a:schemeClr val="tx1"/>
+                          </a:solidFill>
+                          <a:latin typeface="Cambria Math" panose="02040503050406030204" pitchFamily="18" charset="0"/>
+                        </a:rPr>
+                        <m:t>)</m:t>
+                      </m:r>
+                    </m:oMath>
+                  </m:oMathPara>
+                </a14:m>
+                <a:endParaRPr kumimoji="1" lang="ja-JP" altLang="en-US" sz="3200" dirty="0">
+                  <a:solidFill>
+                    <a:schemeClr val="tx1"/>
+                  </a:solidFill>
+                </a:endParaRPr>
+              </a:p>
+            </p:txBody>
+          </p:sp>
+        </mc:Choice>
+        <mc:Fallback>
+          <p:sp>
+            <p:nvSpPr>
+              <p:cNvPr id="19" name="正方形/長方形 18">
+                <a:extLst>
+                  <a:ext uri="{FF2B5EF4-FFF2-40B4-BE49-F238E27FC236}">
+                    <a16:creationId xmlns:a16="http://schemas.microsoft.com/office/drawing/2014/main" id="{1C0B2087-B204-4621-A90A-90E381B3F8A6}"/>
+                  </a:ext>
+                </a:extLst>
+              </p:cNvPr>
+              <p:cNvSpPr>
+                <a:spLocks noRot="1" noChangeAspect="1" noMove="1" noResize="1" noEditPoints="1" noAdjustHandles="1" noChangeArrowheads="1" noChangeShapeType="1" noTextEdit="1"/>
+              </p:cNvSpPr>
+              <p:nvPr/>
+            </p:nvSpPr>
+            <p:spPr>
+              <a:xfrm>
+                <a:off x="2240329" y="5832506"/>
+                <a:ext cx="2057919" cy="676395"/>
+              </a:xfrm>
+              <a:prstGeom prst="rect">
+                <a:avLst/>
+              </a:prstGeom>
+              <a:blipFill>
+                <a:blip r:embed="rId2"/>
+                <a:stretch>
+                  <a:fillRect/>
+                </a:stretch>
+              </a:blipFill>
+            </p:spPr>
+            <p:txBody>
+              <a:bodyPr/>
+              <a:lstStyle/>
+              <a:p>
+                <a:r>
+                  <a:rPr lang="ja-JP" altLang="en-US">
+                    <a:noFill/>
+                  </a:rPr>
+                  <a:t> </a:t>
+                </a:r>
+              </a:p>
+            </p:txBody>
+          </p:sp>
+        </mc:Fallback>
+      </mc:AlternateContent>
+      <p:sp>
+        <p:nvSpPr>
+          <p:cNvPr id="20" name="矢印: 下 19">
+            <a:extLst>
+              <a:ext uri="{FF2B5EF4-FFF2-40B4-BE49-F238E27FC236}">
+                <a16:creationId xmlns:a16="http://schemas.microsoft.com/office/drawing/2014/main" id="{1EE8D8D5-E0FA-45C0-94C7-13DF328E9D86}"/>
+              </a:ext>
+            </a:extLst>
+          </p:cNvPr>
+          <p:cNvSpPr/>
+          <p:nvPr/>
+        </p:nvSpPr>
+        <p:spPr>
+          <a:xfrm rot="10800000">
+            <a:off x="5903399" y="5411230"/>
+            <a:ext cx="501039" cy="2874759"/>
+          </a:xfrm>
+          <a:prstGeom prst="downArrow">
+            <a:avLst/>
+          </a:prstGeom>
+        </p:spPr>
+        <p:style>
+          <a:lnRef idx="2">
+            <a:schemeClr val="accent1">
+              <a:shade val="50000"/>
+            </a:schemeClr>
+          </a:lnRef>
+          <a:fillRef idx="1">
+            <a:schemeClr val="accent1"/>
+          </a:fillRef>
+          <a:effectRef idx="0">
+            <a:schemeClr val="accent1"/>
+          </a:effectRef>
+          <a:fontRef idx="minor">
+            <a:schemeClr val="lt1"/>
+          </a:fontRef>
+        </p:style>
+        <p:txBody>
+          <a:bodyPr rtlCol="0" anchor="ctr"/>
+          <a:lstStyle/>
+          <a:p>
+            <a:pPr algn="ctr"/>
+            <a:endParaRPr kumimoji="1" lang="ja-JP" altLang="en-US"/>
+          </a:p>
+        </p:txBody>
+      </p:sp>
+      <mc:AlternateContent xmlns:mc="http://schemas.openxmlformats.org/markup-compatibility/2006">
+        <mc:Choice xmlns:a14="http://schemas.microsoft.com/office/drawing/2010/main" Requires="a14">
+          <p:sp>
+            <p:nvSpPr>
+              <p:cNvPr id="21" name="正方形/長方形 20">
+                <a:extLst>
+                  <a:ext uri="{FF2B5EF4-FFF2-40B4-BE49-F238E27FC236}">
+                    <a16:creationId xmlns:a16="http://schemas.microsoft.com/office/drawing/2014/main" id="{5DFA0C01-F5F8-4A62-931C-A1CE3D5ED126}"/>
+                  </a:ext>
+                </a:extLst>
+              </p:cNvPr>
+              <p:cNvSpPr/>
+              <p:nvPr/>
+            </p:nvSpPr>
+            <p:spPr>
+              <a:xfrm>
+                <a:off x="5124958" y="6621985"/>
+                <a:ext cx="2057919" cy="676395"/>
+              </a:xfrm>
+              <a:prstGeom prst="rect">
+                <a:avLst/>
+              </a:prstGeom>
+              <a:solidFill>
+                <a:schemeClr val="bg1"/>
+              </a:solidFill>
+            </p:spPr>
+            <p:style>
+              <a:lnRef idx="2">
+                <a:schemeClr val="accent1">
+                  <a:shade val="50000"/>
+                </a:schemeClr>
+              </a:lnRef>
+              <a:fillRef idx="1">
+                <a:schemeClr val="accent1"/>
+              </a:fillRef>
+              <a:effectRef idx="0">
+                <a:schemeClr val="accent1"/>
+              </a:effectRef>
+              <a:fontRef idx="minor">
+                <a:schemeClr val="lt1"/>
+              </a:fontRef>
+            </p:style>
+            <p:txBody>
+              <a:bodyPr rtlCol="0" anchor="ctr"/>
+              <a:lstStyle/>
+              <a:p>
+                <a:pPr algn="ctr"/>
+                <a14:m>
+                  <m:oMathPara xmlns:m="http://schemas.openxmlformats.org/officeDocument/2006/math">
+                    <m:oMathParaPr>
+                      <m:jc m:val="centerGroup"/>
+                    </m:oMathParaPr>
+                    <m:oMath xmlns:m="http://schemas.openxmlformats.org/officeDocument/2006/math">
+                      <m:r>
+                        <a:rPr kumimoji="1" lang="en-US" altLang="ja-JP" sz="3200" b="0" i="1" smtClean="0">
+                          <a:solidFill>
+                            <a:schemeClr val="tx1"/>
+                          </a:solidFill>
+                          <a:latin typeface="Cambria Math" panose="02040503050406030204" pitchFamily="18" charset="0"/>
+                        </a:rPr>
+                        <m:t>𝐿</m:t>
+                      </m:r>
+                      <m:r>
+                        <a:rPr kumimoji="1" lang="en-US" altLang="ja-JP" sz="3200" b="0" i="1" smtClean="0">
+                          <a:solidFill>
+                            <a:schemeClr val="tx1"/>
+                          </a:solidFill>
+                          <a:latin typeface="Cambria Math" panose="02040503050406030204" pitchFamily="18" charset="0"/>
+                        </a:rPr>
+                        <m:t>(</m:t>
+                      </m:r>
+                      <m:r>
+                        <a:rPr kumimoji="1" lang="en-US" altLang="ja-JP" sz="3200" b="0" i="1" smtClean="0">
+                          <a:solidFill>
+                            <a:schemeClr val="tx1"/>
+                          </a:solidFill>
+                          <a:latin typeface="Cambria Math" panose="02040503050406030204" pitchFamily="18" charset="0"/>
+                        </a:rPr>
+                        <m:t>𝑞</m:t>
+                      </m:r>
+                      <m:r>
+                        <a:rPr kumimoji="1" lang="en-US" altLang="ja-JP" sz="3200" b="0" i="1" smtClean="0">
+                          <a:solidFill>
+                            <a:schemeClr val="tx1"/>
+                          </a:solidFill>
+                          <a:latin typeface="Cambria Math" panose="02040503050406030204" pitchFamily="18" charset="0"/>
+                        </a:rPr>
+                        <m:t>,</m:t>
+                      </m:r>
+                      <m:r>
+                        <a:rPr kumimoji="1" lang="en-US" altLang="ja-JP" sz="3200" b="0" i="1" smtClean="0">
+                          <a:solidFill>
+                            <a:schemeClr val="tx1"/>
+                          </a:solidFill>
+                          <a:latin typeface="Cambria Math" panose="02040503050406030204" pitchFamily="18" charset="0"/>
+                        </a:rPr>
+                        <m:t>𝜃</m:t>
+                      </m:r>
+                      <m:r>
+                        <a:rPr kumimoji="1" lang="en-US" altLang="ja-JP" sz="3200" b="0" i="1" smtClean="0">
+                          <a:solidFill>
+                            <a:schemeClr val="tx1"/>
+                          </a:solidFill>
+                          <a:latin typeface="Cambria Math" panose="02040503050406030204" pitchFamily="18" charset="0"/>
+                        </a:rPr>
+                        <m:t>)</m:t>
+                      </m:r>
+                    </m:oMath>
+                  </m:oMathPara>
+                </a14:m>
+                <a:endParaRPr kumimoji="1" lang="ja-JP" altLang="en-US" sz="3200" dirty="0">
+                  <a:solidFill>
+                    <a:schemeClr val="tx1"/>
+                  </a:solidFill>
+                </a:endParaRPr>
+              </a:p>
+            </p:txBody>
+          </p:sp>
+        </mc:Choice>
+        <mc:Fallback>
+          <p:sp>
+            <p:nvSpPr>
+              <p:cNvPr id="21" name="正方形/長方形 20">
+                <a:extLst>
+                  <a:ext uri="{FF2B5EF4-FFF2-40B4-BE49-F238E27FC236}">
+                    <a16:creationId xmlns:a16="http://schemas.microsoft.com/office/drawing/2014/main" id="{5DFA0C01-F5F8-4A62-931C-A1CE3D5ED126}"/>
+                  </a:ext>
+                </a:extLst>
+              </p:cNvPr>
+              <p:cNvSpPr>
+                <a:spLocks noRot="1" noChangeAspect="1" noMove="1" noResize="1" noEditPoints="1" noAdjustHandles="1" noChangeArrowheads="1" noChangeShapeType="1" noTextEdit="1"/>
+              </p:cNvSpPr>
+              <p:nvPr/>
+            </p:nvSpPr>
+            <p:spPr>
+              <a:xfrm>
+                <a:off x="5124958" y="6621985"/>
+                <a:ext cx="2057919" cy="676395"/>
+              </a:xfrm>
+              <a:prstGeom prst="rect">
+                <a:avLst/>
+              </a:prstGeom>
+              <a:blipFill>
+                <a:blip r:embed="rId3"/>
+                <a:stretch>
+                  <a:fillRect/>
+                </a:stretch>
+              </a:blipFill>
+            </p:spPr>
+            <p:txBody>
+              <a:bodyPr/>
+              <a:lstStyle/>
+              <a:p>
+                <a:r>
+                  <a:rPr lang="ja-JP" altLang="en-US">
+                    <a:noFill/>
+                  </a:rPr>
+                  <a:t> </a:t>
+                </a:r>
+              </a:p>
+            </p:txBody>
+          </p:sp>
+        </mc:Fallback>
+      </mc:AlternateContent>
+      <p:sp>
+        <p:nvSpPr>
+          <p:cNvPr id="23" name="矢印: 上下 22">
+            <a:extLst>
+              <a:ext uri="{FF2B5EF4-FFF2-40B4-BE49-F238E27FC236}">
+                <a16:creationId xmlns:a16="http://schemas.microsoft.com/office/drawing/2014/main" id="{5A88B53D-D823-47B8-89FA-E59FEF2BE754}"/>
+              </a:ext>
+            </a:extLst>
+          </p:cNvPr>
+          <p:cNvSpPr/>
+          <p:nvPr/>
+        </p:nvSpPr>
+        <p:spPr>
+          <a:xfrm>
+            <a:off x="7029435" y="3972821"/>
+            <a:ext cx="501040" cy="1438409"/>
+          </a:xfrm>
+          <a:prstGeom prst="upDownArrow">
+            <a:avLst/>
+          </a:prstGeom>
+        </p:spPr>
+        <p:style>
+          <a:lnRef idx="2">
+            <a:schemeClr val="accent2">
+              <a:shade val="50000"/>
+            </a:schemeClr>
+          </a:lnRef>
+          <a:fillRef idx="1">
+            <a:schemeClr val="accent2"/>
+          </a:fillRef>
+          <a:effectRef idx="0">
+            <a:schemeClr val="accent2"/>
+          </a:effectRef>
+          <a:fontRef idx="minor">
+            <a:schemeClr val="lt1"/>
+          </a:fontRef>
+        </p:style>
+        <p:txBody>
+          <a:bodyPr rtlCol="0" anchor="ctr"/>
+          <a:lstStyle/>
+          <a:p>
+            <a:pPr algn="ctr"/>
+            <a:endParaRPr kumimoji="1" lang="ja-JP" altLang="en-US"/>
+          </a:p>
+        </p:txBody>
+      </p:sp>
+      <p:sp>
+        <p:nvSpPr>
+          <p:cNvPr id="24" name="正方形/長方形 23">
+            <a:extLst>
+              <a:ext uri="{FF2B5EF4-FFF2-40B4-BE49-F238E27FC236}">
+                <a16:creationId xmlns:a16="http://schemas.microsoft.com/office/drawing/2014/main" id="{06971C61-9B03-40C0-AC95-72F1587A48EC}"/>
+              </a:ext>
+            </a:extLst>
+          </p:cNvPr>
+          <p:cNvSpPr/>
+          <p:nvPr/>
+        </p:nvSpPr>
+        <p:spPr>
+          <a:xfrm>
+            <a:off x="6250995" y="4471793"/>
+            <a:ext cx="2057919" cy="458704"/>
+          </a:xfrm>
+          <a:prstGeom prst="rect">
+            <a:avLst/>
+          </a:prstGeom>
+          <a:solidFill>
+            <a:schemeClr val="bg1"/>
+          </a:solidFill>
+          <a:ln>
+            <a:solidFill>
+              <a:schemeClr val="accent2"/>
+            </a:solidFill>
+          </a:ln>
+        </p:spPr>
+        <p:style>
+          <a:lnRef idx="2">
+            <a:schemeClr val="accent1">
+              <a:shade val="50000"/>
+            </a:schemeClr>
+          </a:lnRef>
+          <a:fillRef idx="1">
+            <a:schemeClr val="accent1"/>
+          </a:fillRef>
+          <a:effectRef idx="0">
+            <a:schemeClr val="accent1"/>
+          </a:effectRef>
+          <a:fontRef idx="minor">
+            <a:schemeClr val="lt1"/>
+          </a:fontRef>
+        </p:style>
+        <p:txBody>
+          <a:bodyPr rtlCol="0" anchor="ctr"/>
+          <a:lstStyle/>
+          <a:p>
+            <a:pPr algn="ctr"/>
+            <a:r>
+              <a:rPr kumimoji="1" lang="ja-JP" altLang="en-US" sz="3200" b="1" dirty="0">
+                <a:solidFill>
+                  <a:schemeClr val="tx1"/>
+                </a:solidFill>
+              </a:rPr>
+              <a:t>？</a:t>
+            </a:r>
+          </a:p>
+        </p:txBody>
+      </p:sp>
+    </p:spTree>
+    <p:extLst>
+      <p:ext uri="{BB962C8B-B14F-4D97-AF65-F5344CB8AC3E}">
+        <p14:creationId xmlns:p14="http://schemas.microsoft.com/office/powerpoint/2010/main" val="3702055119"/>
+      </p:ext>
+    </p:extLst>
+  </p:cSld>
+  <p:clrMapOvr>
+    <a:masterClrMapping/>
+  </p:clrMapOvr>
+</p:sld>
+</file>
+
+<file path=ppt/slides/slide11.xml><?xml version="1.0" encoding="utf-8"?>
+<p:sld xmlns:a="http://schemas.openxmlformats.org/drawingml/2006/main" xmlns:r="http://schemas.openxmlformats.org/officeDocument/2006/relationships" xmlns:p="http://schemas.openxmlformats.org/presentationml/2006/main">
+  <p:cSld>
+    <p:spTree>
+      <p:nvGrpSpPr>
+        <p:cNvPr id="1" name=""/>
+        <p:cNvGrpSpPr/>
+        <p:nvPr/>
+      </p:nvGrpSpPr>
+      <p:grpSpPr>
+        <a:xfrm>
+          <a:off x="0" y="0"/>
+          <a:ext cx="0" cy="0"/>
+          <a:chOff x="0" y="0"/>
+          <a:chExt cx="0" cy="0"/>
+        </a:xfrm>
+      </p:grpSpPr>
+      <p:cxnSp>
+        <p:nvCxnSpPr>
+          <p:cNvPr id="5" name="直線コネクタ 4">
+            <a:extLst>
+              <a:ext uri="{FF2B5EF4-FFF2-40B4-BE49-F238E27FC236}">
+                <a16:creationId xmlns:a16="http://schemas.microsoft.com/office/drawing/2014/main" id="{3EB2E35B-C30B-4C3E-AE4D-C2B2F59CA39C}"/>
+              </a:ext>
+            </a:extLst>
+          </p:cNvPr>
+          <p:cNvCxnSpPr>
+            <a:cxnSpLocks/>
+          </p:cNvCxnSpPr>
+          <p:nvPr/>
+        </p:nvCxnSpPr>
+        <p:spPr>
+          <a:xfrm>
+            <a:off x="1691012" y="1903956"/>
+            <a:ext cx="0" cy="6390359"/>
+          </a:xfrm>
+          <a:prstGeom prst="line">
+            <a:avLst/>
+          </a:prstGeom>
+          <a:ln w="38100"/>
+        </p:spPr>
+        <p:style>
+          <a:lnRef idx="1">
+            <a:schemeClr val="accent1"/>
+          </a:lnRef>
+          <a:fillRef idx="0">
+            <a:schemeClr val="accent1"/>
+          </a:fillRef>
+          <a:effectRef idx="0">
+            <a:schemeClr val="accent1"/>
+          </a:effectRef>
+          <a:fontRef idx="minor">
+            <a:schemeClr val="tx1"/>
+          </a:fontRef>
+        </p:style>
+      </p:cxnSp>
+      <p:cxnSp>
+        <p:nvCxnSpPr>
+          <p:cNvPr id="6" name="直線コネクタ 5">
+            <a:extLst>
+              <a:ext uri="{FF2B5EF4-FFF2-40B4-BE49-F238E27FC236}">
+                <a16:creationId xmlns:a16="http://schemas.microsoft.com/office/drawing/2014/main" id="{A118158F-C8A1-404B-8154-656ADCFF6411}"/>
+              </a:ext>
+            </a:extLst>
+          </p:cNvPr>
+          <p:cNvCxnSpPr>
+            <a:cxnSpLocks/>
+          </p:cNvCxnSpPr>
+          <p:nvPr/>
+        </p:nvCxnSpPr>
+        <p:spPr>
+          <a:xfrm flipH="1">
+            <a:off x="1691012" y="8294315"/>
+            <a:ext cx="8705589" cy="0"/>
+          </a:xfrm>
+          <a:prstGeom prst="line">
+            <a:avLst/>
+          </a:prstGeom>
+          <a:ln w="38100"/>
+        </p:spPr>
+        <p:style>
+          <a:lnRef idx="1">
+            <a:schemeClr val="accent1"/>
+          </a:lnRef>
+          <a:fillRef idx="0">
+            <a:schemeClr val="accent1"/>
+          </a:fillRef>
+          <a:effectRef idx="0">
+            <a:schemeClr val="accent1"/>
+          </a:effectRef>
+          <a:fontRef idx="minor">
+            <a:schemeClr val="tx1"/>
+          </a:fontRef>
+        </p:style>
+      </p:cxnSp>
+      <p:cxnSp>
+        <p:nvCxnSpPr>
+          <p:cNvPr id="13" name="直線コネクタ 12">
+            <a:extLst>
+              <a:ext uri="{FF2B5EF4-FFF2-40B4-BE49-F238E27FC236}">
+                <a16:creationId xmlns:a16="http://schemas.microsoft.com/office/drawing/2014/main" id="{0BEA56F3-B4E7-459F-AC82-02FFB8A84AD3}"/>
+              </a:ext>
+            </a:extLst>
+          </p:cNvPr>
+          <p:cNvCxnSpPr>
+            <a:cxnSpLocks/>
+          </p:cNvCxnSpPr>
+          <p:nvPr/>
+        </p:nvCxnSpPr>
+        <p:spPr>
+          <a:xfrm flipH="1">
+            <a:off x="1691012" y="1920655"/>
+            <a:ext cx="8705589" cy="0"/>
+          </a:xfrm>
+          <a:prstGeom prst="line">
+            <a:avLst/>
+          </a:prstGeom>
+          <a:ln w="38100">
+            <a:solidFill>
+              <a:srgbClr val="4472C4">
+                <a:alpha val="49020"/>
+              </a:srgbClr>
+            </a:solidFill>
+          </a:ln>
+        </p:spPr>
+        <p:style>
+          <a:lnRef idx="1">
+            <a:schemeClr val="accent1"/>
+          </a:lnRef>
+          <a:fillRef idx="0">
+            <a:schemeClr val="accent1"/>
+          </a:fillRef>
+          <a:effectRef idx="0">
+            <a:schemeClr val="accent1"/>
+          </a:effectRef>
+          <a:fontRef idx="minor">
+            <a:schemeClr val="tx1"/>
+          </a:fontRef>
+        </p:style>
+      </p:cxnSp>
+      <p:cxnSp>
+        <p:nvCxnSpPr>
+          <p:cNvPr id="14" name="直線コネクタ 13">
+            <a:extLst>
+              <a:ext uri="{FF2B5EF4-FFF2-40B4-BE49-F238E27FC236}">
+                <a16:creationId xmlns:a16="http://schemas.microsoft.com/office/drawing/2014/main" id="{D34E21C2-DB8B-4953-A51F-8B90F3FD03C1}"/>
+              </a:ext>
+            </a:extLst>
+          </p:cNvPr>
+          <p:cNvCxnSpPr>
+            <a:cxnSpLocks/>
+          </p:cNvCxnSpPr>
+          <p:nvPr/>
+        </p:nvCxnSpPr>
+        <p:spPr>
+          <a:xfrm flipH="1">
+            <a:off x="1682662" y="3964495"/>
+            <a:ext cx="8705589" cy="0"/>
+          </a:xfrm>
+          <a:prstGeom prst="line">
+            <a:avLst/>
+          </a:prstGeom>
+          <a:ln w="38100"/>
+        </p:spPr>
+        <p:style>
+          <a:lnRef idx="1">
+            <a:schemeClr val="accent1"/>
+          </a:lnRef>
+          <a:fillRef idx="0">
+            <a:schemeClr val="accent1"/>
+          </a:fillRef>
+          <a:effectRef idx="0">
+            <a:schemeClr val="accent1"/>
+          </a:effectRef>
+          <a:fontRef idx="minor">
+            <a:schemeClr val="tx1"/>
+          </a:fontRef>
+        </p:style>
+      </p:cxnSp>
+      <p:sp>
+        <p:nvSpPr>
+          <p:cNvPr id="17" name="テキスト ボックス 16">
+            <a:extLst>
+              <a:ext uri="{FF2B5EF4-FFF2-40B4-BE49-F238E27FC236}">
+                <a16:creationId xmlns:a16="http://schemas.microsoft.com/office/drawing/2014/main" id="{D4F244A9-84C4-4E00-998D-D5303A5535D8}"/>
+              </a:ext>
+            </a:extLst>
+          </p:cNvPr>
+          <p:cNvSpPr txBox="1"/>
+          <p:nvPr/>
+        </p:nvSpPr>
+        <p:spPr>
+          <a:xfrm>
+            <a:off x="0" y="1689822"/>
+            <a:ext cx="1853850" cy="461665"/>
+          </a:xfrm>
+          <a:prstGeom prst="rect">
+            <a:avLst/>
+          </a:prstGeom>
+          <a:noFill/>
+        </p:spPr>
+        <p:txBody>
+          <a:bodyPr wrap="square" rtlCol="0">
+            <a:spAutoFit/>
+          </a:bodyPr>
+          <a:lstStyle/>
+          <a:p>
+            <a:r>
+              <a:rPr kumimoji="1" lang="ja-JP" altLang="en-US" sz="2400" b="1" dirty="0"/>
+              <a:t>尤度最大点</a:t>
+            </a:r>
+          </a:p>
+        </p:txBody>
+      </p:sp>
+      <p:sp>
+        <p:nvSpPr>
+          <p:cNvPr id="18" name="矢印: 下 17">
+            <a:extLst>
+              <a:ext uri="{FF2B5EF4-FFF2-40B4-BE49-F238E27FC236}">
+                <a16:creationId xmlns:a16="http://schemas.microsoft.com/office/drawing/2014/main" id="{0B6ADDD2-091E-43B0-90EF-F0EBBBE5BAFB}"/>
+              </a:ext>
+            </a:extLst>
+          </p:cNvPr>
+          <p:cNvSpPr/>
+          <p:nvPr/>
+        </p:nvSpPr>
+        <p:spPr>
+          <a:xfrm rot="10800000">
+            <a:off x="3018769" y="3964495"/>
+            <a:ext cx="501039" cy="4329820"/>
+          </a:xfrm>
+          <a:prstGeom prst="downArrow">
+            <a:avLst/>
+          </a:prstGeom>
+        </p:spPr>
+        <p:style>
+          <a:lnRef idx="2">
+            <a:schemeClr val="accent1">
+              <a:shade val="50000"/>
+            </a:schemeClr>
+          </a:lnRef>
+          <a:fillRef idx="1">
+            <a:schemeClr val="accent1"/>
+          </a:fillRef>
+          <a:effectRef idx="0">
+            <a:schemeClr val="accent1"/>
+          </a:effectRef>
+          <a:fontRef idx="minor">
+            <a:schemeClr val="lt1"/>
+          </a:fontRef>
+        </p:style>
+        <p:txBody>
+          <a:bodyPr rtlCol="0" anchor="ctr"/>
+          <a:lstStyle/>
+          <a:p>
+            <a:pPr algn="ctr"/>
+            <a:endParaRPr kumimoji="1" lang="ja-JP" altLang="en-US"/>
+          </a:p>
+        </p:txBody>
+      </p:sp>
+      <mc:AlternateContent xmlns:mc="http://schemas.openxmlformats.org/markup-compatibility/2006">
+        <mc:Choice xmlns:a14="http://schemas.microsoft.com/office/drawing/2010/main" Requires="a14">
+          <p:sp>
+            <p:nvSpPr>
+              <p:cNvPr id="19" name="正方形/長方形 18">
+                <a:extLst>
+                  <a:ext uri="{FF2B5EF4-FFF2-40B4-BE49-F238E27FC236}">
+                    <a16:creationId xmlns:a16="http://schemas.microsoft.com/office/drawing/2014/main" id="{1C0B2087-B204-4621-A90A-90E381B3F8A6}"/>
+                  </a:ext>
+                </a:extLst>
+              </p:cNvPr>
+              <p:cNvSpPr/>
+              <p:nvPr/>
+            </p:nvSpPr>
+            <p:spPr>
+              <a:xfrm>
+                <a:off x="2240329" y="5832506"/>
+                <a:ext cx="2057919" cy="676395"/>
+              </a:xfrm>
+              <a:prstGeom prst="rect">
+                <a:avLst/>
+              </a:prstGeom>
+              <a:solidFill>
+                <a:schemeClr val="bg1"/>
+              </a:solidFill>
+            </p:spPr>
+            <p:style>
+              <a:lnRef idx="2">
+                <a:schemeClr val="accent1">
+                  <a:shade val="50000"/>
+                </a:schemeClr>
+              </a:lnRef>
+              <a:fillRef idx="1">
+                <a:schemeClr val="accent1"/>
+              </a:fillRef>
+              <a:effectRef idx="0">
+                <a:schemeClr val="accent1"/>
+              </a:effectRef>
+              <a:fontRef idx="minor">
+                <a:schemeClr val="lt1"/>
+              </a:fontRef>
+            </p:style>
+            <p:txBody>
+              <a:bodyPr rtlCol="0" anchor="ctr"/>
+              <a:lstStyle/>
+              <a:p>
+                <a:pPr algn="ctr"/>
+                <a14:m>
+                  <m:oMathPara xmlns:m="http://schemas.openxmlformats.org/officeDocument/2006/math">
+                    <m:oMathParaPr>
+                      <m:jc m:val="centerGroup"/>
+                    </m:oMathParaPr>
+                    <m:oMath xmlns:m="http://schemas.openxmlformats.org/officeDocument/2006/math">
+                      <m:r>
+                        <a:rPr kumimoji="1" lang="en-US" altLang="ja-JP" sz="3200" b="0" i="1" smtClean="0">
+                          <a:solidFill>
+                            <a:schemeClr val="tx1"/>
+                          </a:solidFill>
+                          <a:latin typeface="Cambria Math" panose="02040503050406030204" pitchFamily="18" charset="0"/>
+                        </a:rPr>
+                        <m:t>𝑙𝑜𝑔𝑝</m:t>
+                      </m:r>
+                      <m:r>
+                        <a:rPr kumimoji="1" lang="en-US" altLang="ja-JP" sz="3200" b="0" i="1" smtClean="0">
+                          <a:solidFill>
+                            <a:schemeClr val="tx1"/>
+                          </a:solidFill>
+                          <a:latin typeface="Cambria Math" panose="02040503050406030204" pitchFamily="18" charset="0"/>
+                        </a:rPr>
+                        <m:t>(</m:t>
+                      </m:r>
+                      <m:r>
+                        <a:rPr kumimoji="1" lang="en-US" altLang="ja-JP" sz="3200" b="0" i="1" smtClean="0">
+                          <a:solidFill>
+                            <a:schemeClr val="tx1"/>
+                          </a:solidFill>
+                          <a:latin typeface="Cambria Math" panose="02040503050406030204" pitchFamily="18" charset="0"/>
+                        </a:rPr>
+                        <m:t>𝑥</m:t>
+                      </m:r>
+                      <m:r>
+                        <a:rPr kumimoji="1" lang="en-US" altLang="ja-JP" sz="3200" b="0" i="1" smtClean="0">
+                          <a:solidFill>
+                            <a:schemeClr val="tx1"/>
+                          </a:solidFill>
+                          <a:latin typeface="Cambria Math" panose="02040503050406030204" pitchFamily="18" charset="0"/>
+                        </a:rPr>
+                        <m:t>|</m:t>
+                      </m:r>
+                      <m:r>
+                        <a:rPr kumimoji="1" lang="en-US" altLang="ja-JP" sz="3200" b="0" i="1" smtClean="0">
+                          <a:solidFill>
+                            <a:schemeClr val="tx1"/>
+                          </a:solidFill>
+                          <a:latin typeface="Cambria Math" panose="02040503050406030204" pitchFamily="18" charset="0"/>
+                        </a:rPr>
+                        <m:t>𝜃</m:t>
+                      </m:r>
+                      <m:r>
+                        <a:rPr kumimoji="1" lang="en-US" altLang="ja-JP" sz="3200" b="0" i="1" smtClean="0">
+                          <a:solidFill>
+                            <a:schemeClr val="tx1"/>
+                          </a:solidFill>
+                          <a:latin typeface="Cambria Math" panose="02040503050406030204" pitchFamily="18" charset="0"/>
+                        </a:rPr>
+                        <m:t>)</m:t>
+                      </m:r>
+                    </m:oMath>
+                  </m:oMathPara>
+                </a14:m>
+                <a:endParaRPr kumimoji="1" lang="ja-JP" altLang="en-US" sz="3200" dirty="0">
+                  <a:solidFill>
+                    <a:schemeClr val="tx1"/>
+                  </a:solidFill>
+                </a:endParaRPr>
+              </a:p>
+            </p:txBody>
+          </p:sp>
+        </mc:Choice>
+        <mc:Fallback>
+          <p:sp>
+            <p:nvSpPr>
+              <p:cNvPr id="19" name="正方形/長方形 18">
+                <a:extLst>
+                  <a:ext uri="{FF2B5EF4-FFF2-40B4-BE49-F238E27FC236}">
+                    <a16:creationId xmlns:a16="http://schemas.microsoft.com/office/drawing/2014/main" id="{1C0B2087-B204-4621-A90A-90E381B3F8A6}"/>
+                  </a:ext>
+                </a:extLst>
+              </p:cNvPr>
+              <p:cNvSpPr>
+                <a:spLocks noRot="1" noChangeAspect="1" noMove="1" noResize="1" noEditPoints="1" noAdjustHandles="1" noChangeArrowheads="1" noChangeShapeType="1" noTextEdit="1"/>
+              </p:cNvSpPr>
+              <p:nvPr/>
+            </p:nvSpPr>
+            <p:spPr>
+              <a:xfrm>
+                <a:off x="2240329" y="5832506"/>
+                <a:ext cx="2057919" cy="676395"/>
+              </a:xfrm>
+              <a:prstGeom prst="rect">
+                <a:avLst/>
+              </a:prstGeom>
+              <a:blipFill>
+                <a:blip r:embed="rId2"/>
+                <a:stretch>
+                  <a:fillRect/>
+                </a:stretch>
+              </a:blipFill>
+            </p:spPr>
+            <p:txBody>
+              <a:bodyPr/>
+              <a:lstStyle/>
+              <a:p>
+                <a:r>
+                  <a:rPr lang="ja-JP" altLang="en-US">
+                    <a:noFill/>
+                  </a:rPr>
+                  <a:t> </a:t>
+                </a:r>
+              </a:p>
+            </p:txBody>
+          </p:sp>
+        </mc:Fallback>
+      </mc:AlternateContent>
+      <p:sp>
+        <p:nvSpPr>
+          <p:cNvPr id="20" name="矢印: 下 19">
+            <a:extLst>
+              <a:ext uri="{FF2B5EF4-FFF2-40B4-BE49-F238E27FC236}">
+                <a16:creationId xmlns:a16="http://schemas.microsoft.com/office/drawing/2014/main" id="{1EE8D8D5-E0FA-45C0-94C7-13DF328E9D86}"/>
+              </a:ext>
+            </a:extLst>
+          </p:cNvPr>
+          <p:cNvSpPr/>
+          <p:nvPr/>
+        </p:nvSpPr>
+        <p:spPr>
+          <a:xfrm rot="10800000">
+            <a:off x="5903398" y="3964495"/>
+            <a:ext cx="501039" cy="4321494"/>
+          </a:xfrm>
+          <a:prstGeom prst="downArrow">
+            <a:avLst/>
+          </a:prstGeom>
+        </p:spPr>
+        <p:style>
+          <a:lnRef idx="2">
+            <a:schemeClr val="accent1">
+              <a:shade val="50000"/>
+            </a:schemeClr>
+          </a:lnRef>
+          <a:fillRef idx="1">
+            <a:schemeClr val="accent1"/>
+          </a:fillRef>
+          <a:effectRef idx="0">
+            <a:schemeClr val="accent1"/>
+          </a:effectRef>
+          <a:fontRef idx="minor">
+            <a:schemeClr val="lt1"/>
+          </a:fontRef>
+        </p:style>
+        <p:txBody>
+          <a:bodyPr rtlCol="0" anchor="ctr"/>
+          <a:lstStyle/>
+          <a:p>
+            <a:pPr algn="ctr"/>
+            <a:endParaRPr kumimoji="1" lang="ja-JP" altLang="en-US"/>
+          </a:p>
+        </p:txBody>
+      </p:sp>
+      <mc:AlternateContent xmlns:mc="http://schemas.openxmlformats.org/markup-compatibility/2006">
+        <mc:Choice xmlns:a14="http://schemas.microsoft.com/office/drawing/2010/main" Requires="a14">
+          <p:sp>
+            <p:nvSpPr>
+              <p:cNvPr id="21" name="正方形/長方形 20">
+                <a:extLst>
+                  <a:ext uri="{FF2B5EF4-FFF2-40B4-BE49-F238E27FC236}">
+                    <a16:creationId xmlns:a16="http://schemas.microsoft.com/office/drawing/2014/main" id="{5DFA0C01-F5F8-4A62-931C-A1CE3D5ED126}"/>
+                  </a:ext>
+                </a:extLst>
+              </p:cNvPr>
+              <p:cNvSpPr/>
+              <p:nvPr/>
+            </p:nvSpPr>
+            <p:spPr>
+              <a:xfrm>
+                <a:off x="5124958" y="5839665"/>
+                <a:ext cx="2057919" cy="676395"/>
+              </a:xfrm>
+              <a:prstGeom prst="rect">
+                <a:avLst/>
+              </a:prstGeom>
+              <a:solidFill>
+                <a:schemeClr val="bg1"/>
+              </a:solidFill>
+            </p:spPr>
+            <p:style>
+              <a:lnRef idx="2">
+                <a:schemeClr val="accent1">
+                  <a:shade val="50000"/>
+                </a:schemeClr>
+              </a:lnRef>
+              <a:fillRef idx="1">
+                <a:schemeClr val="accent1"/>
+              </a:fillRef>
+              <a:effectRef idx="0">
+                <a:schemeClr val="accent1"/>
+              </a:effectRef>
+              <a:fontRef idx="minor">
+                <a:schemeClr val="lt1"/>
+              </a:fontRef>
+            </p:style>
+            <p:txBody>
+              <a:bodyPr rtlCol="0" anchor="ctr"/>
+              <a:lstStyle/>
+              <a:p>
+                <a:pPr algn="ctr"/>
+                <a14:m>
+                  <m:oMathPara xmlns:m="http://schemas.openxmlformats.org/officeDocument/2006/math">
+                    <m:oMathParaPr>
+                      <m:jc m:val="centerGroup"/>
+                    </m:oMathParaPr>
+                    <m:oMath xmlns:m="http://schemas.openxmlformats.org/officeDocument/2006/math">
+                      <m:r>
+                        <a:rPr kumimoji="1" lang="en-US" altLang="ja-JP" sz="3200" b="0" i="1" smtClean="0">
+                          <a:solidFill>
+                            <a:schemeClr val="tx1"/>
+                          </a:solidFill>
+                          <a:latin typeface="Cambria Math" panose="02040503050406030204" pitchFamily="18" charset="0"/>
+                        </a:rPr>
+                        <m:t>𝐿</m:t>
+                      </m:r>
+                      <m:r>
+                        <a:rPr kumimoji="1" lang="en-US" altLang="ja-JP" sz="3200" b="0" i="1" smtClean="0">
+                          <a:solidFill>
+                            <a:schemeClr val="tx1"/>
+                          </a:solidFill>
+                          <a:latin typeface="Cambria Math" panose="02040503050406030204" pitchFamily="18" charset="0"/>
+                        </a:rPr>
+                        <m:t>(</m:t>
+                      </m:r>
+                      <m:r>
+                        <a:rPr kumimoji="1" lang="en-US" altLang="ja-JP" sz="3200" b="0" i="1" smtClean="0">
+                          <a:solidFill>
+                            <a:schemeClr val="tx1"/>
+                          </a:solidFill>
+                          <a:latin typeface="Cambria Math" panose="02040503050406030204" pitchFamily="18" charset="0"/>
+                        </a:rPr>
+                        <m:t>𝑞</m:t>
+                      </m:r>
+                      <m:r>
+                        <a:rPr kumimoji="1" lang="en-US" altLang="ja-JP" sz="3200" b="0" i="1" smtClean="0">
+                          <a:solidFill>
+                            <a:schemeClr val="tx1"/>
+                          </a:solidFill>
+                          <a:latin typeface="Cambria Math" panose="02040503050406030204" pitchFamily="18" charset="0"/>
+                        </a:rPr>
+                        <m:t>,</m:t>
+                      </m:r>
+                      <m:r>
+                        <a:rPr kumimoji="1" lang="en-US" altLang="ja-JP" sz="3200" b="0" i="1" smtClean="0">
+                          <a:solidFill>
+                            <a:schemeClr val="tx1"/>
+                          </a:solidFill>
+                          <a:latin typeface="Cambria Math" panose="02040503050406030204" pitchFamily="18" charset="0"/>
+                        </a:rPr>
+                        <m:t>𝜃</m:t>
+                      </m:r>
+                      <m:r>
+                        <a:rPr kumimoji="1" lang="en-US" altLang="ja-JP" sz="3200" b="0" i="1" smtClean="0">
+                          <a:solidFill>
+                            <a:schemeClr val="tx1"/>
+                          </a:solidFill>
+                          <a:latin typeface="Cambria Math" panose="02040503050406030204" pitchFamily="18" charset="0"/>
+                        </a:rPr>
+                        <m:t>)</m:t>
+                      </m:r>
+                    </m:oMath>
+                  </m:oMathPara>
+                </a14:m>
+                <a:endParaRPr kumimoji="1" lang="ja-JP" altLang="en-US" sz="3200" dirty="0">
+                  <a:solidFill>
+                    <a:schemeClr val="tx1"/>
+                  </a:solidFill>
+                </a:endParaRPr>
+              </a:p>
+            </p:txBody>
+          </p:sp>
+        </mc:Choice>
+        <mc:Fallback>
+          <p:sp>
+            <p:nvSpPr>
+              <p:cNvPr id="21" name="正方形/長方形 20">
+                <a:extLst>
+                  <a:ext uri="{FF2B5EF4-FFF2-40B4-BE49-F238E27FC236}">
+                    <a16:creationId xmlns:a16="http://schemas.microsoft.com/office/drawing/2014/main" id="{5DFA0C01-F5F8-4A62-931C-A1CE3D5ED126}"/>
+                  </a:ext>
+                </a:extLst>
+              </p:cNvPr>
+              <p:cNvSpPr>
+                <a:spLocks noRot="1" noChangeAspect="1" noMove="1" noResize="1" noEditPoints="1" noAdjustHandles="1" noChangeArrowheads="1" noChangeShapeType="1" noTextEdit="1"/>
+              </p:cNvSpPr>
+              <p:nvPr/>
+            </p:nvSpPr>
+            <p:spPr>
+              <a:xfrm>
+                <a:off x="5124958" y="5839665"/>
+                <a:ext cx="2057919" cy="676395"/>
+              </a:xfrm>
+              <a:prstGeom prst="rect">
+                <a:avLst/>
+              </a:prstGeom>
+              <a:blipFill>
+                <a:blip r:embed="rId3"/>
+                <a:stretch>
+                  <a:fillRect/>
+                </a:stretch>
+              </a:blipFill>
+            </p:spPr>
+            <p:txBody>
+              <a:bodyPr/>
+              <a:lstStyle/>
+              <a:p>
+                <a:r>
+                  <a:rPr lang="ja-JP" altLang="en-US">
+                    <a:noFill/>
+                  </a:rPr>
+                  <a:t> </a:t>
+                </a:r>
+              </a:p>
+            </p:txBody>
+          </p:sp>
+        </mc:Fallback>
+      </mc:AlternateContent>
+    </p:spTree>
+    <p:extLst>
+      <p:ext uri="{BB962C8B-B14F-4D97-AF65-F5344CB8AC3E}">
+        <p14:creationId xmlns:p14="http://schemas.microsoft.com/office/powerpoint/2010/main" val="2579434312"/>
+      </p:ext>
+    </p:extLst>
+  </p:cSld>
+  <p:clrMapOvr>
+    <a:masterClrMapping/>
+  </p:clrMapOvr>
+</p:sld>
+</file>
+
+<file path=ppt/slides/slide12.xml><?xml version="1.0" encoding="utf-8"?>
+<p:sld xmlns:a="http://schemas.openxmlformats.org/drawingml/2006/main" xmlns:r="http://schemas.openxmlformats.org/officeDocument/2006/relationships" xmlns:p="http://schemas.openxmlformats.org/presentationml/2006/main">
+  <p:cSld>
+    <p:spTree>
+      <p:nvGrpSpPr>
+        <p:cNvPr id="1" name=""/>
+        <p:cNvGrpSpPr/>
+        <p:nvPr/>
+      </p:nvGrpSpPr>
+      <p:grpSpPr>
+        <a:xfrm>
+          <a:off x="0" y="0"/>
+          <a:ext cx="0" cy="0"/>
+          <a:chOff x="0" y="0"/>
+          <a:chExt cx="0" cy="0"/>
+        </a:xfrm>
+      </p:grpSpPr>
+      <p:cxnSp>
+        <p:nvCxnSpPr>
+          <p:cNvPr id="5" name="直線コネクタ 4">
+            <a:extLst>
+              <a:ext uri="{FF2B5EF4-FFF2-40B4-BE49-F238E27FC236}">
+                <a16:creationId xmlns:a16="http://schemas.microsoft.com/office/drawing/2014/main" id="{3EB2E35B-C30B-4C3E-AE4D-C2B2F59CA39C}"/>
+              </a:ext>
+            </a:extLst>
+          </p:cNvPr>
+          <p:cNvCxnSpPr>
+            <a:cxnSpLocks/>
+          </p:cNvCxnSpPr>
+          <p:nvPr/>
+        </p:nvCxnSpPr>
+        <p:spPr>
+          <a:xfrm>
+            <a:off x="363154" y="5411230"/>
+            <a:ext cx="0" cy="2911707"/>
+          </a:xfrm>
+          <a:prstGeom prst="line">
+            <a:avLst/>
+          </a:prstGeom>
+          <a:ln w="38100"/>
+        </p:spPr>
+        <p:style>
+          <a:lnRef idx="1">
+            <a:schemeClr val="accent1"/>
+          </a:lnRef>
+          <a:fillRef idx="0">
+            <a:schemeClr val="accent1"/>
+          </a:fillRef>
+          <a:effectRef idx="0">
+            <a:schemeClr val="accent1"/>
+          </a:effectRef>
+          <a:fontRef idx="minor">
+            <a:schemeClr val="tx1"/>
+          </a:fontRef>
+        </p:style>
+      </p:cxnSp>
+      <p:cxnSp>
+        <p:nvCxnSpPr>
+          <p:cNvPr id="6" name="直線コネクタ 5">
+            <a:extLst>
+              <a:ext uri="{FF2B5EF4-FFF2-40B4-BE49-F238E27FC236}">
+                <a16:creationId xmlns:a16="http://schemas.microsoft.com/office/drawing/2014/main" id="{A118158F-C8A1-404B-8154-656ADCFF6411}"/>
+              </a:ext>
+            </a:extLst>
+          </p:cNvPr>
+          <p:cNvCxnSpPr>
+            <a:cxnSpLocks/>
+          </p:cNvCxnSpPr>
+          <p:nvPr/>
+        </p:nvCxnSpPr>
+        <p:spPr>
+          <a:xfrm flipH="1">
+            <a:off x="363258" y="8285989"/>
+            <a:ext cx="4346528" cy="8326"/>
+          </a:xfrm>
+          <a:prstGeom prst="line">
+            <a:avLst/>
+          </a:prstGeom>
+          <a:ln w="38100"/>
+        </p:spPr>
+        <p:style>
+          <a:lnRef idx="1">
+            <a:schemeClr val="accent1"/>
+          </a:lnRef>
+          <a:fillRef idx="0">
+            <a:schemeClr val="accent1"/>
+          </a:fillRef>
+          <a:effectRef idx="0">
+            <a:schemeClr val="accent1"/>
+          </a:effectRef>
+          <a:fontRef idx="minor">
+            <a:schemeClr val="tx1"/>
+          </a:fontRef>
+        </p:style>
+      </p:cxnSp>
+      <p:cxnSp>
+        <p:nvCxnSpPr>
+          <p:cNvPr id="13" name="直線コネクタ 12">
+            <a:extLst>
+              <a:ext uri="{FF2B5EF4-FFF2-40B4-BE49-F238E27FC236}">
+                <a16:creationId xmlns:a16="http://schemas.microsoft.com/office/drawing/2014/main" id="{0BEA56F3-B4E7-459F-AC82-02FFB8A84AD3}"/>
+              </a:ext>
+            </a:extLst>
+          </p:cNvPr>
+          <p:cNvCxnSpPr>
+            <a:cxnSpLocks/>
+          </p:cNvCxnSpPr>
+          <p:nvPr/>
+        </p:nvCxnSpPr>
+        <p:spPr>
+          <a:xfrm flipH="1">
+            <a:off x="344163" y="5399881"/>
+            <a:ext cx="4365623" cy="1209"/>
+          </a:xfrm>
+          <a:prstGeom prst="line">
+            <a:avLst/>
+          </a:prstGeom>
+          <a:ln w="38100">
+            <a:solidFill>
+              <a:srgbClr val="4472C4">
+                <a:alpha val="49020"/>
+              </a:srgbClr>
+            </a:solidFill>
+          </a:ln>
+        </p:spPr>
+        <p:style>
+          <a:lnRef idx="1">
+            <a:schemeClr val="accent1"/>
+          </a:lnRef>
+          <a:fillRef idx="0">
+            <a:schemeClr val="accent1"/>
+          </a:fillRef>
+          <a:effectRef idx="0">
+            <a:schemeClr val="accent1"/>
+          </a:effectRef>
+          <a:fontRef idx="minor">
+            <a:schemeClr val="tx1"/>
+          </a:fontRef>
+        </p:style>
+      </p:cxnSp>
+      <p:cxnSp>
+        <p:nvCxnSpPr>
+          <p:cNvPr id="14" name="直線コネクタ 13">
+            <a:extLst>
+              <a:ext uri="{FF2B5EF4-FFF2-40B4-BE49-F238E27FC236}">
+                <a16:creationId xmlns:a16="http://schemas.microsoft.com/office/drawing/2014/main" id="{D34E21C2-DB8B-4953-A51F-8B90F3FD03C1}"/>
+              </a:ext>
+            </a:extLst>
+          </p:cNvPr>
+          <p:cNvCxnSpPr>
+            <a:cxnSpLocks/>
+          </p:cNvCxnSpPr>
+          <p:nvPr/>
+        </p:nvCxnSpPr>
+        <p:spPr>
+          <a:xfrm flipH="1">
+            <a:off x="379023" y="6106160"/>
+            <a:ext cx="4330763" cy="10160"/>
+          </a:xfrm>
+          <a:prstGeom prst="line">
+            <a:avLst/>
+          </a:prstGeom>
+          <a:ln w="38100"/>
+        </p:spPr>
+        <p:style>
+          <a:lnRef idx="1">
+            <a:schemeClr val="accent1"/>
+          </a:lnRef>
+          <a:fillRef idx="0">
+            <a:schemeClr val="accent1"/>
+          </a:fillRef>
+          <a:effectRef idx="0">
+            <a:schemeClr val="accent1"/>
+          </a:effectRef>
+          <a:fontRef idx="minor">
+            <a:schemeClr val="tx1"/>
+          </a:fontRef>
+        </p:style>
+      </p:cxnSp>
+      <p:cxnSp>
+        <p:nvCxnSpPr>
+          <p:cNvPr id="15" name="直線コネクタ 14">
+            <a:extLst>
+              <a:ext uri="{FF2B5EF4-FFF2-40B4-BE49-F238E27FC236}">
+                <a16:creationId xmlns:a16="http://schemas.microsoft.com/office/drawing/2014/main" id="{FF47651E-7E9D-4616-B01C-8FBDCA2E7F7F}"/>
+              </a:ext>
+            </a:extLst>
+          </p:cNvPr>
+          <p:cNvCxnSpPr>
+            <a:cxnSpLocks/>
+          </p:cNvCxnSpPr>
+          <p:nvPr/>
+        </p:nvCxnSpPr>
+        <p:spPr>
+          <a:xfrm flipH="1" flipV="1">
+            <a:off x="374644" y="6834011"/>
+            <a:ext cx="4237996" cy="15443"/>
+          </a:xfrm>
+          <a:prstGeom prst="line">
+            <a:avLst/>
+          </a:prstGeom>
+          <a:ln w="38100">
+            <a:prstDash val="sysDash"/>
+          </a:ln>
+        </p:spPr>
+        <p:style>
+          <a:lnRef idx="1">
+            <a:schemeClr val="accent1"/>
+          </a:lnRef>
+          <a:fillRef idx="0">
+            <a:schemeClr val="accent1"/>
+          </a:fillRef>
+          <a:effectRef idx="0">
+            <a:schemeClr val="accent1"/>
+          </a:effectRef>
+          <a:fontRef idx="minor">
+            <a:schemeClr val="tx1"/>
+          </a:fontRef>
+        </p:style>
+      </p:cxnSp>
+      <p:sp>
+        <p:nvSpPr>
+          <p:cNvPr id="17" name="テキスト ボックス 16">
+            <a:extLst>
+              <a:ext uri="{FF2B5EF4-FFF2-40B4-BE49-F238E27FC236}">
+                <a16:creationId xmlns:a16="http://schemas.microsoft.com/office/drawing/2014/main" id="{D4F244A9-84C4-4E00-998D-D5303A5535D8}"/>
+              </a:ext>
+            </a:extLst>
+          </p:cNvPr>
+          <p:cNvSpPr txBox="1"/>
+          <p:nvPr/>
+        </p:nvSpPr>
+        <p:spPr>
+          <a:xfrm>
+            <a:off x="0" y="5004632"/>
+            <a:ext cx="1251366" cy="338554"/>
+          </a:xfrm>
+          <a:prstGeom prst="rect">
+            <a:avLst/>
+          </a:prstGeom>
+          <a:noFill/>
+        </p:spPr>
+        <p:txBody>
+          <a:bodyPr wrap="square" rtlCol="0">
+            <a:spAutoFit/>
+          </a:bodyPr>
+          <a:lstStyle/>
+          <a:p>
+            <a:r>
+              <a:rPr kumimoji="1" lang="ja-JP" altLang="en-US" sz="1600" b="1" dirty="0"/>
+              <a:t>尤度最大点</a:t>
+            </a:r>
+          </a:p>
+        </p:txBody>
+      </p:sp>
+      <p:sp>
+        <p:nvSpPr>
+          <p:cNvPr id="18" name="矢印: 下 17">
+            <a:extLst>
+              <a:ext uri="{FF2B5EF4-FFF2-40B4-BE49-F238E27FC236}">
+                <a16:creationId xmlns:a16="http://schemas.microsoft.com/office/drawing/2014/main" id="{0B6ADDD2-091E-43B0-90EF-F0EBBBE5BAFB}"/>
+              </a:ext>
+            </a:extLst>
+          </p:cNvPr>
+          <p:cNvSpPr/>
+          <p:nvPr/>
+        </p:nvSpPr>
+        <p:spPr>
+          <a:xfrm rot="10800000">
+            <a:off x="985757" y="6106160"/>
+            <a:ext cx="338206" cy="2185348"/>
+          </a:xfrm>
+          <a:prstGeom prst="downArrow">
+            <a:avLst/>
+          </a:prstGeom>
+        </p:spPr>
+        <p:style>
+          <a:lnRef idx="2">
+            <a:schemeClr val="accent1">
+              <a:shade val="50000"/>
+            </a:schemeClr>
+          </a:lnRef>
+          <a:fillRef idx="1">
+            <a:schemeClr val="accent1"/>
+          </a:fillRef>
+          <a:effectRef idx="0">
+            <a:schemeClr val="accent1"/>
+          </a:effectRef>
+          <a:fontRef idx="minor">
+            <a:schemeClr val="lt1"/>
+          </a:fontRef>
+        </p:style>
+        <p:txBody>
+          <a:bodyPr rtlCol="0" anchor="ctr"/>
+          <a:lstStyle/>
+          <a:p>
+            <a:pPr algn="ctr"/>
+            <a:endParaRPr kumimoji="1" lang="ja-JP" altLang="en-US" sz="1200"/>
+          </a:p>
+        </p:txBody>
+      </p:sp>
+      <mc:AlternateContent xmlns:mc="http://schemas.openxmlformats.org/markup-compatibility/2006">
+        <mc:Choice xmlns:a14="http://schemas.microsoft.com/office/drawing/2010/main" Requires="a14">
+          <p:sp>
+            <p:nvSpPr>
+              <p:cNvPr id="19" name="正方形/長方形 18">
+                <a:extLst>
+                  <a:ext uri="{FF2B5EF4-FFF2-40B4-BE49-F238E27FC236}">
+                    <a16:creationId xmlns:a16="http://schemas.microsoft.com/office/drawing/2014/main" id="{1C0B2087-B204-4621-A90A-90E381B3F8A6}"/>
+                  </a:ext>
+                </a:extLst>
+              </p:cNvPr>
+              <p:cNvSpPr/>
+              <p:nvPr/>
+            </p:nvSpPr>
+            <p:spPr>
+              <a:xfrm>
+                <a:off x="521263" y="6988799"/>
+                <a:ext cx="1226258" cy="368202"/>
+              </a:xfrm>
+              <a:prstGeom prst="rect">
+                <a:avLst/>
+              </a:prstGeom>
+              <a:solidFill>
+                <a:schemeClr val="bg1"/>
+              </a:solidFill>
+            </p:spPr>
+            <p:style>
+              <a:lnRef idx="2">
+                <a:schemeClr val="accent1">
+                  <a:shade val="50000"/>
+                </a:schemeClr>
+              </a:lnRef>
+              <a:fillRef idx="1">
+                <a:schemeClr val="accent1"/>
+              </a:fillRef>
+              <a:effectRef idx="0">
+                <a:schemeClr val="accent1"/>
+              </a:effectRef>
+              <a:fontRef idx="minor">
+                <a:schemeClr val="lt1"/>
+              </a:fontRef>
+            </p:style>
+            <p:txBody>
+              <a:bodyPr rtlCol="0" anchor="ctr"/>
+              <a:lstStyle/>
+              <a:p>
+                <a:pPr algn="ctr"/>
+                <a14:m>
+                  <m:oMathPara xmlns:m="http://schemas.openxmlformats.org/officeDocument/2006/math">
+                    <m:oMathParaPr>
+                      <m:jc m:val="centerGroup"/>
+                    </m:oMathParaPr>
+                    <m:oMath xmlns:m="http://schemas.openxmlformats.org/officeDocument/2006/math">
+                      <m:r>
+                        <a:rPr kumimoji="1" lang="en-US" altLang="ja-JP" sz="2000" b="0" i="1" smtClean="0">
+                          <a:solidFill>
+                            <a:schemeClr val="tx1"/>
+                          </a:solidFill>
+                          <a:latin typeface="Cambria Math" panose="02040503050406030204" pitchFamily="18" charset="0"/>
+                        </a:rPr>
+                        <m:t>𝑙𝑜𝑔𝑝</m:t>
+                      </m:r>
+                      <m:r>
+                        <a:rPr kumimoji="1" lang="en-US" altLang="ja-JP" sz="2000" b="0" i="1" smtClean="0">
+                          <a:solidFill>
+                            <a:schemeClr val="tx1"/>
+                          </a:solidFill>
+                          <a:latin typeface="Cambria Math" panose="02040503050406030204" pitchFamily="18" charset="0"/>
+                        </a:rPr>
+                        <m:t>(</m:t>
+                      </m:r>
+                      <m:r>
+                        <a:rPr kumimoji="1" lang="en-US" altLang="ja-JP" sz="2000" b="0" i="1" smtClean="0">
+                          <a:solidFill>
+                            <a:schemeClr val="tx1"/>
+                          </a:solidFill>
+                          <a:latin typeface="Cambria Math" panose="02040503050406030204" pitchFamily="18" charset="0"/>
+                        </a:rPr>
+                        <m:t>𝑥</m:t>
+                      </m:r>
+                      <m:r>
+                        <a:rPr kumimoji="1" lang="en-US" altLang="ja-JP" sz="2000" b="0" i="1" smtClean="0">
+                          <a:solidFill>
+                            <a:schemeClr val="tx1"/>
+                          </a:solidFill>
+                          <a:latin typeface="Cambria Math" panose="02040503050406030204" pitchFamily="18" charset="0"/>
+                        </a:rPr>
+                        <m:t>|</m:t>
+                      </m:r>
+                      <m:r>
+                        <a:rPr kumimoji="1" lang="en-US" altLang="ja-JP" sz="2000" b="0" i="1" smtClean="0">
+                          <a:solidFill>
+                            <a:schemeClr val="tx1"/>
+                          </a:solidFill>
+                          <a:latin typeface="Cambria Math" panose="02040503050406030204" pitchFamily="18" charset="0"/>
+                        </a:rPr>
+                        <m:t>𝜃</m:t>
+                      </m:r>
+                      <m:r>
+                        <a:rPr kumimoji="1" lang="en-US" altLang="ja-JP" sz="2000" b="0" i="1" smtClean="0">
+                          <a:solidFill>
+                            <a:schemeClr val="tx1"/>
+                          </a:solidFill>
+                          <a:latin typeface="Cambria Math" panose="02040503050406030204" pitchFamily="18" charset="0"/>
+                        </a:rPr>
+                        <m:t>)</m:t>
+                      </m:r>
+                    </m:oMath>
+                  </m:oMathPara>
+                </a14:m>
+                <a:endParaRPr kumimoji="1" lang="ja-JP" altLang="en-US" sz="2000" dirty="0">
+                  <a:solidFill>
+                    <a:schemeClr val="tx1"/>
+                  </a:solidFill>
+                </a:endParaRPr>
+              </a:p>
+            </p:txBody>
+          </p:sp>
+        </mc:Choice>
+        <mc:Fallback>
+          <p:sp>
+            <p:nvSpPr>
+              <p:cNvPr id="19" name="正方形/長方形 18">
+                <a:extLst>
+                  <a:ext uri="{FF2B5EF4-FFF2-40B4-BE49-F238E27FC236}">
+                    <a16:creationId xmlns:a16="http://schemas.microsoft.com/office/drawing/2014/main" id="{1C0B2087-B204-4621-A90A-90E381B3F8A6}"/>
+                  </a:ext>
+                </a:extLst>
+              </p:cNvPr>
+              <p:cNvSpPr>
+                <a:spLocks noRot="1" noChangeAspect="1" noMove="1" noResize="1" noEditPoints="1" noAdjustHandles="1" noChangeArrowheads="1" noChangeShapeType="1" noTextEdit="1"/>
+              </p:cNvSpPr>
+              <p:nvPr/>
+            </p:nvSpPr>
+            <p:spPr>
+              <a:xfrm>
+                <a:off x="521263" y="6988799"/>
+                <a:ext cx="1226258" cy="368202"/>
+              </a:xfrm>
+              <a:prstGeom prst="rect">
+                <a:avLst/>
+              </a:prstGeom>
+              <a:blipFill>
+                <a:blip r:embed="rId2"/>
+                <a:stretch>
+                  <a:fillRect l="-6404" r="-1478" b="-19048"/>
+                </a:stretch>
+              </a:blipFill>
+            </p:spPr>
+            <p:txBody>
+              <a:bodyPr/>
+              <a:lstStyle/>
+              <a:p>
+                <a:r>
+                  <a:rPr lang="ja-JP" altLang="en-US">
+                    <a:noFill/>
+                  </a:rPr>
+                  <a:t> </a:t>
+                </a:r>
+              </a:p>
+            </p:txBody>
+          </p:sp>
+        </mc:Fallback>
+      </mc:AlternateContent>
+      <p:sp>
+        <p:nvSpPr>
+          <p:cNvPr id="20" name="矢印: 下 19">
+            <a:extLst>
+              <a:ext uri="{FF2B5EF4-FFF2-40B4-BE49-F238E27FC236}">
+                <a16:creationId xmlns:a16="http://schemas.microsoft.com/office/drawing/2014/main" id="{1EE8D8D5-E0FA-45C0-94C7-13DF328E9D86}"/>
+              </a:ext>
+            </a:extLst>
+          </p:cNvPr>
+          <p:cNvSpPr/>
+          <p:nvPr/>
+        </p:nvSpPr>
+        <p:spPr>
+          <a:xfrm rot="10800000">
+            <a:off x="2094549" y="6850663"/>
+            <a:ext cx="338206" cy="1429808"/>
+          </a:xfrm>
+          <a:prstGeom prst="downArrow">
+            <a:avLst/>
+          </a:prstGeom>
+        </p:spPr>
+        <p:style>
+          <a:lnRef idx="2">
+            <a:schemeClr val="accent1">
+              <a:shade val="50000"/>
+            </a:schemeClr>
+          </a:lnRef>
+          <a:fillRef idx="1">
+            <a:schemeClr val="accent1"/>
+          </a:fillRef>
+          <a:effectRef idx="0">
+            <a:schemeClr val="accent1"/>
+          </a:effectRef>
+          <a:fontRef idx="minor">
+            <a:schemeClr val="lt1"/>
+          </a:fontRef>
+        </p:style>
+        <p:txBody>
+          <a:bodyPr rtlCol="0" anchor="ctr"/>
+          <a:lstStyle/>
+          <a:p>
+            <a:pPr algn="ctr"/>
+            <a:endParaRPr kumimoji="1" lang="ja-JP" altLang="en-US" sz="1200"/>
+          </a:p>
+        </p:txBody>
+      </p:sp>
+      <mc:AlternateContent xmlns:mc="http://schemas.openxmlformats.org/markup-compatibility/2006">
+        <mc:Choice xmlns:a14="http://schemas.microsoft.com/office/drawing/2010/main" Requires="a14">
+          <p:sp>
+            <p:nvSpPr>
+              <p:cNvPr id="21" name="正方形/長方形 20">
+                <a:extLst>
+                  <a:ext uri="{FF2B5EF4-FFF2-40B4-BE49-F238E27FC236}">
+                    <a16:creationId xmlns:a16="http://schemas.microsoft.com/office/drawing/2014/main" id="{5DFA0C01-F5F8-4A62-931C-A1CE3D5ED126}"/>
+                  </a:ext>
+                </a:extLst>
+              </p:cNvPr>
+              <p:cNvSpPr/>
+              <p:nvPr/>
+            </p:nvSpPr>
+            <p:spPr>
+              <a:xfrm>
+                <a:off x="1799085" y="7313919"/>
+                <a:ext cx="933956" cy="368202"/>
+              </a:xfrm>
+              <a:prstGeom prst="rect">
+                <a:avLst/>
+              </a:prstGeom>
+              <a:solidFill>
+                <a:schemeClr val="bg1"/>
+              </a:solidFill>
+            </p:spPr>
+            <p:style>
+              <a:lnRef idx="2">
+                <a:schemeClr val="accent1">
+                  <a:shade val="50000"/>
+                </a:schemeClr>
+              </a:lnRef>
+              <a:fillRef idx="1">
+                <a:schemeClr val="accent1"/>
+              </a:fillRef>
+              <a:effectRef idx="0">
+                <a:schemeClr val="accent1"/>
+              </a:effectRef>
+              <a:fontRef idx="minor">
+                <a:schemeClr val="lt1"/>
+              </a:fontRef>
+            </p:style>
+            <p:txBody>
+              <a:bodyPr rtlCol="0" anchor="ctr"/>
+              <a:lstStyle/>
+              <a:p>
+                <a:pPr algn="ctr"/>
+                <a14:m>
+                  <m:oMathPara xmlns:m="http://schemas.openxmlformats.org/officeDocument/2006/math">
+                    <m:oMathParaPr>
+                      <m:jc m:val="centerGroup"/>
+                    </m:oMathParaPr>
+                    <m:oMath xmlns:m="http://schemas.openxmlformats.org/officeDocument/2006/math">
+                      <m:r>
+                        <a:rPr kumimoji="1" lang="en-US" altLang="ja-JP" sz="2000" b="0" i="1" smtClean="0">
+                          <a:solidFill>
+                            <a:schemeClr val="tx1"/>
+                          </a:solidFill>
+                          <a:latin typeface="Cambria Math" panose="02040503050406030204" pitchFamily="18" charset="0"/>
+                        </a:rPr>
+                        <m:t>𝐿</m:t>
+                      </m:r>
+                      <m:r>
+                        <a:rPr kumimoji="1" lang="en-US" altLang="ja-JP" sz="2000" b="0" i="1" smtClean="0">
+                          <a:solidFill>
+                            <a:schemeClr val="tx1"/>
+                          </a:solidFill>
+                          <a:latin typeface="Cambria Math" panose="02040503050406030204" pitchFamily="18" charset="0"/>
+                        </a:rPr>
+                        <m:t>(</m:t>
+                      </m:r>
+                      <m:r>
+                        <a:rPr kumimoji="1" lang="en-US" altLang="ja-JP" sz="2000" b="0" i="1" smtClean="0">
+                          <a:solidFill>
+                            <a:schemeClr val="tx1"/>
+                          </a:solidFill>
+                          <a:latin typeface="Cambria Math" panose="02040503050406030204" pitchFamily="18" charset="0"/>
+                        </a:rPr>
+                        <m:t>𝑞</m:t>
+                      </m:r>
+                      <m:r>
+                        <a:rPr kumimoji="1" lang="en-US" altLang="ja-JP" sz="2000" b="0" i="1" smtClean="0">
+                          <a:solidFill>
+                            <a:schemeClr val="tx1"/>
+                          </a:solidFill>
+                          <a:latin typeface="Cambria Math" panose="02040503050406030204" pitchFamily="18" charset="0"/>
+                        </a:rPr>
+                        <m:t>,</m:t>
+                      </m:r>
+                      <m:r>
+                        <a:rPr kumimoji="1" lang="en-US" altLang="ja-JP" sz="2000" b="0" i="1" smtClean="0">
+                          <a:solidFill>
+                            <a:schemeClr val="tx1"/>
+                          </a:solidFill>
+                          <a:latin typeface="Cambria Math" panose="02040503050406030204" pitchFamily="18" charset="0"/>
+                        </a:rPr>
+                        <m:t>𝜃</m:t>
+                      </m:r>
+                      <m:r>
+                        <a:rPr kumimoji="1" lang="en-US" altLang="ja-JP" sz="2000" b="0" i="1" smtClean="0">
+                          <a:solidFill>
+                            <a:schemeClr val="tx1"/>
+                          </a:solidFill>
+                          <a:latin typeface="Cambria Math" panose="02040503050406030204" pitchFamily="18" charset="0"/>
+                        </a:rPr>
+                        <m:t>)</m:t>
+                      </m:r>
+                    </m:oMath>
+                  </m:oMathPara>
+                </a14:m>
+                <a:endParaRPr kumimoji="1" lang="ja-JP" altLang="en-US" sz="2000" dirty="0">
+                  <a:solidFill>
+                    <a:schemeClr val="tx1"/>
+                  </a:solidFill>
+                </a:endParaRPr>
+              </a:p>
+            </p:txBody>
+          </p:sp>
+        </mc:Choice>
+        <mc:Fallback>
+          <p:sp>
+            <p:nvSpPr>
+              <p:cNvPr id="21" name="正方形/長方形 20">
+                <a:extLst>
+                  <a:ext uri="{FF2B5EF4-FFF2-40B4-BE49-F238E27FC236}">
+                    <a16:creationId xmlns:a16="http://schemas.microsoft.com/office/drawing/2014/main" id="{5DFA0C01-F5F8-4A62-931C-A1CE3D5ED126}"/>
+                  </a:ext>
+                </a:extLst>
+              </p:cNvPr>
+              <p:cNvSpPr>
+                <a:spLocks noRot="1" noChangeAspect="1" noMove="1" noResize="1" noEditPoints="1" noAdjustHandles="1" noChangeArrowheads="1" noChangeShapeType="1" noTextEdit="1"/>
+              </p:cNvSpPr>
+              <p:nvPr/>
+            </p:nvSpPr>
+            <p:spPr>
+              <a:xfrm>
+                <a:off x="1799085" y="7313919"/>
+                <a:ext cx="933956" cy="368202"/>
+              </a:xfrm>
+              <a:prstGeom prst="rect">
+                <a:avLst/>
+              </a:prstGeom>
+              <a:blipFill>
+                <a:blip r:embed="rId3"/>
+                <a:stretch>
+                  <a:fillRect l="-1290" b="-19355"/>
+                </a:stretch>
+              </a:blipFill>
+            </p:spPr>
+            <p:txBody>
+              <a:bodyPr/>
+              <a:lstStyle/>
+              <a:p>
+                <a:r>
+                  <a:rPr lang="ja-JP" altLang="en-US">
+                    <a:noFill/>
+                  </a:rPr>
+                  <a:t> </a:t>
+                </a:r>
+              </a:p>
+            </p:txBody>
+          </p:sp>
+        </mc:Fallback>
+      </mc:AlternateContent>
+      <p:sp>
+        <p:nvSpPr>
+          <p:cNvPr id="23" name="矢印: 上下 22">
+            <a:extLst>
+              <a:ext uri="{FF2B5EF4-FFF2-40B4-BE49-F238E27FC236}">
+                <a16:creationId xmlns:a16="http://schemas.microsoft.com/office/drawing/2014/main" id="{5A88B53D-D823-47B8-89FA-E59FEF2BE754}"/>
+              </a:ext>
+            </a:extLst>
+          </p:cNvPr>
+          <p:cNvSpPr/>
+          <p:nvPr/>
+        </p:nvSpPr>
+        <p:spPr>
+          <a:xfrm>
+            <a:off x="2460991" y="6116320"/>
+            <a:ext cx="338207" cy="716482"/>
+          </a:xfrm>
+          <a:prstGeom prst="upDownArrow">
+            <a:avLst/>
+          </a:prstGeom>
+        </p:spPr>
+        <p:style>
+          <a:lnRef idx="2">
+            <a:schemeClr val="accent2">
+              <a:shade val="50000"/>
+            </a:schemeClr>
+          </a:lnRef>
+          <a:fillRef idx="1">
+            <a:schemeClr val="accent2"/>
+          </a:fillRef>
+          <a:effectRef idx="0">
+            <a:schemeClr val="accent2"/>
+          </a:effectRef>
+          <a:fontRef idx="minor">
+            <a:schemeClr val="lt1"/>
+          </a:fontRef>
+        </p:style>
+        <p:txBody>
+          <a:bodyPr rtlCol="0" anchor="ctr"/>
+          <a:lstStyle/>
+          <a:p>
+            <a:pPr algn="ctr"/>
+            <a:endParaRPr kumimoji="1" lang="ja-JP" altLang="en-US" sz="1200"/>
+          </a:p>
+        </p:txBody>
+      </p:sp>
+      <mc:AlternateContent xmlns:mc="http://schemas.openxmlformats.org/markup-compatibility/2006">
+        <mc:Choice xmlns:a14="http://schemas.microsoft.com/office/drawing/2010/main" Requires="a14">
+          <p:sp>
+            <p:nvSpPr>
+              <p:cNvPr id="24" name="正方形/長方形 23">
+                <a:extLst>
+                  <a:ext uri="{FF2B5EF4-FFF2-40B4-BE49-F238E27FC236}">
+                    <a16:creationId xmlns:a16="http://schemas.microsoft.com/office/drawing/2014/main" id="{06971C61-9B03-40C0-AC95-72F1587A48EC}"/>
+                  </a:ext>
+                </a:extLst>
+              </p:cNvPr>
+              <p:cNvSpPr/>
+              <p:nvPr/>
+            </p:nvSpPr>
+            <p:spPr>
+              <a:xfrm>
+                <a:off x="1453178" y="6339066"/>
+                <a:ext cx="2427942" cy="350642"/>
+              </a:xfrm>
+              <a:prstGeom prst="rect">
+                <a:avLst/>
+              </a:prstGeom>
+              <a:solidFill>
+                <a:schemeClr val="bg1"/>
+              </a:solidFill>
+              <a:ln>
+                <a:solidFill>
+                  <a:schemeClr val="accent2"/>
+                </a:solidFill>
+              </a:ln>
+            </p:spPr>
+            <p:style>
+              <a:lnRef idx="2">
+                <a:schemeClr val="accent1">
+                  <a:shade val="50000"/>
+                </a:schemeClr>
+              </a:lnRef>
+              <a:fillRef idx="1">
+                <a:schemeClr val="accent1"/>
+              </a:fillRef>
+              <a:effectRef idx="0">
+                <a:schemeClr val="accent1"/>
+              </a:effectRef>
+              <a:fontRef idx="minor">
+                <a:schemeClr val="lt1"/>
+              </a:fontRef>
+            </p:style>
+            <p:txBody>
+              <a:bodyPr rtlCol="0" anchor="ctr"/>
+              <a:lstStyle/>
+              <a:p>
+                <a:pPr algn="ctr"/>
+                <a14:m>
+                  <m:oMathPara xmlns:m="http://schemas.openxmlformats.org/officeDocument/2006/math">
+                    <m:oMathParaPr>
+                      <m:jc m:val="centerGroup"/>
+                    </m:oMathParaPr>
+                    <m:oMath xmlns:m="http://schemas.openxmlformats.org/officeDocument/2006/math">
+                      <m:r>
+                        <a:rPr kumimoji="1" lang="en-US" altLang="ja-JP" sz="2000" b="1" i="1" smtClean="0">
+                          <a:solidFill>
+                            <a:schemeClr val="tx1"/>
+                          </a:solidFill>
+                          <a:latin typeface="Cambria Math" panose="02040503050406030204" pitchFamily="18" charset="0"/>
+                        </a:rPr>
+                        <m:t>𝑲𝑳</m:t>
+                      </m:r>
+                      <m:r>
+                        <a:rPr kumimoji="1" lang="en-US" altLang="ja-JP" sz="2000" b="1" i="1" smtClean="0">
+                          <a:solidFill>
+                            <a:schemeClr val="tx1"/>
+                          </a:solidFill>
+                          <a:latin typeface="Cambria Math" panose="02040503050406030204" pitchFamily="18" charset="0"/>
+                        </a:rPr>
+                        <m:t>[</m:t>
+                      </m:r>
+                      <m:r>
+                        <a:rPr kumimoji="1" lang="en-US" altLang="ja-JP" sz="2000" b="1" i="1" smtClean="0">
+                          <a:solidFill>
+                            <a:schemeClr val="tx1"/>
+                          </a:solidFill>
+                          <a:latin typeface="Cambria Math" panose="02040503050406030204" pitchFamily="18" charset="0"/>
+                        </a:rPr>
+                        <m:t>𝒒</m:t>
+                      </m:r>
+                      <m:r>
+                        <a:rPr kumimoji="1" lang="en-US" altLang="ja-JP" sz="2000" b="1" i="1" smtClean="0">
+                          <a:solidFill>
+                            <a:schemeClr val="tx1"/>
+                          </a:solidFill>
+                          <a:latin typeface="Cambria Math" panose="02040503050406030204" pitchFamily="18" charset="0"/>
+                        </a:rPr>
+                        <m:t>(</m:t>
+                      </m:r>
+                      <m:r>
+                        <a:rPr kumimoji="1" lang="en-US" altLang="ja-JP" sz="2000" b="1" i="1" smtClean="0">
+                          <a:solidFill>
+                            <a:schemeClr val="tx1"/>
+                          </a:solidFill>
+                          <a:latin typeface="Cambria Math" panose="02040503050406030204" pitchFamily="18" charset="0"/>
+                        </a:rPr>
+                        <m:t>𝒛</m:t>
+                      </m:r>
+                      <m:r>
+                        <a:rPr kumimoji="1" lang="en-US" altLang="ja-JP" sz="2000" b="1" i="1" smtClean="0">
+                          <a:solidFill>
+                            <a:schemeClr val="tx1"/>
+                          </a:solidFill>
+                          <a:latin typeface="Cambria Math" panose="02040503050406030204" pitchFamily="18" charset="0"/>
+                        </a:rPr>
+                        <m:t>)||</m:t>
+                      </m:r>
+                      <m:r>
+                        <a:rPr kumimoji="1" lang="en-US" altLang="ja-JP" sz="2000" b="1" i="1" smtClean="0">
+                          <a:solidFill>
+                            <a:schemeClr val="tx1"/>
+                          </a:solidFill>
+                          <a:latin typeface="Cambria Math" panose="02040503050406030204" pitchFamily="18" charset="0"/>
+                        </a:rPr>
+                        <m:t>𝒑</m:t>
+                      </m:r>
+                      <m:d>
+                        <m:dPr>
+                          <m:ctrlPr>
+                            <a:rPr kumimoji="1" lang="en-US" altLang="ja-JP" sz="2000" b="1" i="1" smtClean="0">
+                              <a:solidFill>
+                                <a:schemeClr val="tx1"/>
+                              </a:solidFill>
+                              <a:latin typeface="Cambria Math" panose="02040503050406030204" pitchFamily="18" charset="0"/>
+                            </a:rPr>
+                          </m:ctrlPr>
+                        </m:dPr>
+                        <m:e>
+                          <m:r>
+                            <a:rPr kumimoji="1" lang="en-US" altLang="ja-JP" sz="2000" b="1" i="1" smtClean="0">
+                              <a:solidFill>
+                                <a:schemeClr val="tx1"/>
+                              </a:solidFill>
+                              <a:latin typeface="Cambria Math" panose="02040503050406030204" pitchFamily="18" charset="0"/>
+                            </a:rPr>
+                            <m:t>𝒛</m:t>
+                          </m:r>
+                        </m:e>
+                        <m:e>
+                          <m:r>
+                            <a:rPr kumimoji="1" lang="en-US" altLang="ja-JP" sz="2000" b="1" i="1" smtClean="0">
+                              <a:solidFill>
+                                <a:schemeClr val="tx1"/>
+                              </a:solidFill>
+                              <a:latin typeface="Cambria Math" panose="02040503050406030204" pitchFamily="18" charset="0"/>
+                            </a:rPr>
+                            <m:t>𝒙</m:t>
+                          </m:r>
+                          <m:r>
+                            <a:rPr kumimoji="1" lang="en-US" altLang="ja-JP" sz="2000" b="1" i="1" smtClean="0">
+                              <a:solidFill>
+                                <a:schemeClr val="tx1"/>
+                              </a:solidFill>
+                              <a:latin typeface="Cambria Math" panose="02040503050406030204" pitchFamily="18" charset="0"/>
+                            </a:rPr>
+                            <m:t>,</m:t>
+                          </m:r>
+                          <m:r>
+                            <a:rPr kumimoji="1" lang="en-US" altLang="ja-JP" sz="2000" b="1" i="1" smtClean="0">
+                              <a:solidFill>
+                                <a:schemeClr val="tx1"/>
+                              </a:solidFill>
+                              <a:latin typeface="Cambria Math" panose="02040503050406030204" pitchFamily="18" charset="0"/>
+                            </a:rPr>
+                            <m:t>𝜽</m:t>
+                          </m:r>
+                        </m:e>
+                      </m:d>
+                      <m:r>
+                        <a:rPr kumimoji="1" lang="en-US" altLang="ja-JP" sz="2000" b="1" i="1" smtClean="0">
+                          <a:solidFill>
+                            <a:schemeClr val="tx1"/>
+                          </a:solidFill>
+                          <a:latin typeface="Cambria Math" panose="02040503050406030204" pitchFamily="18" charset="0"/>
+                        </a:rPr>
+                        <m:t>]</m:t>
+                      </m:r>
+                    </m:oMath>
+                  </m:oMathPara>
+                </a14:m>
+                <a:endParaRPr kumimoji="1" lang="ja-JP" altLang="en-US" sz="2000" b="1" dirty="0">
+                  <a:solidFill>
+                    <a:schemeClr val="tx1"/>
+                  </a:solidFill>
+                </a:endParaRPr>
+              </a:p>
+            </p:txBody>
+          </p:sp>
+        </mc:Choice>
+        <mc:Fallback>
+          <p:sp>
+            <p:nvSpPr>
+              <p:cNvPr id="24" name="正方形/長方形 23">
+                <a:extLst>
+                  <a:ext uri="{FF2B5EF4-FFF2-40B4-BE49-F238E27FC236}">
+                    <a16:creationId xmlns:a16="http://schemas.microsoft.com/office/drawing/2014/main" id="{06971C61-9B03-40C0-AC95-72F1587A48EC}"/>
+                  </a:ext>
+                </a:extLst>
+              </p:cNvPr>
+              <p:cNvSpPr>
+                <a:spLocks noRot="1" noChangeAspect="1" noMove="1" noResize="1" noEditPoints="1" noAdjustHandles="1" noChangeArrowheads="1" noChangeShapeType="1" noTextEdit="1"/>
+              </p:cNvSpPr>
+              <p:nvPr/>
+            </p:nvSpPr>
+            <p:spPr>
+              <a:xfrm>
+                <a:off x="1453178" y="6339066"/>
+                <a:ext cx="2427942" cy="350642"/>
+              </a:xfrm>
+              <a:prstGeom prst="rect">
+                <a:avLst/>
+              </a:prstGeom>
+              <a:blipFill>
+                <a:blip r:embed="rId4"/>
+                <a:stretch>
+                  <a:fillRect b="-23729"/>
+                </a:stretch>
+              </a:blipFill>
+              <a:ln>
+                <a:solidFill>
+                  <a:schemeClr val="accent2"/>
+                </a:solidFill>
+              </a:ln>
+            </p:spPr>
+            <p:txBody>
+              <a:bodyPr/>
+              <a:lstStyle/>
+              <a:p>
+                <a:r>
+                  <a:rPr lang="ja-JP" altLang="en-US">
+                    <a:noFill/>
+                  </a:rPr>
+                  <a:t> </a:t>
+                </a:r>
+              </a:p>
+            </p:txBody>
+          </p:sp>
+        </mc:Fallback>
+      </mc:AlternateContent>
+      <p:cxnSp>
+        <p:nvCxnSpPr>
+          <p:cNvPr id="29" name="直線コネクタ 28">
+            <a:extLst>
+              <a:ext uri="{FF2B5EF4-FFF2-40B4-BE49-F238E27FC236}">
+                <a16:creationId xmlns:a16="http://schemas.microsoft.com/office/drawing/2014/main" id="{37C2C1AF-D8E1-40EC-A571-EEC822611B0F}"/>
+              </a:ext>
+            </a:extLst>
+          </p:cNvPr>
+          <p:cNvCxnSpPr>
+            <a:cxnSpLocks/>
+          </p:cNvCxnSpPr>
+          <p:nvPr/>
+        </p:nvCxnSpPr>
+        <p:spPr>
+          <a:xfrm>
+            <a:off x="6108969" y="5407538"/>
+            <a:ext cx="0" cy="2911707"/>
+          </a:xfrm>
+          <a:prstGeom prst="line">
+            <a:avLst/>
+          </a:prstGeom>
+          <a:ln w="38100"/>
+        </p:spPr>
+        <p:style>
+          <a:lnRef idx="1">
+            <a:schemeClr val="accent1"/>
+          </a:lnRef>
+          <a:fillRef idx="0">
+            <a:schemeClr val="accent1"/>
+          </a:fillRef>
+          <a:effectRef idx="0">
+            <a:schemeClr val="accent1"/>
+          </a:effectRef>
+          <a:fontRef idx="minor">
+            <a:schemeClr val="tx1"/>
+          </a:fontRef>
+        </p:style>
+      </p:cxnSp>
+      <p:cxnSp>
+        <p:nvCxnSpPr>
+          <p:cNvPr id="30" name="直線コネクタ 29">
+            <a:extLst>
+              <a:ext uri="{FF2B5EF4-FFF2-40B4-BE49-F238E27FC236}">
+                <a16:creationId xmlns:a16="http://schemas.microsoft.com/office/drawing/2014/main" id="{82E5800A-A195-455D-8906-91DDE6A1E790}"/>
+              </a:ext>
+            </a:extLst>
+          </p:cNvPr>
+          <p:cNvCxnSpPr>
+            <a:cxnSpLocks/>
+          </p:cNvCxnSpPr>
+          <p:nvPr/>
+        </p:nvCxnSpPr>
+        <p:spPr>
+          <a:xfrm flipH="1">
+            <a:off x="6109073" y="8282297"/>
+            <a:ext cx="4346528" cy="8326"/>
+          </a:xfrm>
+          <a:prstGeom prst="line">
+            <a:avLst/>
+          </a:prstGeom>
+          <a:ln w="38100"/>
+        </p:spPr>
+        <p:style>
+          <a:lnRef idx="1">
+            <a:schemeClr val="accent1"/>
+          </a:lnRef>
+          <a:fillRef idx="0">
+            <a:schemeClr val="accent1"/>
+          </a:fillRef>
+          <a:effectRef idx="0">
+            <a:schemeClr val="accent1"/>
+          </a:effectRef>
+          <a:fontRef idx="minor">
+            <a:schemeClr val="tx1"/>
+          </a:fontRef>
+        </p:style>
+      </p:cxnSp>
+      <p:cxnSp>
+        <p:nvCxnSpPr>
+          <p:cNvPr id="31" name="直線コネクタ 30">
+            <a:extLst>
+              <a:ext uri="{FF2B5EF4-FFF2-40B4-BE49-F238E27FC236}">
+                <a16:creationId xmlns:a16="http://schemas.microsoft.com/office/drawing/2014/main" id="{10C01E17-7B68-4D74-B691-DFC60AFF180A}"/>
+              </a:ext>
+            </a:extLst>
+          </p:cNvPr>
+          <p:cNvCxnSpPr>
+            <a:cxnSpLocks/>
+          </p:cNvCxnSpPr>
+          <p:nvPr/>
+        </p:nvCxnSpPr>
+        <p:spPr>
+          <a:xfrm flipH="1">
+            <a:off x="6089978" y="5396189"/>
+            <a:ext cx="4365623" cy="1209"/>
+          </a:xfrm>
+          <a:prstGeom prst="line">
+            <a:avLst/>
+          </a:prstGeom>
+          <a:ln w="38100">
+            <a:solidFill>
+              <a:srgbClr val="4472C4">
+                <a:alpha val="49020"/>
+              </a:srgbClr>
+            </a:solidFill>
+          </a:ln>
+        </p:spPr>
+        <p:style>
+          <a:lnRef idx="1">
+            <a:schemeClr val="accent1"/>
+          </a:lnRef>
+          <a:fillRef idx="0">
+            <a:schemeClr val="accent1"/>
+          </a:fillRef>
+          <a:effectRef idx="0">
+            <a:schemeClr val="accent1"/>
+          </a:effectRef>
+          <a:fontRef idx="minor">
+            <a:schemeClr val="tx1"/>
+          </a:fontRef>
+        </p:style>
+      </p:cxnSp>
+      <p:cxnSp>
+        <p:nvCxnSpPr>
+          <p:cNvPr id="32" name="直線コネクタ 31">
+            <a:extLst>
+              <a:ext uri="{FF2B5EF4-FFF2-40B4-BE49-F238E27FC236}">
+                <a16:creationId xmlns:a16="http://schemas.microsoft.com/office/drawing/2014/main" id="{56745699-A45A-4555-92C4-C90496F3768B}"/>
+              </a:ext>
+            </a:extLst>
+          </p:cNvPr>
+          <p:cNvCxnSpPr>
+            <a:cxnSpLocks/>
+          </p:cNvCxnSpPr>
+          <p:nvPr/>
+        </p:nvCxnSpPr>
+        <p:spPr>
+          <a:xfrm flipH="1">
+            <a:off x="6124838" y="6102468"/>
+            <a:ext cx="4330763" cy="10160"/>
+          </a:xfrm>
+          <a:prstGeom prst="line">
+            <a:avLst/>
+          </a:prstGeom>
+          <a:ln w="38100"/>
+        </p:spPr>
+        <p:style>
+          <a:lnRef idx="1">
+            <a:schemeClr val="accent1"/>
+          </a:lnRef>
+          <a:fillRef idx="0">
+            <a:schemeClr val="accent1"/>
+          </a:fillRef>
+          <a:effectRef idx="0">
+            <a:schemeClr val="accent1"/>
+          </a:effectRef>
+          <a:fontRef idx="minor">
+            <a:schemeClr val="tx1"/>
+          </a:fontRef>
+        </p:style>
+      </p:cxnSp>
+      <p:cxnSp>
+        <p:nvCxnSpPr>
+          <p:cNvPr id="33" name="直線コネクタ 32">
+            <a:extLst>
+              <a:ext uri="{FF2B5EF4-FFF2-40B4-BE49-F238E27FC236}">
+                <a16:creationId xmlns:a16="http://schemas.microsoft.com/office/drawing/2014/main" id="{C79362DB-702D-4AC6-895A-0DF32FA2809C}"/>
+              </a:ext>
+            </a:extLst>
+          </p:cNvPr>
+          <p:cNvCxnSpPr>
+            <a:cxnSpLocks/>
+          </p:cNvCxnSpPr>
+          <p:nvPr/>
+        </p:nvCxnSpPr>
+        <p:spPr>
+          <a:xfrm flipH="1">
+            <a:off x="6108867" y="6106160"/>
+            <a:ext cx="4327742" cy="13058"/>
+          </a:xfrm>
+          <a:prstGeom prst="line">
+            <a:avLst/>
+          </a:prstGeom>
+          <a:ln w="38100">
+            <a:prstDash val="sysDash"/>
+          </a:ln>
+        </p:spPr>
+        <p:style>
+          <a:lnRef idx="1">
+            <a:schemeClr val="accent1"/>
+          </a:lnRef>
+          <a:fillRef idx="0">
+            <a:schemeClr val="accent1"/>
+          </a:fillRef>
+          <a:effectRef idx="0">
+            <a:schemeClr val="accent1"/>
+          </a:effectRef>
+          <a:fontRef idx="minor">
+            <a:schemeClr val="tx1"/>
+          </a:fontRef>
+        </p:style>
+      </p:cxnSp>
+      <p:sp>
+        <p:nvSpPr>
+          <p:cNvPr id="34" name="矢印: 下 33">
+            <a:extLst>
+              <a:ext uri="{FF2B5EF4-FFF2-40B4-BE49-F238E27FC236}">
+                <a16:creationId xmlns:a16="http://schemas.microsoft.com/office/drawing/2014/main" id="{DE24FFE7-1990-4EBA-981D-9A91B55B1770}"/>
+              </a:ext>
+            </a:extLst>
+          </p:cNvPr>
+          <p:cNvSpPr/>
+          <p:nvPr/>
+        </p:nvSpPr>
+        <p:spPr>
+          <a:xfrm rot="10800000">
+            <a:off x="6731572" y="6102468"/>
+            <a:ext cx="338206" cy="2185348"/>
+          </a:xfrm>
+          <a:prstGeom prst="downArrow">
+            <a:avLst/>
+          </a:prstGeom>
+        </p:spPr>
+        <p:style>
+          <a:lnRef idx="2">
+            <a:schemeClr val="accent1">
+              <a:shade val="50000"/>
+            </a:schemeClr>
+          </a:lnRef>
+          <a:fillRef idx="1">
+            <a:schemeClr val="accent1"/>
+          </a:fillRef>
+          <a:effectRef idx="0">
+            <a:schemeClr val="accent1"/>
+          </a:effectRef>
+          <a:fontRef idx="minor">
+            <a:schemeClr val="lt1"/>
+          </a:fontRef>
+        </p:style>
+        <p:txBody>
+          <a:bodyPr rtlCol="0" anchor="ctr"/>
+          <a:lstStyle/>
+          <a:p>
+            <a:pPr algn="ctr"/>
+            <a:endParaRPr kumimoji="1" lang="ja-JP" altLang="en-US" sz="1200"/>
+          </a:p>
+        </p:txBody>
+      </p:sp>
+      <mc:AlternateContent xmlns:mc="http://schemas.openxmlformats.org/markup-compatibility/2006">
+        <mc:Choice xmlns:a14="http://schemas.microsoft.com/office/drawing/2010/main" Requires="a14">
+          <p:sp>
+            <p:nvSpPr>
+              <p:cNvPr id="35" name="正方形/長方形 34">
+                <a:extLst>
+                  <a:ext uri="{FF2B5EF4-FFF2-40B4-BE49-F238E27FC236}">
+                    <a16:creationId xmlns:a16="http://schemas.microsoft.com/office/drawing/2014/main" id="{621A7380-178B-451A-B66A-B38B4E498618}"/>
+                  </a:ext>
+                </a:extLst>
+              </p:cNvPr>
+              <p:cNvSpPr/>
+              <p:nvPr/>
+            </p:nvSpPr>
+            <p:spPr>
+              <a:xfrm>
+                <a:off x="6228813" y="6992825"/>
+                <a:ext cx="1226258" cy="368202"/>
+              </a:xfrm>
+              <a:prstGeom prst="rect">
+                <a:avLst/>
+              </a:prstGeom>
+              <a:solidFill>
+                <a:schemeClr val="bg1"/>
+              </a:solidFill>
+            </p:spPr>
+            <p:style>
+              <a:lnRef idx="2">
+                <a:schemeClr val="accent1">
+                  <a:shade val="50000"/>
+                </a:schemeClr>
+              </a:lnRef>
+              <a:fillRef idx="1">
+                <a:schemeClr val="accent1"/>
+              </a:fillRef>
+              <a:effectRef idx="0">
+                <a:schemeClr val="accent1"/>
+              </a:effectRef>
+              <a:fontRef idx="minor">
+                <a:schemeClr val="lt1"/>
+              </a:fontRef>
+            </p:style>
+            <p:txBody>
+              <a:bodyPr rtlCol="0" anchor="ctr"/>
+              <a:lstStyle/>
+              <a:p>
+                <a:pPr algn="ctr"/>
+                <a14:m>
+                  <m:oMathPara xmlns:m="http://schemas.openxmlformats.org/officeDocument/2006/math">
+                    <m:oMathParaPr>
+                      <m:jc m:val="centerGroup"/>
+                    </m:oMathParaPr>
+                    <m:oMath xmlns:m="http://schemas.openxmlformats.org/officeDocument/2006/math">
+                      <m:r>
+                        <a:rPr kumimoji="1" lang="en-US" altLang="ja-JP" sz="2000" b="0" i="1" smtClean="0">
+                          <a:solidFill>
+                            <a:schemeClr val="tx1"/>
+                          </a:solidFill>
+                          <a:latin typeface="Cambria Math" panose="02040503050406030204" pitchFamily="18" charset="0"/>
+                        </a:rPr>
+                        <m:t>𝑙𝑜𝑔𝑝</m:t>
+                      </m:r>
+                      <m:r>
+                        <a:rPr kumimoji="1" lang="en-US" altLang="ja-JP" sz="2000" b="0" i="1" smtClean="0">
+                          <a:solidFill>
+                            <a:schemeClr val="tx1"/>
+                          </a:solidFill>
+                          <a:latin typeface="Cambria Math" panose="02040503050406030204" pitchFamily="18" charset="0"/>
+                        </a:rPr>
+                        <m:t>(</m:t>
+                      </m:r>
+                      <m:r>
+                        <a:rPr kumimoji="1" lang="en-US" altLang="ja-JP" sz="2000" b="0" i="1" smtClean="0">
+                          <a:solidFill>
+                            <a:schemeClr val="tx1"/>
+                          </a:solidFill>
+                          <a:latin typeface="Cambria Math" panose="02040503050406030204" pitchFamily="18" charset="0"/>
+                        </a:rPr>
+                        <m:t>𝑥</m:t>
+                      </m:r>
+                      <m:r>
+                        <a:rPr kumimoji="1" lang="en-US" altLang="ja-JP" sz="2000" b="0" i="1" smtClean="0">
+                          <a:solidFill>
+                            <a:schemeClr val="tx1"/>
+                          </a:solidFill>
+                          <a:latin typeface="Cambria Math" panose="02040503050406030204" pitchFamily="18" charset="0"/>
+                        </a:rPr>
+                        <m:t>|</m:t>
+                      </m:r>
+                      <m:r>
+                        <a:rPr kumimoji="1" lang="en-US" altLang="ja-JP" sz="2000" b="0" i="1" smtClean="0">
+                          <a:solidFill>
+                            <a:schemeClr val="tx1"/>
+                          </a:solidFill>
+                          <a:latin typeface="Cambria Math" panose="02040503050406030204" pitchFamily="18" charset="0"/>
+                        </a:rPr>
+                        <m:t>𝜃</m:t>
+                      </m:r>
+                      <m:r>
+                        <a:rPr kumimoji="1" lang="en-US" altLang="ja-JP" sz="2000" b="0" i="1" smtClean="0">
+                          <a:solidFill>
+                            <a:schemeClr val="tx1"/>
+                          </a:solidFill>
+                          <a:latin typeface="Cambria Math" panose="02040503050406030204" pitchFamily="18" charset="0"/>
+                        </a:rPr>
+                        <m:t>)</m:t>
+                      </m:r>
+                    </m:oMath>
+                  </m:oMathPara>
+                </a14:m>
+                <a:endParaRPr kumimoji="1" lang="ja-JP" altLang="en-US" sz="2000" dirty="0">
+                  <a:solidFill>
+                    <a:schemeClr val="tx1"/>
+                  </a:solidFill>
+                </a:endParaRPr>
+              </a:p>
+            </p:txBody>
+          </p:sp>
+        </mc:Choice>
+        <mc:Fallback>
+          <p:sp>
+            <p:nvSpPr>
+              <p:cNvPr id="35" name="正方形/長方形 34">
+                <a:extLst>
+                  <a:ext uri="{FF2B5EF4-FFF2-40B4-BE49-F238E27FC236}">
+                    <a16:creationId xmlns:a16="http://schemas.microsoft.com/office/drawing/2014/main" id="{621A7380-178B-451A-B66A-B38B4E498618}"/>
+                  </a:ext>
+                </a:extLst>
+              </p:cNvPr>
+              <p:cNvSpPr>
+                <a:spLocks noRot="1" noChangeAspect="1" noMove="1" noResize="1" noEditPoints="1" noAdjustHandles="1" noChangeArrowheads="1" noChangeShapeType="1" noTextEdit="1"/>
+              </p:cNvSpPr>
+              <p:nvPr/>
+            </p:nvSpPr>
+            <p:spPr>
+              <a:xfrm>
+                <a:off x="6228813" y="6992825"/>
+                <a:ext cx="1226258" cy="368202"/>
+              </a:xfrm>
+              <a:prstGeom prst="rect">
+                <a:avLst/>
+              </a:prstGeom>
+              <a:blipFill>
+                <a:blip r:embed="rId5"/>
+                <a:stretch>
+                  <a:fillRect l="-6404" r="-1970" b="-17460"/>
+                </a:stretch>
+              </a:blipFill>
+            </p:spPr>
+            <p:txBody>
+              <a:bodyPr/>
+              <a:lstStyle/>
+              <a:p>
+                <a:r>
+                  <a:rPr lang="ja-JP" altLang="en-US">
+                    <a:noFill/>
+                  </a:rPr>
+                  <a:t> </a:t>
+                </a:r>
+              </a:p>
+            </p:txBody>
+          </p:sp>
+        </mc:Fallback>
+      </mc:AlternateContent>
+      <p:sp>
+        <p:nvSpPr>
+          <p:cNvPr id="36" name="矢印: 下 35">
+            <a:extLst>
+              <a:ext uri="{FF2B5EF4-FFF2-40B4-BE49-F238E27FC236}">
+                <a16:creationId xmlns:a16="http://schemas.microsoft.com/office/drawing/2014/main" id="{5B70C3DA-C420-4413-9A14-195C41C1CB89}"/>
+              </a:ext>
+            </a:extLst>
+          </p:cNvPr>
+          <p:cNvSpPr/>
+          <p:nvPr/>
+        </p:nvSpPr>
+        <p:spPr>
+          <a:xfrm rot="10800000">
+            <a:off x="7840364" y="6119218"/>
+            <a:ext cx="338206" cy="2157561"/>
+          </a:xfrm>
+          <a:prstGeom prst="downArrow">
+            <a:avLst/>
+          </a:prstGeom>
+        </p:spPr>
+        <p:style>
+          <a:lnRef idx="2">
+            <a:schemeClr val="accent1">
+              <a:shade val="50000"/>
+            </a:schemeClr>
+          </a:lnRef>
+          <a:fillRef idx="1">
+            <a:schemeClr val="accent1"/>
+          </a:fillRef>
+          <a:effectRef idx="0">
+            <a:schemeClr val="accent1"/>
+          </a:effectRef>
+          <a:fontRef idx="minor">
+            <a:schemeClr val="lt1"/>
+          </a:fontRef>
+        </p:style>
+        <p:txBody>
+          <a:bodyPr rtlCol="0" anchor="ctr"/>
+          <a:lstStyle/>
+          <a:p>
+            <a:pPr algn="ctr"/>
+            <a:endParaRPr kumimoji="1" lang="ja-JP" altLang="en-US" sz="1200"/>
+          </a:p>
+        </p:txBody>
+      </p:sp>
+      <mc:AlternateContent xmlns:mc="http://schemas.openxmlformats.org/markup-compatibility/2006">
+        <mc:Choice xmlns:a14="http://schemas.microsoft.com/office/drawing/2010/main" Requires="a14">
+          <p:sp>
+            <p:nvSpPr>
+              <p:cNvPr id="37" name="正方形/長方形 36">
+                <a:extLst>
+                  <a:ext uri="{FF2B5EF4-FFF2-40B4-BE49-F238E27FC236}">
+                    <a16:creationId xmlns:a16="http://schemas.microsoft.com/office/drawing/2014/main" id="{CC8ED526-EFBC-4223-BDF8-881E816DCF1D}"/>
+                  </a:ext>
+                </a:extLst>
+              </p:cNvPr>
+              <p:cNvSpPr/>
+              <p:nvPr/>
+            </p:nvSpPr>
+            <p:spPr>
+              <a:xfrm>
+                <a:off x="7544899" y="6984457"/>
+                <a:ext cx="933956" cy="368202"/>
+              </a:xfrm>
+              <a:prstGeom prst="rect">
+                <a:avLst/>
+              </a:prstGeom>
+              <a:solidFill>
+                <a:schemeClr val="bg1"/>
+              </a:solidFill>
+            </p:spPr>
+            <p:style>
+              <a:lnRef idx="2">
+                <a:schemeClr val="accent1">
+                  <a:shade val="50000"/>
+                </a:schemeClr>
+              </a:lnRef>
+              <a:fillRef idx="1">
+                <a:schemeClr val="accent1"/>
+              </a:fillRef>
+              <a:effectRef idx="0">
+                <a:schemeClr val="accent1"/>
+              </a:effectRef>
+              <a:fontRef idx="minor">
+                <a:schemeClr val="lt1"/>
+              </a:fontRef>
+            </p:style>
+            <p:txBody>
+              <a:bodyPr rtlCol="0" anchor="ctr"/>
+              <a:lstStyle/>
+              <a:p>
+                <a:pPr algn="ctr"/>
+                <a14:m>
+                  <m:oMathPara xmlns:m="http://schemas.openxmlformats.org/officeDocument/2006/math">
+                    <m:oMathParaPr>
+                      <m:jc m:val="centerGroup"/>
+                    </m:oMathParaPr>
+                    <m:oMath xmlns:m="http://schemas.openxmlformats.org/officeDocument/2006/math">
+                      <m:r>
+                        <a:rPr kumimoji="1" lang="en-US" altLang="ja-JP" sz="2000" b="0" i="1" smtClean="0">
+                          <a:solidFill>
+                            <a:schemeClr val="tx1"/>
+                          </a:solidFill>
+                          <a:latin typeface="Cambria Math" panose="02040503050406030204" pitchFamily="18" charset="0"/>
+                        </a:rPr>
+                        <m:t>𝐿</m:t>
+                      </m:r>
+                      <m:r>
+                        <a:rPr kumimoji="1" lang="en-US" altLang="ja-JP" sz="2000" b="0" i="1" smtClean="0">
+                          <a:solidFill>
+                            <a:schemeClr val="tx1"/>
+                          </a:solidFill>
+                          <a:latin typeface="Cambria Math" panose="02040503050406030204" pitchFamily="18" charset="0"/>
+                        </a:rPr>
+                        <m:t>(</m:t>
+                      </m:r>
+                      <m:r>
+                        <a:rPr kumimoji="1" lang="en-US" altLang="ja-JP" sz="2000" b="0" i="1" smtClean="0">
+                          <a:solidFill>
+                            <a:schemeClr val="tx1"/>
+                          </a:solidFill>
+                          <a:latin typeface="Cambria Math" panose="02040503050406030204" pitchFamily="18" charset="0"/>
+                        </a:rPr>
+                        <m:t>𝑞</m:t>
+                      </m:r>
+                      <m:r>
+                        <a:rPr kumimoji="1" lang="en-US" altLang="ja-JP" sz="2000" b="0" i="1" smtClean="0">
+                          <a:solidFill>
+                            <a:schemeClr val="tx1"/>
+                          </a:solidFill>
+                          <a:latin typeface="Cambria Math" panose="02040503050406030204" pitchFamily="18" charset="0"/>
+                        </a:rPr>
+                        <m:t>,</m:t>
+                      </m:r>
+                      <m:r>
+                        <a:rPr kumimoji="1" lang="en-US" altLang="ja-JP" sz="2000" b="0" i="1" smtClean="0">
+                          <a:solidFill>
+                            <a:schemeClr val="tx1"/>
+                          </a:solidFill>
+                          <a:latin typeface="Cambria Math" panose="02040503050406030204" pitchFamily="18" charset="0"/>
+                        </a:rPr>
+                        <m:t>𝜃</m:t>
+                      </m:r>
+                      <m:r>
+                        <a:rPr kumimoji="1" lang="en-US" altLang="ja-JP" sz="2000" b="0" i="1" smtClean="0">
+                          <a:solidFill>
+                            <a:schemeClr val="tx1"/>
+                          </a:solidFill>
+                          <a:latin typeface="Cambria Math" panose="02040503050406030204" pitchFamily="18" charset="0"/>
+                        </a:rPr>
+                        <m:t>)</m:t>
+                      </m:r>
+                    </m:oMath>
+                  </m:oMathPara>
+                </a14:m>
+                <a:endParaRPr kumimoji="1" lang="ja-JP" altLang="en-US" sz="2000" dirty="0">
+                  <a:solidFill>
+                    <a:schemeClr val="tx1"/>
+                  </a:solidFill>
+                </a:endParaRPr>
+              </a:p>
+            </p:txBody>
+          </p:sp>
+        </mc:Choice>
+        <mc:Fallback>
+          <p:sp>
+            <p:nvSpPr>
+              <p:cNvPr id="37" name="正方形/長方形 36">
+                <a:extLst>
+                  <a:ext uri="{FF2B5EF4-FFF2-40B4-BE49-F238E27FC236}">
+                    <a16:creationId xmlns:a16="http://schemas.microsoft.com/office/drawing/2014/main" id="{CC8ED526-EFBC-4223-BDF8-881E816DCF1D}"/>
+                  </a:ext>
+                </a:extLst>
+              </p:cNvPr>
+              <p:cNvSpPr>
+                <a:spLocks noRot="1" noChangeAspect="1" noMove="1" noResize="1" noEditPoints="1" noAdjustHandles="1" noChangeArrowheads="1" noChangeShapeType="1" noTextEdit="1"/>
+              </p:cNvSpPr>
+              <p:nvPr/>
+            </p:nvSpPr>
+            <p:spPr>
+              <a:xfrm>
+                <a:off x="7544899" y="6984457"/>
+                <a:ext cx="933956" cy="368202"/>
+              </a:xfrm>
+              <a:prstGeom prst="rect">
+                <a:avLst/>
+              </a:prstGeom>
+              <a:blipFill>
+                <a:blip r:embed="rId6"/>
+                <a:stretch>
+                  <a:fillRect l="-1290" b="-19355"/>
+                </a:stretch>
+              </a:blipFill>
+            </p:spPr>
+            <p:txBody>
+              <a:bodyPr/>
+              <a:lstStyle/>
+              <a:p>
+                <a:r>
+                  <a:rPr lang="ja-JP" altLang="en-US">
+                    <a:noFill/>
+                  </a:rPr>
+                  <a:t> </a:t>
+                </a:r>
+              </a:p>
+            </p:txBody>
+          </p:sp>
+        </mc:Fallback>
+      </mc:AlternateContent>
+      <p:sp>
+        <p:nvSpPr>
+          <p:cNvPr id="42" name="矢印: 右 41">
+            <a:extLst>
+              <a:ext uri="{FF2B5EF4-FFF2-40B4-BE49-F238E27FC236}">
+                <a16:creationId xmlns:a16="http://schemas.microsoft.com/office/drawing/2014/main" id="{4F238C26-425B-41E8-8348-A6775C5E9942}"/>
+              </a:ext>
+            </a:extLst>
+          </p:cNvPr>
+          <p:cNvSpPr/>
+          <p:nvPr/>
+        </p:nvSpPr>
+        <p:spPr>
+          <a:xfrm>
+            <a:off x="4907280" y="6689708"/>
+            <a:ext cx="936239" cy="350642"/>
+          </a:xfrm>
+          <a:prstGeom prst="rightArrow">
+            <a:avLst/>
+          </a:prstGeom>
+        </p:spPr>
+        <p:style>
+          <a:lnRef idx="2">
+            <a:schemeClr val="accent2">
+              <a:shade val="50000"/>
+            </a:schemeClr>
+          </a:lnRef>
+          <a:fillRef idx="1">
+            <a:schemeClr val="accent2"/>
+          </a:fillRef>
+          <a:effectRef idx="0">
+            <a:schemeClr val="accent2"/>
+          </a:effectRef>
+          <a:fontRef idx="minor">
+            <a:schemeClr val="lt1"/>
+          </a:fontRef>
+        </p:style>
+        <p:txBody>
+          <a:bodyPr rtlCol="0" anchor="ctr"/>
+          <a:lstStyle/>
+          <a:p>
+            <a:pPr algn="ctr"/>
+            <a:endParaRPr kumimoji="1" lang="ja-JP" altLang="en-US"/>
+          </a:p>
+        </p:txBody>
+      </p:sp>
+    </p:spTree>
+    <p:extLst>
+      <p:ext uri="{BB962C8B-B14F-4D97-AF65-F5344CB8AC3E}">
+        <p14:creationId xmlns:p14="http://schemas.microsoft.com/office/powerpoint/2010/main" val="2404041840"/>
+      </p:ext>
+    </p:extLst>
+  </p:cSld>
+  <p:clrMapOvr>
+    <a:masterClrMapping/>
+  </p:clrMapOvr>
+</p:sld>
+</file>
+
+<file path=ppt/slides/slide13.xml><?xml version="1.0" encoding="utf-8"?>
+<p:sld xmlns:a="http://schemas.openxmlformats.org/drawingml/2006/main" xmlns:r="http://schemas.openxmlformats.org/officeDocument/2006/relationships" xmlns:p="http://schemas.openxmlformats.org/presentationml/2006/main">
+  <p:cSld>
+    <p:spTree>
+      <p:nvGrpSpPr>
+        <p:cNvPr id="1" name=""/>
+        <p:cNvGrpSpPr/>
+        <p:nvPr/>
+      </p:nvGrpSpPr>
+      <p:grpSpPr>
+        <a:xfrm>
+          <a:off x="0" y="0"/>
+          <a:ext cx="0" cy="0"/>
+          <a:chOff x="0" y="0"/>
+          <a:chExt cx="0" cy="0"/>
+        </a:xfrm>
+      </p:grpSpPr>
+      <p:sp>
+        <p:nvSpPr>
+          <p:cNvPr id="17" name="テキスト ボックス 16">
+            <a:extLst>
+              <a:ext uri="{FF2B5EF4-FFF2-40B4-BE49-F238E27FC236}">
+                <a16:creationId xmlns:a16="http://schemas.microsoft.com/office/drawing/2014/main" id="{D4F244A9-84C4-4E00-998D-D5303A5535D8}"/>
+              </a:ext>
+            </a:extLst>
+          </p:cNvPr>
+          <p:cNvSpPr txBox="1"/>
+          <p:nvPr/>
+        </p:nvSpPr>
+        <p:spPr>
+          <a:xfrm>
+            <a:off x="0" y="5004632"/>
+            <a:ext cx="1251366" cy="338554"/>
+          </a:xfrm>
+          <a:prstGeom prst="rect">
+            <a:avLst/>
+          </a:prstGeom>
+          <a:noFill/>
+        </p:spPr>
+        <p:txBody>
+          <a:bodyPr wrap="square" rtlCol="0">
+            <a:spAutoFit/>
+          </a:bodyPr>
+          <a:lstStyle/>
+          <a:p>
+            <a:r>
+              <a:rPr kumimoji="1" lang="ja-JP" altLang="en-US" sz="1600" b="1" dirty="0"/>
+              <a:t>尤度最大点</a:t>
+            </a:r>
+          </a:p>
+        </p:txBody>
+      </p:sp>
+      <p:cxnSp>
+        <p:nvCxnSpPr>
+          <p:cNvPr id="29" name="直線コネクタ 28">
+            <a:extLst>
+              <a:ext uri="{FF2B5EF4-FFF2-40B4-BE49-F238E27FC236}">
+                <a16:creationId xmlns:a16="http://schemas.microsoft.com/office/drawing/2014/main" id="{37C2C1AF-D8E1-40EC-A571-EEC822611B0F}"/>
+              </a:ext>
+            </a:extLst>
+          </p:cNvPr>
+          <p:cNvCxnSpPr>
+            <a:cxnSpLocks/>
+          </p:cNvCxnSpPr>
+          <p:nvPr/>
+        </p:nvCxnSpPr>
+        <p:spPr>
+          <a:xfrm>
+            <a:off x="358409" y="5407538"/>
+            <a:ext cx="0" cy="2911707"/>
+          </a:xfrm>
+          <a:prstGeom prst="line">
+            <a:avLst/>
+          </a:prstGeom>
+          <a:ln w="38100"/>
+        </p:spPr>
+        <p:style>
+          <a:lnRef idx="1">
+            <a:schemeClr val="accent1"/>
+          </a:lnRef>
+          <a:fillRef idx="0">
+            <a:schemeClr val="accent1"/>
+          </a:fillRef>
+          <a:effectRef idx="0">
+            <a:schemeClr val="accent1"/>
+          </a:effectRef>
+          <a:fontRef idx="minor">
+            <a:schemeClr val="tx1"/>
+          </a:fontRef>
+        </p:style>
+      </p:cxnSp>
+      <p:cxnSp>
+        <p:nvCxnSpPr>
+          <p:cNvPr id="30" name="直線コネクタ 29">
+            <a:extLst>
+              <a:ext uri="{FF2B5EF4-FFF2-40B4-BE49-F238E27FC236}">
+                <a16:creationId xmlns:a16="http://schemas.microsoft.com/office/drawing/2014/main" id="{82E5800A-A195-455D-8906-91DDE6A1E790}"/>
+              </a:ext>
+            </a:extLst>
+          </p:cNvPr>
+          <p:cNvCxnSpPr>
+            <a:cxnSpLocks/>
+          </p:cNvCxnSpPr>
+          <p:nvPr/>
+        </p:nvCxnSpPr>
+        <p:spPr>
+          <a:xfrm flipH="1">
+            <a:off x="358513" y="8282297"/>
+            <a:ext cx="4346528" cy="8326"/>
+          </a:xfrm>
+          <a:prstGeom prst="line">
+            <a:avLst/>
+          </a:prstGeom>
+          <a:ln w="38100"/>
+        </p:spPr>
+        <p:style>
+          <a:lnRef idx="1">
+            <a:schemeClr val="accent1"/>
+          </a:lnRef>
+          <a:fillRef idx="0">
+            <a:schemeClr val="accent1"/>
+          </a:fillRef>
+          <a:effectRef idx="0">
+            <a:schemeClr val="accent1"/>
+          </a:effectRef>
+          <a:fontRef idx="minor">
+            <a:schemeClr val="tx1"/>
+          </a:fontRef>
+        </p:style>
+      </p:cxnSp>
+      <p:cxnSp>
+        <p:nvCxnSpPr>
+          <p:cNvPr id="31" name="直線コネクタ 30">
+            <a:extLst>
+              <a:ext uri="{FF2B5EF4-FFF2-40B4-BE49-F238E27FC236}">
+                <a16:creationId xmlns:a16="http://schemas.microsoft.com/office/drawing/2014/main" id="{10C01E17-7B68-4D74-B691-DFC60AFF180A}"/>
+              </a:ext>
+            </a:extLst>
+          </p:cNvPr>
+          <p:cNvCxnSpPr>
+            <a:cxnSpLocks/>
+          </p:cNvCxnSpPr>
+          <p:nvPr/>
+        </p:nvCxnSpPr>
+        <p:spPr>
+          <a:xfrm flipH="1">
+            <a:off x="339418" y="5396189"/>
+            <a:ext cx="4365623" cy="1209"/>
+          </a:xfrm>
+          <a:prstGeom prst="line">
+            <a:avLst/>
+          </a:prstGeom>
+          <a:ln w="38100">
+            <a:solidFill>
+              <a:srgbClr val="4472C4">
+                <a:alpha val="49020"/>
+              </a:srgbClr>
+            </a:solidFill>
+          </a:ln>
+        </p:spPr>
+        <p:style>
+          <a:lnRef idx="1">
+            <a:schemeClr val="accent1"/>
+          </a:lnRef>
+          <a:fillRef idx="0">
+            <a:schemeClr val="accent1"/>
+          </a:fillRef>
+          <a:effectRef idx="0">
+            <a:schemeClr val="accent1"/>
+          </a:effectRef>
+          <a:fontRef idx="minor">
+            <a:schemeClr val="tx1"/>
+          </a:fontRef>
+        </p:style>
+      </p:cxnSp>
+      <p:cxnSp>
+        <p:nvCxnSpPr>
+          <p:cNvPr id="32" name="直線コネクタ 31">
+            <a:extLst>
+              <a:ext uri="{FF2B5EF4-FFF2-40B4-BE49-F238E27FC236}">
+                <a16:creationId xmlns:a16="http://schemas.microsoft.com/office/drawing/2014/main" id="{56745699-A45A-4555-92C4-C90496F3768B}"/>
+              </a:ext>
+            </a:extLst>
+          </p:cNvPr>
+          <p:cNvCxnSpPr>
+            <a:cxnSpLocks/>
+          </p:cNvCxnSpPr>
+          <p:nvPr/>
+        </p:nvCxnSpPr>
+        <p:spPr>
+          <a:xfrm flipH="1">
+            <a:off x="374278" y="7087988"/>
+            <a:ext cx="4330763" cy="10160"/>
+          </a:xfrm>
+          <a:prstGeom prst="line">
+            <a:avLst/>
+          </a:prstGeom>
+          <a:ln w="38100"/>
+        </p:spPr>
+        <p:style>
+          <a:lnRef idx="1">
+            <a:schemeClr val="accent1"/>
+          </a:lnRef>
+          <a:fillRef idx="0">
+            <a:schemeClr val="accent1"/>
+          </a:fillRef>
+          <a:effectRef idx="0">
+            <a:schemeClr val="accent1"/>
+          </a:effectRef>
+          <a:fontRef idx="minor">
+            <a:schemeClr val="tx1"/>
+          </a:fontRef>
+        </p:style>
+      </p:cxnSp>
+      <p:cxnSp>
+        <p:nvCxnSpPr>
+          <p:cNvPr id="33" name="直線コネクタ 32">
+            <a:extLst>
+              <a:ext uri="{FF2B5EF4-FFF2-40B4-BE49-F238E27FC236}">
+                <a16:creationId xmlns:a16="http://schemas.microsoft.com/office/drawing/2014/main" id="{C79362DB-702D-4AC6-895A-0DF32FA2809C}"/>
+              </a:ext>
+            </a:extLst>
+          </p:cNvPr>
+          <p:cNvCxnSpPr>
+            <a:cxnSpLocks/>
+          </p:cNvCxnSpPr>
+          <p:nvPr/>
+        </p:nvCxnSpPr>
+        <p:spPr>
+          <a:xfrm flipH="1">
+            <a:off x="358307" y="7091680"/>
+            <a:ext cx="4327742" cy="13058"/>
+          </a:xfrm>
+          <a:prstGeom prst="line">
+            <a:avLst/>
+          </a:prstGeom>
+          <a:ln w="38100">
+            <a:prstDash val="sysDash"/>
+          </a:ln>
+        </p:spPr>
+        <p:style>
+          <a:lnRef idx="1">
+            <a:schemeClr val="accent1"/>
+          </a:lnRef>
+          <a:fillRef idx="0">
+            <a:schemeClr val="accent1"/>
+          </a:fillRef>
+          <a:effectRef idx="0">
+            <a:schemeClr val="accent1"/>
+          </a:effectRef>
+          <a:fontRef idx="minor">
+            <a:schemeClr val="tx1"/>
+          </a:fontRef>
+        </p:style>
+      </p:cxnSp>
+      <p:sp>
+        <p:nvSpPr>
+          <p:cNvPr id="34" name="矢印: 下 33">
+            <a:extLst>
+              <a:ext uri="{FF2B5EF4-FFF2-40B4-BE49-F238E27FC236}">
+                <a16:creationId xmlns:a16="http://schemas.microsoft.com/office/drawing/2014/main" id="{DE24FFE7-1990-4EBA-981D-9A91B55B1770}"/>
+              </a:ext>
+            </a:extLst>
+          </p:cNvPr>
+          <p:cNvSpPr/>
+          <p:nvPr/>
+        </p:nvSpPr>
+        <p:spPr>
+          <a:xfrm rot="10800000">
+            <a:off x="981012" y="7115464"/>
+            <a:ext cx="338206" cy="1172352"/>
+          </a:xfrm>
+          <a:prstGeom prst="downArrow">
+            <a:avLst/>
+          </a:prstGeom>
+        </p:spPr>
+        <p:style>
+          <a:lnRef idx="2">
+            <a:schemeClr val="accent1">
+              <a:shade val="50000"/>
+            </a:schemeClr>
+          </a:lnRef>
+          <a:fillRef idx="1">
+            <a:schemeClr val="accent1"/>
+          </a:fillRef>
+          <a:effectRef idx="0">
+            <a:schemeClr val="accent1"/>
+          </a:effectRef>
+          <a:fontRef idx="minor">
+            <a:schemeClr val="lt1"/>
+          </a:fontRef>
+        </p:style>
+        <p:txBody>
+          <a:bodyPr rtlCol="0" anchor="ctr"/>
+          <a:lstStyle/>
+          <a:p>
+            <a:pPr algn="ctr"/>
+            <a:endParaRPr kumimoji="1" lang="ja-JP" altLang="en-US" sz="1200"/>
+          </a:p>
+        </p:txBody>
+      </p:sp>
+      <mc:AlternateContent xmlns:mc="http://schemas.openxmlformats.org/markup-compatibility/2006">
+        <mc:Choice xmlns:a14="http://schemas.microsoft.com/office/drawing/2010/main" Requires="a14">
+          <p:sp>
+            <p:nvSpPr>
+              <p:cNvPr id="35" name="正方形/長方形 34">
+                <a:extLst>
+                  <a:ext uri="{FF2B5EF4-FFF2-40B4-BE49-F238E27FC236}">
+                    <a16:creationId xmlns:a16="http://schemas.microsoft.com/office/drawing/2014/main" id="{621A7380-178B-451A-B66A-B38B4E498618}"/>
+                  </a:ext>
+                </a:extLst>
+              </p:cNvPr>
+              <p:cNvSpPr/>
+              <p:nvPr/>
+            </p:nvSpPr>
+            <p:spPr>
+              <a:xfrm>
+                <a:off x="478253" y="7571945"/>
+                <a:ext cx="1226258" cy="368202"/>
+              </a:xfrm>
+              <a:prstGeom prst="rect">
+                <a:avLst/>
+              </a:prstGeom>
+              <a:solidFill>
+                <a:schemeClr val="bg1"/>
+              </a:solidFill>
+            </p:spPr>
+            <p:style>
+              <a:lnRef idx="2">
+                <a:schemeClr val="accent1">
+                  <a:shade val="50000"/>
+                </a:schemeClr>
+              </a:lnRef>
+              <a:fillRef idx="1">
+                <a:schemeClr val="accent1"/>
+              </a:fillRef>
+              <a:effectRef idx="0">
+                <a:schemeClr val="accent1"/>
+              </a:effectRef>
+              <a:fontRef idx="minor">
+                <a:schemeClr val="lt1"/>
+              </a:fontRef>
+            </p:style>
+            <p:txBody>
+              <a:bodyPr rtlCol="0" anchor="ctr"/>
+              <a:lstStyle/>
+              <a:p>
+                <a:pPr algn="ctr"/>
+                <a14:m>
+                  <m:oMathPara xmlns:m="http://schemas.openxmlformats.org/officeDocument/2006/math">
+                    <m:oMathParaPr>
+                      <m:jc m:val="centerGroup"/>
+                    </m:oMathParaPr>
+                    <m:oMath xmlns:m="http://schemas.openxmlformats.org/officeDocument/2006/math">
+                      <m:r>
+                        <a:rPr kumimoji="1" lang="en-US" altLang="ja-JP" sz="2000" b="0" i="1" smtClean="0">
+                          <a:solidFill>
+                            <a:schemeClr val="tx1"/>
+                          </a:solidFill>
+                          <a:latin typeface="Cambria Math" panose="02040503050406030204" pitchFamily="18" charset="0"/>
+                        </a:rPr>
+                        <m:t>𝑙𝑜𝑔𝑝</m:t>
+                      </m:r>
+                      <m:r>
+                        <a:rPr kumimoji="1" lang="en-US" altLang="ja-JP" sz="2000" b="0" i="1" smtClean="0">
+                          <a:solidFill>
+                            <a:schemeClr val="tx1"/>
+                          </a:solidFill>
+                          <a:latin typeface="Cambria Math" panose="02040503050406030204" pitchFamily="18" charset="0"/>
+                        </a:rPr>
+                        <m:t>(</m:t>
+                      </m:r>
+                      <m:r>
+                        <a:rPr kumimoji="1" lang="en-US" altLang="ja-JP" sz="2000" b="0" i="1" smtClean="0">
+                          <a:solidFill>
+                            <a:schemeClr val="tx1"/>
+                          </a:solidFill>
+                          <a:latin typeface="Cambria Math" panose="02040503050406030204" pitchFamily="18" charset="0"/>
+                        </a:rPr>
+                        <m:t>𝑥</m:t>
+                      </m:r>
+                      <m:r>
+                        <a:rPr kumimoji="1" lang="en-US" altLang="ja-JP" sz="2000" b="0" i="1" smtClean="0">
+                          <a:solidFill>
+                            <a:schemeClr val="tx1"/>
+                          </a:solidFill>
+                          <a:latin typeface="Cambria Math" panose="02040503050406030204" pitchFamily="18" charset="0"/>
+                        </a:rPr>
+                        <m:t>|</m:t>
+                      </m:r>
+                      <m:r>
+                        <a:rPr kumimoji="1" lang="en-US" altLang="ja-JP" sz="2000" b="0" i="1" smtClean="0">
+                          <a:solidFill>
+                            <a:schemeClr val="tx1"/>
+                          </a:solidFill>
+                          <a:latin typeface="Cambria Math" panose="02040503050406030204" pitchFamily="18" charset="0"/>
+                        </a:rPr>
+                        <m:t>𝜃</m:t>
+                      </m:r>
+                      <m:r>
+                        <a:rPr kumimoji="1" lang="en-US" altLang="ja-JP" sz="2000" b="0" i="1" smtClean="0">
+                          <a:solidFill>
+                            <a:schemeClr val="tx1"/>
+                          </a:solidFill>
+                          <a:latin typeface="Cambria Math" panose="02040503050406030204" pitchFamily="18" charset="0"/>
+                        </a:rPr>
+                        <m:t>)</m:t>
+                      </m:r>
+                    </m:oMath>
+                  </m:oMathPara>
+                </a14:m>
+                <a:endParaRPr kumimoji="1" lang="ja-JP" altLang="en-US" sz="2000" dirty="0">
+                  <a:solidFill>
+                    <a:schemeClr val="tx1"/>
+                  </a:solidFill>
+                </a:endParaRPr>
+              </a:p>
+            </p:txBody>
+          </p:sp>
+        </mc:Choice>
+        <mc:Fallback>
+          <p:sp>
+            <p:nvSpPr>
+              <p:cNvPr id="35" name="正方形/長方形 34">
+                <a:extLst>
+                  <a:ext uri="{FF2B5EF4-FFF2-40B4-BE49-F238E27FC236}">
+                    <a16:creationId xmlns:a16="http://schemas.microsoft.com/office/drawing/2014/main" id="{621A7380-178B-451A-B66A-B38B4E498618}"/>
+                  </a:ext>
+                </a:extLst>
+              </p:cNvPr>
+              <p:cNvSpPr>
+                <a:spLocks noRot="1" noChangeAspect="1" noMove="1" noResize="1" noEditPoints="1" noAdjustHandles="1" noChangeArrowheads="1" noChangeShapeType="1" noTextEdit="1"/>
+              </p:cNvSpPr>
+              <p:nvPr/>
+            </p:nvSpPr>
+            <p:spPr>
+              <a:xfrm>
+                <a:off x="478253" y="7571945"/>
+                <a:ext cx="1226258" cy="368202"/>
+              </a:xfrm>
+              <a:prstGeom prst="rect">
+                <a:avLst/>
+              </a:prstGeom>
+              <a:blipFill>
+                <a:blip r:embed="rId2"/>
+                <a:stretch>
+                  <a:fillRect l="-5882" r="-1471" b="-17460"/>
+                </a:stretch>
+              </a:blipFill>
+            </p:spPr>
+            <p:txBody>
+              <a:bodyPr/>
+              <a:lstStyle/>
+              <a:p>
+                <a:r>
+                  <a:rPr lang="ja-JP" altLang="en-US">
+                    <a:noFill/>
+                  </a:rPr>
+                  <a:t> </a:t>
+                </a:r>
+              </a:p>
+            </p:txBody>
+          </p:sp>
+        </mc:Fallback>
+      </mc:AlternateContent>
+      <p:sp>
+        <p:nvSpPr>
+          <p:cNvPr id="36" name="矢印: 下 35">
+            <a:extLst>
+              <a:ext uri="{FF2B5EF4-FFF2-40B4-BE49-F238E27FC236}">
+                <a16:creationId xmlns:a16="http://schemas.microsoft.com/office/drawing/2014/main" id="{5B70C3DA-C420-4413-9A14-195C41C1CB89}"/>
+              </a:ext>
+            </a:extLst>
+          </p:cNvPr>
+          <p:cNvSpPr/>
+          <p:nvPr/>
+        </p:nvSpPr>
+        <p:spPr>
+          <a:xfrm rot="10800000">
+            <a:off x="2089804" y="7104425"/>
+            <a:ext cx="338206" cy="1172353"/>
+          </a:xfrm>
+          <a:prstGeom prst="downArrow">
+            <a:avLst/>
+          </a:prstGeom>
+        </p:spPr>
+        <p:style>
+          <a:lnRef idx="2">
+            <a:schemeClr val="accent1">
+              <a:shade val="50000"/>
+            </a:schemeClr>
+          </a:lnRef>
+          <a:fillRef idx="1">
+            <a:schemeClr val="accent1"/>
+          </a:fillRef>
+          <a:effectRef idx="0">
+            <a:schemeClr val="accent1"/>
+          </a:effectRef>
+          <a:fontRef idx="minor">
+            <a:schemeClr val="lt1"/>
+          </a:fontRef>
+        </p:style>
+        <p:txBody>
+          <a:bodyPr rtlCol="0" anchor="ctr"/>
+          <a:lstStyle/>
+          <a:p>
+            <a:pPr algn="ctr"/>
+            <a:endParaRPr kumimoji="1" lang="ja-JP" altLang="en-US" sz="1200"/>
+          </a:p>
+        </p:txBody>
+      </p:sp>
+      <mc:AlternateContent xmlns:mc="http://schemas.openxmlformats.org/markup-compatibility/2006">
+        <mc:Choice xmlns:a14="http://schemas.microsoft.com/office/drawing/2010/main" Requires="a14">
+          <p:sp>
+            <p:nvSpPr>
+              <p:cNvPr id="37" name="正方形/長方形 36">
+                <a:extLst>
+                  <a:ext uri="{FF2B5EF4-FFF2-40B4-BE49-F238E27FC236}">
+                    <a16:creationId xmlns:a16="http://schemas.microsoft.com/office/drawing/2014/main" id="{CC8ED526-EFBC-4223-BDF8-881E816DCF1D}"/>
+                  </a:ext>
+                </a:extLst>
+              </p:cNvPr>
+              <p:cNvSpPr/>
+              <p:nvPr/>
+            </p:nvSpPr>
+            <p:spPr>
+              <a:xfrm>
+                <a:off x="1794339" y="7573737"/>
+                <a:ext cx="933956" cy="368202"/>
+              </a:xfrm>
+              <a:prstGeom prst="rect">
+                <a:avLst/>
+              </a:prstGeom>
+              <a:solidFill>
+                <a:schemeClr val="bg1"/>
+              </a:solidFill>
+            </p:spPr>
+            <p:style>
+              <a:lnRef idx="2">
+                <a:schemeClr val="accent1">
+                  <a:shade val="50000"/>
+                </a:schemeClr>
+              </a:lnRef>
+              <a:fillRef idx="1">
+                <a:schemeClr val="accent1"/>
+              </a:fillRef>
+              <a:effectRef idx="0">
+                <a:schemeClr val="accent1"/>
+              </a:effectRef>
+              <a:fontRef idx="minor">
+                <a:schemeClr val="lt1"/>
+              </a:fontRef>
+            </p:style>
+            <p:txBody>
+              <a:bodyPr rtlCol="0" anchor="ctr"/>
+              <a:lstStyle/>
+              <a:p>
+                <a:pPr algn="ctr"/>
+                <a14:m>
+                  <m:oMathPara xmlns:m="http://schemas.openxmlformats.org/officeDocument/2006/math">
+                    <m:oMathParaPr>
+                      <m:jc m:val="centerGroup"/>
+                    </m:oMathParaPr>
+                    <m:oMath xmlns:m="http://schemas.openxmlformats.org/officeDocument/2006/math">
+                      <m:r>
+                        <a:rPr kumimoji="1" lang="en-US" altLang="ja-JP" sz="2000" b="0" i="1" smtClean="0">
+                          <a:solidFill>
+                            <a:schemeClr val="tx1"/>
+                          </a:solidFill>
+                          <a:latin typeface="Cambria Math" panose="02040503050406030204" pitchFamily="18" charset="0"/>
+                        </a:rPr>
+                        <m:t>𝐿</m:t>
+                      </m:r>
+                      <m:r>
+                        <a:rPr kumimoji="1" lang="en-US" altLang="ja-JP" sz="2000" b="0" i="1" smtClean="0">
+                          <a:solidFill>
+                            <a:schemeClr val="tx1"/>
+                          </a:solidFill>
+                          <a:latin typeface="Cambria Math" panose="02040503050406030204" pitchFamily="18" charset="0"/>
+                        </a:rPr>
+                        <m:t>(</m:t>
+                      </m:r>
+                      <m:r>
+                        <a:rPr kumimoji="1" lang="en-US" altLang="ja-JP" sz="2000" b="0" i="1" smtClean="0">
+                          <a:solidFill>
+                            <a:schemeClr val="tx1"/>
+                          </a:solidFill>
+                          <a:latin typeface="Cambria Math" panose="02040503050406030204" pitchFamily="18" charset="0"/>
+                        </a:rPr>
+                        <m:t>𝑞</m:t>
+                      </m:r>
+                      <m:r>
+                        <a:rPr kumimoji="1" lang="en-US" altLang="ja-JP" sz="2000" b="0" i="1" smtClean="0">
+                          <a:solidFill>
+                            <a:schemeClr val="tx1"/>
+                          </a:solidFill>
+                          <a:latin typeface="Cambria Math" panose="02040503050406030204" pitchFamily="18" charset="0"/>
+                        </a:rPr>
+                        <m:t>,</m:t>
+                      </m:r>
+                      <m:r>
+                        <a:rPr kumimoji="1" lang="en-US" altLang="ja-JP" sz="2000" b="0" i="1" smtClean="0">
+                          <a:solidFill>
+                            <a:schemeClr val="tx1"/>
+                          </a:solidFill>
+                          <a:latin typeface="Cambria Math" panose="02040503050406030204" pitchFamily="18" charset="0"/>
+                        </a:rPr>
+                        <m:t>𝜃</m:t>
+                      </m:r>
+                      <m:r>
+                        <a:rPr kumimoji="1" lang="en-US" altLang="ja-JP" sz="2000" b="0" i="1" smtClean="0">
+                          <a:solidFill>
+                            <a:schemeClr val="tx1"/>
+                          </a:solidFill>
+                          <a:latin typeface="Cambria Math" panose="02040503050406030204" pitchFamily="18" charset="0"/>
+                        </a:rPr>
+                        <m:t>)</m:t>
+                      </m:r>
+                    </m:oMath>
+                  </m:oMathPara>
+                </a14:m>
+                <a:endParaRPr kumimoji="1" lang="ja-JP" altLang="en-US" sz="2000" dirty="0">
+                  <a:solidFill>
+                    <a:schemeClr val="tx1"/>
+                  </a:solidFill>
+                </a:endParaRPr>
+              </a:p>
+            </p:txBody>
+          </p:sp>
+        </mc:Choice>
+        <mc:Fallback>
+          <p:sp>
+            <p:nvSpPr>
+              <p:cNvPr id="37" name="正方形/長方形 36">
+                <a:extLst>
+                  <a:ext uri="{FF2B5EF4-FFF2-40B4-BE49-F238E27FC236}">
+                    <a16:creationId xmlns:a16="http://schemas.microsoft.com/office/drawing/2014/main" id="{CC8ED526-EFBC-4223-BDF8-881E816DCF1D}"/>
+                  </a:ext>
+                </a:extLst>
+              </p:cNvPr>
+              <p:cNvSpPr>
+                <a:spLocks noRot="1" noChangeAspect="1" noMove="1" noResize="1" noEditPoints="1" noAdjustHandles="1" noChangeArrowheads="1" noChangeShapeType="1" noTextEdit="1"/>
+              </p:cNvSpPr>
+              <p:nvPr/>
+            </p:nvSpPr>
+            <p:spPr>
+              <a:xfrm>
+                <a:off x="1794339" y="7573737"/>
+                <a:ext cx="933956" cy="368202"/>
+              </a:xfrm>
+              <a:prstGeom prst="rect">
+                <a:avLst/>
+              </a:prstGeom>
+              <a:blipFill>
+                <a:blip r:embed="rId3"/>
+                <a:stretch>
+                  <a:fillRect l="-1282" b="-19048"/>
+                </a:stretch>
+              </a:blipFill>
+            </p:spPr>
+            <p:txBody>
+              <a:bodyPr/>
+              <a:lstStyle/>
+              <a:p>
+                <a:r>
+                  <a:rPr lang="ja-JP" altLang="en-US">
+                    <a:noFill/>
+                  </a:rPr>
+                  <a:t> </a:t>
+                </a:r>
+              </a:p>
+            </p:txBody>
+          </p:sp>
+        </mc:Fallback>
+      </mc:AlternateContent>
+      <p:sp>
+        <p:nvSpPr>
+          <p:cNvPr id="42" name="矢印: 右 41">
+            <a:extLst>
+              <a:ext uri="{FF2B5EF4-FFF2-40B4-BE49-F238E27FC236}">
+                <a16:creationId xmlns:a16="http://schemas.microsoft.com/office/drawing/2014/main" id="{4F238C26-425B-41E8-8348-A6775C5E9942}"/>
+              </a:ext>
+            </a:extLst>
+          </p:cNvPr>
+          <p:cNvSpPr/>
+          <p:nvPr/>
+        </p:nvSpPr>
+        <p:spPr>
+          <a:xfrm>
+            <a:off x="4907280" y="6689708"/>
+            <a:ext cx="936239" cy="350642"/>
+          </a:xfrm>
+          <a:prstGeom prst="rightArrow">
+            <a:avLst/>
+          </a:prstGeom>
+        </p:spPr>
+        <p:style>
+          <a:lnRef idx="2">
+            <a:schemeClr val="accent2">
+              <a:shade val="50000"/>
+            </a:schemeClr>
+          </a:lnRef>
+          <a:fillRef idx="1">
+            <a:schemeClr val="accent2"/>
+          </a:fillRef>
+          <a:effectRef idx="0">
+            <a:schemeClr val="accent2"/>
+          </a:effectRef>
+          <a:fontRef idx="minor">
+            <a:schemeClr val="lt1"/>
+          </a:fontRef>
+        </p:style>
+        <p:txBody>
+          <a:bodyPr rtlCol="0" anchor="ctr"/>
+          <a:lstStyle/>
+          <a:p>
+            <a:pPr algn="ctr"/>
+            <a:endParaRPr kumimoji="1" lang="ja-JP" altLang="en-US"/>
+          </a:p>
+        </p:txBody>
+      </p:sp>
+      <p:cxnSp>
+        <p:nvCxnSpPr>
+          <p:cNvPr id="44" name="直線コネクタ 43">
+            <a:extLst>
+              <a:ext uri="{FF2B5EF4-FFF2-40B4-BE49-F238E27FC236}">
+                <a16:creationId xmlns:a16="http://schemas.microsoft.com/office/drawing/2014/main" id="{CB6B6BDD-37C4-4EC8-BCFD-3EB534C7D434}"/>
+              </a:ext>
+            </a:extLst>
+          </p:cNvPr>
+          <p:cNvCxnSpPr>
+            <a:cxnSpLocks/>
+          </p:cNvCxnSpPr>
+          <p:nvPr/>
+        </p:nvCxnSpPr>
+        <p:spPr>
+          <a:xfrm>
+            <a:off x="6119129" y="5407538"/>
+            <a:ext cx="0" cy="2911707"/>
+          </a:xfrm>
+          <a:prstGeom prst="line">
+            <a:avLst/>
+          </a:prstGeom>
+          <a:ln w="38100"/>
+        </p:spPr>
+        <p:style>
+          <a:lnRef idx="1">
+            <a:schemeClr val="accent1"/>
+          </a:lnRef>
+          <a:fillRef idx="0">
+            <a:schemeClr val="accent1"/>
+          </a:fillRef>
+          <a:effectRef idx="0">
+            <a:schemeClr val="accent1"/>
+          </a:effectRef>
+          <a:fontRef idx="minor">
+            <a:schemeClr val="tx1"/>
+          </a:fontRef>
+        </p:style>
+      </p:cxnSp>
+      <p:cxnSp>
+        <p:nvCxnSpPr>
+          <p:cNvPr id="45" name="直線コネクタ 44">
+            <a:extLst>
+              <a:ext uri="{FF2B5EF4-FFF2-40B4-BE49-F238E27FC236}">
+                <a16:creationId xmlns:a16="http://schemas.microsoft.com/office/drawing/2014/main" id="{D9883699-C079-438D-959C-E6EB22C16ED0}"/>
+              </a:ext>
+            </a:extLst>
+          </p:cNvPr>
+          <p:cNvCxnSpPr>
+            <a:cxnSpLocks/>
+          </p:cNvCxnSpPr>
+          <p:nvPr/>
+        </p:nvCxnSpPr>
+        <p:spPr>
+          <a:xfrm flipH="1">
+            <a:off x="6119233" y="8282297"/>
+            <a:ext cx="4346528" cy="8326"/>
+          </a:xfrm>
+          <a:prstGeom prst="line">
+            <a:avLst/>
+          </a:prstGeom>
+          <a:ln w="38100"/>
+        </p:spPr>
+        <p:style>
+          <a:lnRef idx="1">
+            <a:schemeClr val="accent1"/>
+          </a:lnRef>
+          <a:fillRef idx="0">
+            <a:schemeClr val="accent1"/>
+          </a:fillRef>
+          <a:effectRef idx="0">
+            <a:schemeClr val="accent1"/>
+          </a:effectRef>
+          <a:fontRef idx="minor">
+            <a:schemeClr val="tx1"/>
+          </a:fontRef>
+        </p:style>
+      </p:cxnSp>
+      <p:cxnSp>
+        <p:nvCxnSpPr>
+          <p:cNvPr id="46" name="直線コネクタ 45">
+            <a:extLst>
+              <a:ext uri="{FF2B5EF4-FFF2-40B4-BE49-F238E27FC236}">
+                <a16:creationId xmlns:a16="http://schemas.microsoft.com/office/drawing/2014/main" id="{1B759436-14D7-41A8-9B3F-7CF401BE67B1}"/>
+              </a:ext>
+            </a:extLst>
+          </p:cNvPr>
+          <p:cNvCxnSpPr>
+            <a:cxnSpLocks/>
+          </p:cNvCxnSpPr>
+          <p:nvPr/>
+        </p:nvCxnSpPr>
+        <p:spPr>
+          <a:xfrm flipH="1">
+            <a:off x="6100138" y="5396189"/>
+            <a:ext cx="4365623" cy="1209"/>
+          </a:xfrm>
+          <a:prstGeom prst="line">
+            <a:avLst/>
+          </a:prstGeom>
+          <a:ln w="38100">
+            <a:solidFill>
+              <a:srgbClr val="4472C4">
+                <a:alpha val="49020"/>
+              </a:srgbClr>
+            </a:solidFill>
+          </a:ln>
+        </p:spPr>
+        <p:style>
+          <a:lnRef idx="1">
+            <a:schemeClr val="accent1"/>
+          </a:lnRef>
+          <a:fillRef idx="0">
+            <a:schemeClr val="accent1"/>
+          </a:fillRef>
+          <a:effectRef idx="0">
+            <a:schemeClr val="accent1"/>
+          </a:effectRef>
+          <a:fontRef idx="minor">
+            <a:schemeClr val="tx1"/>
+          </a:fontRef>
+        </p:style>
+      </p:cxnSp>
+      <p:cxnSp>
+        <p:nvCxnSpPr>
+          <p:cNvPr id="47" name="直線コネクタ 46">
+            <a:extLst>
+              <a:ext uri="{FF2B5EF4-FFF2-40B4-BE49-F238E27FC236}">
+                <a16:creationId xmlns:a16="http://schemas.microsoft.com/office/drawing/2014/main" id="{5242B0C2-13B0-481A-8965-0FF4380BA7A2}"/>
+              </a:ext>
+            </a:extLst>
+          </p:cNvPr>
+          <p:cNvCxnSpPr>
+            <a:cxnSpLocks/>
+          </p:cNvCxnSpPr>
+          <p:nvPr/>
+        </p:nvCxnSpPr>
+        <p:spPr>
+          <a:xfrm flipH="1">
+            <a:off x="6134998" y="5939908"/>
+            <a:ext cx="4330763" cy="10160"/>
+          </a:xfrm>
+          <a:prstGeom prst="line">
+            <a:avLst/>
+          </a:prstGeom>
+          <a:ln w="38100"/>
+        </p:spPr>
+        <p:style>
+          <a:lnRef idx="1">
+            <a:schemeClr val="accent1"/>
+          </a:lnRef>
+          <a:fillRef idx="0">
+            <a:schemeClr val="accent1"/>
+          </a:fillRef>
+          <a:effectRef idx="0">
+            <a:schemeClr val="accent1"/>
+          </a:effectRef>
+          <a:fontRef idx="minor">
+            <a:schemeClr val="tx1"/>
+          </a:fontRef>
+        </p:style>
+      </p:cxnSp>
+      <p:cxnSp>
+        <p:nvCxnSpPr>
+          <p:cNvPr id="48" name="直線コネクタ 47">
+            <a:extLst>
+              <a:ext uri="{FF2B5EF4-FFF2-40B4-BE49-F238E27FC236}">
+                <a16:creationId xmlns:a16="http://schemas.microsoft.com/office/drawing/2014/main" id="{7DEB34A4-C376-4BF9-8260-FDB48BC46407}"/>
+              </a:ext>
+            </a:extLst>
+          </p:cNvPr>
+          <p:cNvCxnSpPr>
+            <a:cxnSpLocks/>
+          </p:cNvCxnSpPr>
+          <p:nvPr/>
+        </p:nvCxnSpPr>
+        <p:spPr>
+          <a:xfrm flipH="1">
+            <a:off x="6119027" y="6675120"/>
+            <a:ext cx="4327742" cy="13058"/>
+          </a:xfrm>
+          <a:prstGeom prst="line">
+            <a:avLst/>
+          </a:prstGeom>
+          <a:ln w="38100">
+            <a:prstDash val="sysDash"/>
+          </a:ln>
+        </p:spPr>
+        <p:style>
+          <a:lnRef idx="1">
+            <a:schemeClr val="accent1"/>
+          </a:lnRef>
+          <a:fillRef idx="0">
+            <a:schemeClr val="accent1"/>
+          </a:fillRef>
+          <a:effectRef idx="0">
+            <a:schemeClr val="accent1"/>
+          </a:effectRef>
+          <a:fontRef idx="minor">
+            <a:schemeClr val="tx1"/>
+          </a:fontRef>
+        </p:style>
+      </p:cxnSp>
+      <p:sp>
+        <p:nvSpPr>
+          <p:cNvPr id="49" name="矢印: 下 48">
+            <a:extLst>
+              <a:ext uri="{FF2B5EF4-FFF2-40B4-BE49-F238E27FC236}">
+                <a16:creationId xmlns:a16="http://schemas.microsoft.com/office/drawing/2014/main" id="{593A3084-DE87-4219-B803-0AE2A749418A}"/>
+              </a:ext>
+            </a:extLst>
+          </p:cNvPr>
+          <p:cNvSpPr/>
+          <p:nvPr/>
+        </p:nvSpPr>
+        <p:spPr>
+          <a:xfrm rot="10800000">
+            <a:off x="6741732" y="5938676"/>
+            <a:ext cx="338206" cy="2349139"/>
+          </a:xfrm>
+          <a:prstGeom prst="downArrow">
+            <a:avLst/>
+          </a:prstGeom>
+        </p:spPr>
+        <p:style>
+          <a:lnRef idx="2">
+            <a:schemeClr val="accent1">
+              <a:shade val="50000"/>
+            </a:schemeClr>
+          </a:lnRef>
+          <a:fillRef idx="1">
+            <a:schemeClr val="accent1"/>
+          </a:fillRef>
+          <a:effectRef idx="0">
+            <a:schemeClr val="accent1"/>
+          </a:effectRef>
+          <a:fontRef idx="minor">
+            <a:schemeClr val="lt1"/>
+          </a:fontRef>
+        </p:style>
+        <p:txBody>
+          <a:bodyPr rtlCol="0" anchor="ctr"/>
+          <a:lstStyle/>
+          <a:p>
+            <a:pPr algn="ctr"/>
+            <a:endParaRPr kumimoji="1" lang="ja-JP" altLang="en-US" sz="1200"/>
+          </a:p>
+        </p:txBody>
+      </p:sp>
+      <mc:AlternateContent xmlns:mc="http://schemas.openxmlformats.org/markup-compatibility/2006">
+        <mc:Choice xmlns:a14="http://schemas.microsoft.com/office/drawing/2010/main" Requires="a14">
+          <p:sp>
+            <p:nvSpPr>
+              <p:cNvPr id="50" name="正方形/長方形 49">
+                <a:extLst>
+                  <a:ext uri="{FF2B5EF4-FFF2-40B4-BE49-F238E27FC236}">
+                    <a16:creationId xmlns:a16="http://schemas.microsoft.com/office/drawing/2014/main" id="{2DC2D56F-6373-4963-ABF0-DA63CC687119}"/>
+                  </a:ext>
+                </a:extLst>
+              </p:cNvPr>
+              <p:cNvSpPr/>
+              <p:nvPr/>
+            </p:nvSpPr>
+            <p:spPr>
+              <a:xfrm>
+                <a:off x="6238973" y="7571945"/>
+                <a:ext cx="1226258" cy="368202"/>
+              </a:xfrm>
+              <a:prstGeom prst="rect">
+                <a:avLst/>
+              </a:prstGeom>
+              <a:solidFill>
+                <a:schemeClr val="bg1"/>
+              </a:solidFill>
+            </p:spPr>
+            <p:style>
+              <a:lnRef idx="2">
+                <a:schemeClr val="accent1">
+                  <a:shade val="50000"/>
+                </a:schemeClr>
+              </a:lnRef>
+              <a:fillRef idx="1">
+                <a:schemeClr val="accent1"/>
+              </a:fillRef>
+              <a:effectRef idx="0">
+                <a:schemeClr val="accent1"/>
+              </a:effectRef>
+              <a:fontRef idx="minor">
+                <a:schemeClr val="lt1"/>
+              </a:fontRef>
+            </p:style>
+            <p:txBody>
+              <a:bodyPr rtlCol="0" anchor="ctr"/>
+              <a:lstStyle/>
+              <a:p>
+                <a:pPr algn="ctr"/>
+                <a14:m>
+                  <m:oMathPara xmlns:m="http://schemas.openxmlformats.org/officeDocument/2006/math">
+                    <m:oMathParaPr>
+                      <m:jc m:val="centerGroup"/>
+                    </m:oMathParaPr>
+                    <m:oMath xmlns:m="http://schemas.openxmlformats.org/officeDocument/2006/math">
+                      <m:r>
+                        <a:rPr kumimoji="1" lang="en-US" altLang="ja-JP" sz="2000" b="0" i="1" smtClean="0">
+                          <a:solidFill>
+                            <a:schemeClr val="tx1"/>
+                          </a:solidFill>
+                          <a:latin typeface="Cambria Math" panose="02040503050406030204" pitchFamily="18" charset="0"/>
+                        </a:rPr>
+                        <m:t>𝑙𝑜𝑔𝑝</m:t>
+                      </m:r>
+                      <m:r>
+                        <a:rPr kumimoji="1" lang="en-US" altLang="ja-JP" sz="2000" b="0" i="1" smtClean="0">
+                          <a:solidFill>
+                            <a:schemeClr val="tx1"/>
+                          </a:solidFill>
+                          <a:latin typeface="Cambria Math" panose="02040503050406030204" pitchFamily="18" charset="0"/>
+                        </a:rPr>
+                        <m:t>(</m:t>
+                      </m:r>
+                      <m:r>
+                        <a:rPr kumimoji="1" lang="en-US" altLang="ja-JP" sz="2000" b="0" i="1" smtClean="0">
+                          <a:solidFill>
+                            <a:schemeClr val="tx1"/>
+                          </a:solidFill>
+                          <a:latin typeface="Cambria Math" panose="02040503050406030204" pitchFamily="18" charset="0"/>
+                        </a:rPr>
+                        <m:t>𝑥</m:t>
+                      </m:r>
+                      <m:r>
+                        <a:rPr kumimoji="1" lang="en-US" altLang="ja-JP" sz="2000" b="0" i="1" smtClean="0">
+                          <a:solidFill>
+                            <a:schemeClr val="tx1"/>
+                          </a:solidFill>
+                          <a:latin typeface="Cambria Math" panose="02040503050406030204" pitchFamily="18" charset="0"/>
+                        </a:rPr>
+                        <m:t>|</m:t>
+                      </m:r>
+                      <m:r>
+                        <a:rPr kumimoji="1" lang="en-US" altLang="ja-JP" sz="2000" b="0" i="1" smtClean="0">
+                          <a:solidFill>
+                            <a:schemeClr val="tx1"/>
+                          </a:solidFill>
+                          <a:latin typeface="Cambria Math" panose="02040503050406030204" pitchFamily="18" charset="0"/>
+                        </a:rPr>
+                        <m:t>𝜃</m:t>
+                      </m:r>
+                      <m:r>
+                        <a:rPr kumimoji="1" lang="en-US" altLang="ja-JP" sz="2000" b="0" i="1" smtClean="0">
+                          <a:solidFill>
+                            <a:schemeClr val="tx1"/>
+                          </a:solidFill>
+                          <a:latin typeface="Cambria Math" panose="02040503050406030204" pitchFamily="18" charset="0"/>
+                        </a:rPr>
+                        <m:t>)</m:t>
+                      </m:r>
+                    </m:oMath>
+                  </m:oMathPara>
+                </a14:m>
+                <a:endParaRPr kumimoji="1" lang="ja-JP" altLang="en-US" sz="2000" dirty="0">
+                  <a:solidFill>
+                    <a:schemeClr val="tx1"/>
+                  </a:solidFill>
+                </a:endParaRPr>
+              </a:p>
+            </p:txBody>
+          </p:sp>
+        </mc:Choice>
+        <mc:Fallback>
+          <p:sp>
+            <p:nvSpPr>
+              <p:cNvPr id="50" name="正方形/長方形 49">
+                <a:extLst>
+                  <a:ext uri="{FF2B5EF4-FFF2-40B4-BE49-F238E27FC236}">
+                    <a16:creationId xmlns:a16="http://schemas.microsoft.com/office/drawing/2014/main" id="{2DC2D56F-6373-4963-ABF0-DA63CC687119}"/>
+                  </a:ext>
+                </a:extLst>
+              </p:cNvPr>
+              <p:cNvSpPr>
+                <a:spLocks noRot="1" noChangeAspect="1" noMove="1" noResize="1" noEditPoints="1" noAdjustHandles="1" noChangeArrowheads="1" noChangeShapeType="1" noTextEdit="1"/>
+              </p:cNvSpPr>
+              <p:nvPr/>
+            </p:nvSpPr>
+            <p:spPr>
+              <a:xfrm>
+                <a:off x="6238973" y="7571945"/>
+                <a:ext cx="1226258" cy="368202"/>
+              </a:xfrm>
+              <a:prstGeom prst="rect">
+                <a:avLst/>
+              </a:prstGeom>
+              <a:blipFill>
+                <a:blip r:embed="rId2"/>
+                <a:stretch>
+                  <a:fillRect l="-5882" r="-1471" b="-17460"/>
+                </a:stretch>
+              </a:blipFill>
+            </p:spPr>
+            <p:txBody>
+              <a:bodyPr/>
+              <a:lstStyle/>
+              <a:p>
+                <a:r>
+                  <a:rPr lang="ja-JP" altLang="en-US">
+                    <a:noFill/>
+                  </a:rPr>
+                  <a:t> </a:t>
+                </a:r>
+              </a:p>
+            </p:txBody>
+          </p:sp>
+        </mc:Fallback>
+      </mc:AlternateContent>
+      <p:sp>
+        <p:nvSpPr>
+          <p:cNvPr id="51" name="矢印: 下 50">
+            <a:extLst>
+              <a:ext uri="{FF2B5EF4-FFF2-40B4-BE49-F238E27FC236}">
+                <a16:creationId xmlns:a16="http://schemas.microsoft.com/office/drawing/2014/main" id="{15BDABFC-8A63-4728-87BD-8750B97B71A8}"/>
+              </a:ext>
+            </a:extLst>
+          </p:cNvPr>
+          <p:cNvSpPr/>
+          <p:nvPr/>
+        </p:nvSpPr>
+        <p:spPr>
+          <a:xfrm rot="10800000">
+            <a:off x="7850524" y="6689708"/>
+            <a:ext cx="338206" cy="1587070"/>
+          </a:xfrm>
+          <a:prstGeom prst="downArrow">
+            <a:avLst/>
+          </a:prstGeom>
+        </p:spPr>
+        <p:style>
+          <a:lnRef idx="2">
+            <a:schemeClr val="accent1">
+              <a:shade val="50000"/>
+            </a:schemeClr>
+          </a:lnRef>
+          <a:fillRef idx="1">
+            <a:schemeClr val="accent1"/>
+          </a:fillRef>
+          <a:effectRef idx="0">
+            <a:schemeClr val="accent1"/>
+          </a:effectRef>
+          <a:fontRef idx="minor">
+            <a:schemeClr val="lt1"/>
+          </a:fontRef>
+        </p:style>
+        <p:txBody>
+          <a:bodyPr rtlCol="0" anchor="ctr"/>
+          <a:lstStyle/>
+          <a:p>
+            <a:pPr algn="ctr"/>
+            <a:endParaRPr kumimoji="1" lang="ja-JP" altLang="en-US" sz="1200"/>
+          </a:p>
+        </p:txBody>
+      </p:sp>
+      <mc:AlternateContent xmlns:mc="http://schemas.openxmlformats.org/markup-compatibility/2006">
+        <mc:Choice xmlns:a14="http://schemas.microsoft.com/office/drawing/2010/main" Requires="a14">
+          <p:sp>
+            <p:nvSpPr>
+              <p:cNvPr id="52" name="正方形/長方形 51">
+                <a:extLst>
+                  <a:ext uri="{FF2B5EF4-FFF2-40B4-BE49-F238E27FC236}">
+                    <a16:creationId xmlns:a16="http://schemas.microsoft.com/office/drawing/2014/main" id="{82314CC0-61AF-4EEC-BD69-FFC4E7C9FCCD}"/>
+                  </a:ext>
+                </a:extLst>
+              </p:cNvPr>
+              <p:cNvSpPr/>
+              <p:nvPr/>
+            </p:nvSpPr>
+            <p:spPr>
+              <a:xfrm>
+                <a:off x="7555059" y="7573737"/>
+                <a:ext cx="933956" cy="368202"/>
+              </a:xfrm>
+              <a:prstGeom prst="rect">
+                <a:avLst/>
+              </a:prstGeom>
+              <a:solidFill>
+                <a:schemeClr val="bg1"/>
+              </a:solidFill>
+            </p:spPr>
+            <p:style>
+              <a:lnRef idx="2">
+                <a:schemeClr val="accent1">
+                  <a:shade val="50000"/>
+                </a:schemeClr>
+              </a:lnRef>
+              <a:fillRef idx="1">
+                <a:schemeClr val="accent1"/>
+              </a:fillRef>
+              <a:effectRef idx="0">
+                <a:schemeClr val="accent1"/>
+              </a:effectRef>
+              <a:fontRef idx="minor">
+                <a:schemeClr val="lt1"/>
+              </a:fontRef>
+            </p:style>
+            <p:txBody>
+              <a:bodyPr rtlCol="0" anchor="ctr"/>
+              <a:lstStyle/>
+              <a:p>
+                <a:pPr algn="ctr"/>
+                <a14:m>
+                  <m:oMathPara xmlns:m="http://schemas.openxmlformats.org/officeDocument/2006/math">
+                    <m:oMathParaPr>
+                      <m:jc m:val="centerGroup"/>
+                    </m:oMathParaPr>
+                    <m:oMath xmlns:m="http://schemas.openxmlformats.org/officeDocument/2006/math">
+                      <m:r>
+                        <a:rPr kumimoji="1" lang="en-US" altLang="ja-JP" sz="2000" b="0" i="1" smtClean="0">
+                          <a:solidFill>
+                            <a:schemeClr val="tx1"/>
+                          </a:solidFill>
+                          <a:latin typeface="Cambria Math" panose="02040503050406030204" pitchFamily="18" charset="0"/>
+                        </a:rPr>
+                        <m:t>𝐿</m:t>
+                      </m:r>
+                      <m:r>
+                        <a:rPr kumimoji="1" lang="en-US" altLang="ja-JP" sz="2000" b="0" i="1" smtClean="0">
+                          <a:solidFill>
+                            <a:schemeClr val="tx1"/>
+                          </a:solidFill>
+                          <a:latin typeface="Cambria Math" panose="02040503050406030204" pitchFamily="18" charset="0"/>
+                        </a:rPr>
+                        <m:t>(</m:t>
+                      </m:r>
+                      <m:r>
+                        <a:rPr kumimoji="1" lang="en-US" altLang="ja-JP" sz="2000" b="0" i="1" smtClean="0">
+                          <a:solidFill>
+                            <a:schemeClr val="tx1"/>
+                          </a:solidFill>
+                          <a:latin typeface="Cambria Math" panose="02040503050406030204" pitchFamily="18" charset="0"/>
+                        </a:rPr>
+                        <m:t>𝑞</m:t>
+                      </m:r>
+                      <m:r>
+                        <a:rPr kumimoji="1" lang="en-US" altLang="ja-JP" sz="2000" b="0" i="1" smtClean="0">
+                          <a:solidFill>
+                            <a:schemeClr val="tx1"/>
+                          </a:solidFill>
+                          <a:latin typeface="Cambria Math" panose="02040503050406030204" pitchFamily="18" charset="0"/>
+                        </a:rPr>
+                        <m:t>,</m:t>
+                      </m:r>
+                      <m:r>
+                        <a:rPr kumimoji="1" lang="en-US" altLang="ja-JP" sz="2000" b="0" i="1" smtClean="0">
+                          <a:solidFill>
+                            <a:schemeClr val="tx1"/>
+                          </a:solidFill>
+                          <a:latin typeface="Cambria Math" panose="02040503050406030204" pitchFamily="18" charset="0"/>
+                        </a:rPr>
+                        <m:t>𝜃</m:t>
+                      </m:r>
+                      <m:r>
+                        <a:rPr kumimoji="1" lang="en-US" altLang="ja-JP" sz="2000" b="0" i="1" smtClean="0">
+                          <a:solidFill>
+                            <a:schemeClr val="tx1"/>
+                          </a:solidFill>
+                          <a:latin typeface="Cambria Math" panose="02040503050406030204" pitchFamily="18" charset="0"/>
+                        </a:rPr>
+                        <m:t>)</m:t>
+                      </m:r>
+                    </m:oMath>
+                  </m:oMathPara>
+                </a14:m>
+                <a:endParaRPr kumimoji="1" lang="ja-JP" altLang="en-US" sz="2000" dirty="0">
+                  <a:solidFill>
+                    <a:schemeClr val="tx1"/>
+                  </a:solidFill>
+                </a:endParaRPr>
+              </a:p>
+            </p:txBody>
+          </p:sp>
+        </mc:Choice>
+        <mc:Fallback>
+          <p:sp>
+            <p:nvSpPr>
+              <p:cNvPr id="52" name="正方形/長方形 51">
+                <a:extLst>
+                  <a:ext uri="{FF2B5EF4-FFF2-40B4-BE49-F238E27FC236}">
+                    <a16:creationId xmlns:a16="http://schemas.microsoft.com/office/drawing/2014/main" id="{82314CC0-61AF-4EEC-BD69-FFC4E7C9FCCD}"/>
+                  </a:ext>
+                </a:extLst>
+              </p:cNvPr>
+              <p:cNvSpPr>
+                <a:spLocks noRot="1" noChangeAspect="1" noMove="1" noResize="1" noEditPoints="1" noAdjustHandles="1" noChangeArrowheads="1" noChangeShapeType="1" noTextEdit="1"/>
+              </p:cNvSpPr>
+              <p:nvPr/>
+            </p:nvSpPr>
+            <p:spPr>
+              <a:xfrm>
+                <a:off x="7555059" y="7573737"/>
+                <a:ext cx="933956" cy="368202"/>
+              </a:xfrm>
+              <a:prstGeom prst="rect">
+                <a:avLst/>
+              </a:prstGeom>
+              <a:blipFill>
+                <a:blip r:embed="rId3"/>
+                <a:stretch>
+                  <a:fillRect l="-1282" b="-19048"/>
+                </a:stretch>
+              </a:blipFill>
+            </p:spPr>
+            <p:txBody>
+              <a:bodyPr/>
+              <a:lstStyle/>
+              <a:p>
+                <a:r>
+                  <a:rPr lang="ja-JP" altLang="en-US">
+                    <a:noFill/>
+                  </a:rPr>
+                  <a:t> </a:t>
+                </a:r>
+              </a:p>
+            </p:txBody>
+          </p:sp>
+        </mc:Fallback>
+      </mc:AlternateContent>
+      <p:sp>
+        <p:nvSpPr>
+          <p:cNvPr id="53" name="矢印: 上下 52">
+            <a:extLst>
+              <a:ext uri="{FF2B5EF4-FFF2-40B4-BE49-F238E27FC236}">
+                <a16:creationId xmlns:a16="http://schemas.microsoft.com/office/drawing/2014/main" id="{522858B0-7E09-4F4F-8803-176F5A714A9D}"/>
+              </a:ext>
+            </a:extLst>
+          </p:cNvPr>
+          <p:cNvSpPr/>
+          <p:nvPr/>
+        </p:nvSpPr>
+        <p:spPr>
+          <a:xfrm>
+            <a:off x="7845791" y="5953760"/>
+            <a:ext cx="338207" cy="716482"/>
+          </a:xfrm>
+          <a:prstGeom prst="upDownArrow">
+            <a:avLst/>
+          </a:prstGeom>
+        </p:spPr>
+        <p:style>
+          <a:lnRef idx="2">
+            <a:schemeClr val="accent2">
+              <a:shade val="50000"/>
+            </a:schemeClr>
+          </a:lnRef>
+          <a:fillRef idx="1">
+            <a:schemeClr val="accent2"/>
+          </a:fillRef>
+          <a:effectRef idx="0">
+            <a:schemeClr val="accent2"/>
+          </a:effectRef>
+          <a:fontRef idx="minor">
+            <a:schemeClr val="lt1"/>
+          </a:fontRef>
+        </p:style>
+        <p:txBody>
+          <a:bodyPr rtlCol="0" anchor="ctr"/>
+          <a:lstStyle/>
+          <a:p>
+            <a:pPr algn="ctr"/>
+            <a:endParaRPr kumimoji="1" lang="ja-JP" altLang="en-US" sz="1200"/>
+          </a:p>
+        </p:txBody>
+      </p:sp>
+      <mc:AlternateContent xmlns:mc="http://schemas.openxmlformats.org/markup-compatibility/2006">
+        <mc:Choice xmlns:a14="http://schemas.microsoft.com/office/drawing/2010/main" Requires="a14">
+          <p:sp>
+            <p:nvSpPr>
+              <p:cNvPr id="54" name="正方形/長方形 53">
+                <a:extLst>
+                  <a:ext uri="{FF2B5EF4-FFF2-40B4-BE49-F238E27FC236}">
+                    <a16:creationId xmlns:a16="http://schemas.microsoft.com/office/drawing/2014/main" id="{6AD4269E-8637-45A1-885E-8D2ED576BEB5}"/>
+                  </a:ext>
+                </a:extLst>
+              </p:cNvPr>
+              <p:cNvSpPr/>
+              <p:nvPr/>
+            </p:nvSpPr>
+            <p:spPr>
+              <a:xfrm>
+                <a:off x="6837978" y="6176506"/>
+                <a:ext cx="2427942" cy="350642"/>
+              </a:xfrm>
+              <a:prstGeom prst="rect">
+                <a:avLst/>
+              </a:prstGeom>
+              <a:solidFill>
+                <a:schemeClr val="bg1"/>
+              </a:solidFill>
+              <a:ln>
+                <a:solidFill>
+                  <a:schemeClr val="accent2"/>
+                </a:solidFill>
+              </a:ln>
+            </p:spPr>
+            <p:style>
+              <a:lnRef idx="2">
+                <a:schemeClr val="accent1">
+                  <a:shade val="50000"/>
+                </a:schemeClr>
+              </a:lnRef>
+              <a:fillRef idx="1">
+                <a:schemeClr val="accent1"/>
+              </a:fillRef>
+              <a:effectRef idx="0">
+                <a:schemeClr val="accent1"/>
+              </a:effectRef>
+              <a:fontRef idx="minor">
+                <a:schemeClr val="lt1"/>
+              </a:fontRef>
+            </p:style>
+            <p:txBody>
+              <a:bodyPr rtlCol="0" anchor="ctr"/>
+              <a:lstStyle/>
+              <a:p>
+                <a:pPr algn="ctr"/>
+                <a14:m>
+                  <m:oMathPara xmlns:m="http://schemas.openxmlformats.org/officeDocument/2006/math">
+                    <m:oMathParaPr>
+                      <m:jc m:val="centerGroup"/>
+                    </m:oMathParaPr>
+                    <m:oMath xmlns:m="http://schemas.openxmlformats.org/officeDocument/2006/math">
+                      <m:r>
+                        <a:rPr kumimoji="1" lang="en-US" altLang="ja-JP" sz="2000" b="1" i="1" smtClean="0">
+                          <a:solidFill>
+                            <a:schemeClr val="tx1"/>
+                          </a:solidFill>
+                          <a:latin typeface="Cambria Math" panose="02040503050406030204" pitchFamily="18" charset="0"/>
+                        </a:rPr>
+                        <m:t>𝑲𝑳</m:t>
+                      </m:r>
+                      <m:r>
+                        <a:rPr kumimoji="1" lang="en-US" altLang="ja-JP" sz="2000" b="1" i="1" smtClean="0">
+                          <a:solidFill>
+                            <a:schemeClr val="tx1"/>
+                          </a:solidFill>
+                          <a:latin typeface="Cambria Math" panose="02040503050406030204" pitchFamily="18" charset="0"/>
+                        </a:rPr>
+                        <m:t>[</m:t>
+                      </m:r>
+                      <m:r>
+                        <a:rPr kumimoji="1" lang="en-US" altLang="ja-JP" sz="2000" b="1" i="1" smtClean="0">
+                          <a:solidFill>
+                            <a:schemeClr val="tx1"/>
+                          </a:solidFill>
+                          <a:latin typeface="Cambria Math" panose="02040503050406030204" pitchFamily="18" charset="0"/>
+                        </a:rPr>
+                        <m:t>𝒒</m:t>
+                      </m:r>
+                      <m:r>
+                        <a:rPr kumimoji="1" lang="en-US" altLang="ja-JP" sz="2000" b="1" i="1" smtClean="0">
+                          <a:solidFill>
+                            <a:schemeClr val="tx1"/>
+                          </a:solidFill>
+                          <a:latin typeface="Cambria Math" panose="02040503050406030204" pitchFamily="18" charset="0"/>
+                        </a:rPr>
+                        <m:t>(</m:t>
+                      </m:r>
+                      <m:r>
+                        <a:rPr kumimoji="1" lang="en-US" altLang="ja-JP" sz="2000" b="1" i="1" smtClean="0">
+                          <a:solidFill>
+                            <a:schemeClr val="tx1"/>
+                          </a:solidFill>
+                          <a:latin typeface="Cambria Math" panose="02040503050406030204" pitchFamily="18" charset="0"/>
+                        </a:rPr>
+                        <m:t>𝒛</m:t>
+                      </m:r>
+                      <m:r>
+                        <a:rPr kumimoji="1" lang="en-US" altLang="ja-JP" sz="2000" b="1" i="1" smtClean="0">
+                          <a:solidFill>
+                            <a:schemeClr val="tx1"/>
+                          </a:solidFill>
+                          <a:latin typeface="Cambria Math" panose="02040503050406030204" pitchFamily="18" charset="0"/>
+                        </a:rPr>
+                        <m:t>)||</m:t>
+                      </m:r>
+                      <m:r>
+                        <a:rPr kumimoji="1" lang="en-US" altLang="ja-JP" sz="2000" b="1" i="1" smtClean="0">
+                          <a:solidFill>
+                            <a:schemeClr val="tx1"/>
+                          </a:solidFill>
+                          <a:latin typeface="Cambria Math" panose="02040503050406030204" pitchFamily="18" charset="0"/>
+                        </a:rPr>
+                        <m:t>𝒑</m:t>
+                      </m:r>
+                      <m:d>
+                        <m:dPr>
+                          <m:ctrlPr>
+                            <a:rPr kumimoji="1" lang="en-US" altLang="ja-JP" sz="2000" b="1" i="1" smtClean="0">
+                              <a:solidFill>
+                                <a:schemeClr val="tx1"/>
+                              </a:solidFill>
+                              <a:latin typeface="Cambria Math" panose="02040503050406030204" pitchFamily="18" charset="0"/>
+                            </a:rPr>
+                          </m:ctrlPr>
+                        </m:dPr>
+                        <m:e>
+                          <m:r>
+                            <a:rPr kumimoji="1" lang="en-US" altLang="ja-JP" sz="2000" b="1" i="1" smtClean="0">
+                              <a:solidFill>
+                                <a:schemeClr val="tx1"/>
+                              </a:solidFill>
+                              <a:latin typeface="Cambria Math" panose="02040503050406030204" pitchFamily="18" charset="0"/>
+                            </a:rPr>
+                            <m:t>𝒛</m:t>
+                          </m:r>
+                        </m:e>
+                        <m:e>
+                          <m:r>
+                            <a:rPr kumimoji="1" lang="en-US" altLang="ja-JP" sz="2000" b="1" i="1" smtClean="0">
+                              <a:solidFill>
+                                <a:schemeClr val="tx1"/>
+                              </a:solidFill>
+                              <a:latin typeface="Cambria Math" panose="02040503050406030204" pitchFamily="18" charset="0"/>
+                            </a:rPr>
+                            <m:t>𝒙</m:t>
+                          </m:r>
+                          <m:r>
+                            <a:rPr kumimoji="1" lang="en-US" altLang="ja-JP" sz="2000" b="1" i="1" smtClean="0">
+                              <a:solidFill>
+                                <a:schemeClr val="tx1"/>
+                              </a:solidFill>
+                              <a:latin typeface="Cambria Math" panose="02040503050406030204" pitchFamily="18" charset="0"/>
+                            </a:rPr>
+                            <m:t>,</m:t>
+                          </m:r>
+                          <m:r>
+                            <a:rPr kumimoji="1" lang="en-US" altLang="ja-JP" sz="2000" b="1" i="1" smtClean="0">
+                              <a:solidFill>
+                                <a:schemeClr val="tx1"/>
+                              </a:solidFill>
+                              <a:latin typeface="Cambria Math" panose="02040503050406030204" pitchFamily="18" charset="0"/>
+                            </a:rPr>
+                            <m:t>𝜽</m:t>
+                          </m:r>
+                        </m:e>
+                      </m:d>
+                      <m:r>
+                        <a:rPr kumimoji="1" lang="en-US" altLang="ja-JP" sz="2000" b="1" i="1" smtClean="0">
+                          <a:solidFill>
+                            <a:schemeClr val="tx1"/>
+                          </a:solidFill>
+                          <a:latin typeface="Cambria Math" panose="02040503050406030204" pitchFamily="18" charset="0"/>
+                        </a:rPr>
+                        <m:t>]</m:t>
+                      </m:r>
+                    </m:oMath>
+                  </m:oMathPara>
+                </a14:m>
+                <a:endParaRPr kumimoji="1" lang="ja-JP" altLang="en-US" sz="2000" b="1" dirty="0">
+                  <a:solidFill>
+                    <a:schemeClr val="tx1"/>
+                  </a:solidFill>
+                </a:endParaRPr>
+              </a:p>
+            </p:txBody>
+          </p:sp>
+        </mc:Choice>
+        <mc:Fallback>
+          <p:sp>
+            <p:nvSpPr>
+              <p:cNvPr id="54" name="正方形/長方形 53">
+                <a:extLst>
+                  <a:ext uri="{FF2B5EF4-FFF2-40B4-BE49-F238E27FC236}">
+                    <a16:creationId xmlns:a16="http://schemas.microsoft.com/office/drawing/2014/main" id="{6AD4269E-8637-45A1-885E-8D2ED576BEB5}"/>
+                  </a:ext>
+                </a:extLst>
+              </p:cNvPr>
+              <p:cNvSpPr>
+                <a:spLocks noRot="1" noChangeAspect="1" noMove="1" noResize="1" noEditPoints="1" noAdjustHandles="1" noChangeArrowheads="1" noChangeShapeType="1" noTextEdit="1"/>
+              </p:cNvSpPr>
+              <p:nvPr/>
+            </p:nvSpPr>
+            <p:spPr>
+              <a:xfrm>
+                <a:off x="6837978" y="6176506"/>
+                <a:ext cx="2427942" cy="350642"/>
+              </a:xfrm>
+              <a:prstGeom prst="rect">
+                <a:avLst/>
+              </a:prstGeom>
+              <a:blipFill>
+                <a:blip r:embed="rId4"/>
+                <a:stretch>
+                  <a:fillRect b="-21667"/>
+                </a:stretch>
+              </a:blipFill>
+              <a:ln>
+                <a:solidFill>
+                  <a:schemeClr val="accent2"/>
+                </a:solidFill>
+              </a:ln>
+            </p:spPr>
+            <p:txBody>
+              <a:bodyPr/>
+              <a:lstStyle/>
+              <a:p>
+                <a:r>
+                  <a:rPr lang="ja-JP" altLang="en-US">
+                    <a:noFill/>
+                  </a:rPr>
+                  <a:t> </a:t>
+                </a:r>
+              </a:p>
+            </p:txBody>
+          </p:sp>
+        </mc:Fallback>
+      </mc:AlternateContent>
+    </p:spTree>
+    <p:extLst>
+      <p:ext uri="{BB962C8B-B14F-4D97-AF65-F5344CB8AC3E}">
+        <p14:creationId xmlns:p14="http://schemas.microsoft.com/office/powerpoint/2010/main" val="3616839652"/>
       </p:ext>
     </p:extLst>
   </p:cSld>
@@ -11605,8 +16345,8 @@
           <a:chExt cx="0" cy="0"/>
         </a:xfrm>
       </p:grpSpPr>
-      <mc:AlternateContent xmlns:mc="http://schemas.openxmlformats.org/markup-compatibility/2006">
-        <mc:Choice xmlns:a14="http://schemas.microsoft.com/office/drawing/2010/main" Requires="a14">
+      <mc:AlternateContent xmlns:mc="http://schemas.openxmlformats.org/markup-compatibility/2006" xmlns:a14="http://schemas.microsoft.com/office/drawing/2010/main">
+        <mc:Choice Requires="a14">
           <p:sp>
             <p:nvSpPr>
               <p:cNvPr id="5" name="テキスト ボックス 4">
@@ -11635,6 +16375,7 @@
               </a:bodyPr>
               <a:lstStyle/>
               <a:p>
+                <a:pPr/>
                 <a14:m>
                   <m:oMathPara xmlns:m="http://schemas.openxmlformats.org/officeDocument/2006/math">
                     <m:oMathParaPr>
@@ -11674,7 +16415,7 @@
             </p:txBody>
           </p:sp>
         </mc:Choice>
-        <mc:Fallback>
+        <mc:Fallback xmlns="">
           <p:sp>
             <p:nvSpPr>
               <p:cNvPr id="5" name="テキスト ボックス 4">
@@ -11719,8 +16460,8 @@
           </p:sp>
         </mc:Fallback>
       </mc:AlternateContent>
-      <mc:AlternateContent xmlns:mc="http://schemas.openxmlformats.org/markup-compatibility/2006">
-        <mc:Choice xmlns:a14="http://schemas.microsoft.com/office/drawing/2010/main" Requires="a14">
+      <mc:AlternateContent xmlns:mc="http://schemas.openxmlformats.org/markup-compatibility/2006" xmlns:a14="http://schemas.microsoft.com/office/drawing/2010/main">
+        <mc:Choice Requires="a14">
           <p:sp>
             <p:nvSpPr>
               <p:cNvPr id="8" name="テキスト ボックス 7">
@@ -11749,6 +16490,7 @@
               </a:bodyPr>
               <a:lstStyle/>
               <a:p>
+                <a:pPr/>
                 <a14:m>
                   <m:oMathPara xmlns:m="http://schemas.openxmlformats.org/officeDocument/2006/math">
                     <m:oMathParaPr>
@@ -11788,7 +16530,7 @@
             </p:txBody>
           </p:sp>
         </mc:Choice>
-        <mc:Fallback>
+        <mc:Fallback xmlns="">
           <p:sp>
             <p:nvSpPr>
               <p:cNvPr id="8" name="テキスト ボックス 7">
@@ -12285,8 +17027,8 @@
           </a:p>
         </p:txBody>
       </p:sp>
-      <mc:AlternateContent xmlns:mc="http://schemas.openxmlformats.org/markup-compatibility/2006">
-        <mc:Choice xmlns:a14="http://schemas.microsoft.com/office/drawing/2010/main" Requires="a14">
+      <mc:AlternateContent xmlns:mc="http://schemas.openxmlformats.org/markup-compatibility/2006" xmlns:a14="http://schemas.microsoft.com/office/drawing/2010/main">
+        <mc:Choice Requires="a14">
           <p:sp>
             <p:nvSpPr>
               <p:cNvPr id="24" name="吹き出し: 四角形 23">
@@ -12396,7 +17138,7 @@
             </p:txBody>
           </p:sp>
         </mc:Choice>
-        <mc:Fallback>
+        <mc:Fallback xmlns="">
           <p:sp>
             <p:nvSpPr>
               <p:cNvPr id="24" name="吹き出し: 四角形 23">
